--- a/bishops/cs321/resources/CS321_Lecture_13B.pptx
+++ b/bishops/cs321/resources/CS321_Lecture_13B.pptx
@@ -5,7 +5,7 @@
     <p:sldMasterId id="2147483648" r:id="rId1"/>
   </p:sldMasterIdLst>
   <p:notesMasterIdLst>
-    <p:notesMasterId r:id="rId29"/>
+    <p:notesMasterId r:id="rId16"/>
   </p:notesMasterIdLst>
   <p:sldIdLst>
     <p:sldId id="256" r:id="rId2"/>
@@ -22,19 +22,6 @@
     <p:sldId id="269" r:id="rId13"/>
     <p:sldId id="270" r:id="rId14"/>
     <p:sldId id="271" r:id="rId15"/>
-    <p:sldId id="272" r:id="rId16"/>
-    <p:sldId id="273" r:id="rId17"/>
-    <p:sldId id="274" r:id="rId18"/>
-    <p:sldId id="275" r:id="rId19"/>
-    <p:sldId id="276" r:id="rId20"/>
-    <p:sldId id="277" r:id="rId21"/>
-    <p:sldId id="278" r:id="rId22"/>
-    <p:sldId id="279" r:id="rId23"/>
-    <p:sldId id="280" r:id="rId24"/>
-    <p:sldId id="281" r:id="rId25"/>
-    <p:sldId id="282" r:id="rId26"/>
-    <p:sldId id="283" r:id="rId27"/>
-    <p:sldId id="284" r:id="rId28"/>
   </p:sldIdLst>
   <p:sldSz cx="12192000" cy="6858000"/>
   <p:notesSz cx="6858000" cy="9144000"/>
@@ -135,7 +122,7 @@
   </p:defaultTextStyle>
   <p:extLst>
     <p:ext uri="{EFAFB233-063F-42B5-8137-9DF3F51BA10A}">
-      <p15:sldGuideLst xmlns:p15="http://schemas.microsoft.com/office/powerpoint/2012/main"/>
+      <p15:sldGuideLst xmlns:p15="http://schemas.microsoft.com/office/powerpoint/2012/main" xmlns=""/>
     </p:ext>
   </p:extLst>
 </p:presentation>
@@ -146,7 +133,7 @@
   <p:cmAuthor id="1" name="Gregory" initials="G" lastIdx="1" clrIdx="0">
     <p:extLst>
       <p:ext uri="{19B8F6BF-5375-455C-9EA6-DF929625EA0E}">
-        <p15:presenceInfo xmlns:p15="http://schemas.microsoft.com/office/powerpoint/2012/main" userId="Gregory" providerId="None"/>
+        <p15:presenceInfo xmlns:p15="http://schemas.microsoft.com/office/powerpoint/2012/main" xmlns="" userId="Gregory" providerId="None"/>
       </p:ext>
     </p:extLst>
   </p:cmAuthor>
@@ -235,7 +222,8 @@
           <a:p>
             <a:fld id="{A6583E9D-07AB-4C6D-BFD0-47E805C6B3D4}" type="datetimeFigureOut">
               <a:rPr lang="en-CA" smtClean="0"/>
-              <a:t>2022-03-02</a:t>
+              <a:pPr/>
+              <a:t>2024-03-08</a:t>
             </a:fld>
             <a:endParaRPr lang="en-CA"/>
           </a:p>
@@ -394,6 +382,7 @@
           <a:p>
             <a:fld id="{8F20841C-25C9-4C0C-A7FA-C4A363D14F5A}" type="slidenum">
               <a:rPr lang="en-CA" smtClean="0"/>
+              <a:pPr/>
               <a:t>‹#›</a:t>
             </a:fld>
             <a:endParaRPr lang="en-CA"/>
@@ -403,7 +392,7 @@
     </p:spTree>
     <p:extLst>
       <p:ext uri="{BB962C8B-B14F-4D97-AF65-F5344CB8AC3E}">
-        <p14:creationId xmlns:p14="http://schemas.microsoft.com/office/powerpoint/2010/main" val="4237529172"/>
+        <p14:creationId xmlns:p14="http://schemas.microsoft.com/office/powerpoint/2010/main" xmlns="" val="4237529172"/>
       </p:ext>
     </p:extLst>
   </p:cSld>
@@ -576,6 +565,7 @@
           <a:p>
             <a:fld id="{8F20841C-25C9-4C0C-A7FA-C4A363D14F5A}" type="slidenum">
               <a:rPr lang="en-CA" smtClean="0"/>
+              <a:pPr/>
               <a:t>1</a:t>
             </a:fld>
             <a:endParaRPr lang="en-CA"/>
@@ -585,7 +575,7 @@
     </p:spTree>
     <p:extLst>
       <p:ext uri="{BB962C8B-B14F-4D97-AF65-F5344CB8AC3E}">
-        <p14:creationId xmlns:p14="http://schemas.microsoft.com/office/powerpoint/2010/main" val="2340334442"/>
+        <p14:creationId xmlns:p14="http://schemas.microsoft.com/office/powerpoint/2010/main" xmlns="" val="2340334442"/>
       </p:ext>
     </p:extLst>
   </p:cSld>
@@ -779,6 +769,7 @@
           <a:p>
             <a:fld id="{5174927E-2439-42C0-9720-7BBCA09BF46F}" type="slidenum">
               <a:rPr lang="en-CA" smtClean="0"/>
+              <a:pPr/>
               <a:t>‹#›</a:t>
             </a:fld>
             <a:endParaRPr lang="en-CA"/>
@@ -788,7 +779,7 @@
     </p:spTree>
     <p:extLst>
       <p:ext uri="{BB962C8B-B14F-4D97-AF65-F5344CB8AC3E}">
-        <p14:creationId xmlns:p14="http://schemas.microsoft.com/office/powerpoint/2010/main" val="1900560834"/>
+        <p14:creationId xmlns:p14="http://schemas.microsoft.com/office/powerpoint/2010/main" xmlns="" val="1900560834"/>
       </p:ext>
     </p:extLst>
   </p:cSld>
@@ -952,6 +943,7 @@
           <a:p>
             <a:fld id="{5174927E-2439-42C0-9720-7BBCA09BF46F}" type="slidenum">
               <a:rPr lang="en-CA" smtClean="0"/>
+              <a:pPr/>
               <a:t>‹#›</a:t>
             </a:fld>
             <a:endParaRPr lang="en-CA"/>
@@ -961,7 +953,7 @@
     </p:spTree>
     <p:extLst>
       <p:ext uri="{BB962C8B-B14F-4D97-AF65-F5344CB8AC3E}">
-        <p14:creationId xmlns:p14="http://schemas.microsoft.com/office/powerpoint/2010/main" val="3722958745"/>
+        <p14:creationId xmlns:p14="http://schemas.microsoft.com/office/powerpoint/2010/main" xmlns="" val="3722958745"/>
       </p:ext>
     </p:extLst>
   </p:cSld>
@@ -1197,7 +1189,7 @@
     </p:spTree>
     <p:extLst>
       <p:ext uri="{BB962C8B-B14F-4D97-AF65-F5344CB8AC3E}">
-        <p14:creationId xmlns:p14="http://schemas.microsoft.com/office/powerpoint/2010/main" val="1822376042"/>
+        <p14:creationId xmlns:p14="http://schemas.microsoft.com/office/powerpoint/2010/main" xmlns="" val="1822376042"/>
       </p:ext>
     </p:extLst>
   </p:cSld>
@@ -1437,6 +1429,7 @@
           <a:p>
             <a:fld id="{5174927E-2439-42C0-9720-7BBCA09BF46F}" type="slidenum">
               <a:rPr lang="en-CA" smtClean="0"/>
+              <a:pPr/>
               <a:t>‹#›</a:t>
             </a:fld>
             <a:endParaRPr lang="en-CA"/>
@@ -1446,7 +1439,7 @@
     </p:spTree>
     <p:extLst>
       <p:ext uri="{BB962C8B-B14F-4D97-AF65-F5344CB8AC3E}">
-        <p14:creationId xmlns:p14="http://schemas.microsoft.com/office/powerpoint/2010/main" val="3411672561"/>
+        <p14:creationId xmlns:p14="http://schemas.microsoft.com/office/powerpoint/2010/main" xmlns="" val="3411672561"/>
       </p:ext>
     </p:extLst>
   </p:cSld>
@@ -1672,6 +1665,7 @@
           <a:p>
             <a:fld id="{5174927E-2439-42C0-9720-7BBCA09BF46F}" type="slidenum">
               <a:rPr lang="en-CA" smtClean="0"/>
+              <a:pPr/>
               <a:t>‹#›</a:t>
             </a:fld>
             <a:endParaRPr lang="en-CA"/>
@@ -1681,7 +1675,7 @@
     </p:spTree>
     <p:extLst>
       <p:ext uri="{BB962C8B-B14F-4D97-AF65-F5344CB8AC3E}">
-        <p14:creationId xmlns:p14="http://schemas.microsoft.com/office/powerpoint/2010/main" val="1093008526"/>
+        <p14:creationId xmlns:p14="http://schemas.microsoft.com/office/powerpoint/2010/main" xmlns="" val="1093008526"/>
       </p:ext>
     </p:extLst>
   </p:cSld>
@@ -2042,6 +2036,7 @@
           <a:p>
             <a:fld id="{5174927E-2439-42C0-9720-7BBCA09BF46F}" type="slidenum">
               <a:rPr lang="en-CA" smtClean="0"/>
+              <a:pPr/>
               <a:t>‹#›</a:t>
             </a:fld>
             <a:endParaRPr lang="en-CA"/>
@@ -2051,7 +2046,7 @@
     </p:spTree>
     <p:extLst>
       <p:ext uri="{BB962C8B-B14F-4D97-AF65-F5344CB8AC3E}">
-        <p14:creationId xmlns:p14="http://schemas.microsoft.com/office/powerpoint/2010/main" val="1087924878"/>
+        <p14:creationId xmlns:p14="http://schemas.microsoft.com/office/powerpoint/2010/main" xmlns="" val="1087924878"/>
       </p:ext>
     </p:extLst>
   </p:cSld>
@@ -2163,6 +2158,7 @@
           <a:p>
             <a:fld id="{5174927E-2439-42C0-9720-7BBCA09BF46F}" type="slidenum">
               <a:rPr lang="en-CA" smtClean="0"/>
+              <a:pPr/>
               <a:t>‹#›</a:t>
             </a:fld>
             <a:endParaRPr lang="en-CA"/>
@@ -2172,7 +2168,7 @@
     </p:spTree>
     <p:extLst>
       <p:ext uri="{BB962C8B-B14F-4D97-AF65-F5344CB8AC3E}">
-        <p14:creationId xmlns:p14="http://schemas.microsoft.com/office/powerpoint/2010/main" val="3802387408"/>
+        <p14:creationId xmlns:p14="http://schemas.microsoft.com/office/powerpoint/2010/main" xmlns="" val="3802387408"/>
       </p:ext>
     </p:extLst>
   </p:cSld>
@@ -2261,6 +2257,7 @@
           <a:p>
             <a:fld id="{5174927E-2439-42C0-9720-7BBCA09BF46F}" type="slidenum">
               <a:rPr lang="en-CA" smtClean="0"/>
+              <a:pPr/>
               <a:t>‹#›</a:t>
             </a:fld>
             <a:endParaRPr lang="en-CA"/>
@@ -2270,7 +2267,7 @@
     </p:spTree>
     <p:extLst>
       <p:ext uri="{BB962C8B-B14F-4D97-AF65-F5344CB8AC3E}">
-        <p14:creationId xmlns:p14="http://schemas.microsoft.com/office/powerpoint/2010/main" val="4234091411"/>
+        <p14:creationId xmlns:p14="http://schemas.microsoft.com/office/powerpoint/2010/main" xmlns="" val="4234091411"/>
       </p:ext>
     </p:extLst>
   </p:cSld>
@@ -2541,6 +2538,7 @@
           <a:p>
             <a:fld id="{5174927E-2439-42C0-9720-7BBCA09BF46F}" type="slidenum">
               <a:rPr lang="en-CA" smtClean="0"/>
+              <a:pPr/>
               <a:t>‹#›</a:t>
             </a:fld>
             <a:endParaRPr lang="en-CA"/>
@@ -2550,7 +2548,7 @@
     </p:spTree>
     <p:extLst>
       <p:ext uri="{BB962C8B-B14F-4D97-AF65-F5344CB8AC3E}">
-        <p14:creationId xmlns:p14="http://schemas.microsoft.com/office/powerpoint/2010/main" val="4189422420"/>
+        <p14:creationId xmlns:p14="http://schemas.microsoft.com/office/powerpoint/2010/main" xmlns="" val="4189422420"/>
       </p:ext>
     </p:extLst>
   </p:cSld>
@@ -2797,6 +2795,7 @@
           <a:p>
             <a:fld id="{5174927E-2439-42C0-9720-7BBCA09BF46F}" type="slidenum">
               <a:rPr lang="en-CA" smtClean="0"/>
+              <a:pPr/>
               <a:t>‹#›</a:t>
             </a:fld>
             <a:endParaRPr lang="en-CA"/>
@@ -2806,7 +2805,7 @@
     </p:spTree>
     <p:extLst>
       <p:ext uri="{BB962C8B-B14F-4D97-AF65-F5344CB8AC3E}">
-        <p14:creationId xmlns:p14="http://schemas.microsoft.com/office/powerpoint/2010/main" val="3252977898"/>
+        <p14:creationId xmlns:p14="http://schemas.microsoft.com/office/powerpoint/2010/main" xmlns="" val="3252977898"/>
       </p:ext>
     </p:extLst>
   </p:cSld>
@@ -3072,10 +3071,10 @@
           <p:nvPr userDrawn="1"/>
         </p:nvPicPr>
         <p:blipFill>
-          <a:blip r:embed="rId13">
+          <a:blip r:embed="rId13" cstate="print">
             <a:extLst>
               <a:ext uri="{28A0092B-C50C-407E-A947-70E740481C1C}">
-                <a14:useLocalDpi xmlns:a14="http://schemas.microsoft.com/office/drawing/2010/main" val="0"/>
+                <a14:useLocalDpi xmlns:a14="http://schemas.microsoft.com/office/drawing/2010/main" xmlns="" val="0"/>
               </a:ext>
             </a:extLst>
           </a:blip>
@@ -3096,7 +3095,7 @@
     </p:spTree>
     <p:extLst>
       <p:ext uri="{BB962C8B-B14F-4D97-AF65-F5344CB8AC3E}">
-        <p14:creationId xmlns:p14="http://schemas.microsoft.com/office/powerpoint/2010/main" val="4230061028"/>
+        <p14:creationId xmlns:p14="http://schemas.microsoft.com/office/powerpoint/2010/main" xmlns="" val="4230061028"/>
       </p:ext>
     </p:extLst>
   </p:cSld>
@@ -3539,12 +3538,6 @@
             <a:endParaRPr lang="en-CA" baseline="30000" dirty="0"/>
           </a:p>
           <a:p>
-            <a:r>
-              <a:rPr lang="en-CA" dirty="0"/>
-              <a:t>Date: January 31, 2022</a:t>
-            </a:r>
-          </a:p>
-          <a:p>
             <a:endParaRPr lang="en-CA" dirty="0"/>
           </a:p>
         </p:txBody>
@@ -3554,7 +3547,7 @@
           <p:cNvPr id="13" name="Picture 8" descr="http://osiris.ubishops.ca/~alussier/images/transparentlogo_bu.png">
             <a:extLst>
               <a:ext uri="{FF2B5EF4-FFF2-40B4-BE49-F238E27FC236}">
-                <a16:creationId xmlns:a16="http://schemas.microsoft.com/office/drawing/2014/main" id="{CCB9A035-2F1C-4B96-A5DB-70B72D6E4AD8}"/>
+                <a16:creationId xmlns:a16="http://schemas.microsoft.com/office/drawing/2014/main" xmlns="" id="{CCB9A035-2F1C-4B96-A5DB-70B72D6E4AD8}"/>
               </a:ext>
             </a:extLst>
           </p:cNvPr>
@@ -3564,10 +3557,10 @@
           <p:nvPr/>
         </p:nvPicPr>
         <p:blipFill>
-          <a:blip r:embed="rId3">
+          <a:blip r:embed="rId3" cstate="print">
             <a:extLst>
               <a:ext uri="{28A0092B-C50C-407E-A947-70E740481C1C}">
-                <a14:useLocalDpi xmlns:a14="http://schemas.microsoft.com/office/drawing/2010/main" val="0"/>
+                <a14:useLocalDpi xmlns:a14="http://schemas.microsoft.com/office/drawing/2010/main" xmlns="" val="0"/>
               </a:ext>
             </a:extLst>
           </a:blip>
@@ -3587,7 +3580,7 @@
           <a:noFill/>
           <a:extLst>
             <a:ext uri="{909E8E84-426E-40DD-AFC4-6F175D3DCCD1}">
-              <a14:hiddenFill xmlns:a14="http://schemas.microsoft.com/office/drawing/2010/main">
+              <a14:hiddenFill xmlns:a14="http://schemas.microsoft.com/office/drawing/2010/main" xmlns="">
                 <a:solidFill>
                   <a:srgbClr val="FFFFFF"/>
                 </a:solidFill>
@@ -3599,7 +3592,7 @@
     </p:spTree>
     <p:extLst>
       <p:ext uri="{BB962C8B-B14F-4D97-AF65-F5344CB8AC3E}">
-        <p14:creationId xmlns:p14="http://schemas.microsoft.com/office/powerpoint/2010/main" val="4177077622"/>
+        <p14:creationId xmlns:p14="http://schemas.microsoft.com/office/powerpoint/2010/main" xmlns="" val="4177077622"/>
       </p:ext>
     </p:extLst>
   </p:cSld>
@@ -4328,28 +4321,6 @@
       </p:sp>
       <p:sp>
         <p:nvSpPr>
-          <p:cNvPr id="6" name="Date Placeholder 5"/>
-          <p:cNvSpPr>
-            <a:spLocks noGrp="1"/>
-          </p:cNvSpPr>
-          <p:nvPr>
-            <p:ph type="dt" sz="half" idx="2"/>
-          </p:nvPr>
-        </p:nvSpPr>
-        <p:spPr/>
-        <p:txBody>
-          <a:bodyPr/>
-          <a:lstStyle/>
-          <a:p>
-            <a:r>
-              <a:rPr lang="en-CA" dirty="0"/>
-              <a:t>Winter 2022</a:t>
-            </a:r>
-          </a:p>
-        </p:txBody>
-      </p:sp>
-      <p:sp>
-        <p:nvSpPr>
           <p:cNvPr id="10" name="Footer Placeholder 9"/>
           <p:cNvSpPr>
             <a:spLocks noGrp="1"/>
@@ -4400,7 +4371,7 @@
     </p:spTree>
     <p:extLst>
       <p:ext uri="{BB962C8B-B14F-4D97-AF65-F5344CB8AC3E}">
-        <p14:creationId xmlns:p14="http://schemas.microsoft.com/office/powerpoint/2010/main" val="3830296394"/>
+        <p14:creationId xmlns:p14="http://schemas.microsoft.com/office/powerpoint/2010/main" xmlns="" val="3830296394"/>
       </p:ext>
     </p:extLst>
   </p:cSld>
@@ -4500,28 +4471,6 @@
       </p:sp>
       <p:sp>
         <p:nvSpPr>
-          <p:cNvPr id="6" name="Date Placeholder 5"/>
-          <p:cNvSpPr>
-            <a:spLocks noGrp="1"/>
-          </p:cNvSpPr>
-          <p:nvPr>
-            <p:ph type="dt" sz="half" idx="2"/>
-          </p:nvPr>
-        </p:nvSpPr>
-        <p:spPr/>
-        <p:txBody>
-          <a:bodyPr/>
-          <a:lstStyle/>
-          <a:p>
-            <a:r>
-              <a:rPr lang="en-CA" dirty="0"/>
-              <a:t>Winter 2022</a:t>
-            </a:r>
-          </a:p>
-        </p:txBody>
-      </p:sp>
-      <p:sp>
-        <p:nvSpPr>
           <p:cNvPr id="10" name="Footer Placeholder 9"/>
           <p:cNvSpPr>
             <a:spLocks noGrp="1"/>
@@ -4574,7 +4523,7 @@
           <p:cNvPr id="22" name="Rectangle 3">
             <a:extLst>
               <a:ext uri="{FF2B5EF4-FFF2-40B4-BE49-F238E27FC236}">
-                <a16:creationId xmlns:a16="http://schemas.microsoft.com/office/drawing/2014/main" id="{AB36828C-2C98-4574-A336-5DA0EFEDDCA5}"/>
+                <a16:creationId xmlns:a16="http://schemas.microsoft.com/office/drawing/2014/main" xmlns="" id="{AB36828C-2C98-4574-A336-5DA0EFEDDCA5}"/>
               </a:ext>
             </a:extLst>
           </p:cNvPr>
@@ -4928,7 +4877,7 @@
     </p:spTree>
     <p:extLst>
       <p:ext uri="{BB962C8B-B14F-4D97-AF65-F5344CB8AC3E}">
-        <p14:creationId xmlns:p14="http://schemas.microsoft.com/office/powerpoint/2010/main" val="1148352933"/>
+        <p14:creationId xmlns:p14="http://schemas.microsoft.com/office/powerpoint/2010/main" xmlns="" val="1148352933"/>
       </p:ext>
     </p:extLst>
   </p:cSld>
@@ -5597,28 +5546,6 @@
       </p:sp>
       <p:sp>
         <p:nvSpPr>
-          <p:cNvPr id="6" name="Date Placeholder 5"/>
-          <p:cNvSpPr>
-            <a:spLocks noGrp="1"/>
-          </p:cNvSpPr>
-          <p:nvPr>
-            <p:ph type="dt" sz="half" idx="2"/>
-          </p:nvPr>
-        </p:nvSpPr>
-        <p:spPr/>
-        <p:txBody>
-          <a:bodyPr/>
-          <a:lstStyle/>
-          <a:p>
-            <a:r>
-              <a:rPr lang="en-CA" dirty="0"/>
-              <a:t>Winter 2022</a:t>
-            </a:r>
-          </a:p>
-        </p:txBody>
-      </p:sp>
-      <p:sp>
-        <p:nvSpPr>
           <p:cNvPr id="10" name="Footer Placeholder 9"/>
           <p:cNvSpPr>
             <a:spLocks noGrp="1"/>
@@ -5669,7 +5596,7 @@
     </p:spTree>
     <p:extLst>
       <p:ext uri="{BB962C8B-B14F-4D97-AF65-F5344CB8AC3E}">
-        <p14:creationId xmlns:p14="http://schemas.microsoft.com/office/powerpoint/2010/main" val="312691650"/>
+        <p14:creationId xmlns:p14="http://schemas.microsoft.com/office/powerpoint/2010/main" xmlns="" val="312691650"/>
       </p:ext>
     </p:extLst>
   </p:cSld>
@@ -5762,28 +5689,6 @@
       </p:sp>
       <p:sp>
         <p:nvSpPr>
-          <p:cNvPr id="6" name="Date Placeholder 5"/>
-          <p:cNvSpPr>
-            <a:spLocks noGrp="1"/>
-          </p:cNvSpPr>
-          <p:nvPr>
-            <p:ph type="dt" sz="half" idx="2"/>
-          </p:nvPr>
-        </p:nvSpPr>
-        <p:spPr/>
-        <p:txBody>
-          <a:bodyPr/>
-          <a:lstStyle/>
-          <a:p>
-            <a:r>
-              <a:rPr lang="en-CA" dirty="0"/>
-              <a:t>Winter 2022</a:t>
-            </a:r>
-          </a:p>
-        </p:txBody>
-      </p:sp>
-      <p:sp>
-        <p:nvSpPr>
           <p:cNvPr id="10" name="Footer Placeholder 9"/>
           <p:cNvSpPr>
             <a:spLocks noGrp="1"/>
@@ -5836,7 +5741,7 @@
           <p:cNvPr id="7" name="Rectangle 3">
             <a:extLst>
               <a:ext uri="{FF2B5EF4-FFF2-40B4-BE49-F238E27FC236}">
-                <a16:creationId xmlns:a16="http://schemas.microsoft.com/office/drawing/2014/main" id="{DEDACB95-5F47-46A8-B479-8C7528ED8C04}"/>
+                <a16:creationId xmlns:a16="http://schemas.microsoft.com/office/drawing/2014/main" xmlns="" id="{DEDACB95-5F47-46A8-B479-8C7528ED8C04}"/>
               </a:ext>
             </a:extLst>
           </p:cNvPr>
@@ -6190,7 +6095,7 @@
     </p:spTree>
     <p:extLst>
       <p:ext uri="{BB962C8B-B14F-4D97-AF65-F5344CB8AC3E}">
-        <p14:creationId xmlns:p14="http://schemas.microsoft.com/office/powerpoint/2010/main" val="2325179049"/>
+        <p14:creationId xmlns:p14="http://schemas.microsoft.com/office/powerpoint/2010/main" xmlns="" val="2325179049"/>
       </p:ext>
     </p:extLst>
   </p:cSld>
@@ -6669,28 +6574,6 @@
       </p:sp>
       <p:sp>
         <p:nvSpPr>
-          <p:cNvPr id="6" name="Date Placeholder 5"/>
-          <p:cNvSpPr>
-            <a:spLocks noGrp="1"/>
-          </p:cNvSpPr>
-          <p:nvPr>
-            <p:ph type="dt" sz="half" idx="2"/>
-          </p:nvPr>
-        </p:nvSpPr>
-        <p:spPr/>
-        <p:txBody>
-          <a:bodyPr/>
-          <a:lstStyle/>
-          <a:p>
-            <a:r>
-              <a:rPr lang="en-CA" dirty="0"/>
-              <a:t>Winter 2022</a:t>
-            </a:r>
-          </a:p>
-        </p:txBody>
-      </p:sp>
-      <p:sp>
-        <p:nvSpPr>
           <p:cNvPr id="10" name="Footer Placeholder 9"/>
           <p:cNvSpPr>
             <a:spLocks noGrp="1"/>
@@ -6741,2724 +6624,7 @@
     </p:spTree>
     <p:extLst>
       <p:ext uri="{BB962C8B-B14F-4D97-AF65-F5344CB8AC3E}">
-        <p14:creationId xmlns:p14="http://schemas.microsoft.com/office/powerpoint/2010/main" val="3064902311"/>
-      </p:ext>
-    </p:extLst>
-  </p:cSld>
-  <p:clrMapOvr>
-    <a:masterClrMapping/>
-  </p:clrMapOvr>
-</p:sld>
-</file>
-
-<file path=ppt/slides/slide15.xml><?xml version="1.0" encoding="utf-8"?>
-<p:sld xmlns:a="http://schemas.openxmlformats.org/drawingml/2006/main" xmlns:r="http://schemas.openxmlformats.org/officeDocument/2006/relationships" xmlns:p="http://schemas.openxmlformats.org/presentationml/2006/main">
-  <p:cSld>
-    <p:spTree>
-      <p:nvGrpSpPr>
-        <p:cNvPr id="1" name=""/>
-        <p:cNvGrpSpPr/>
-        <p:nvPr/>
-      </p:nvGrpSpPr>
-      <p:grpSpPr>
-        <a:xfrm>
-          <a:off x="0" y="0"/>
-          <a:ext cx="0" cy="0"/>
-          <a:chOff x="0" y="0"/>
-          <a:chExt cx="0" cy="0"/>
-        </a:xfrm>
-      </p:grpSpPr>
-      <p:sp>
-        <p:nvSpPr>
-          <p:cNvPr id="2" name="Title 1"/>
-          <p:cNvSpPr>
-            <a:spLocks noGrp="1"/>
-          </p:cNvSpPr>
-          <p:nvPr>
-            <p:ph type="title"/>
-          </p:nvPr>
-        </p:nvSpPr>
-        <p:spPr/>
-        <p:txBody>
-          <a:bodyPr/>
-          <a:lstStyle/>
-          <a:p>
-            <a:r>
-              <a:rPr lang="en-US" altLang="en-US" dirty="0"/>
-              <a:t>How to use the try statement</a:t>
-            </a:r>
-            <a:endParaRPr lang="en-CA" dirty="0"/>
-          </a:p>
-        </p:txBody>
-      </p:sp>
-      <p:sp>
-        <p:nvSpPr>
-          <p:cNvPr id="3" name="Content Placeholder 2"/>
-          <p:cNvSpPr>
-            <a:spLocks noGrp="1"/>
-          </p:cNvSpPr>
-          <p:nvPr>
-            <p:ph idx="1"/>
-          </p:nvPr>
-        </p:nvSpPr>
-        <p:spPr>
-          <a:xfrm>
-            <a:off x="640874" y="1168401"/>
-            <a:ext cx="10515600" cy="5025922"/>
-          </a:xfrm>
-        </p:spPr>
-        <p:txBody>
-          <a:bodyPr>
-            <a:normAutofit/>
-          </a:bodyPr>
-          <a:lstStyle/>
-          <a:p>
-            <a:r>
-              <a:rPr lang="en-US" altLang="en-US" sz="2400" dirty="0"/>
-              <a:t>Put</a:t>
-            </a:r>
-            <a:r>
-              <a:rPr lang="en-US" altLang="en-US" sz="2400" dirty="0">
-                <a:solidFill>
-                  <a:schemeClr val="accent2"/>
-                </a:solidFill>
-                <a:latin typeface="Trebuchet MS" panose="020B0603020202020204" pitchFamily="34" charset="0"/>
-              </a:rPr>
-              <a:t> try {...} </a:t>
-            </a:r>
-            <a:r>
-              <a:rPr lang="en-US" altLang="en-US" sz="2400" dirty="0"/>
-              <a:t>around any code that </a:t>
-            </a:r>
-            <a:r>
-              <a:rPr lang="en-US" altLang="en-US" sz="2400" i="1" dirty="0"/>
-              <a:t>might</a:t>
-            </a:r>
-            <a:r>
-              <a:rPr lang="en-US" altLang="en-US" sz="2400" dirty="0"/>
-              <a:t> throw an exception</a:t>
-            </a:r>
-          </a:p>
-          <a:p>
-            <a:pPr lvl="1"/>
-            <a:r>
-              <a:rPr lang="en-US" altLang="en-US" sz="2000" dirty="0">
-                <a:ea typeface="ＭＳ Ｐゴシック" panose="020B0600070205080204" pitchFamily="34" charset="-128"/>
-              </a:rPr>
-              <a:t>This is a </a:t>
-            </a:r>
-            <a:r>
-              <a:rPr lang="en-US" altLang="en-US" sz="2000" i="1" dirty="0">
-                <a:ea typeface="ＭＳ Ｐゴシック" panose="020B0600070205080204" pitchFamily="34" charset="-128"/>
-              </a:rPr>
-              <a:t>syntax</a:t>
-            </a:r>
-            <a:r>
-              <a:rPr lang="en-US" altLang="en-US" sz="2000" dirty="0">
-                <a:ea typeface="ＭＳ Ｐゴシック" panose="020B0600070205080204" pitchFamily="34" charset="-128"/>
-              </a:rPr>
-              <a:t> requirement you cannot ignore</a:t>
-            </a:r>
-            <a:endParaRPr lang="en-US" altLang="en-US" dirty="0">
-              <a:ea typeface="ＭＳ Ｐゴシック" panose="020B0600070205080204" pitchFamily="34" charset="-128"/>
-            </a:endParaRPr>
-          </a:p>
-          <a:p>
-            <a:r>
-              <a:rPr lang="en-US" altLang="en-US" sz="2400" dirty="0"/>
-              <a:t>For each </a:t>
-            </a:r>
-            <a:r>
-              <a:rPr lang="en-US" altLang="en-US" sz="2400" dirty="0">
-                <a:solidFill>
-                  <a:schemeClr val="accent2"/>
-                </a:solidFill>
-                <a:latin typeface="Trebuchet MS" panose="020B0603020202020204" pitchFamily="34" charset="0"/>
-              </a:rPr>
-              <a:t>Exception</a:t>
-            </a:r>
-            <a:r>
-              <a:rPr lang="en-US" altLang="en-US" sz="2400" dirty="0"/>
-              <a:t> object that might be thrown, you must provide a </a:t>
-            </a:r>
-            <a:r>
-              <a:rPr lang="en-US" altLang="en-US" sz="2400" dirty="0">
-                <a:solidFill>
-                  <a:schemeClr val="accent2"/>
-                </a:solidFill>
-                <a:latin typeface="Trebuchet MS" panose="020B0603020202020204" pitchFamily="34" charset="0"/>
-              </a:rPr>
-              <a:t>catch</a:t>
-            </a:r>
-            <a:r>
-              <a:rPr lang="en-US" altLang="en-US" sz="2400" dirty="0"/>
-              <a:t> phrase:</a:t>
-            </a:r>
-            <a:endParaRPr lang="en-US" altLang="en-US" sz="2400" dirty="0">
-              <a:solidFill>
-                <a:schemeClr val="accent2"/>
-              </a:solidFill>
-            </a:endParaRPr>
-          </a:p>
-          <a:p>
-            <a:pPr lvl="1">
-              <a:buClr>
-                <a:srgbClr val="FFFF99"/>
-              </a:buClr>
-              <a:buFontTx/>
-              <a:buChar char=" "/>
-            </a:pPr>
-            <a:r>
-              <a:rPr lang="en-US" altLang="en-US" sz="2000" dirty="0">
-                <a:solidFill>
-                  <a:schemeClr val="accent2"/>
-                </a:solidFill>
-                <a:latin typeface="Trebuchet MS" panose="020B0603020202020204" pitchFamily="34" charset="0"/>
-                <a:ea typeface="ＭＳ Ｐゴシック" panose="020B0600070205080204" pitchFamily="34" charset="-128"/>
-              </a:rPr>
-              <a:t>catch (</a:t>
-            </a:r>
-            <a:r>
-              <a:rPr lang="en-US" altLang="en-US" sz="2000" b="1" i="1" dirty="0" err="1">
-                <a:solidFill>
-                  <a:schemeClr val="hlink"/>
-                </a:solidFill>
-                <a:ea typeface="ＭＳ Ｐゴシック" panose="020B0600070205080204" pitchFamily="34" charset="-128"/>
-              </a:rPr>
-              <a:t>exception_type</a:t>
-            </a:r>
-            <a:r>
-              <a:rPr lang="en-US" altLang="en-US" sz="2000" b="1" i="1" dirty="0">
-                <a:solidFill>
-                  <a:schemeClr val="hlink"/>
-                </a:solidFill>
-                <a:ea typeface="ＭＳ Ｐゴシック" panose="020B0600070205080204" pitchFamily="34" charset="-128"/>
-              </a:rPr>
-              <a:t>  name</a:t>
-            </a:r>
-            <a:r>
-              <a:rPr lang="en-US" altLang="en-US" sz="2000" dirty="0">
-                <a:solidFill>
-                  <a:schemeClr val="accent2"/>
-                </a:solidFill>
-                <a:latin typeface="Trebuchet MS" panose="020B0603020202020204" pitchFamily="34" charset="0"/>
-                <a:ea typeface="ＭＳ Ｐゴシック" panose="020B0600070205080204" pitchFamily="34" charset="-128"/>
-              </a:rPr>
-              <a:t>) {...}</a:t>
-            </a:r>
-            <a:endParaRPr lang="en-US" altLang="en-US" sz="2000" dirty="0">
-              <a:solidFill>
-                <a:schemeClr val="accent2"/>
-              </a:solidFill>
-              <a:ea typeface="ＭＳ Ｐゴシック" panose="020B0600070205080204" pitchFamily="34" charset="-128"/>
-            </a:endParaRPr>
-          </a:p>
-          <a:p>
-            <a:pPr lvl="1"/>
-            <a:r>
-              <a:rPr lang="en-US" altLang="en-US" sz="2000" dirty="0">
-                <a:ea typeface="ＭＳ Ｐゴシック" panose="020B0600070205080204" pitchFamily="34" charset="-128"/>
-              </a:rPr>
-              <a:t>You can have as many </a:t>
-            </a:r>
-            <a:r>
-              <a:rPr lang="en-US" altLang="en-US" sz="2000" dirty="0">
-                <a:solidFill>
-                  <a:schemeClr val="accent2"/>
-                </a:solidFill>
-                <a:latin typeface="Trebuchet MS" panose="020B0603020202020204" pitchFamily="34" charset="0"/>
-                <a:ea typeface="ＭＳ Ｐゴシック" panose="020B0600070205080204" pitchFamily="34" charset="-128"/>
-              </a:rPr>
-              <a:t>catch</a:t>
-            </a:r>
-            <a:r>
-              <a:rPr lang="en-US" altLang="en-US" sz="2000" dirty="0">
-                <a:ea typeface="ＭＳ Ｐゴシック" panose="020B0600070205080204" pitchFamily="34" charset="-128"/>
-              </a:rPr>
-              <a:t> phrases as you need</a:t>
-            </a:r>
-          </a:p>
-          <a:p>
-            <a:pPr lvl="1"/>
-            <a:r>
-              <a:rPr lang="en-US" altLang="en-US" sz="2000" i="1" dirty="0">
-                <a:ea typeface="ＭＳ Ｐゴシック" panose="020B0600070205080204" pitchFamily="34" charset="-128"/>
-              </a:rPr>
-              <a:t>name</a:t>
-            </a:r>
-            <a:r>
-              <a:rPr lang="en-US" altLang="en-US" sz="2000" dirty="0">
-                <a:ea typeface="ＭＳ Ｐゴシック" panose="020B0600070205080204" pitchFamily="34" charset="-128"/>
-              </a:rPr>
-              <a:t> is a formal parameter that holds the exception object</a:t>
-            </a:r>
-          </a:p>
-          <a:p>
-            <a:pPr lvl="1"/>
-            <a:r>
-              <a:rPr lang="en-US" altLang="en-US" sz="2000" dirty="0">
-                <a:ea typeface="ＭＳ Ｐゴシック" panose="020B0600070205080204" pitchFamily="34" charset="-128"/>
-              </a:rPr>
-              <a:t>You can send messages to this object and access its fields</a:t>
-            </a:r>
-            <a:endParaRPr lang="en-US" altLang="en-US" dirty="0">
-              <a:ea typeface="ＭＳ Ｐゴシック" panose="020B0600070205080204" pitchFamily="34" charset="-128"/>
-            </a:endParaRPr>
-          </a:p>
-        </p:txBody>
-      </p:sp>
-      <p:sp>
-        <p:nvSpPr>
-          <p:cNvPr id="6" name="Date Placeholder 5"/>
-          <p:cNvSpPr>
-            <a:spLocks noGrp="1"/>
-          </p:cNvSpPr>
-          <p:nvPr>
-            <p:ph type="dt" sz="half" idx="2"/>
-          </p:nvPr>
-        </p:nvSpPr>
-        <p:spPr/>
-        <p:txBody>
-          <a:bodyPr/>
-          <a:lstStyle/>
-          <a:p>
-            <a:r>
-              <a:rPr lang="en-CA" dirty="0"/>
-              <a:t>Winter 2022</a:t>
-            </a:r>
-          </a:p>
-        </p:txBody>
-      </p:sp>
-      <p:sp>
-        <p:nvSpPr>
-          <p:cNvPr id="10" name="Footer Placeholder 9"/>
-          <p:cNvSpPr>
-            <a:spLocks noGrp="1"/>
-          </p:cNvSpPr>
-          <p:nvPr>
-            <p:ph type="ftr" sz="quarter" idx="3"/>
-          </p:nvPr>
-        </p:nvSpPr>
-        <p:spPr/>
-        <p:txBody>
-          <a:bodyPr/>
-          <a:lstStyle/>
-          <a:p>
-            <a:r>
-              <a:rPr lang="en-CA" dirty="0"/>
-              <a:t>CS321: Advanced Programming Techniques</a:t>
-            </a:r>
-          </a:p>
-        </p:txBody>
-      </p:sp>
-      <p:sp>
-        <p:nvSpPr>
-          <p:cNvPr id="12" name="Slide Number Placeholder 11"/>
-          <p:cNvSpPr>
-            <a:spLocks noGrp="1"/>
-          </p:cNvSpPr>
-          <p:nvPr>
-            <p:ph type="sldNum" sz="quarter" idx="4"/>
-          </p:nvPr>
-        </p:nvSpPr>
-        <p:spPr/>
-        <p:txBody>
-          <a:bodyPr/>
-          <a:lstStyle/>
-          <a:p>
-            <a:fld id="{5174927E-2439-42C0-9720-7BBCA09BF46F}" type="slidenum">
-              <a:rPr lang="en-CA" smtClean="0"/>
-              <a:pPr/>
-              <a:t>15</a:t>
-            </a:fld>
-            <a:r>
-              <a:rPr lang="en-CA" dirty="0"/>
-              <a:t> </a:t>
-            </a:r>
-          </a:p>
-        </p:txBody>
-      </p:sp>
-    </p:spTree>
-    <p:extLst>
-      <p:ext uri="{BB962C8B-B14F-4D97-AF65-F5344CB8AC3E}">
-        <p14:creationId xmlns:p14="http://schemas.microsoft.com/office/powerpoint/2010/main" val="4198276298"/>
-      </p:ext>
-    </p:extLst>
-  </p:cSld>
-  <p:clrMapOvr>
-    <a:masterClrMapping/>
-  </p:clrMapOvr>
-</p:sld>
-</file>
-
-<file path=ppt/slides/slide16.xml><?xml version="1.0" encoding="utf-8"?>
-<p:sld xmlns:a="http://schemas.openxmlformats.org/drawingml/2006/main" xmlns:r="http://schemas.openxmlformats.org/officeDocument/2006/relationships" xmlns:p="http://schemas.openxmlformats.org/presentationml/2006/main">
-  <p:cSld>
-    <p:spTree>
-      <p:nvGrpSpPr>
-        <p:cNvPr id="1" name=""/>
-        <p:cNvGrpSpPr/>
-        <p:nvPr/>
-      </p:nvGrpSpPr>
-      <p:grpSpPr>
-        <a:xfrm>
-          <a:off x="0" y="0"/>
-          <a:ext cx="0" cy="0"/>
-          <a:chOff x="0" y="0"/>
-          <a:chExt cx="0" cy="0"/>
-        </a:xfrm>
-      </p:grpSpPr>
-      <p:sp>
-        <p:nvSpPr>
-          <p:cNvPr id="2" name="Title 1"/>
-          <p:cNvSpPr>
-            <a:spLocks noGrp="1"/>
-          </p:cNvSpPr>
-          <p:nvPr>
-            <p:ph type="title"/>
-          </p:nvPr>
-        </p:nvSpPr>
-        <p:spPr/>
-        <p:txBody>
-          <a:bodyPr/>
-          <a:lstStyle/>
-          <a:p>
-            <a:r>
-              <a:rPr lang="en-US" altLang="en-US" dirty="0"/>
-              <a:t>How to use the try statement</a:t>
-            </a:r>
-            <a:endParaRPr lang="en-CA" dirty="0"/>
-          </a:p>
-        </p:txBody>
-      </p:sp>
-      <p:sp>
-        <p:nvSpPr>
-          <p:cNvPr id="6" name="Date Placeholder 5"/>
-          <p:cNvSpPr>
-            <a:spLocks noGrp="1"/>
-          </p:cNvSpPr>
-          <p:nvPr>
-            <p:ph type="dt" sz="half" idx="2"/>
-          </p:nvPr>
-        </p:nvSpPr>
-        <p:spPr/>
-        <p:txBody>
-          <a:bodyPr/>
-          <a:lstStyle/>
-          <a:p>
-            <a:r>
-              <a:rPr lang="en-CA" dirty="0"/>
-              <a:t>Winter 2022</a:t>
-            </a:r>
-          </a:p>
-        </p:txBody>
-      </p:sp>
-      <p:sp>
-        <p:nvSpPr>
-          <p:cNvPr id="10" name="Footer Placeholder 9"/>
-          <p:cNvSpPr>
-            <a:spLocks noGrp="1"/>
-          </p:cNvSpPr>
-          <p:nvPr>
-            <p:ph type="ftr" sz="quarter" idx="3"/>
-          </p:nvPr>
-        </p:nvSpPr>
-        <p:spPr/>
-        <p:txBody>
-          <a:bodyPr/>
-          <a:lstStyle/>
-          <a:p>
-            <a:r>
-              <a:rPr lang="en-CA" dirty="0"/>
-              <a:t>CS321: Advanced Programming Techniques</a:t>
-            </a:r>
-          </a:p>
-        </p:txBody>
-      </p:sp>
-      <p:sp>
-        <p:nvSpPr>
-          <p:cNvPr id="12" name="Slide Number Placeholder 11"/>
-          <p:cNvSpPr>
-            <a:spLocks noGrp="1"/>
-          </p:cNvSpPr>
-          <p:nvPr>
-            <p:ph type="sldNum" sz="quarter" idx="4"/>
-          </p:nvPr>
-        </p:nvSpPr>
-        <p:spPr/>
-        <p:txBody>
-          <a:bodyPr/>
-          <a:lstStyle/>
-          <a:p>
-            <a:fld id="{5174927E-2439-42C0-9720-7BBCA09BF46F}" type="slidenum">
-              <a:rPr lang="en-CA" smtClean="0"/>
-              <a:pPr/>
-              <a:t>16</a:t>
-            </a:fld>
-            <a:r>
-              <a:rPr lang="en-CA" dirty="0"/>
-              <a:t> </a:t>
-            </a:r>
-          </a:p>
-        </p:txBody>
-      </p:sp>
-      <p:sp>
-        <p:nvSpPr>
-          <p:cNvPr id="5" name="Content Placeholder 4">
-            <a:extLst>
-              <a:ext uri="{FF2B5EF4-FFF2-40B4-BE49-F238E27FC236}">
-                <a16:creationId xmlns:a16="http://schemas.microsoft.com/office/drawing/2014/main" id="{F4C9EE17-8336-4F55-BFF5-CFF8F9AAED8D}"/>
-              </a:ext>
-            </a:extLst>
-          </p:cNvPr>
-          <p:cNvSpPr>
-            <a:spLocks noGrp="1"/>
-          </p:cNvSpPr>
-          <p:nvPr>
-            <p:ph idx="1"/>
-          </p:nvPr>
-        </p:nvSpPr>
-        <p:spPr/>
-        <p:txBody>
-          <a:bodyPr/>
-          <a:lstStyle/>
-          <a:p>
-            <a:pPr marL="0" indent="0">
-              <a:buNone/>
-            </a:pPr>
-            <a:r>
-              <a:rPr lang="en-CA" dirty="0"/>
-              <a:t> </a:t>
-            </a:r>
-          </a:p>
-        </p:txBody>
-      </p:sp>
-      <p:sp>
-        <p:nvSpPr>
-          <p:cNvPr id="11" name="Rectangle 3">
-            <a:extLst>
-              <a:ext uri="{FF2B5EF4-FFF2-40B4-BE49-F238E27FC236}">
-                <a16:creationId xmlns:a16="http://schemas.microsoft.com/office/drawing/2014/main" id="{5F646B1B-CB45-4B54-9051-53BB49DC6BDE}"/>
-              </a:ext>
-            </a:extLst>
-          </p:cNvPr>
-          <p:cNvSpPr txBox="1">
-            <a:spLocks noChangeArrowheads="1"/>
-          </p:cNvSpPr>
-          <p:nvPr/>
-        </p:nvSpPr>
-        <p:spPr bwMode="auto">
-          <a:xfrm>
-            <a:off x="3655142" y="1084007"/>
-            <a:ext cx="7391400" cy="3754438"/>
-          </a:xfrm>
-          <a:prstGeom prst="rect">
-            <a:avLst/>
-          </a:prstGeom>
-          <a:noFill/>
-          <a:ln>
-            <a:noFill/>
-          </a:ln>
-          <a:extLst>
-            <a:ext uri="{909E8E84-426E-40DD-AFC4-6F175D3DCCD1}">
-              <a14:hiddenFill xmlns:a14="http://schemas.microsoft.com/office/drawing/2010/main">
-                <a:solidFill>
-                  <a:srgbClr val="FFFFFF"/>
-                </a:solidFill>
-              </a14:hiddenFill>
-            </a:ext>
-            <a:ext uri="{91240B29-F687-4F45-9708-019B960494DF}">
-              <a14:hiddenLine xmlns:a14="http://schemas.microsoft.com/office/drawing/2010/main" w="9525">
-                <a:solidFill>
-                  <a:srgbClr val="000000"/>
-                </a:solidFill>
-                <a:miter lim="800000"/>
-                <a:headEnd/>
-                <a:tailEnd/>
-              </a14:hiddenLine>
-            </a:ext>
-          </a:extLst>
-        </p:spPr>
-        <p:txBody>
-          <a:bodyPr vert="horz" wrap="square" lIns="91440" tIns="45720" rIns="91440" bIns="45720" numCol="1" anchor="t" anchorCtr="0" compatLnSpc="1">
-            <a:prstTxWarp prst="textNoShape">
-              <a:avLst/>
-            </a:prstTxWarp>
-          </a:bodyPr>
-          <a:lstStyle>
-            <a:lvl1pPr marL="230188" indent="-230188" algn="l" rtl="0" eaLnBrk="0" fontAlgn="base" hangingPunct="0">
-              <a:spcBef>
-                <a:spcPct val="20000"/>
-              </a:spcBef>
-              <a:spcAft>
-                <a:spcPct val="0"/>
-              </a:spcAft>
-              <a:buChar char="•"/>
-              <a:tabLst>
-                <a:tab pos="1255713" algn="l"/>
-              </a:tabLst>
-              <a:defRPr sz="2800" kern="1200">
-                <a:solidFill>
-                  <a:schemeClr val="tx1"/>
-                </a:solidFill>
-                <a:latin typeface="+mn-lt"/>
-                <a:ea typeface="ＭＳ Ｐゴシック" panose="020B0600070205080204" pitchFamily="34" charset="-128"/>
-                <a:cs typeface="+mn-cs"/>
-              </a:defRPr>
-            </a:lvl1pPr>
-            <a:lvl2pPr marL="576263" indent="-231775" algn="l" rtl="0" eaLnBrk="0" fontAlgn="base" hangingPunct="0">
-              <a:spcBef>
-                <a:spcPct val="20000"/>
-              </a:spcBef>
-              <a:spcAft>
-                <a:spcPct val="0"/>
-              </a:spcAft>
-              <a:buChar char="–"/>
-              <a:tabLst>
-                <a:tab pos="1255713" algn="l"/>
-              </a:tabLst>
-              <a:defRPr sz="2400" kern="1200">
-                <a:solidFill>
-                  <a:schemeClr val="tx1"/>
-                </a:solidFill>
-                <a:latin typeface="+mn-lt"/>
-                <a:ea typeface="ＭＳ Ｐゴシック" charset="-128"/>
-                <a:cs typeface="+mn-cs"/>
-              </a:defRPr>
-            </a:lvl2pPr>
-            <a:lvl3pPr marL="911225" indent="-220663" algn="l" rtl="0" eaLnBrk="0" fontAlgn="base" hangingPunct="0">
-              <a:spcBef>
-                <a:spcPct val="20000"/>
-              </a:spcBef>
-              <a:spcAft>
-                <a:spcPct val="0"/>
-              </a:spcAft>
-              <a:buChar char="•"/>
-              <a:tabLst>
-                <a:tab pos="1255713" algn="l"/>
-              </a:tabLst>
-              <a:defRPr sz="2000" kern="1200">
-                <a:solidFill>
-                  <a:schemeClr val="tx1"/>
-                </a:solidFill>
-                <a:latin typeface="+mn-lt"/>
-                <a:ea typeface="ＭＳ Ｐゴシック" charset="-128"/>
-                <a:cs typeface="+mn-cs"/>
-              </a:defRPr>
-            </a:lvl3pPr>
-            <a:lvl4pPr marL="1255713" indent="-230188" algn="l" rtl="0" eaLnBrk="0" fontAlgn="base" hangingPunct="0">
-              <a:spcBef>
-                <a:spcPct val="20000"/>
-              </a:spcBef>
-              <a:spcAft>
-                <a:spcPct val="0"/>
-              </a:spcAft>
-              <a:buChar char="–"/>
-              <a:tabLst>
-                <a:tab pos="1255713" algn="l"/>
-              </a:tabLst>
-              <a:defRPr kern="1200">
-                <a:solidFill>
-                  <a:schemeClr val="tx1"/>
-                </a:solidFill>
-                <a:latin typeface="+mn-lt"/>
-                <a:ea typeface="ＭＳ Ｐゴシック" charset="-128"/>
-                <a:cs typeface="+mn-cs"/>
-              </a:defRPr>
-            </a:lvl4pPr>
-            <a:lvl5pPr marL="1601788" indent="-231775" algn="l" rtl="0" eaLnBrk="0" fontAlgn="base" hangingPunct="0">
-              <a:spcBef>
-                <a:spcPct val="20000"/>
-              </a:spcBef>
-              <a:spcAft>
-                <a:spcPct val="0"/>
-              </a:spcAft>
-              <a:buChar char="»"/>
-              <a:tabLst>
-                <a:tab pos="1255713" algn="l"/>
-              </a:tabLst>
-              <a:defRPr kern="1200">
-                <a:solidFill>
-                  <a:schemeClr val="tx1"/>
-                </a:solidFill>
-                <a:latin typeface="+mn-lt"/>
-                <a:ea typeface="ＭＳ Ｐゴシック" charset="-128"/>
-                <a:cs typeface="+mn-cs"/>
-              </a:defRPr>
-            </a:lvl5pPr>
-            <a:lvl6pPr marL="2514600" indent="-228600" algn="l" defTabSz="914400" rtl="0" eaLnBrk="1" latinLnBrk="0" hangingPunct="1">
-              <a:lnSpc>
-                <a:spcPct val="90000"/>
-              </a:lnSpc>
-              <a:spcBef>
-                <a:spcPts val="500"/>
-              </a:spcBef>
-              <a:buFont typeface="Arial"/>
-              <a:buChar char="•"/>
-              <a:defRPr sz="1800" kern="1200">
-                <a:solidFill>
-                  <a:schemeClr val="tx1"/>
-                </a:solidFill>
-                <a:latin typeface="+mn-lt"/>
-                <a:ea typeface="+mn-ea"/>
-                <a:cs typeface="+mn-cs"/>
-              </a:defRPr>
-            </a:lvl6pPr>
-            <a:lvl7pPr marL="2971800" indent="-228600" algn="l" defTabSz="914400" rtl="0" eaLnBrk="1" latinLnBrk="0" hangingPunct="1">
-              <a:lnSpc>
-                <a:spcPct val="90000"/>
-              </a:lnSpc>
-              <a:spcBef>
-                <a:spcPts val="500"/>
-              </a:spcBef>
-              <a:buFont typeface="Arial"/>
-              <a:buChar char="•"/>
-              <a:defRPr sz="1800" kern="1200">
-                <a:solidFill>
-                  <a:schemeClr val="tx1"/>
-                </a:solidFill>
-                <a:latin typeface="+mn-lt"/>
-                <a:ea typeface="+mn-ea"/>
-                <a:cs typeface="+mn-cs"/>
-              </a:defRPr>
-            </a:lvl7pPr>
-            <a:lvl8pPr marL="3429000" indent="-228600" algn="l" defTabSz="914400" rtl="0" eaLnBrk="1" latinLnBrk="0" hangingPunct="1">
-              <a:lnSpc>
-                <a:spcPct val="90000"/>
-              </a:lnSpc>
-              <a:spcBef>
-                <a:spcPts val="500"/>
-              </a:spcBef>
-              <a:buFont typeface="Arial"/>
-              <a:buChar char="•"/>
-              <a:defRPr sz="1800" kern="1200">
-                <a:solidFill>
-                  <a:schemeClr val="tx1"/>
-                </a:solidFill>
-                <a:latin typeface="+mn-lt"/>
-                <a:ea typeface="+mn-ea"/>
-                <a:cs typeface="+mn-cs"/>
-              </a:defRPr>
-            </a:lvl8pPr>
-            <a:lvl9pPr marL="3886200" indent="-228600" algn="l" defTabSz="914400" rtl="0" eaLnBrk="1" latinLnBrk="0" hangingPunct="1">
-              <a:lnSpc>
-                <a:spcPct val="90000"/>
-              </a:lnSpc>
-              <a:spcBef>
-                <a:spcPts val="500"/>
-              </a:spcBef>
-              <a:buFont typeface="Arial"/>
-              <a:buChar char="•"/>
-              <a:defRPr sz="1800" kern="1200">
-                <a:solidFill>
-                  <a:schemeClr val="tx1"/>
-                </a:solidFill>
-                <a:latin typeface="+mn-lt"/>
-                <a:ea typeface="+mn-ea"/>
-                <a:cs typeface="+mn-cs"/>
-              </a:defRPr>
-            </a:lvl9pPr>
-          </a:lstStyle>
-          <a:p>
-            <a:pPr marL="342900" marR="0" lvl="0" indent="-342900" algn="l" defTabSz="914400" rtl="0" eaLnBrk="0" fontAlgn="base" latinLnBrk="0" hangingPunct="0">
-              <a:lnSpc>
-                <a:spcPct val="90000"/>
-              </a:lnSpc>
-              <a:spcBef>
-                <a:spcPct val="20000"/>
-              </a:spcBef>
-              <a:spcAft>
-                <a:spcPct val="0"/>
-              </a:spcAft>
-              <a:buClrTx/>
-              <a:buSzTx/>
-              <a:buFontTx/>
-              <a:buNone/>
-              <a:tabLst/>
-              <a:defRPr/>
-            </a:pPr>
-            <a:r>
-              <a:rPr kumimoji="0" lang="en-US" altLang="en-US" sz="1400" b="1" i="0" u="none" strike="noStrike" kern="1200" cap="none" spc="0" normalizeH="0" baseline="0" noProof="0">
-                <a:ln>
-                  <a:noFill/>
-                </a:ln>
-                <a:solidFill>
-                  <a:srgbClr val="000000"/>
-                </a:solidFill>
-                <a:effectLst/>
-                <a:uLnTx/>
-                <a:uFillTx/>
-                <a:latin typeface="Andale Mono" charset="0"/>
-                <a:ea typeface="ＭＳ Ｐゴシック" panose="020B0600070205080204" pitchFamily="34" charset="-128"/>
-                <a:cs typeface="+mn-cs"/>
-              </a:rPr>
-              <a:t>class Division {</a:t>
-            </a:r>
-          </a:p>
-          <a:p>
-            <a:pPr marL="342900" marR="0" lvl="0" indent="-342900" algn="l" defTabSz="914400" rtl="0" eaLnBrk="0" fontAlgn="base" latinLnBrk="0" hangingPunct="0">
-              <a:lnSpc>
-                <a:spcPct val="90000"/>
-              </a:lnSpc>
-              <a:spcBef>
-                <a:spcPct val="20000"/>
-              </a:spcBef>
-              <a:spcAft>
-                <a:spcPct val="0"/>
-              </a:spcAft>
-              <a:buClrTx/>
-              <a:buSzTx/>
-              <a:buFontTx/>
-              <a:buNone/>
-              <a:tabLst/>
-              <a:defRPr/>
-            </a:pPr>
-            <a:r>
-              <a:rPr kumimoji="0" lang="en-US" altLang="en-US" sz="1400" b="1" i="0" u="none" strike="noStrike" kern="1200" cap="none" spc="0" normalizeH="0" baseline="0" noProof="0">
-                <a:ln>
-                  <a:noFill/>
-                </a:ln>
-                <a:solidFill>
-                  <a:srgbClr val="000000"/>
-                </a:solidFill>
-                <a:effectLst/>
-                <a:uLnTx/>
-                <a:uFillTx/>
-                <a:latin typeface="Andale Mono" charset="0"/>
-                <a:ea typeface="ＭＳ Ｐゴシック" panose="020B0600070205080204" pitchFamily="34" charset="-128"/>
-                <a:cs typeface="+mn-cs"/>
-              </a:rPr>
-              <a:t>  public static void main(String[] args) {</a:t>
-            </a:r>
-          </a:p>
-          <a:p>
-            <a:pPr marL="342900" marR="0" lvl="0" indent="-342900" algn="l" defTabSz="914400" rtl="0" eaLnBrk="0" fontAlgn="base" latinLnBrk="0" hangingPunct="0">
-              <a:lnSpc>
-                <a:spcPct val="90000"/>
-              </a:lnSpc>
-              <a:spcBef>
-                <a:spcPct val="20000"/>
-              </a:spcBef>
-              <a:spcAft>
-                <a:spcPct val="0"/>
-              </a:spcAft>
-              <a:buClrTx/>
-              <a:buSzTx/>
-              <a:buFontTx/>
-              <a:buNone/>
-              <a:tabLst/>
-              <a:defRPr/>
-            </a:pPr>
-            <a:r>
-              <a:rPr kumimoji="0" lang="en-US" altLang="en-US" sz="1400" b="1" i="0" u="none" strike="noStrike" kern="1200" cap="none" spc="0" normalizeH="0" baseline="0" noProof="0">
-                <a:ln>
-                  <a:noFill/>
-                </a:ln>
-                <a:solidFill>
-                  <a:srgbClr val="000000"/>
-                </a:solidFill>
-                <a:effectLst/>
-                <a:uLnTx/>
-                <a:uFillTx/>
-                <a:latin typeface="Andale Mono" charset="0"/>
-                <a:ea typeface="ＭＳ Ｐゴシック" panose="020B0600070205080204" pitchFamily="34" charset="-128"/>
-                <a:cs typeface="+mn-cs"/>
-              </a:rPr>
-              <a:t> </a:t>
-            </a:r>
-          </a:p>
-          <a:p>
-            <a:pPr marL="342900" marR="0" lvl="0" indent="-342900" algn="l" defTabSz="914400" rtl="0" eaLnBrk="0" fontAlgn="base" latinLnBrk="0" hangingPunct="0">
-              <a:lnSpc>
-                <a:spcPct val="90000"/>
-              </a:lnSpc>
-              <a:spcBef>
-                <a:spcPct val="20000"/>
-              </a:spcBef>
-              <a:spcAft>
-                <a:spcPct val="0"/>
-              </a:spcAft>
-              <a:buClrTx/>
-              <a:buSzTx/>
-              <a:buFontTx/>
-              <a:buNone/>
-              <a:tabLst/>
-              <a:defRPr/>
-            </a:pPr>
-            <a:r>
-              <a:rPr kumimoji="0" lang="en-US" altLang="en-US" sz="1400" b="1" i="0" u="none" strike="noStrike" kern="1200" cap="none" spc="0" normalizeH="0" baseline="0" noProof="0">
-                <a:ln>
-                  <a:noFill/>
-                </a:ln>
-                <a:solidFill>
-                  <a:srgbClr val="000000"/>
-                </a:solidFill>
-                <a:effectLst/>
-                <a:uLnTx/>
-                <a:uFillTx/>
-                <a:latin typeface="Andale Mono" charset="0"/>
-                <a:ea typeface="ＭＳ Ｐゴシック" panose="020B0600070205080204" pitchFamily="34" charset="-128"/>
-                <a:cs typeface="+mn-cs"/>
-              </a:rPr>
-              <a:t>  int a, b, result;</a:t>
-            </a:r>
-          </a:p>
-          <a:p>
-            <a:pPr marL="342900" marR="0" lvl="0" indent="-342900" algn="l" defTabSz="914400" rtl="0" eaLnBrk="0" fontAlgn="base" latinLnBrk="0" hangingPunct="0">
-              <a:lnSpc>
-                <a:spcPct val="90000"/>
-              </a:lnSpc>
-              <a:spcBef>
-                <a:spcPct val="20000"/>
-              </a:spcBef>
-              <a:spcAft>
-                <a:spcPct val="0"/>
-              </a:spcAft>
-              <a:buClrTx/>
-              <a:buSzTx/>
-              <a:buFontTx/>
-              <a:buNone/>
-              <a:tabLst/>
-              <a:defRPr/>
-            </a:pPr>
-            <a:r>
-              <a:rPr kumimoji="0" lang="en-US" altLang="en-US" sz="1400" b="1" i="0" u="none" strike="noStrike" kern="1200" cap="none" spc="0" normalizeH="0" baseline="0" noProof="0">
-                <a:ln>
-                  <a:noFill/>
-                </a:ln>
-                <a:solidFill>
-                  <a:srgbClr val="000000"/>
-                </a:solidFill>
-                <a:effectLst/>
-                <a:uLnTx/>
-                <a:uFillTx/>
-                <a:latin typeface="Andale Mono" charset="0"/>
-                <a:ea typeface="ＭＳ Ｐゴシック" panose="020B0600070205080204" pitchFamily="34" charset="-128"/>
-                <a:cs typeface="+mn-cs"/>
-              </a:rPr>
-              <a:t> </a:t>
-            </a:r>
-          </a:p>
-          <a:p>
-            <a:pPr marL="342900" marR="0" lvl="0" indent="-342900" algn="l" defTabSz="914400" rtl="0" eaLnBrk="0" fontAlgn="base" latinLnBrk="0" hangingPunct="0">
-              <a:lnSpc>
-                <a:spcPct val="90000"/>
-              </a:lnSpc>
-              <a:spcBef>
-                <a:spcPct val="20000"/>
-              </a:spcBef>
-              <a:spcAft>
-                <a:spcPct val="0"/>
-              </a:spcAft>
-              <a:buClrTx/>
-              <a:buSzTx/>
-              <a:buFontTx/>
-              <a:buNone/>
-              <a:tabLst/>
-              <a:defRPr/>
-            </a:pPr>
-            <a:r>
-              <a:rPr kumimoji="0" lang="en-US" altLang="en-US" sz="1400" b="1" i="0" u="none" strike="noStrike" kern="1200" cap="none" spc="0" normalizeH="0" baseline="0" noProof="0">
-                <a:ln>
-                  <a:noFill/>
-                </a:ln>
-                <a:solidFill>
-                  <a:srgbClr val="000000"/>
-                </a:solidFill>
-                <a:effectLst/>
-                <a:uLnTx/>
-                <a:uFillTx/>
-                <a:latin typeface="Andale Mono" charset="0"/>
-                <a:ea typeface="ＭＳ Ｐゴシック" panose="020B0600070205080204" pitchFamily="34" charset="-128"/>
-                <a:cs typeface="+mn-cs"/>
-              </a:rPr>
-              <a:t>  Scanner input = new Scanner(System.in);</a:t>
-            </a:r>
-          </a:p>
-          <a:p>
-            <a:pPr marL="342900" marR="0" lvl="0" indent="-342900" algn="l" defTabSz="914400" rtl="0" eaLnBrk="0" fontAlgn="base" latinLnBrk="0" hangingPunct="0">
-              <a:lnSpc>
-                <a:spcPct val="90000"/>
-              </a:lnSpc>
-              <a:spcBef>
-                <a:spcPct val="20000"/>
-              </a:spcBef>
-              <a:spcAft>
-                <a:spcPct val="0"/>
-              </a:spcAft>
-              <a:buClrTx/>
-              <a:buSzTx/>
-              <a:buFontTx/>
-              <a:buNone/>
-              <a:tabLst/>
-              <a:defRPr/>
-            </a:pPr>
-            <a:r>
-              <a:rPr kumimoji="0" lang="en-US" altLang="en-US" sz="1400" b="1" i="0" u="none" strike="noStrike" kern="1200" cap="none" spc="0" normalizeH="0" baseline="0" noProof="0">
-                <a:ln>
-                  <a:noFill/>
-                </a:ln>
-                <a:solidFill>
-                  <a:srgbClr val="000000"/>
-                </a:solidFill>
-                <a:effectLst/>
-                <a:uLnTx/>
-                <a:uFillTx/>
-                <a:latin typeface="Andale Mono" charset="0"/>
-                <a:ea typeface="ＭＳ Ｐゴシック" panose="020B0600070205080204" pitchFamily="34" charset="-128"/>
-                <a:cs typeface="+mn-cs"/>
-              </a:rPr>
-              <a:t>  System.out.println("Input two integers");</a:t>
-            </a:r>
-          </a:p>
-          <a:p>
-            <a:pPr marL="342900" marR="0" lvl="0" indent="-342900" algn="l" defTabSz="914400" rtl="0" eaLnBrk="0" fontAlgn="base" latinLnBrk="0" hangingPunct="0">
-              <a:lnSpc>
-                <a:spcPct val="90000"/>
-              </a:lnSpc>
-              <a:spcBef>
-                <a:spcPct val="20000"/>
-              </a:spcBef>
-              <a:spcAft>
-                <a:spcPct val="0"/>
-              </a:spcAft>
-              <a:buClrTx/>
-              <a:buSzTx/>
-              <a:buFontTx/>
-              <a:buNone/>
-              <a:tabLst/>
-              <a:defRPr/>
-            </a:pPr>
-            <a:r>
-              <a:rPr kumimoji="0" lang="en-US" altLang="en-US" sz="1400" b="1" i="0" u="none" strike="noStrike" kern="1200" cap="none" spc="0" normalizeH="0" baseline="0" noProof="0">
-                <a:ln>
-                  <a:noFill/>
-                </a:ln>
-                <a:solidFill>
-                  <a:srgbClr val="000000"/>
-                </a:solidFill>
-                <a:effectLst/>
-                <a:uLnTx/>
-                <a:uFillTx/>
-                <a:latin typeface="Andale Mono" charset="0"/>
-                <a:ea typeface="ＭＳ Ｐゴシック" panose="020B0600070205080204" pitchFamily="34" charset="-128"/>
-                <a:cs typeface="+mn-cs"/>
-              </a:rPr>
-              <a:t> </a:t>
-            </a:r>
-          </a:p>
-          <a:p>
-            <a:pPr marL="342900" marR="0" lvl="0" indent="-342900" algn="l" defTabSz="914400" rtl="0" eaLnBrk="0" fontAlgn="base" latinLnBrk="0" hangingPunct="0">
-              <a:lnSpc>
-                <a:spcPct val="90000"/>
-              </a:lnSpc>
-              <a:spcBef>
-                <a:spcPct val="20000"/>
-              </a:spcBef>
-              <a:spcAft>
-                <a:spcPct val="0"/>
-              </a:spcAft>
-              <a:buClrTx/>
-              <a:buSzTx/>
-              <a:buFontTx/>
-              <a:buNone/>
-              <a:tabLst/>
-              <a:defRPr/>
-            </a:pPr>
-            <a:r>
-              <a:rPr kumimoji="0" lang="en-US" altLang="en-US" sz="1400" b="1" i="0" u="none" strike="noStrike" kern="1200" cap="none" spc="0" normalizeH="0" baseline="0" noProof="0">
-                <a:ln>
-                  <a:noFill/>
-                </a:ln>
-                <a:solidFill>
-                  <a:srgbClr val="000000"/>
-                </a:solidFill>
-                <a:effectLst/>
-                <a:uLnTx/>
-                <a:uFillTx/>
-                <a:latin typeface="Andale Mono" charset="0"/>
-                <a:ea typeface="ＭＳ Ｐゴシック" panose="020B0600070205080204" pitchFamily="34" charset="-128"/>
-                <a:cs typeface="+mn-cs"/>
-              </a:rPr>
-              <a:t>  a = input.nextInt();</a:t>
-            </a:r>
-          </a:p>
-          <a:p>
-            <a:pPr marL="342900" marR="0" lvl="0" indent="-342900" algn="l" defTabSz="914400" rtl="0" eaLnBrk="0" fontAlgn="base" latinLnBrk="0" hangingPunct="0">
-              <a:lnSpc>
-                <a:spcPct val="90000"/>
-              </a:lnSpc>
-              <a:spcBef>
-                <a:spcPct val="20000"/>
-              </a:spcBef>
-              <a:spcAft>
-                <a:spcPct val="0"/>
-              </a:spcAft>
-              <a:buClrTx/>
-              <a:buSzTx/>
-              <a:buFontTx/>
-              <a:buNone/>
-              <a:tabLst/>
-              <a:defRPr/>
-            </a:pPr>
-            <a:r>
-              <a:rPr kumimoji="0" lang="en-US" altLang="en-US" sz="1400" b="1" i="0" u="none" strike="noStrike" kern="1200" cap="none" spc="0" normalizeH="0" baseline="0" noProof="0">
-                <a:ln>
-                  <a:noFill/>
-                </a:ln>
-                <a:solidFill>
-                  <a:srgbClr val="000000"/>
-                </a:solidFill>
-                <a:effectLst/>
-                <a:uLnTx/>
-                <a:uFillTx/>
-                <a:latin typeface="Andale Mono" charset="0"/>
-                <a:ea typeface="ＭＳ Ｐゴシック" panose="020B0600070205080204" pitchFamily="34" charset="-128"/>
-                <a:cs typeface="+mn-cs"/>
-              </a:rPr>
-              <a:t>  b = input.nextInt();</a:t>
-            </a:r>
-          </a:p>
-          <a:p>
-            <a:pPr marL="342900" marR="0" lvl="0" indent="-342900" algn="l" defTabSz="914400" rtl="0" eaLnBrk="0" fontAlgn="base" latinLnBrk="0" hangingPunct="0">
-              <a:lnSpc>
-                <a:spcPct val="90000"/>
-              </a:lnSpc>
-              <a:spcBef>
-                <a:spcPct val="20000"/>
-              </a:spcBef>
-              <a:spcAft>
-                <a:spcPct val="0"/>
-              </a:spcAft>
-              <a:buClrTx/>
-              <a:buSzTx/>
-              <a:buFontTx/>
-              <a:buNone/>
-              <a:tabLst/>
-              <a:defRPr/>
-            </a:pPr>
-            <a:r>
-              <a:rPr kumimoji="0" lang="en-US" altLang="en-US" sz="1400" b="1" i="0" u="none" strike="noStrike" kern="1200" cap="none" spc="0" normalizeH="0" baseline="0" noProof="0">
-                <a:ln>
-                  <a:noFill/>
-                </a:ln>
-                <a:solidFill>
-                  <a:srgbClr val="000000"/>
-                </a:solidFill>
-                <a:effectLst/>
-                <a:uLnTx/>
-                <a:uFillTx/>
-                <a:latin typeface="Andale Mono" charset="0"/>
-                <a:ea typeface="ＭＳ Ｐゴシック" panose="020B0600070205080204" pitchFamily="34" charset="-128"/>
-                <a:cs typeface="+mn-cs"/>
-              </a:rPr>
-              <a:t> </a:t>
-            </a:r>
-          </a:p>
-          <a:p>
-            <a:pPr marL="342900" marR="0" lvl="0" indent="-342900" algn="l" defTabSz="914400" rtl="0" eaLnBrk="0" fontAlgn="base" latinLnBrk="0" hangingPunct="0">
-              <a:lnSpc>
-                <a:spcPct val="90000"/>
-              </a:lnSpc>
-              <a:spcBef>
-                <a:spcPct val="20000"/>
-              </a:spcBef>
-              <a:spcAft>
-                <a:spcPct val="0"/>
-              </a:spcAft>
-              <a:buClrTx/>
-              <a:buSzTx/>
-              <a:buFontTx/>
-              <a:buNone/>
-              <a:tabLst/>
-              <a:defRPr/>
-            </a:pPr>
-            <a:r>
-              <a:rPr kumimoji="0" lang="en-US" altLang="en-US" sz="1400" b="1" i="0" u="none" strike="noStrike" kern="1200" cap="none" spc="0" normalizeH="0" baseline="0" noProof="0">
-                <a:ln>
-                  <a:noFill/>
-                </a:ln>
-                <a:solidFill>
-                  <a:srgbClr val="000000"/>
-                </a:solidFill>
-                <a:effectLst/>
-                <a:uLnTx/>
-                <a:uFillTx/>
-                <a:latin typeface="Andale Mono" charset="0"/>
-                <a:ea typeface="ＭＳ Ｐゴシック" panose="020B0600070205080204" pitchFamily="34" charset="-128"/>
-                <a:cs typeface="+mn-cs"/>
-              </a:rPr>
-              <a:t>  // try block</a:t>
-            </a:r>
-          </a:p>
-          <a:p>
-            <a:pPr marL="342900" marR="0" lvl="0" indent="-342900" algn="l" defTabSz="914400" rtl="0" eaLnBrk="0" fontAlgn="base" latinLnBrk="0" hangingPunct="0">
-              <a:lnSpc>
-                <a:spcPct val="90000"/>
-              </a:lnSpc>
-              <a:spcBef>
-                <a:spcPct val="20000"/>
-              </a:spcBef>
-              <a:spcAft>
-                <a:spcPct val="0"/>
-              </a:spcAft>
-              <a:buClrTx/>
-              <a:buSzTx/>
-              <a:buFontTx/>
-              <a:buNone/>
-              <a:tabLst/>
-              <a:defRPr/>
-            </a:pPr>
-            <a:r>
-              <a:rPr kumimoji="0" lang="en-US" altLang="en-US" sz="1400" b="1" i="0" u="none" strike="noStrike" kern="1200" cap="none" spc="0" normalizeH="0" baseline="0" noProof="0">
-                <a:ln>
-                  <a:noFill/>
-                </a:ln>
-                <a:solidFill>
-                  <a:srgbClr val="000000"/>
-                </a:solidFill>
-                <a:effectLst/>
-                <a:uLnTx/>
-                <a:uFillTx/>
-                <a:latin typeface="Andale Mono" charset="0"/>
-                <a:ea typeface="ＭＳ Ｐゴシック" panose="020B0600070205080204" pitchFamily="34" charset="-128"/>
-                <a:cs typeface="+mn-cs"/>
-              </a:rPr>
-              <a:t>   try {</a:t>
-            </a:r>
-          </a:p>
-          <a:p>
-            <a:pPr marL="342900" marR="0" lvl="0" indent="-342900" algn="l" defTabSz="914400" rtl="0" eaLnBrk="0" fontAlgn="base" latinLnBrk="0" hangingPunct="0">
-              <a:lnSpc>
-                <a:spcPct val="90000"/>
-              </a:lnSpc>
-              <a:spcBef>
-                <a:spcPct val="20000"/>
-              </a:spcBef>
-              <a:spcAft>
-                <a:spcPct val="0"/>
-              </a:spcAft>
-              <a:buClrTx/>
-              <a:buSzTx/>
-              <a:buFontTx/>
-              <a:buNone/>
-              <a:tabLst/>
-              <a:defRPr/>
-            </a:pPr>
-            <a:r>
-              <a:rPr kumimoji="0" lang="en-US" altLang="en-US" sz="1400" b="1" i="0" u="none" strike="noStrike" kern="1200" cap="none" spc="0" normalizeH="0" baseline="0" noProof="0">
-                <a:ln>
-                  <a:noFill/>
-                </a:ln>
-                <a:solidFill>
-                  <a:srgbClr val="000000"/>
-                </a:solidFill>
-                <a:effectLst/>
-                <a:uLnTx/>
-                <a:uFillTx/>
-                <a:latin typeface="Andale Mono" charset="0"/>
-                <a:ea typeface="ＭＳ Ｐゴシック" panose="020B0600070205080204" pitchFamily="34" charset="-128"/>
-                <a:cs typeface="+mn-cs"/>
-              </a:rPr>
-              <a:t>    result  = a / b;</a:t>
-            </a:r>
-          </a:p>
-          <a:p>
-            <a:pPr marL="342900" marR="0" lvl="0" indent="-342900" algn="l" defTabSz="914400" rtl="0" eaLnBrk="0" fontAlgn="base" latinLnBrk="0" hangingPunct="0">
-              <a:lnSpc>
-                <a:spcPct val="90000"/>
-              </a:lnSpc>
-              <a:spcBef>
-                <a:spcPct val="20000"/>
-              </a:spcBef>
-              <a:spcAft>
-                <a:spcPct val="0"/>
-              </a:spcAft>
-              <a:buClrTx/>
-              <a:buSzTx/>
-              <a:buFontTx/>
-              <a:buNone/>
-              <a:tabLst/>
-              <a:defRPr/>
-            </a:pPr>
-            <a:r>
-              <a:rPr kumimoji="0" lang="en-US" altLang="en-US" sz="1400" b="1" i="0" u="none" strike="noStrike" kern="1200" cap="none" spc="0" normalizeH="0" baseline="0" noProof="0">
-                <a:ln>
-                  <a:noFill/>
-                </a:ln>
-                <a:solidFill>
-                  <a:srgbClr val="000000"/>
-                </a:solidFill>
-                <a:effectLst/>
-                <a:uLnTx/>
-                <a:uFillTx/>
-                <a:latin typeface="Andale Mono" charset="0"/>
-                <a:ea typeface="ＭＳ Ｐゴシック" panose="020B0600070205080204" pitchFamily="34" charset="-128"/>
-                <a:cs typeface="+mn-cs"/>
-              </a:rPr>
-              <a:t>    System.out.println("Result = " + result);</a:t>
-            </a:r>
-          </a:p>
-          <a:p>
-            <a:pPr marL="342900" marR="0" lvl="0" indent="-342900" algn="l" defTabSz="914400" rtl="0" eaLnBrk="0" fontAlgn="base" latinLnBrk="0" hangingPunct="0">
-              <a:lnSpc>
-                <a:spcPct val="90000"/>
-              </a:lnSpc>
-              <a:spcBef>
-                <a:spcPct val="20000"/>
-              </a:spcBef>
-              <a:spcAft>
-                <a:spcPct val="0"/>
-              </a:spcAft>
-              <a:buClrTx/>
-              <a:buSzTx/>
-              <a:buFontTx/>
-              <a:buNone/>
-              <a:tabLst/>
-              <a:defRPr/>
-            </a:pPr>
-            <a:r>
-              <a:rPr kumimoji="0" lang="en-US" altLang="en-US" sz="1400" b="1" i="0" u="none" strike="noStrike" kern="1200" cap="none" spc="0" normalizeH="0" baseline="0" noProof="0">
-                <a:ln>
-                  <a:noFill/>
-                </a:ln>
-                <a:solidFill>
-                  <a:srgbClr val="000000"/>
-                </a:solidFill>
-                <a:effectLst/>
-                <a:uLnTx/>
-                <a:uFillTx/>
-                <a:latin typeface="Andale Mono" charset="0"/>
-                <a:ea typeface="ＭＳ Ｐゴシック" panose="020B0600070205080204" pitchFamily="34" charset="-128"/>
-                <a:cs typeface="+mn-cs"/>
-              </a:rPr>
-              <a:t>  }</a:t>
-            </a:r>
-          </a:p>
-          <a:p>
-            <a:pPr marL="342900" marR="0" lvl="0" indent="-342900" algn="l" defTabSz="914400" rtl="0" eaLnBrk="0" fontAlgn="base" latinLnBrk="0" hangingPunct="0">
-              <a:lnSpc>
-                <a:spcPct val="90000"/>
-              </a:lnSpc>
-              <a:spcBef>
-                <a:spcPct val="20000"/>
-              </a:spcBef>
-              <a:spcAft>
-                <a:spcPct val="0"/>
-              </a:spcAft>
-              <a:buClrTx/>
-              <a:buSzTx/>
-              <a:buFontTx/>
-              <a:buNone/>
-              <a:tabLst/>
-              <a:defRPr/>
-            </a:pPr>
-            <a:r>
-              <a:rPr kumimoji="0" lang="en-US" altLang="en-US" sz="1400" b="1" i="0" u="none" strike="noStrike" kern="1200" cap="none" spc="0" normalizeH="0" baseline="0" noProof="0">
-                <a:ln>
-                  <a:noFill/>
-                </a:ln>
-                <a:solidFill>
-                  <a:srgbClr val="000000"/>
-                </a:solidFill>
-                <a:effectLst/>
-                <a:uLnTx/>
-                <a:uFillTx/>
-                <a:latin typeface="Andale Mono" charset="0"/>
-                <a:ea typeface="ＭＳ Ｐゴシック" panose="020B0600070205080204" pitchFamily="34" charset="-128"/>
-                <a:cs typeface="+mn-cs"/>
-              </a:rPr>
-              <a:t>   // catch block</a:t>
-            </a:r>
-          </a:p>
-          <a:p>
-            <a:pPr marL="342900" marR="0" lvl="0" indent="-342900" algn="l" defTabSz="914400" rtl="0" eaLnBrk="0" fontAlgn="base" latinLnBrk="0" hangingPunct="0">
-              <a:lnSpc>
-                <a:spcPct val="90000"/>
-              </a:lnSpc>
-              <a:spcBef>
-                <a:spcPct val="20000"/>
-              </a:spcBef>
-              <a:spcAft>
-                <a:spcPct val="0"/>
-              </a:spcAft>
-              <a:buClrTx/>
-              <a:buSzTx/>
-              <a:buFontTx/>
-              <a:buNone/>
-              <a:tabLst/>
-              <a:defRPr/>
-            </a:pPr>
-            <a:r>
-              <a:rPr kumimoji="0" lang="en-US" altLang="en-US" sz="1400" b="1" i="0" u="none" strike="noStrike" kern="1200" cap="none" spc="0" normalizeH="0" baseline="0" noProof="0">
-                <a:ln>
-                  <a:noFill/>
-                </a:ln>
-                <a:solidFill>
-                  <a:srgbClr val="000000"/>
-                </a:solidFill>
-                <a:effectLst/>
-                <a:uLnTx/>
-                <a:uFillTx/>
-                <a:latin typeface="Andale Mono" charset="0"/>
-                <a:ea typeface="ＭＳ Ｐゴシック" panose="020B0600070205080204" pitchFamily="34" charset="-128"/>
-                <a:cs typeface="+mn-cs"/>
-              </a:rPr>
-              <a:t>   catch (ArithmeticException e) {</a:t>
-            </a:r>
-          </a:p>
-          <a:p>
-            <a:pPr marL="342900" marR="0" lvl="0" indent="-342900" algn="l" defTabSz="914400" rtl="0" eaLnBrk="0" fontAlgn="base" latinLnBrk="0" hangingPunct="0">
-              <a:lnSpc>
-                <a:spcPct val="90000"/>
-              </a:lnSpc>
-              <a:spcBef>
-                <a:spcPct val="20000"/>
-              </a:spcBef>
-              <a:spcAft>
-                <a:spcPct val="0"/>
-              </a:spcAft>
-              <a:buClrTx/>
-              <a:buSzTx/>
-              <a:buFontTx/>
-              <a:buNone/>
-              <a:tabLst/>
-              <a:defRPr/>
-            </a:pPr>
-            <a:r>
-              <a:rPr kumimoji="0" lang="en-US" altLang="en-US" sz="1400" b="1" i="0" u="none" strike="noStrike" kern="1200" cap="none" spc="0" normalizeH="0" baseline="0" noProof="0">
-                <a:ln>
-                  <a:noFill/>
-                </a:ln>
-                <a:solidFill>
-                  <a:srgbClr val="000000"/>
-                </a:solidFill>
-                <a:effectLst/>
-                <a:uLnTx/>
-                <a:uFillTx/>
-                <a:latin typeface="Andale Mono" charset="0"/>
-                <a:ea typeface="ＭＳ Ｐゴシック" panose="020B0600070205080204" pitchFamily="34" charset="-128"/>
-                <a:cs typeface="+mn-cs"/>
-              </a:rPr>
-              <a:t>    System.out.println("Exception caught: Division by zero.");</a:t>
-            </a:r>
-          </a:p>
-          <a:p>
-            <a:pPr marL="342900" marR="0" lvl="0" indent="-342900" algn="l" defTabSz="914400" rtl="0" eaLnBrk="0" fontAlgn="base" latinLnBrk="0" hangingPunct="0">
-              <a:lnSpc>
-                <a:spcPct val="90000"/>
-              </a:lnSpc>
-              <a:spcBef>
-                <a:spcPct val="20000"/>
-              </a:spcBef>
-              <a:spcAft>
-                <a:spcPct val="0"/>
-              </a:spcAft>
-              <a:buClrTx/>
-              <a:buSzTx/>
-              <a:buFontTx/>
-              <a:buNone/>
-              <a:tabLst/>
-              <a:defRPr/>
-            </a:pPr>
-            <a:r>
-              <a:rPr kumimoji="0" lang="en-US" altLang="en-US" sz="1400" b="1" i="0" u="none" strike="noStrike" kern="1200" cap="none" spc="0" normalizeH="0" baseline="0" noProof="0">
-                <a:ln>
-                  <a:noFill/>
-                </a:ln>
-                <a:solidFill>
-                  <a:srgbClr val="000000"/>
-                </a:solidFill>
-                <a:effectLst/>
-                <a:uLnTx/>
-                <a:uFillTx/>
-                <a:latin typeface="Andale Mono" charset="0"/>
-                <a:ea typeface="ＭＳ Ｐゴシック" panose="020B0600070205080204" pitchFamily="34" charset="-128"/>
-                <a:cs typeface="+mn-cs"/>
-              </a:rPr>
-              <a:t>  }</a:t>
-            </a:r>
-          </a:p>
-          <a:p>
-            <a:pPr marL="342900" marR="0" lvl="0" indent="-342900" algn="l" defTabSz="914400" rtl="0" eaLnBrk="0" fontAlgn="base" latinLnBrk="0" hangingPunct="0">
-              <a:lnSpc>
-                <a:spcPct val="90000"/>
-              </a:lnSpc>
-              <a:spcBef>
-                <a:spcPct val="20000"/>
-              </a:spcBef>
-              <a:spcAft>
-                <a:spcPct val="0"/>
-              </a:spcAft>
-              <a:buClrTx/>
-              <a:buSzTx/>
-              <a:buFontTx/>
-              <a:buNone/>
-              <a:tabLst/>
-              <a:defRPr/>
-            </a:pPr>
-            <a:r>
-              <a:rPr kumimoji="0" lang="en-US" altLang="en-US" sz="1400" b="0" i="0" u="none" strike="noStrike" kern="1200" cap="none" spc="0" normalizeH="0" baseline="0" noProof="0">
-                <a:ln>
-                  <a:noFill/>
-                </a:ln>
-                <a:solidFill>
-                  <a:srgbClr val="000000"/>
-                </a:solidFill>
-                <a:effectLst/>
-                <a:uLnTx/>
-                <a:uFillTx/>
-                <a:latin typeface="Andale Mono" charset="0"/>
-                <a:ea typeface="ＭＳ Ｐゴシック" panose="020B0600070205080204" pitchFamily="34" charset="-128"/>
-                <a:cs typeface="+mn-cs"/>
-              </a:rPr>
-              <a:t>  }</a:t>
-            </a:r>
-          </a:p>
-          <a:p>
-            <a:pPr marL="342900" marR="0" lvl="0" indent="-342900" algn="l" defTabSz="914400" rtl="0" eaLnBrk="0" fontAlgn="base" latinLnBrk="0" hangingPunct="0">
-              <a:lnSpc>
-                <a:spcPct val="90000"/>
-              </a:lnSpc>
-              <a:spcBef>
-                <a:spcPct val="20000"/>
-              </a:spcBef>
-              <a:spcAft>
-                <a:spcPct val="0"/>
-              </a:spcAft>
-              <a:buClrTx/>
-              <a:buSzTx/>
-              <a:buFontTx/>
-              <a:buNone/>
-              <a:tabLst/>
-              <a:defRPr/>
-            </a:pPr>
-            <a:r>
-              <a:rPr kumimoji="0" lang="en-US" altLang="en-US" sz="1400" b="0" i="0" u="none" strike="noStrike" kern="1200" cap="none" spc="0" normalizeH="0" baseline="0" noProof="0">
-                <a:ln>
-                  <a:noFill/>
-                </a:ln>
-                <a:solidFill>
-                  <a:srgbClr val="000000"/>
-                </a:solidFill>
-                <a:effectLst/>
-                <a:uLnTx/>
-                <a:uFillTx/>
-                <a:latin typeface="Andale Mono" charset="0"/>
-                <a:ea typeface="ＭＳ Ｐゴシック" panose="020B0600070205080204" pitchFamily="34" charset="-128"/>
-                <a:cs typeface="+mn-cs"/>
-              </a:rPr>
-              <a:t>}</a:t>
-            </a:r>
-            <a:endParaRPr kumimoji="0" lang="en-US" altLang="en-US" sz="2400" b="0" i="0" u="none" strike="noStrike" kern="1200" cap="none" spc="0" normalizeH="0" baseline="0" noProof="0" dirty="0">
-              <a:ln>
-                <a:noFill/>
-              </a:ln>
-              <a:solidFill>
-                <a:srgbClr val="000000"/>
-              </a:solidFill>
-              <a:effectLst/>
-              <a:uLnTx/>
-              <a:uFillTx/>
-              <a:latin typeface="Times New Roman"/>
-              <a:ea typeface="ＭＳ Ｐゴシック" panose="020B0600070205080204" pitchFamily="34" charset="-128"/>
-              <a:cs typeface="+mn-cs"/>
-            </a:endParaRPr>
-          </a:p>
-        </p:txBody>
-      </p:sp>
-    </p:spTree>
-    <p:extLst>
-      <p:ext uri="{BB962C8B-B14F-4D97-AF65-F5344CB8AC3E}">
-        <p14:creationId xmlns:p14="http://schemas.microsoft.com/office/powerpoint/2010/main" val="2220326480"/>
-      </p:ext>
-    </p:extLst>
-  </p:cSld>
-  <p:clrMapOvr>
-    <a:masterClrMapping/>
-  </p:clrMapOvr>
-</p:sld>
-</file>
-
-<file path=ppt/slides/slide17.xml><?xml version="1.0" encoding="utf-8"?>
-<p:sld xmlns:a="http://schemas.openxmlformats.org/drawingml/2006/main" xmlns:r="http://schemas.openxmlformats.org/officeDocument/2006/relationships" xmlns:p="http://schemas.openxmlformats.org/presentationml/2006/main">
-  <p:cSld>
-    <p:spTree>
-      <p:nvGrpSpPr>
-        <p:cNvPr id="1" name=""/>
-        <p:cNvGrpSpPr/>
-        <p:nvPr/>
-      </p:nvGrpSpPr>
-      <p:grpSpPr>
-        <a:xfrm>
-          <a:off x="0" y="0"/>
-          <a:ext cx="0" cy="0"/>
-          <a:chOff x="0" y="0"/>
-          <a:chExt cx="0" cy="0"/>
-        </a:xfrm>
-      </p:grpSpPr>
-      <p:sp>
-        <p:nvSpPr>
-          <p:cNvPr id="2" name="Title 1"/>
-          <p:cNvSpPr>
-            <a:spLocks noGrp="1"/>
-          </p:cNvSpPr>
-          <p:nvPr>
-            <p:ph type="title"/>
-          </p:nvPr>
-        </p:nvSpPr>
-        <p:spPr/>
-        <p:txBody>
-          <a:bodyPr/>
-          <a:lstStyle/>
-          <a:p>
-            <a:r>
-              <a:rPr lang="en-US" altLang="en-US" dirty="0"/>
-              <a:t>finally</a:t>
-            </a:r>
-            <a:endParaRPr lang="en-CA" dirty="0"/>
-          </a:p>
-        </p:txBody>
-      </p:sp>
-      <p:sp>
-        <p:nvSpPr>
-          <p:cNvPr id="3" name="Content Placeholder 2"/>
-          <p:cNvSpPr>
-            <a:spLocks noGrp="1"/>
-          </p:cNvSpPr>
-          <p:nvPr>
-            <p:ph idx="1"/>
-          </p:nvPr>
-        </p:nvSpPr>
-        <p:spPr>
-          <a:xfrm>
-            <a:off x="640874" y="1168401"/>
-            <a:ext cx="10515600" cy="5025922"/>
-          </a:xfrm>
-        </p:spPr>
-        <p:txBody>
-          <a:bodyPr>
-            <a:normAutofit/>
-          </a:bodyPr>
-          <a:lstStyle/>
-          <a:p>
-            <a:r>
-              <a:rPr lang="en-US" altLang="en-US" sz="2400" dirty="0"/>
-              <a:t>After all the catch phrases, you can have an </a:t>
-            </a:r>
-            <a:r>
-              <a:rPr lang="en-US" altLang="en-US" sz="2400" i="1" dirty="0"/>
-              <a:t>optional</a:t>
-            </a:r>
-            <a:r>
-              <a:rPr lang="en-US" altLang="en-US" sz="2400" dirty="0"/>
-              <a:t> </a:t>
-            </a:r>
-            <a:r>
-              <a:rPr lang="en-US" altLang="en-US" sz="2400" dirty="0">
-                <a:solidFill>
-                  <a:schemeClr val="accent2"/>
-                </a:solidFill>
-                <a:latin typeface="Trebuchet MS" panose="020B0603020202020204" pitchFamily="34" charset="0"/>
-              </a:rPr>
-              <a:t>finally</a:t>
-            </a:r>
-            <a:r>
-              <a:rPr lang="en-US" altLang="en-US" sz="2400" dirty="0"/>
-              <a:t> phrase</a:t>
-            </a:r>
-          </a:p>
-          <a:p>
-            <a:r>
-              <a:rPr lang="en-US" altLang="en-US" sz="2400" dirty="0">
-                <a:solidFill>
-                  <a:schemeClr val="accent2"/>
-                </a:solidFill>
-                <a:latin typeface="Trebuchet MS" panose="020B0603020202020204" pitchFamily="34" charset="0"/>
-              </a:rPr>
-              <a:t>try { ... }</a:t>
-            </a:r>
-            <a:br>
-              <a:rPr lang="en-US" altLang="en-US" sz="2400" dirty="0">
-                <a:solidFill>
-                  <a:schemeClr val="accent2"/>
-                </a:solidFill>
-                <a:latin typeface="Trebuchet MS" panose="020B0603020202020204" pitchFamily="34" charset="0"/>
-              </a:rPr>
-            </a:br>
-            <a:r>
-              <a:rPr lang="en-US" altLang="en-US" sz="2400" dirty="0">
-                <a:solidFill>
-                  <a:schemeClr val="accent2"/>
-                </a:solidFill>
-                <a:latin typeface="Trebuchet MS" panose="020B0603020202020204" pitchFamily="34" charset="0"/>
-              </a:rPr>
-              <a:t>catch (</a:t>
-            </a:r>
-            <a:r>
-              <a:rPr lang="en-US" altLang="en-US" sz="2400" dirty="0" err="1">
-                <a:solidFill>
-                  <a:schemeClr val="accent2"/>
-                </a:solidFill>
-                <a:latin typeface="Trebuchet MS" panose="020B0603020202020204" pitchFamily="34" charset="0"/>
-              </a:rPr>
-              <a:t>AnExceptionType</a:t>
-            </a:r>
-            <a:r>
-              <a:rPr lang="en-US" altLang="en-US" sz="2400" dirty="0">
-                <a:solidFill>
-                  <a:schemeClr val="accent2"/>
-                </a:solidFill>
-                <a:latin typeface="Trebuchet MS" panose="020B0603020202020204" pitchFamily="34" charset="0"/>
-              </a:rPr>
-              <a:t> </a:t>
-            </a:r>
-            <a:r>
-              <a:rPr lang="en-US" altLang="en-US" sz="2400" b="1" i="1" dirty="0">
-                <a:solidFill>
-                  <a:schemeClr val="hlink"/>
-                </a:solidFill>
-              </a:rPr>
-              <a:t>e</a:t>
-            </a:r>
-            <a:r>
-              <a:rPr lang="en-US" altLang="en-US" sz="2400" dirty="0">
-                <a:solidFill>
-                  <a:schemeClr val="accent2"/>
-                </a:solidFill>
-                <a:latin typeface="Trebuchet MS" panose="020B0603020202020204" pitchFamily="34" charset="0"/>
-              </a:rPr>
-              <a:t>) { ... }</a:t>
-            </a:r>
-            <a:br>
-              <a:rPr lang="en-US" altLang="en-US" sz="2400" dirty="0">
-                <a:solidFill>
-                  <a:schemeClr val="accent2"/>
-                </a:solidFill>
-                <a:latin typeface="Trebuchet MS" panose="020B0603020202020204" pitchFamily="34" charset="0"/>
-              </a:rPr>
-            </a:br>
-            <a:r>
-              <a:rPr lang="en-US" altLang="en-US" sz="2400" dirty="0">
-                <a:solidFill>
-                  <a:schemeClr val="accent2"/>
-                </a:solidFill>
-                <a:latin typeface="Trebuchet MS" panose="020B0603020202020204" pitchFamily="34" charset="0"/>
-              </a:rPr>
-              <a:t>catch (</a:t>
-            </a:r>
-            <a:r>
-              <a:rPr lang="en-US" altLang="en-US" sz="2400" dirty="0" err="1">
-                <a:solidFill>
-                  <a:schemeClr val="accent2"/>
-                </a:solidFill>
-                <a:latin typeface="Trebuchet MS" panose="020B0603020202020204" pitchFamily="34" charset="0"/>
-              </a:rPr>
-              <a:t>AnotherExceptionType</a:t>
-            </a:r>
-            <a:r>
-              <a:rPr lang="en-US" altLang="en-US" sz="2400" dirty="0">
-                <a:solidFill>
-                  <a:schemeClr val="accent2"/>
-                </a:solidFill>
-                <a:latin typeface="Trebuchet MS" panose="020B0603020202020204" pitchFamily="34" charset="0"/>
-              </a:rPr>
-              <a:t> </a:t>
-            </a:r>
-            <a:r>
-              <a:rPr lang="en-US" altLang="en-US" sz="2400" b="1" i="1" dirty="0">
-                <a:solidFill>
-                  <a:schemeClr val="hlink"/>
-                </a:solidFill>
-              </a:rPr>
-              <a:t>e</a:t>
-            </a:r>
-            <a:r>
-              <a:rPr lang="en-US" altLang="en-US" sz="2400" dirty="0">
-                <a:solidFill>
-                  <a:schemeClr val="accent2"/>
-                </a:solidFill>
-                <a:latin typeface="Trebuchet MS" panose="020B0603020202020204" pitchFamily="34" charset="0"/>
-              </a:rPr>
-              <a:t>) { ... }</a:t>
-            </a:r>
-            <a:br>
-              <a:rPr lang="en-US" altLang="en-US" sz="2400" dirty="0">
-                <a:solidFill>
-                  <a:schemeClr val="accent2"/>
-                </a:solidFill>
-                <a:latin typeface="Trebuchet MS" panose="020B0603020202020204" pitchFamily="34" charset="0"/>
-              </a:rPr>
-            </a:br>
-            <a:r>
-              <a:rPr lang="en-US" altLang="en-US" sz="2400" dirty="0">
-                <a:solidFill>
-                  <a:schemeClr val="accent2"/>
-                </a:solidFill>
-                <a:latin typeface="Trebuchet MS" panose="020B0603020202020204" pitchFamily="34" charset="0"/>
-              </a:rPr>
-              <a:t>finally { ... }</a:t>
-            </a:r>
-          </a:p>
-          <a:p>
-            <a:r>
-              <a:rPr lang="en-US" altLang="en-US" sz="2400" dirty="0"/>
-              <a:t>Whatever happens in </a:t>
-            </a:r>
-            <a:r>
-              <a:rPr lang="en-US" altLang="en-US" sz="2400" dirty="0">
-                <a:solidFill>
-                  <a:schemeClr val="accent2"/>
-                </a:solidFill>
-                <a:latin typeface="Trebuchet MS" panose="020B0603020202020204" pitchFamily="34" charset="0"/>
-              </a:rPr>
-              <a:t>try</a:t>
-            </a:r>
-            <a:r>
-              <a:rPr lang="en-US" altLang="en-US" sz="2400" dirty="0"/>
-              <a:t> and </a:t>
-            </a:r>
-            <a:r>
-              <a:rPr lang="en-US" altLang="en-US" sz="2400" dirty="0">
-                <a:solidFill>
-                  <a:schemeClr val="accent2"/>
-                </a:solidFill>
-                <a:latin typeface="Trebuchet MS" panose="020B0603020202020204" pitchFamily="34" charset="0"/>
-              </a:rPr>
-              <a:t>catch</a:t>
-            </a:r>
-            <a:r>
-              <a:rPr lang="en-US" altLang="en-US" sz="2400" dirty="0"/>
-              <a:t>,</a:t>
-            </a:r>
-            <a:r>
-              <a:rPr lang="en-US" altLang="en-US" sz="2400" i="1" dirty="0"/>
-              <a:t> even if it does a </a:t>
-            </a:r>
-            <a:r>
-              <a:rPr lang="en-US" altLang="en-US" sz="2400" i="1" dirty="0">
-                <a:solidFill>
-                  <a:schemeClr val="accent2"/>
-                </a:solidFill>
-                <a:latin typeface="Trebuchet MS" panose="020B0603020202020204" pitchFamily="34" charset="0"/>
-              </a:rPr>
-              <a:t>return</a:t>
-            </a:r>
-            <a:r>
-              <a:rPr lang="en-US" altLang="en-US" sz="2400" i="1" dirty="0"/>
-              <a:t> statement,</a:t>
-            </a:r>
-            <a:r>
-              <a:rPr lang="en-US" altLang="en-US" sz="2400" dirty="0"/>
-              <a:t> the </a:t>
-            </a:r>
-            <a:r>
-              <a:rPr lang="en-US" altLang="en-US" sz="2400" dirty="0">
-                <a:solidFill>
-                  <a:schemeClr val="accent2"/>
-                </a:solidFill>
-                <a:latin typeface="Trebuchet MS" panose="020B0603020202020204" pitchFamily="34" charset="0"/>
-              </a:rPr>
-              <a:t>finally</a:t>
-            </a:r>
-            <a:r>
-              <a:rPr lang="en-US" altLang="en-US" sz="2400" dirty="0"/>
-              <a:t> code will be executed</a:t>
-            </a:r>
-          </a:p>
-          <a:p>
-            <a:pPr lvl="1"/>
-            <a:r>
-              <a:rPr lang="en-US" altLang="en-US" sz="2000" dirty="0">
-                <a:ea typeface="ＭＳ Ｐゴシック" panose="020B0600070205080204" pitchFamily="34" charset="-128"/>
-              </a:rPr>
-              <a:t>If no exception occurs, the</a:t>
-            </a:r>
-            <a:r>
-              <a:rPr lang="en-US" altLang="en-US" sz="2000" dirty="0">
-                <a:solidFill>
-                  <a:schemeClr val="accent2"/>
-                </a:solidFill>
-                <a:latin typeface="Trebuchet MS" panose="020B0603020202020204" pitchFamily="34" charset="0"/>
-                <a:ea typeface="ＭＳ Ｐゴシック" panose="020B0600070205080204" pitchFamily="34" charset="-128"/>
-              </a:rPr>
-              <a:t> finally </a:t>
-            </a:r>
-            <a:r>
-              <a:rPr lang="en-US" altLang="en-US" sz="2000" dirty="0">
-                <a:ea typeface="ＭＳ Ｐゴシック" panose="020B0600070205080204" pitchFamily="34" charset="-128"/>
-              </a:rPr>
-              <a:t>will be executed after the</a:t>
-            </a:r>
-            <a:r>
-              <a:rPr lang="en-US" altLang="en-US" sz="2000" dirty="0">
-                <a:solidFill>
-                  <a:schemeClr val="accent2"/>
-                </a:solidFill>
-                <a:latin typeface="Trebuchet MS" panose="020B0603020202020204" pitchFamily="34" charset="0"/>
-                <a:ea typeface="ＭＳ Ｐゴシック" panose="020B0600070205080204" pitchFamily="34" charset="-128"/>
-              </a:rPr>
-              <a:t> try </a:t>
-            </a:r>
-            <a:r>
-              <a:rPr lang="en-US" altLang="en-US" sz="2000" dirty="0">
-                <a:ea typeface="ＭＳ Ｐゴシック" panose="020B0600070205080204" pitchFamily="34" charset="-128"/>
-              </a:rPr>
-              <a:t>code</a:t>
-            </a:r>
-          </a:p>
-          <a:p>
-            <a:pPr lvl="1"/>
-            <a:r>
-              <a:rPr lang="en-US" altLang="en-US" sz="2000" dirty="0">
-                <a:ea typeface="ＭＳ Ｐゴシック" panose="020B0600070205080204" pitchFamily="34" charset="-128"/>
-              </a:rPr>
-              <a:t>In an exception does occur, the</a:t>
-            </a:r>
-            <a:r>
-              <a:rPr lang="en-US" altLang="en-US" sz="2000" dirty="0">
-                <a:solidFill>
-                  <a:schemeClr val="accent2"/>
-                </a:solidFill>
-                <a:latin typeface="Trebuchet MS" panose="020B0603020202020204" pitchFamily="34" charset="0"/>
-                <a:ea typeface="ＭＳ Ｐゴシック" panose="020B0600070205080204" pitchFamily="34" charset="-128"/>
-              </a:rPr>
-              <a:t> finally </a:t>
-            </a:r>
-            <a:r>
-              <a:rPr lang="en-US" altLang="en-US" sz="2000" dirty="0">
-                <a:ea typeface="ＭＳ Ｐゴシック" panose="020B0600070205080204" pitchFamily="34" charset="-128"/>
-              </a:rPr>
-              <a:t>will be executed after the appropriate </a:t>
-            </a:r>
-            <a:r>
-              <a:rPr lang="en-US" altLang="en-US" sz="2000" dirty="0">
-                <a:solidFill>
-                  <a:schemeClr val="accent2"/>
-                </a:solidFill>
-                <a:latin typeface="Trebuchet MS" panose="020B0603020202020204" pitchFamily="34" charset="0"/>
-                <a:ea typeface="ＭＳ Ｐゴシック" panose="020B0600070205080204" pitchFamily="34" charset="-128"/>
-              </a:rPr>
-              <a:t>catch </a:t>
-            </a:r>
-            <a:r>
-              <a:rPr lang="en-US" altLang="en-US" sz="2000" dirty="0">
-                <a:ea typeface="ＭＳ Ｐゴシック" panose="020B0600070205080204" pitchFamily="34" charset="-128"/>
-              </a:rPr>
-              <a:t>code</a:t>
-            </a:r>
-            <a:endParaRPr lang="en-US" altLang="en-US" sz="2000" dirty="0">
-              <a:solidFill>
-                <a:schemeClr val="accent2"/>
-              </a:solidFill>
-              <a:latin typeface="Trebuchet MS" panose="020B0603020202020204" pitchFamily="34" charset="0"/>
-              <a:ea typeface="ＭＳ Ｐゴシック" panose="020B0600070205080204" pitchFamily="34" charset="-128"/>
-            </a:endParaRPr>
-          </a:p>
-          <a:p>
-            <a:endParaRPr lang="en-US" altLang="en-US" sz="2400" dirty="0">
-              <a:solidFill>
-                <a:schemeClr val="accent2"/>
-              </a:solidFill>
-              <a:latin typeface="Trebuchet MS" panose="020B0603020202020204" pitchFamily="34" charset="0"/>
-            </a:endParaRPr>
-          </a:p>
-        </p:txBody>
-      </p:sp>
-      <p:sp>
-        <p:nvSpPr>
-          <p:cNvPr id="6" name="Date Placeholder 5"/>
-          <p:cNvSpPr>
-            <a:spLocks noGrp="1"/>
-          </p:cNvSpPr>
-          <p:nvPr>
-            <p:ph type="dt" sz="half" idx="2"/>
-          </p:nvPr>
-        </p:nvSpPr>
-        <p:spPr/>
-        <p:txBody>
-          <a:bodyPr/>
-          <a:lstStyle/>
-          <a:p>
-            <a:r>
-              <a:rPr lang="en-CA" dirty="0"/>
-              <a:t>Winter 2022</a:t>
-            </a:r>
-          </a:p>
-        </p:txBody>
-      </p:sp>
-      <p:sp>
-        <p:nvSpPr>
-          <p:cNvPr id="10" name="Footer Placeholder 9"/>
-          <p:cNvSpPr>
-            <a:spLocks noGrp="1"/>
-          </p:cNvSpPr>
-          <p:nvPr>
-            <p:ph type="ftr" sz="quarter" idx="3"/>
-          </p:nvPr>
-        </p:nvSpPr>
-        <p:spPr/>
-        <p:txBody>
-          <a:bodyPr/>
-          <a:lstStyle/>
-          <a:p>
-            <a:r>
-              <a:rPr lang="en-CA" dirty="0"/>
-              <a:t>CS321: Advanced Programming Techniques</a:t>
-            </a:r>
-          </a:p>
-        </p:txBody>
-      </p:sp>
-      <p:sp>
-        <p:nvSpPr>
-          <p:cNvPr id="12" name="Slide Number Placeholder 11"/>
-          <p:cNvSpPr>
-            <a:spLocks noGrp="1"/>
-          </p:cNvSpPr>
-          <p:nvPr>
-            <p:ph type="sldNum" sz="quarter" idx="4"/>
-          </p:nvPr>
-        </p:nvSpPr>
-        <p:spPr/>
-        <p:txBody>
-          <a:bodyPr/>
-          <a:lstStyle/>
-          <a:p>
-            <a:fld id="{5174927E-2439-42C0-9720-7BBCA09BF46F}" type="slidenum">
-              <a:rPr lang="en-CA" smtClean="0"/>
-              <a:pPr/>
-              <a:t>17</a:t>
-            </a:fld>
-            <a:r>
-              <a:rPr lang="en-CA" dirty="0"/>
-              <a:t> </a:t>
-            </a:r>
-          </a:p>
-        </p:txBody>
-      </p:sp>
-    </p:spTree>
-    <p:extLst>
-      <p:ext uri="{BB962C8B-B14F-4D97-AF65-F5344CB8AC3E}">
-        <p14:creationId xmlns:p14="http://schemas.microsoft.com/office/powerpoint/2010/main" val="668752758"/>
-      </p:ext>
-    </p:extLst>
-  </p:cSld>
-  <p:clrMapOvr>
-    <a:masterClrMapping/>
-  </p:clrMapOvr>
-</p:sld>
-</file>
-
-<file path=ppt/slides/slide18.xml><?xml version="1.0" encoding="utf-8"?>
-<p:sld xmlns:a="http://schemas.openxmlformats.org/drawingml/2006/main" xmlns:r="http://schemas.openxmlformats.org/officeDocument/2006/relationships" xmlns:p="http://schemas.openxmlformats.org/presentationml/2006/main">
-  <p:cSld>
-    <p:spTree>
-      <p:nvGrpSpPr>
-        <p:cNvPr id="1" name=""/>
-        <p:cNvGrpSpPr/>
-        <p:nvPr/>
-      </p:nvGrpSpPr>
-      <p:grpSpPr>
-        <a:xfrm>
-          <a:off x="0" y="0"/>
-          <a:ext cx="0" cy="0"/>
-          <a:chOff x="0" y="0"/>
-          <a:chExt cx="0" cy="0"/>
-        </a:xfrm>
-      </p:grpSpPr>
-      <p:sp>
-        <p:nvSpPr>
-          <p:cNvPr id="2" name="Title 1"/>
-          <p:cNvSpPr>
-            <a:spLocks noGrp="1"/>
-          </p:cNvSpPr>
-          <p:nvPr>
-            <p:ph type="title"/>
-          </p:nvPr>
-        </p:nvSpPr>
-        <p:spPr/>
-        <p:txBody>
-          <a:bodyPr/>
-          <a:lstStyle/>
-          <a:p>
-            <a:r>
-              <a:rPr lang="en-US" altLang="en-US" dirty="0"/>
-              <a:t>How the try statement works</a:t>
-            </a:r>
-            <a:endParaRPr lang="en-CA" dirty="0"/>
-          </a:p>
-        </p:txBody>
-      </p:sp>
-      <p:sp>
-        <p:nvSpPr>
-          <p:cNvPr id="3" name="Content Placeholder 2"/>
-          <p:cNvSpPr>
-            <a:spLocks noGrp="1"/>
-          </p:cNvSpPr>
-          <p:nvPr>
-            <p:ph idx="1"/>
-          </p:nvPr>
-        </p:nvSpPr>
-        <p:spPr>
-          <a:xfrm>
-            <a:off x="640874" y="1168401"/>
-            <a:ext cx="10515600" cy="5025922"/>
-          </a:xfrm>
-        </p:spPr>
-        <p:txBody>
-          <a:bodyPr>
-            <a:normAutofit/>
-          </a:bodyPr>
-          <a:lstStyle/>
-          <a:p>
-            <a:pPr>
-              <a:lnSpc>
-                <a:spcPct val="90000"/>
-              </a:lnSpc>
-            </a:pPr>
-            <a:r>
-              <a:rPr lang="en-US" altLang="en-US" sz="2400" dirty="0"/>
-              <a:t>The code in the</a:t>
-            </a:r>
-            <a:r>
-              <a:rPr lang="en-US" altLang="en-US" sz="2400" dirty="0">
-                <a:solidFill>
-                  <a:srgbClr val="FFFF99"/>
-                </a:solidFill>
-                <a:latin typeface="Trebuchet MS" panose="020B0603020202020204" pitchFamily="34" charset="0"/>
-              </a:rPr>
-              <a:t> </a:t>
-            </a:r>
-            <a:r>
-              <a:rPr lang="en-US" altLang="en-US" sz="2400" dirty="0">
-                <a:solidFill>
-                  <a:schemeClr val="accent2"/>
-                </a:solidFill>
-                <a:latin typeface="Trebuchet MS" panose="020B0603020202020204" pitchFamily="34" charset="0"/>
-              </a:rPr>
-              <a:t>try {...}</a:t>
-            </a:r>
-            <a:r>
-              <a:rPr lang="en-US" altLang="en-US" sz="2400" dirty="0">
-                <a:solidFill>
-                  <a:srgbClr val="FFFF99"/>
-                </a:solidFill>
-                <a:latin typeface="Trebuchet MS" panose="020B0603020202020204" pitchFamily="34" charset="0"/>
-              </a:rPr>
-              <a:t> </a:t>
-            </a:r>
-            <a:r>
-              <a:rPr lang="en-US" altLang="en-US" sz="2400" dirty="0"/>
-              <a:t>part is executed</a:t>
-            </a:r>
-            <a:br>
-              <a:rPr lang="en-US" altLang="en-US" sz="2400" dirty="0"/>
-            </a:br>
-            <a:endParaRPr lang="en-US" altLang="en-US" sz="2400" dirty="0"/>
-          </a:p>
-          <a:p>
-            <a:pPr>
-              <a:lnSpc>
-                <a:spcPct val="90000"/>
-              </a:lnSpc>
-            </a:pPr>
-            <a:r>
-              <a:rPr lang="en-US" altLang="en-US" sz="2400" dirty="0"/>
-              <a:t>If there are no problems, the </a:t>
-            </a:r>
-            <a:r>
-              <a:rPr lang="en-US" altLang="en-US" sz="2400" dirty="0">
-                <a:solidFill>
-                  <a:schemeClr val="accent2"/>
-                </a:solidFill>
-                <a:latin typeface="Trebuchet MS" panose="020B0603020202020204" pitchFamily="34" charset="0"/>
-              </a:rPr>
-              <a:t>catch</a:t>
-            </a:r>
-            <a:r>
-              <a:rPr lang="en-US" altLang="en-US" sz="2400" dirty="0"/>
-              <a:t> phrases are skipped</a:t>
-            </a:r>
-          </a:p>
-          <a:p>
-            <a:pPr>
-              <a:lnSpc>
-                <a:spcPct val="90000"/>
-              </a:lnSpc>
-            </a:pPr>
-            <a:r>
-              <a:rPr lang="en-US" altLang="en-US" sz="2400" dirty="0"/>
-              <a:t>If an exception occurs, the program jumps </a:t>
-            </a:r>
-            <a:r>
-              <a:rPr lang="en-US" altLang="en-US" sz="2400" i="1" dirty="0"/>
-              <a:t>immediately</a:t>
-            </a:r>
-            <a:r>
-              <a:rPr lang="en-US" altLang="en-US" sz="2400" dirty="0"/>
-              <a:t> to the first </a:t>
-            </a:r>
-            <a:r>
-              <a:rPr lang="en-US" altLang="en-US" sz="2400" dirty="0">
-                <a:solidFill>
-                  <a:schemeClr val="accent2"/>
-                </a:solidFill>
-                <a:latin typeface="Trebuchet MS" panose="020B0603020202020204" pitchFamily="34" charset="0"/>
-              </a:rPr>
-              <a:t>catch</a:t>
-            </a:r>
-            <a:r>
-              <a:rPr lang="en-US" altLang="en-US" sz="2400" dirty="0"/>
-              <a:t> clause that can handle that exception</a:t>
-            </a:r>
-            <a:br>
-              <a:rPr lang="en-US" altLang="en-US" sz="2400" dirty="0"/>
-            </a:br>
-            <a:endParaRPr lang="en-US" altLang="en-US" sz="2400" dirty="0"/>
-          </a:p>
-          <a:p>
-            <a:pPr>
-              <a:lnSpc>
-                <a:spcPct val="90000"/>
-              </a:lnSpc>
-            </a:pPr>
-            <a:r>
-              <a:rPr lang="en-US" altLang="en-US" sz="2400" dirty="0"/>
-              <a:t>Whether or not an exception occurred, the </a:t>
-            </a:r>
-            <a:r>
-              <a:rPr lang="en-US" altLang="en-US" sz="2400" dirty="0">
-                <a:solidFill>
-                  <a:schemeClr val="accent2"/>
-                </a:solidFill>
-                <a:latin typeface="Trebuchet MS" panose="020B0603020202020204" pitchFamily="34" charset="0"/>
-              </a:rPr>
-              <a:t>finally</a:t>
-            </a:r>
-            <a:r>
-              <a:rPr lang="en-US" altLang="en-US" sz="2400" dirty="0"/>
-              <a:t> code is executed</a:t>
-            </a:r>
-          </a:p>
-        </p:txBody>
-      </p:sp>
-      <p:sp>
-        <p:nvSpPr>
-          <p:cNvPr id="6" name="Date Placeholder 5"/>
-          <p:cNvSpPr>
-            <a:spLocks noGrp="1"/>
-          </p:cNvSpPr>
-          <p:nvPr>
-            <p:ph type="dt" sz="half" idx="2"/>
-          </p:nvPr>
-        </p:nvSpPr>
-        <p:spPr/>
-        <p:txBody>
-          <a:bodyPr/>
-          <a:lstStyle/>
-          <a:p>
-            <a:r>
-              <a:rPr lang="en-CA" dirty="0"/>
-              <a:t>Winter 2022</a:t>
-            </a:r>
-          </a:p>
-        </p:txBody>
-      </p:sp>
-      <p:sp>
-        <p:nvSpPr>
-          <p:cNvPr id="10" name="Footer Placeholder 9"/>
-          <p:cNvSpPr>
-            <a:spLocks noGrp="1"/>
-          </p:cNvSpPr>
-          <p:nvPr>
-            <p:ph type="ftr" sz="quarter" idx="3"/>
-          </p:nvPr>
-        </p:nvSpPr>
-        <p:spPr/>
-        <p:txBody>
-          <a:bodyPr/>
-          <a:lstStyle/>
-          <a:p>
-            <a:r>
-              <a:rPr lang="en-CA" dirty="0"/>
-              <a:t>CS321: Advanced Programming Techniques</a:t>
-            </a:r>
-          </a:p>
-        </p:txBody>
-      </p:sp>
-      <p:sp>
-        <p:nvSpPr>
-          <p:cNvPr id="12" name="Slide Number Placeholder 11"/>
-          <p:cNvSpPr>
-            <a:spLocks noGrp="1"/>
-          </p:cNvSpPr>
-          <p:nvPr>
-            <p:ph type="sldNum" sz="quarter" idx="4"/>
-          </p:nvPr>
-        </p:nvSpPr>
-        <p:spPr/>
-        <p:txBody>
-          <a:bodyPr/>
-          <a:lstStyle/>
-          <a:p>
-            <a:fld id="{5174927E-2439-42C0-9720-7BBCA09BF46F}" type="slidenum">
-              <a:rPr lang="en-CA" smtClean="0"/>
-              <a:pPr/>
-              <a:t>18</a:t>
-            </a:fld>
-            <a:r>
-              <a:rPr lang="en-CA" dirty="0"/>
-              <a:t> </a:t>
-            </a:r>
-          </a:p>
-        </p:txBody>
-      </p:sp>
-    </p:spTree>
-    <p:extLst>
-      <p:ext uri="{BB962C8B-B14F-4D97-AF65-F5344CB8AC3E}">
-        <p14:creationId xmlns:p14="http://schemas.microsoft.com/office/powerpoint/2010/main" val="132232297"/>
-      </p:ext>
-    </p:extLst>
-  </p:cSld>
-  <p:clrMapOvr>
-    <a:masterClrMapping/>
-  </p:clrMapOvr>
-</p:sld>
-</file>
-
-<file path=ppt/slides/slide19.xml><?xml version="1.0" encoding="utf-8"?>
-<p:sld xmlns:a="http://schemas.openxmlformats.org/drawingml/2006/main" xmlns:r="http://schemas.openxmlformats.org/officeDocument/2006/relationships" xmlns:p="http://schemas.openxmlformats.org/presentationml/2006/main">
-  <p:cSld>
-    <p:spTree>
-      <p:nvGrpSpPr>
-        <p:cNvPr id="1" name=""/>
-        <p:cNvGrpSpPr/>
-        <p:nvPr/>
-      </p:nvGrpSpPr>
-      <p:grpSpPr>
-        <a:xfrm>
-          <a:off x="0" y="0"/>
-          <a:ext cx="0" cy="0"/>
-          <a:chOff x="0" y="0"/>
-          <a:chExt cx="0" cy="0"/>
-        </a:xfrm>
-      </p:grpSpPr>
-      <p:sp>
-        <p:nvSpPr>
-          <p:cNvPr id="2" name="Title 1"/>
-          <p:cNvSpPr>
-            <a:spLocks noGrp="1"/>
-          </p:cNvSpPr>
-          <p:nvPr>
-            <p:ph type="title"/>
-          </p:nvPr>
-        </p:nvSpPr>
-        <p:spPr/>
-        <p:txBody>
-          <a:bodyPr/>
-          <a:lstStyle/>
-          <a:p>
-            <a:r>
-              <a:rPr lang="en-US" altLang="en-US" dirty="0"/>
-              <a:t>Ordering the catch phrases</a:t>
-            </a:r>
-            <a:endParaRPr lang="en-CA" dirty="0"/>
-          </a:p>
-        </p:txBody>
-      </p:sp>
-      <p:sp>
-        <p:nvSpPr>
-          <p:cNvPr id="3" name="Content Placeholder 2"/>
-          <p:cNvSpPr>
-            <a:spLocks noGrp="1"/>
-          </p:cNvSpPr>
-          <p:nvPr>
-            <p:ph idx="1"/>
-          </p:nvPr>
-        </p:nvSpPr>
-        <p:spPr>
-          <a:xfrm>
-            <a:off x="640874" y="1168401"/>
-            <a:ext cx="10515600" cy="5025922"/>
-          </a:xfrm>
-        </p:spPr>
-        <p:txBody>
-          <a:bodyPr>
-            <a:normAutofit/>
-          </a:bodyPr>
-          <a:lstStyle/>
-          <a:p>
-            <a:pPr>
-              <a:lnSpc>
-                <a:spcPct val="90000"/>
-              </a:lnSpc>
-            </a:pPr>
-            <a:r>
-              <a:rPr lang="en-US" altLang="en-US" dirty="0"/>
-              <a:t>A </a:t>
-            </a:r>
-            <a:r>
-              <a:rPr lang="en-US" altLang="en-US" dirty="0">
-                <a:solidFill>
-                  <a:schemeClr val="accent2"/>
-                </a:solidFill>
-                <a:latin typeface="Trebuchet MS" panose="020B0603020202020204" pitchFamily="34" charset="0"/>
-              </a:rPr>
-              <a:t>try</a:t>
-            </a:r>
-            <a:r>
-              <a:rPr lang="en-US" altLang="en-US" dirty="0"/>
-              <a:t> can be followed by many </a:t>
-            </a:r>
-            <a:r>
-              <a:rPr lang="en-US" altLang="en-US" dirty="0">
-                <a:solidFill>
-                  <a:schemeClr val="accent2"/>
-                </a:solidFill>
-                <a:latin typeface="Trebuchet MS" panose="020B0603020202020204" pitchFamily="34" charset="0"/>
-              </a:rPr>
-              <a:t>catch</a:t>
-            </a:r>
-            <a:r>
-              <a:rPr lang="en-US" altLang="en-US" dirty="0"/>
-              <a:t>es</a:t>
-            </a:r>
-          </a:p>
-          <a:p>
-            <a:pPr lvl="1">
-              <a:lnSpc>
-                <a:spcPct val="90000"/>
-              </a:lnSpc>
-            </a:pPr>
-            <a:r>
-              <a:rPr lang="en-US" altLang="en-US" dirty="0">
-                <a:ea typeface="ＭＳ Ｐゴシック" panose="020B0600070205080204" pitchFamily="34" charset="-128"/>
-              </a:rPr>
-              <a:t>The first one that </a:t>
-            </a:r>
-            <a:r>
-              <a:rPr lang="en-US" altLang="en-US" i="1" dirty="0">
-                <a:ea typeface="ＭＳ Ｐゴシック" panose="020B0600070205080204" pitchFamily="34" charset="-128"/>
-              </a:rPr>
-              <a:t>can</a:t>
-            </a:r>
-            <a:r>
-              <a:rPr lang="en-US" altLang="en-US" dirty="0">
-                <a:ea typeface="ＭＳ Ｐゴシック" panose="020B0600070205080204" pitchFamily="34" charset="-128"/>
-              </a:rPr>
-              <a:t> catch the exception is the one that </a:t>
-            </a:r>
-            <a:r>
-              <a:rPr lang="en-US" altLang="en-US" i="1" dirty="0">
-                <a:ea typeface="ＭＳ Ｐゴシック" panose="020B0600070205080204" pitchFamily="34" charset="-128"/>
-              </a:rPr>
-              <a:t>will</a:t>
-            </a:r>
-            <a:r>
-              <a:rPr lang="en-US" altLang="en-US" dirty="0">
-                <a:ea typeface="ＭＳ Ｐゴシック" panose="020B0600070205080204" pitchFamily="34" charset="-128"/>
-              </a:rPr>
-              <a:t> catch the exception</a:t>
-            </a:r>
-          </a:p>
-          <a:p>
-            <a:pPr>
-              <a:lnSpc>
-                <a:spcPct val="90000"/>
-              </a:lnSpc>
-            </a:pPr>
-            <a:r>
-              <a:rPr lang="en-US" altLang="en-US" dirty="0"/>
-              <a:t>Bad:</a:t>
-            </a:r>
-            <a:endParaRPr lang="en-US" altLang="en-US" dirty="0">
-              <a:solidFill>
-                <a:schemeClr val="accent2"/>
-              </a:solidFill>
-            </a:endParaRPr>
-          </a:p>
-          <a:p>
-            <a:pPr lvl="1">
-              <a:lnSpc>
-                <a:spcPct val="90000"/>
-              </a:lnSpc>
-              <a:buClr>
-                <a:srgbClr val="FFFF99"/>
-              </a:buClr>
-              <a:buFontTx/>
-              <a:buChar char=" "/>
-            </a:pPr>
-            <a:r>
-              <a:rPr lang="en-US" altLang="en-US" dirty="0">
-                <a:solidFill>
-                  <a:schemeClr val="accent2"/>
-                </a:solidFill>
-                <a:latin typeface="Trebuchet MS" panose="020B0603020202020204" pitchFamily="34" charset="0"/>
-                <a:ea typeface="ＭＳ Ｐゴシック" panose="020B0600070205080204" pitchFamily="34" charset="-128"/>
-              </a:rPr>
-              <a:t>catch(Exception </a:t>
-            </a:r>
-            <a:r>
-              <a:rPr lang="en-US" altLang="en-US" b="1" i="1" dirty="0">
-                <a:solidFill>
-                  <a:schemeClr val="hlink"/>
-                </a:solidFill>
-                <a:ea typeface="ＭＳ Ｐゴシック" panose="020B0600070205080204" pitchFamily="34" charset="-128"/>
-              </a:rPr>
-              <a:t>e</a:t>
-            </a:r>
-            <a:r>
-              <a:rPr lang="en-US" altLang="en-US" dirty="0">
-                <a:solidFill>
-                  <a:schemeClr val="accent2"/>
-                </a:solidFill>
-                <a:latin typeface="Trebuchet MS" panose="020B0603020202020204" pitchFamily="34" charset="0"/>
-                <a:ea typeface="ＭＳ Ｐゴシック" panose="020B0600070205080204" pitchFamily="34" charset="-128"/>
-              </a:rPr>
-              <a:t>) { ... }</a:t>
-            </a:r>
-            <a:br>
-              <a:rPr lang="en-US" altLang="en-US" dirty="0">
-                <a:solidFill>
-                  <a:schemeClr val="accent2"/>
-                </a:solidFill>
-                <a:latin typeface="Trebuchet MS" panose="020B0603020202020204" pitchFamily="34" charset="0"/>
-                <a:ea typeface="ＭＳ Ｐゴシック" panose="020B0600070205080204" pitchFamily="34" charset="-128"/>
-              </a:rPr>
-            </a:br>
-            <a:r>
-              <a:rPr lang="en-US" altLang="en-US" dirty="0">
-                <a:solidFill>
-                  <a:schemeClr val="accent2"/>
-                </a:solidFill>
-                <a:latin typeface="Trebuchet MS" panose="020B0603020202020204" pitchFamily="34" charset="0"/>
-                <a:ea typeface="ＭＳ Ｐゴシック" panose="020B0600070205080204" pitchFamily="34" charset="-128"/>
-              </a:rPr>
-              <a:t>catch(</a:t>
-            </a:r>
-            <a:r>
-              <a:rPr lang="en-US" altLang="en-US" dirty="0" err="1">
-                <a:solidFill>
-                  <a:schemeClr val="accent2"/>
-                </a:solidFill>
-                <a:latin typeface="Trebuchet MS" panose="020B0603020202020204" pitchFamily="34" charset="0"/>
-                <a:ea typeface="ＭＳ Ｐゴシック" panose="020B0600070205080204" pitchFamily="34" charset="-128"/>
-              </a:rPr>
-              <a:t>IOException</a:t>
-            </a:r>
-            <a:r>
-              <a:rPr lang="en-US" altLang="en-US" dirty="0">
-                <a:solidFill>
-                  <a:schemeClr val="accent2"/>
-                </a:solidFill>
-                <a:latin typeface="Trebuchet MS" panose="020B0603020202020204" pitchFamily="34" charset="0"/>
-                <a:ea typeface="ＭＳ Ｐゴシック" panose="020B0600070205080204" pitchFamily="34" charset="-128"/>
-              </a:rPr>
-              <a:t> </a:t>
-            </a:r>
-            <a:r>
-              <a:rPr lang="en-US" altLang="en-US" b="1" i="1" dirty="0">
-                <a:solidFill>
-                  <a:schemeClr val="hlink"/>
-                </a:solidFill>
-                <a:ea typeface="ＭＳ Ｐゴシック" panose="020B0600070205080204" pitchFamily="34" charset="-128"/>
-              </a:rPr>
-              <a:t>e</a:t>
-            </a:r>
-            <a:r>
-              <a:rPr lang="en-US" altLang="en-US" dirty="0">
-                <a:solidFill>
-                  <a:schemeClr val="accent2"/>
-                </a:solidFill>
-                <a:latin typeface="Trebuchet MS" panose="020B0603020202020204" pitchFamily="34" charset="0"/>
-                <a:ea typeface="ＭＳ Ｐゴシック" panose="020B0600070205080204" pitchFamily="34" charset="-128"/>
-              </a:rPr>
-              <a:t>) { ... }</a:t>
-            </a:r>
-            <a:endParaRPr lang="en-US" altLang="en-US" dirty="0">
-              <a:solidFill>
-                <a:schemeClr val="accent2"/>
-              </a:solidFill>
-              <a:ea typeface="ＭＳ Ｐゴシック" panose="020B0600070205080204" pitchFamily="34" charset="-128"/>
-            </a:endParaRPr>
-          </a:p>
-          <a:p>
-            <a:pPr>
-              <a:lnSpc>
-                <a:spcPct val="90000"/>
-              </a:lnSpc>
-            </a:pPr>
-            <a:r>
-              <a:rPr lang="en-US" altLang="en-US" dirty="0"/>
-              <a:t>This is bad because </a:t>
-            </a:r>
-            <a:r>
-              <a:rPr lang="en-US" altLang="en-US" dirty="0" err="1">
-                <a:solidFill>
-                  <a:schemeClr val="accent2"/>
-                </a:solidFill>
-                <a:latin typeface="Trebuchet MS" panose="020B0603020202020204" pitchFamily="34" charset="0"/>
-              </a:rPr>
-              <a:t>IOException</a:t>
-            </a:r>
-            <a:r>
-              <a:rPr lang="en-US" altLang="en-US" dirty="0"/>
-              <a:t> is a subclass of </a:t>
-            </a:r>
-            <a:r>
-              <a:rPr lang="en-US" altLang="en-US" dirty="0">
-                <a:solidFill>
-                  <a:schemeClr val="accent2"/>
-                </a:solidFill>
-                <a:latin typeface="Trebuchet MS" panose="020B0603020202020204" pitchFamily="34" charset="0"/>
-              </a:rPr>
-              <a:t>Exception</a:t>
-            </a:r>
-            <a:r>
-              <a:rPr lang="en-US" altLang="en-US" dirty="0"/>
-              <a:t>, so any </a:t>
-            </a:r>
-            <a:r>
-              <a:rPr lang="en-US" altLang="en-US" dirty="0" err="1">
-                <a:solidFill>
-                  <a:schemeClr val="accent2"/>
-                </a:solidFill>
-                <a:latin typeface="Trebuchet MS" panose="020B0603020202020204" pitchFamily="34" charset="0"/>
-              </a:rPr>
-              <a:t>IOException</a:t>
-            </a:r>
-            <a:r>
-              <a:rPr lang="en-US" altLang="en-US" dirty="0"/>
-              <a:t> will be handled by the </a:t>
-            </a:r>
-            <a:r>
-              <a:rPr lang="en-US" altLang="en-US" i="1" dirty="0"/>
-              <a:t>first</a:t>
-            </a:r>
-            <a:r>
-              <a:rPr lang="en-US" altLang="en-US" dirty="0">
-                <a:solidFill>
-                  <a:schemeClr val="accent2"/>
-                </a:solidFill>
-              </a:rPr>
-              <a:t> </a:t>
-            </a:r>
-            <a:r>
-              <a:rPr lang="en-US" altLang="en-US" dirty="0">
-                <a:solidFill>
-                  <a:schemeClr val="accent2"/>
-                </a:solidFill>
-                <a:latin typeface="Trebuchet MS" panose="020B0603020202020204" pitchFamily="34" charset="0"/>
-              </a:rPr>
-              <a:t>catch</a:t>
-            </a:r>
-          </a:p>
-          <a:p>
-            <a:pPr lvl="1">
-              <a:lnSpc>
-                <a:spcPct val="90000"/>
-              </a:lnSpc>
-            </a:pPr>
-            <a:r>
-              <a:rPr lang="en-US" altLang="en-US" dirty="0">
-                <a:ea typeface="ＭＳ Ｐゴシック" panose="020B0600070205080204" pitchFamily="34" charset="-128"/>
-              </a:rPr>
-              <a:t>The second </a:t>
-            </a:r>
-            <a:r>
-              <a:rPr lang="en-US" altLang="en-US" dirty="0">
-                <a:solidFill>
-                  <a:schemeClr val="accent2"/>
-                </a:solidFill>
-                <a:latin typeface="Trebuchet MS" panose="020B0603020202020204" pitchFamily="34" charset="0"/>
-                <a:ea typeface="ＭＳ Ｐゴシック" panose="020B0600070205080204" pitchFamily="34" charset="-128"/>
-              </a:rPr>
-              <a:t>catch</a:t>
-            </a:r>
-            <a:r>
-              <a:rPr lang="en-US" altLang="en-US" dirty="0">
-                <a:ea typeface="ＭＳ Ｐゴシック" panose="020B0600070205080204" pitchFamily="34" charset="-128"/>
-              </a:rPr>
-              <a:t> phrase can never be used</a:t>
-            </a:r>
-          </a:p>
-        </p:txBody>
-      </p:sp>
-      <p:sp>
-        <p:nvSpPr>
-          <p:cNvPr id="6" name="Date Placeholder 5"/>
-          <p:cNvSpPr>
-            <a:spLocks noGrp="1"/>
-          </p:cNvSpPr>
-          <p:nvPr>
-            <p:ph type="dt" sz="half" idx="2"/>
-          </p:nvPr>
-        </p:nvSpPr>
-        <p:spPr/>
-        <p:txBody>
-          <a:bodyPr/>
-          <a:lstStyle/>
-          <a:p>
-            <a:r>
-              <a:rPr lang="en-CA" dirty="0"/>
-              <a:t>Winter 2022</a:t>
-            </a:r>
-          </a:p>
-        </p:txBody>
-      </p:sp>
-      <p:sp>
-        <p:nvSpPr>
-          <p:cNvPr id="10" name="Footer Placeholder 9"/>
-          <p:cNvSpPr>
-            <a:spLocks noGrp="1"/>
-          </p:cNvSpPr>
-          <p:nvPr>
-            <p:ph type="ftr" sz="quarter" idx="3"/>
-          </p:nvPr>
-        </p:nvSpPr>
-        <p:spPr/>
-        <p:txBody>
-          <a:bodyPr/>
-          <a:lstStyle/>
-          <a:p>
-            <a:r>
-              <a:rPr lang="en-CA" dirty="0"/>
-              <a:t>CS321: Advanced Programming Techniques</a:t>
-            </a:r>
-          </a:p>
-        </p:txBody>
-      </p:sp>
-      <p:sp>
-        <p:nvSpPr>
-          <p:cNvPr id="12" name="Slide Number Placeholder 11"/>
-          <p:cNvSpPr>
-            <a:spLocks noGrp="1"/>
-          </p:cNvSpPr>
-          <p:nvPr>
-            <p:ph type="sldNum" sz="quarter" idx="4"/>
-          </p:nvPr>
-        </p:nvSpPr>
-        <p:spPr/>
-        <p:txBody>
-          <a:bodyPr/>
-          <a:lstStyle/>
-          <a:p>
-            <a:fld id="{5174927E-2439-42C0-9720-7BBCA09BF46F}" type="slidenum">
-              <a:rPr lang="en-CA" smtClean="0"/>
-              <a:pPr/>
-              <a:t>19</a:t>
-            </a:fld>
-            <a:r>
-              <a:rPr lang="en-CA" dirty="0"/>
-              <a:t> </a:t>
-            </a:r>
-          </a:p>
-        </p:txBody>
-      </p:sp>
-    </p:spTree>
-    <p:extLst>
-      <p:ext uri="{BB962C8B-B14F-4D97-AF65-F5344CB8AC3E}">
-        <p14:creationId xmlns:p14="http://schemas.microsoft.com/office/powerpoint/2010/main" val="2778576912"/>
+        <p14:creationId xmlns:p14="http://schemas.microsoft.com/office/powerpoint/2010/main" xmlns="" val="3064902311"/>
       </p:ext>
     </p:extLst>
   </p:cSld>
@@ -9647,28 +6813,6 @@
       </p:sp>
       <p:sp>
         <p:nvSpPr>
-          <p:cNvPr id="6" name="Date Placeholder 5"/>
-          <p:cNvSpPr>
-            <a:spLocks noGrp="1"/>
-          </p:cNvSpPr>
-          <p:nvPr>
-            <p:ph type="dt" sz="half" idx="2"/>
-          </p:nvPr>
-        </p:nvSpPr>
-        <p:spPr/>
-        <p:txBody>
-          <a:bodyPr/>
-          <a:lstStyle/>
-          <a:p>
-            <a:r>
-              <a:rPr lang="en-CA" dirty="0"/>
-              <a:t>Winter 2022</a:t>
-            </a:r>
-          </a:p>
-        </p:txBody>
-      </p:sp>
-      <p:sp>
-        <p:nvSpPr>
           <p:cNvPr id="10" name="Footer Placeholder 9"/>
           <p:cNvSpPr>
             <a:spLocks noGrp="1"/>
@@ -9719,2560 +6863,7 @@
     </p:spTree>
     <p:extLst>
       <p:ext uri="{BB962C8B-B14F-4D97-AF65-F5344CB8AC3E}">
-        <p14:creationId xmlns:p14="http://schemas.microsoft.com/office/powerpoint/2010/main" val="51204498"/>
-      </p:ext>
-    </p:extLst>
-  </p:cSld>
-  <p:clrMapOvr>
-    <a:masterClrMapping/>
-  </p:clrMapOvr>
-</p:sld>
-</file>
-
-<file path=ppt/slides/slide20.xml><?xml version="1.0" encoding="utf-8"?>
-<p:sld xmlns:a="http://schemas.openxmlformats.org/drawingml/2006/main" xmlns:r="http://schemas.openxmlformats.org/officeDocument/2006/relationships" xmlns:p="http://schemas.openxmlformats.org/presentationml/2006/main">
-  <p:cSld>
-    <p:spTree>
-      <p:nvGrpSpPr>
-        <p:cNvPr id="1" name=""/>
-        <p:cNvGrpSpPr/>
-        <p:nvPr/>
-      </p:nvGrpSpPr>
-      <p:grpSpPr>
-        <a:xfrm>
-          <a:off x="0" y="0"/>
-          <a:ext cx="0" cy="0"/>
-          <a:chOff x="0" y="0"/>
-          <a:chExt cx="0" cy="0"/>
-        </a:xfrm>
-      </p:grpSpPr>
-      <p:sp>
-        <p:nvSpPr>
-          <p:cNvPr id="2" name="Title 1"/>
-          <p:cNvSpPr>
-            <a:spLocks noGrp="1"/>
-          </p:cNvSpPr>
-          <p:nvPr>
-            <p:ph type="title"/>
-          </p:nvPr>
-        </p:nvSpPr>
-        <p:spPr/>
-        <p:txBody>
-          <a:bodyPr/>
-          <a:lstStyle/>
-          <a:p>
-            <a:r>
-              <a:rPr lang="en-US" altLang="en-US" dirty="0"/>
-              <a:t>Using the exception</a:t>
-            </a:r>
-            <a:endParaRPr lang="en-CA" dirty="0"/>
-          </a:p>
-        </p:txBody>
-      </p:sp>
-      <p:sp>
-        <p:nvSpPr>
-          <p:cNvPr id="3" name="Content Placeholder 2"/>
-          <p:cNvSpPr>
-            <a:spLocks noGrp="1"/>
-          </p:cNvSpPr>
-          <p:nvPr>
-            <p:ph idx="1"/>
-          </p:nvPr>
-        </p:nvSpPr>
-        <p:spPr>
-          <a:xfrm>
-            <a:off x="640874" y="1168401"/>
-            <a:ext cx="10515600" cy="5025922"/>
-          </a:xfrm>
-        </p:spPr>
-        <p:txBody>
-          <a:bodyPr>
-            <a:normAutofit/>
-          </a:bodyPr>
-          <a:lstStyle/>
-          <a:p>
-            <a:pPr>
-              <a:lnSpc>
-                <a:spcPct val="90000"/>
-              </a:lnSpc>
-            </a:pPr>
-            <a:r>
-              <a:rPr lang="en-US" altLang="en-US" dirty="0"/>
-              <a:t>When you say </a:t>
-            </a:r>
-            <a:r>
-              <a:rPr lang="en-US" altLang="en-US" dirty="0">
-                <a:solidFill>
-                  <a:schemeClr val="accent2"/>
-                </a:solidFill>
-                <a:latin typeface="Trebuchet MS" panose="020B0603020202020204" pitchFamily="34" charset="0"/>
-              </a:rPr>
-              <a:t>catch(</a:t>
-            </a:r>
-            <a:r>
-              <a:rPr lang="en-US" altLang="en-US" dirty="0" err="1">
-                <a:solidFill>
-                  <a:schemeClr val="accent2"/>
-                </a:solidFill>
-                <a:latin typeface="Trebuchet MS" panose="020B0603020202020204" pitchFamily="34" charset="0"/>
-              </a:rPr>
-              <a:t>IOException</a:t>
-            </a:r>
-            <a:r>
-              <a:rPr lang="en-US" altLang="en-US" dirty="0">
-                <a:solidFill>
-                  <a:schemeClr val="accent2"/>
-                </a:solidFill>
-                <a:latin typeface="Trebuchet MS" panose="020B0603020202020204" pitchFamily="34" charset="0"/>
-              </a:rPr>
-              <a:t> e)</a:t>
-            </a:r>
-            <a:r>
-              <a:rPr lang="en-US" altLang="en-US" dirty="0"/>
-              <a:t>, </a:t>
-            </a:r>
-            <a:r>
-              <a:rPr lang="en-US" altLang="en-US" dirty="0">
-                <a:solidFill>
-                  <a:schemeClr val="accent2"/>
-                </a:solidFill>
-                <a:latin typeface="Trebuchet MS" panose="020B0603020202020204" pitchFamily="34" charset="0"/>
-              </a:rPr>
-              <a:t>e</a:t>
-            </a:r>
-            <a:r>
-              <a:rPr lang="en-US" altLang="en-US" dirty="0"/>
-              <a:t> is a </a:t>
-            </a:r>
-            <a:r>
-              <a:rPr lang="en-US" altLang="en-US" i="1" dirty="0"/>
-              <a:t>formal parameter</a:t>
-            </a:r>
-            <a:r>
-              <a:rPr lang="en-US" altLang="en-US" dirty="0"/>
-              <a:t> of type </a:t>
-            </a:r>
-            <a:r>
-              <a:rPr lang="en-US" altLang="en-US" dirty="0" err="1">
-                <a:solidFill>
-                  <a:schemeClr val="accent2"/>
-                </a:solidFill>
-                <a:latin typeface="Trebuchet MS" panose="020B0603020202020204" pitchFamily="34" charset="0"/>
-              </a:rPr>
-              <a:t>IOException</a:t>
-            </a:r>
-            <a:endParaRPr lang="en-US" altLang="en-US" dirty="0">
-              <a:solidFill>
-                <a:srgbClr val="FFFF99"/>
-              </a:solidFill>
-              <a:latin typeface="Trebuchet MS" panose="020B0603020202020204" pitchFamily="34" charset="0"/>
-            </a:endParaRPr>
-          </a:p>
-          <a:p>
-            <a:pPr lvl="1">
-              <a:lnSpc>
-                <a:spcPct val="90000"/>
-              </a:lnSpc>
-            </a:pPr>
-            <a:r>
-              <a:rPr lang="en-US" altLang="en-US" dirty="0">
-                <a:ea typeface="ＭＳ Ｐゴシック" panose="020B0600070205080204" pitchFamily="34" charset="-128"/>
-              </a:rPr>
-              <a:t>A catch phrase is almost like a miniature method</a:t>
-            </a:r>
-          </a:p>
-          <a:p>
-            <a:pPr lvl="1">
-              <a:lnSpc>
-                <a:spcPct val="90000"/>
-              </a:lnSpc>
-            </a:pPr>
-            <a:r>
-              <a:rPr lang="en-US" altLang="en-US" dirty="0">
-                <a:solidFill>
-                  <a:schemeClr val="accent2"/>
-                </a:solidFill>
-                <a:latin typeface="Trebuchet MS" panose="020B0603020202020204" pitchFamily="34" charset="0"/>
-                <a:ea typeface="ＭＳ Ｐゴシック" panose="020B0600070205080204" pitchFamily="34" charset="-128"/>
-              </a:rPr>
-              <a:t>e</a:t>
-            </a:r>
-            <a:r>
-              <a:rPr lang="en-US" altLang="en-US" dirty="0">
-                <a:ea typeface="ＭＳ Ｐゴシック" panose="020B0600070205080204" pitchFamily="34" charset="-128"/>
-              </a:rPr>
-              <a:t> is an instance (object) of class </a:t>
-            </a:r>
-            <a:r>
-              <a:rPr lang="en-US" altLang="en-US" dirty="0" err="1">
-                <a:solidFill>
-                  <a:schemeClr val="accent2"/>
-                </a:solidFill>
-                <a:latin typeface="Trebuchet MS" panose="020B0603020202020204" pitchFamily="34" charset="0"/>
-                <a:ea typeface="ＭＳ Ｐゴシック" panose="020B0600070205080204" pitchFamily="34" charset="-128"/>
-              </a:rPr>
-              <a:t>IOException</a:t>
-            </a:r>
-            <a:endParaRPr lang="en-US" altLang="en-US" dirty="0">
-              <a:ea typeface="ＭＳ Ｐゴシック" panose="020B0600070205080204" pitchFamily="34" charset="-128"/>
-            </a:endParaRPr>
-          </a:p>
-          <a:p>
-            <a:pPr lvl="1">
-              <a:lnSpc>
-                <a:spcPct val="90000"/>
-              </a:lnSpc>
-            </a:pPr>
-            <a:r>
-              <a:rPr lang="en-US" altLang="en-US" dirty="0">
-                <a:solidFill>
-                  <a:schemeClr val="accent2"/>
-                </a:solidFill>
-                <a:latin typeface="Trebuchet MS" panose="020B0603020202020204" pitchFamily="34" charset="0"/>
-                <a:ea typeface="ＭＳ Ｐゴシック" panose="020B0600070205080204" pitchFamily="34" charset="-128"/>
-              </a:rPr>
-              <a:t>Exception</a:t>
-            </a:r>
-            <a:r>
-              <a:rPr lang="en-US" altLang="en-US" dirty="0">
-                <a:ea typeface="ＭＳ Ｐゴシック" panose="020B0600070205080204" pitchFamily="34" charset="-128"/>
-              </a:rPr>
-              <a:t> objects have methods you can use</a:t>
-            </a:r>
-          </a:p>
-          <a:p>
-            <a:pPr>
-              <a:lnSpc>
-                <a:spcPct val="90000"/>
-              </a:lnSpc>
-            </a:pPr>
-            <a:r>
-              <a:rPr lang="en-US" altLang="en-US" dirty="0"/>
-              <a:t>Here’s an especially useful method that is defined for every exception type:</a:t>
-            </a:r>
-          </a:p>
-          <a:p>
-            <a:pPr lvl="1">
-              <a:lnSpc>
-                <a:spcPct val="90000"/>
-              </a:lnSpc>
-              <a:buClr>
-                <a:srgbClr val="FFFF99"/>
-              </a:buClr>
-              <a:buFontTx/>
-              <a:buNone/>
-            </a:pPr>
-            <a:r>
-              <a:rPr lang="en-US" altLang="en-US" dirty="0" err="1">
-                <a:solidFill>
-                  <a:schemeClr val="accent2"/>
-                </a:solidFill>
-                <a:latin typeface="Trebuchet MS" panose="020B0603020202020204" pitchFamily="34" charset="0"/>
-                <a:ea typeface="ＭＳ Ｐゴシック" panose="020B0600070205080204" pitchFamily="34" charset="-128"/>
-              </a:rPr>
-              <a:t>e.printStackTrace</a:t>
-            </a:r>
-            <a:r>
-              <a:rPr lang="en-US" altLang="en-US" dirty="0">
-                <a:solidFill>
-                  <a:schemeClr val="accent2"/>
-                </a:solidFill>
-                <a:latin typeface="Trebuchet MS" panose="020B0603020202020204" pitchFamily="34" charset="0"/>
-                <a:ea typeface="ＭＳ Ｐゴシック" panose="020B0600070205080204" pitchFamily="34" charset="-128"/>
-              </a:rPr>
-              <a:t>();</a:t>
-            </a:r>
-            <a:endParaRPr lang="en-US" altLang="en-US" dirty="0">
-              <a:solidFill>
-                <a:schemeClr val="accent2"/>
-              </a:solidFill>
-              <a:ea typeface="ＭＳ Ｐゴシック" panose="020B0600070205080204" pitchFamily="34" charset="-128"/>
-            </a:endParaRPr>
-          </a:p>
-          <a:p>
-            <a:pPr lvl="1">
-              <a:lnSpc>
-                <a:spcPct val="90000"/>
-              </a:lnSpc>
-            </a:pPr>
-            <a:r>
-              <a:rPr lang="en-US" altLang="en-US" dirty="0">
-                <a:ea typeface="ＭＳ Ｐゴシック" panose="020B0600070205080204" pitchFamily="34" charset="-128"/>
-              </a:rPr>
-              <a:t>This prints out what the exception was, and how you got to the statement that caused it</a:t>
-            </a:r>
-          </a:p>
-        </p:txBody>
-      </p:sp>
-      <p:sp>
-        <p:nvSpPr>
-          <p:cNvPr id="6" name="Date Placeholder 5"/>
-          <p:cNvSpPr>
-            <a:spLocks noGrp="1"/>
-          </p:cNvSpPr>
-          <p:nvPr>
-            <p:ph type="dt" sz="half" idx="2"/>
-          </p:nvPr>
-        </p:nvSpPr>
-        <p:spPr/>
-        <p:txBody>
-          <a:bodyPr/>
-          <a:lstStyle/>
-          <a:p>
-            <a:r>
-              <a:rPr lang="en-CA" dirty="0"/>
-              <a:t>Winter 2022</a:t>
-            </a:r>
-          </a:p>
-        </p:txBody>
-      </p:sp>
-      <p:sp>
-        <p:nvSpPr>
-          <p:cNvPr id="10" name="Footer Placeholder 9"/>
-          <p:cNvSpPr>
-            <a:spLocks noGrp="1"/>
-          </p:cNvSpPr>
-          <p:nvPr>
-            <p:ph type="ftr" sz="quarter" idx="3"/>
-          </p:nvPr>
-        </p:nvSpPr>
-        <p:spPr/>
-        <p:txBody>
-          <a:bodyPr/>
-          <a:lstStyle/>
-          <a:p>
-            <a:r>
-              <a:rPr lang="en-CA" dirty="0"/>
-              <a:t>CS321: Advanced Programming Techniques</a:t>
-            </a:r>
-          </a:p>
-        </p:txBody>
-      </p:sp>
-      <p:sp>
-        <p:nvSpPr>
-          <p:cNvPr id="12" name="Slide Number Placeholder 11"/>
-          <p:cNvSpPr>
-            <a:spLocks noGrp="1"/>
-          </p:cNvSpPr>
-          <p:nvPr>
-            <p:ph type="sldNum" sz="quarter" idx="4"/>
-          </p:nvPr>
-        </p:nvSpPr>
-        <p:spPr/>
-        <p:txBody>
-          <a:bodyPr/>
-          <a:lstStyle/>
-          <a:p>
-            <a:fld id="{5174927E-2439-42C0-9720-7BBCA09BF46F}" type="slidenum">
-              <a:rPr lang="en-CA" smtClean="0"/>
-              <a:pPr/>
-              <a:t>20</a:t>
-            </a:fld>
-            <a:r>
-              <a:rPr lang="en-CA" dirty="0"/>
-              <a:t> </a:t>
-            </a:r>
-          </a:p>
-        </p:txBody>
-      </p:sp>
-    </p:spTree>
-    <p:extLst>
-      <p:ext uri="{BB962C8B-B14F-4D97-AF65-F5344CB8AC3E}">
-        <p14:creationId xmlns:p14="http://schemas.microsoft.com/office/powerpoint/2010/main" val="3963229193"/>
-      </p:ext>
-    </p:extLst>
-  </p:cSld>
-  <p:clrMapOvr>
-    <a:masterClrMapping/>
-  </p:clrMapOvr>
-</p:sld>
-</file>
-
-<file path=ppt/slides/slide21.xml><?xml version="1.0" encoding="utf-8"?>
-<p:sld xmlns:a="http://schemas.openxmlformats.org/drawingml/2006/main" xmlns:r="http://schemas.openxmlformats.org/officeDocument/2006/relationships" xmlns:p="http://schemas.openxmlformats.org/presentationml/2006/main">
-  <p:cSld>
-    <p:spTree>
-      <p:nvGrpSpPr>
-        <p:cNvPr id="1" name=""/>
-        <p:cNvGrpSpPr/>
-        <p:nvPr/>
-      </p:nvGrpSpPr>
-      <p:grpSpPr>
-        <a:xfrm>
-          <a:off x="0" y="0"/>
-          <a:ext cx="0" cy="0"/>
-          <a:chOff x="0" y="0"/>
-          <a:chExt cx="0" cy="0"/>
-        </a:xfrm>
-      </p:grpSpPr>
-      <p:sp>
-        <p:nvSpPr>
-          <p:cNvPr id="2" name="Title 1"/>
-          <p:cNvSpPr>
-            <a:spLocks noGrp="1"/>
-          </p:cNvSpPr>
-          <p:nvPr>
-            <p:ph type="title"/>
-          </p:nvPr>
-        </p:nvSpPr>
-        <p:spPr/>
-        <p:txBody>
-          <a:bodyPr/>
-          <a:lstStyle/>
-          <a:p>
-            <a:r>
-              <a:rPr lang="en-US" altLang="en-US" dirty="0" err="1"/>
-              <a:t>printStackTrace</a:t>
-            </a:r>
-            <a:r>
-              <a:rPr lang="en-US" altLang="en-US" dirty="0"/>
-              <a:t>()</a:t>
-            </a:r>
-            <a:endParaRPr lang="en-CA" dirty="0"/>
-          </a:p>
-        </p:txBody>
-      </p:sp>
-      <p:sp>
-        <p:nvSpPr>
-          <p:cNvPr id="3" name="Content Placeholder 2"/>
-          <p:cNvSpPr>
-            <a:spLocks noGrp="1"/>
-          </p:cNvSpPr>
-          <p:nvPr>
-            <p:ph idx="1"/>
-          </p:nvPr>
-        </p:nvSpPr>
-        <p:spPr>
-          <a:xfrm>
-            <a:off x="640874" y="1168401"/>
-            <a:ext cx="10515600" cy="5025922"/>
-          </a:xfrm>
-        </p:spPr>
-        <p:txBody>
-          <a:bodyPr>
-            <a:normAutofit/>
-          </a:bodyPr>
-          <a:lstStyle/>
-          <a:p>
-            <a:r>
-              <a:rPr lang="en-US" altLang="en-US" sz="2400" dirty="0" err="1">
-                <a:solidFill>
-                  <a:schemeClr val="accent2"/>
-                </a:solidFill>
-                <a:latin typeface="Trebuchet MS" panose="020B0603020202020204" pitchFamily="34" charset="0"/>
-              </a:rPr>
-              <a:t>printStackTrace</a:t>
-            </a:r>
-            <a:r>
-              <a:rPr lang="en-US" altLang="en-US" sz="2400" dirty="0">
-                <a:solidFill>
-                  <a:schemeClr val="accent2"/>
-                </a:solidFill>
-                <a:latin typeface="Trebuchet MS" panose="020B0603020202020204" pitchFamily="34" charset="0"/>
-              </a:rPr>
-              <a:t>()</a:t>
-            </a:r>
-            <a:r>
-              <a:rPr lang="en-US" altLang="en-US" sz="2400" dirty="0">
-                <a:solidFill>
-                  <a:schemeClr val="accent2"/>
-                </a:solidFill>
-              </a:rPr>
-              <a:t> </a:t>
-            </a:r>
-            <a:r>
-              <a:rPr lang="en-US" altLang="en-US" sz="2400" dirty="0"/>
-              <a:t>does </a:t>
-            </a:r>
-            <a:r>
-              <a:rPr lang="en-US" altLang="en-US" sz="2400" i="1" dirty="0"/>
-              <a:t>not</a:t>
-            </a:r>
-            <a:r>
-              <a:rPr lang="en-US" altLang="en-US" sz="2400" dirty="0"/>
-              <a:t> print on </a:t>
-            </a:r>
-            <a:r>
-              <a:rPr lang="en-US" altLang="en-US" sz="2400" dirty="0" err="1">
-                <a:solidFill>
-                  <a:schemeClr val="accent2"/>
-                </a:solidFill>
-                <a:latin typeface="Trebuchet MS" panose="020B0603020202020204" pitchFamily="34" charset="0"/>
-              </a:rPr>
-              <a:t>System.out</a:t>
-            </a:r>
-            <a:r>
-              <a:rPr lang="en-US" altLang="en-US" sz="2400" dirty="0"/>
-              <a:t>, but on another stream, </a:t>
-            </a:r>
-            <a:r>
-              <a:rPr lang="en-US" altLang="en-US" sz="2400" dirty="0" err="1">
-                <a:solidFill>
-                  <a:schemeClr val="accent2"/>
-                </a:solidFill>
-                <a:latin typeface="Trebuchet MS" panose="020B0603020202020204" pitchFamily="34" charset="0"/>
-              </a:rPr>
-              <a:t>System.err</a:t>
-            </a:r>
-            <a:endParaRPr lang="en-US" altLang="en-US" sz="2400" dirty="0">
-              <a:solidFill>
-                <a:srgbClr val="FFFF99"/>
-              </a:solidFill>
-              <a:latin typeface="Trebuchet MS" panose="020B0603020202020204" pitchFamily="34" charset="0"/>
-            </a:endParaRPr>
-          </a:p>
-          <a:p>
-            <a:pPr lvl="1"/>
-            <a:r>
-              <a:rPr lang="en-US" altLang="en-US" sz="2000" dirty="0">
-                <a:ea typeface="ＭＳ Ｐゴシック" panose="020B0600070205080204" pitchFamily="34" charset="-128"/>
-              </a:rPr>
-              <a:t>Eclipse writes this to the same Console window, but writes it in </a:t>
-            </a:r>
-            <a:r>
-              <a:rPr lang="en-US" altLang="en-US" sz="2000" dirty="0">
-                <a:solidFill>
-                  <a:schemeClr val="tx2"/>
-                </a:solidFill>
-                <a:ea typeface="ＭＳ Ｐゴシック" panose="020B0600070205080204" pitchFamily="34" charset="-128"/>
-              </a:rPr>
-              <a:t>red</a:t>
-            </a:r>
-          </a:p>
-          <a:p>
-            <a:pPr lvl="1"/>
-            <a:r>
-              <a:rPr lang="en-US" altLang="en-US" sz="2000" dirty="0">
-                <a:ea typeface="ＭＳ Ｐゴシック" panose="020B0600070205080204" pitchFamily="34" charset="-128"/>
-              </a:rPr>
-              <a:t>From the command line: both</a:t>
-            </a:r>
-            <a:r>
-              <a:rPr lang="en-US" altLang="en-US" sz="2000" dirty="0">
-                <a:solidFill>
-                  <a:schemeClr val="accent2"/>
-                </a:solidFill>
-                <a:ea typeface="ＭＳ Ｐゴシック" panose="020B0600070205080204" pitchFamily="34" charset="-128"/>
-              </a:rPr>
-              <a:t> </a:t>
-            </a:r>
-            <a:r>
-              <a:rPr lang="en-US" altLang="en-US" sz="2000" dirty="0" err="1">
-                <a:solidFill>
-                  <a:schemeClr val="accent2"/>
-                </a:solidFill>
-                <a:latin typeface="Trebuchet MS" panose="020B0603020202020204" pitchFamily="34" charset="0"/>
-                <a:ea typeface="ＭＳ Ｐゴシック" panose="020B0600070205080204" pitchFamily="34" charset="-128"/>
-              </a:rPr>
-              <a:t>System.out</a:t>
-            </a:r>
-            <a:r>
-              <a:rPr lang="en-US" altLang="en-US" sz="2000" dirty="0">
-                <a:solidFill>
-                  <a:schemeClr val="accent2"/>
-                </a:solidFill>
-                <a:ea typeface="ＭＳ Ｐゴシック" panose="020B0600070205080204" pitchFamily="34" charset="-128"/>
-              </a:rPr>
-              <a:t> </a:t>
-            </a:r>
-            <a:r>
-              <a:rPr lang="en-US" altLang="en-US" sz="2000" dirty="0">
-                <a:ea typeface="ＭＳ Ｐゴシック" panose="020B0600070205080204" pitchFamily="34" charset="-128"/>
-              </a:rPr>
-              <a:t>and </a:t>
-            </a:r>
-            <a:r>
-              <a:rPr lang="en-US" altLang="en-US" sz="2000" dirty="0" err="1">
-                <a:solidFill>
-                  <a:schemeClr val="accent2"/>
-                </a:solidFill>
-                <a:latin typeface="Trebuchet MS" panose="020B0603020202020204" pitchFamily="34" charset="0"/>
-                <a:ea typeface="ＭＳ Ｐゴシック" panose="020B0600070205080204" pitchFamily="34" charset="-128"/>
-              </a:rPr>
-              <a:t>System.err</a:t>
-            </a:r>
-            <a:r>
-              <a:rPr lang="en-US" altLang="en-US" sz="2000" dirty="0">
-                <a:ea typeface="ＭＳ Ｐゴシック" panose="020B0600070205080204" pitchFamily="34" charset="-128"/>
-              </a:rPr>
-              <a:t> are sent to the terminal window</a:t>
-            </a:r>
-          </a:p>
-          <a:p>
-            <a:r>
-              <a:rPr lang="en-US" altLang="en-US" sz="2400" dirty="0" err="1">
-                <a:solidFill>
-                  <a:schemeClr val="accent2"/>
-                </a:solidFill>
-                <a:latin typeface="Trebuchet MS" panose="020B0603020202020204" pitchFamily="34" charset="0"/>
-              </a:rPr>
-              <a:t>printStackTrace</a:t>
-            </a:r>
-            <a:r>
-              <a:rPr lang="en-US" altLang="en-US" sz="2400" dirty="0">
-                <a:solidFill>
-                  <a:schemeClr val="accent2"/>
-                </a:solidFill>
-                <a:latin typeface="Trebuchet MS" panose="020B0603020202020204" pitchFamily="34" charset="0"/>
-              </a:rPr>
-              <a:t>(</a:t>
-            </a:r>
-            <a:r>
-              <a:rPr lang="en-US" altLang="en-US" sz="2400" b="1" i="1" dirty="0">
-                <a:solidFill>
-                  <a:schemeClr val="hlink"/>
-                </a:solidFill>
-              </a:rPr>
-              <a:t>stream</a:t>
-            </a:r>
-            <a:r>
-              <a:rPr lang="en-US" altLang="en-US" sz="2400" dirty="0">
-                <a:solidFill>
-                  <a:schemeClr val="accent2"/>
-                </a:solidFill>
-                <a:latin typeface="Trebuchet MS" panose="020B0603020202020204" pitchFamily="34" charset="0"/>
-              </a:rPr>
-              <a:t>)</a:t>
-            </a:r>
-            <a:r>
-              <a:rPr lang="en-US" altLang="en-US" sz="2400" dirty="0">
-                <a:solidFill>
-                  <a:schemeClr val="accent2"/>
-                </a:solidFill>
-              </a:rPr>
-              <a:t> </a:t>
-            </a:r>
-            <a:r>
-              <a:rPr lang="en-US" altLang="en-US" sz="2400" dirty="0"/>
-              <a:t>prints on the given stream</a:t>
-            </a:r>
-          </a:p>
-          <a:p>
-            <a:pPr lvl="1"/>
-            <a:r>
-              <a:rPr lang="en-US" altLang="en-US" sz="2000" dirty="0" err="1">
-                <a:solidFill>
-                  <a:schemeClr val="accent2"/>
-                </a:solidFill>
-                <a:latin typeface="Trebuchet MS" panose="020B0603020202020204" pitchFamily="34" charset="0"/>
-                <a:ea typeface="ＭＳ Ｐゴシック" panose="020B0600070205080204" pitchFamily="34" charset="-128"/>
-              </a:rPr>
-              <a:t>printStackTrace</a:t>
-            </a:r>
-            <a:r>
-              <a:rPr lang="en-US" altLang="en-US" sz="2000" dirty="0">
-                <a:solidFill>
-                  <a:schemeClr val="accent2"/>
-                </a:solidFill>
-                <a:latin typeface="Trebuchet MS" panose="020B0603020202020204" pitchFamily="34" charset="0"/>
-                <a:ea typeface="ＭＳ Ｐゴシック" panose="020B0600070205080204" pitchFamily="34" charset="-128"/>
-              </a:rPr>
-              <a:t>(</a:t>
-            </a:r>
-            <a:r>
-              <a:rPr lang="en-US" altLang="en-US" sz="2000" dirty="0" err="1">
-                <a:solidFill>
-                  <a:schemeClr val="accent2"/>
-                </a:solidFill>
-                <a:latin typeface="Trebuchet MS" panose="020B0603020202020204" pitchFamily="34" charset="0"/>
-                <a:ea typeface="ＭＳ Ｐゴシック" panose="020B0600070205080204" pitchFamily="34" charset="-128"/>
-              </a:rPr>
-              <a:t>System.out</a:t>
-            </a:r>
-            <a:r>
-              <a:rPr lang="en-US" altLang="en-US" sz="2000" dirty="0">
-                <a:solidFill>
-                  <a:schemeClr val="accent2"/>
-                </a:solidFill>
-                <a:latin typeface="Trebuchet MS" panose="020B0603020202020204" pitchFamily="34" charset="0"/>
-                <a:ea typeface="ＭＳ Ｐゴシック" panose="020B0600070205080204" pitchFamily="34" charset="-128"/>
-              </a:rPr>
-              <a:t>)</a:t>
-            </a:r>
-            <a:r>
-              <a:rPr lang="en-US" altLang="en-US" sz="2000" dirty="0">
-                <a:ea typeface="ＭＳ Ｐゴシック" panose="020B0600070205080204" pitchFamily="34" charset="-128"/>
-              </a:rPr>
-              <a:t> prints on </a:t>
-            </a:r>
-            <a:r>
-              <a:rPr lang="en-US" altLang="en-US" sz="2000" dirty="0" err="1">
-                <a:solidFill>
-                  <a:schemeClr val="accent2"/>
-                </a:solidFill>
-                <a:latin typeface="Trebuchet MS" panose="020B0603020202020204" pitchFamily="34" charset="0"/>
-                <a:ea typeface="ＭＳ Ｐゴシック" panose="020B0600070205080204" pitchFamily="34" charset="-128"/>
-              </a:rPr>
-              <a:t>System.out</a:t>
-            </a:r>
-            <a:r>
-              <a:rPr lang="en-US" altLang="en-US" sz="2000" dirty="0">
-                <a:ea typeface="ＭＳ Ｐゴシック" panose="020B0600070205080204" pitchFamily="34" charset="-128"/>
-              </a:rPr>
-              <a:t>, and this output is printed along with the “normal” output</a:t>
-            </a:r>
-          </a:p>
-        </p:txBody>
-      </p:sp>
-      <p:sp>
-        <p:nvSpPr>
-          <p:cNvPr id="6" name="Date Placeholder 5"/>
-          <p:cNvSpPr>
-            <a:spLocks noGrp="1"/>
-          </p:cNvSpPr>
-          <p:nvPr>
-            <p:ph type="dt" sz="half" idx="2"/>
-          </p:nvPr>
-        </p:nvSpPr>
-        <p:spPr/>
-        <p:txBody>
-          <a:bodyPr/>
-          <a:lstStyle/>
-          <a:p>
-            <a:r>
-              <a:rPr lang="en-CA" dirty="0"/>
-              <a:t>Winter 2022</a:t>
-            </a:r>
-          </a:p>
-        </p:txBody>
-      </p:sp>
-      <p:sp>
-        <p:nvSpPr>
-          <p:cNvPr id="10" name="Footer Placeholder 9"/>
-          <p:cNvSpPr>
-            <a:spLocks noGrp="1"/>
-          </p:cNvSpPr>
-          <p:nvPr>
-            <p:ph type="ftr" sz="quarter" idx="3"/>
-          </p:nvPr>
-        </p:nvSpPr>
-        <p:spPr/>
-        <p:txBody>
-          <a:bodyPr/>
-          <a:lstStyle/>
-          <a:p>
-            <a:r>
-              <a:rPr lang="en-CA" dirty="0"/>
-              <a:t>CS321: Advanced Programming Techniques</a:t>
-            </a:r>
-          </a:p>
-        </p:txBody>
-      </p:sp>
-      <p:sp>
-        <p:nvSpPr>
-          <p:cNvPr id="12" name="Slide Number Placeholder 11"/>
-          <p:cNvSpPr>
-            <a:spLocks noGrp="1"/>
-          </p:cNvSpPr>
-          <p:nvPr>
-            <p:ph type="sldNum" sz="quarter" idx="4"/>
-          </p:nvPr>
-        </p:nvSpPr>
-        <p:spPr/>
-        <p:txBody>
-          <a:bodyPr/>
-          <a:lstStyle/>
-          <a:p>
-            <a:fld id="{5174927E-2439-42C0-9720-7BBCA09BF46F}" type="slidenum">
-              <a:rPr lang="en-CA" smtClean="0"/>
-              <a:pPr/>
-              <a:t>21</a:t>
-            </a:fld>
-            <a:r>
-              <a:rPr lang="en-CA" dirty="0"/>
-              <a:t> </a:t>
-            </a:r>
-          </a:p>
-        </p:txBody>
-      </p:sp>
-    </p:spTree>
-    <p:extLst>
-      <p:ext uri="{BB962C8B-B14F-4D97-AF65-F5344CB8AC3E}">
-        <p14:creationId xmlns:p14="http://schemas.microsoft.com/office/powerpoint/2010/main" val="127963713"/>
-      </p:ext>
-    </p:extLst>
-  </p:cSld>
-  <p:clrMapOvr>
-    <a:masterClrMapping/>
-  </p:clrMapOvr>
-</p:sld>
-</file>
-
-<file path=ppt/slides/slide22.xml><?xml version="1.0" encoding="utf-8"?>
-<p:sld xmlns:a="http://schemas.openxmlformats.org/drawingml/2006/main" xmlns:r="http://schemas.openxmlformats.org/officeDocument/2006/relationships" xmlns:p="http://schemas.openxmlformats.org/presentationml/2006/main">
-  <p:cSld>
-    <p:spTree>
-      <p:nvGrpSpPr>
-        <p:cNvPr id="1" name=""/>
-        <p:cNvGrpSpPr/>
-        <p:nvPr/>
-      </p:nvGrpSpPr>
-      <p:grpSpPr>
-        <a:xfrm>
-          <a:off x="0" y="0"/>
-          <a:ext cx="0" cy="0"/>
-          <a:chOff x="0" y="0"/>
-          <a:chExt cx="0" cy="0"/>
-        </a:xfrm>
-      </p:grpSpPr>
-      <p:sp>
-        <p:nvSpPr>
-          <p:cNvPr id="2" name="Title 1"/>
-          <p:cNvSpPr>
-            <a:spLocks noGrp="1"/>
-          </p:cNvSpPr>
-          <p:nvPr>
-            <p:ph type="title"/>
-          </p:nvPr>
-        </p:nvSpPr>
-        <p:spPr/>
-        <p:txBody>
-          <a:bodyPr/>
-          <a:lstStyle/>
-          <a:p>
-            <a:r>
-              <a:rPr lang="en-US" altLang="en-US" dirty="0"/>
-              <a:t>Throwing an Exception</a:t>
-            </a:r>
-            <a:endParaRPr lang="en-CA" dirty="0"/>
-          </a:p>
-        </p:txBody>
-      </p:sp>
-      <p:sp>
-        <p:nvSpPr>
-          <p:cNvPr id="3" name="Content Placeholder 2"/>
-          <p:cNvSpPr>
-            <a:spLocks noGrp="1"/>
-          </p:cNvSpPr>
-          <p:nvPr>
-            <p:ph idx="1"/>
-          </p:nvPr>
-        </p:nvSpPr>
-        <p:spPr>
-          <a:xfrm>
-            <a:off x="640874" y="1168401"/>
-            <a:ext cx="10515600" cy="5025922"/>
-          </a:xfrm>
-        </p:spPr>
-        <p:txBody>
-          <a:bodyPr>
-            <a:normAutofit/>
-          </a:bodyPr>
-          <a:lstStyle/>
-          <a:p>
-            <a:pPr>
-              <a:lnSpc>
-                <a:spcPct val="90000"/>
-              </a:lnSpc>
-            </a:pPr>
-            <a:r>
-              <a:rPr lang="en-US" altLang="en-US" dirty="0"/>
-              <a:t>If your method uses code that might throw an exception, and you don’t want to handle the exception in this method, you can say that the method “throws” the exception</a:t>
-            </a:r>
-          </a:p>
-          <a:p>
-            <a:pPr>
-              <a:lnSpc>
-                <a:spcPct val="90000"/>
-              </a:lnSpc>
-            </a:pPr>
-            <a:r>
-              <a:rPr lang="en-US" altLang="en-US" sz="3200" dirty="0"/>
-              <a:t>Example:</a:t>
-            </a:r>
-          </a:p>
-          <a:p>
-            <a:pPr lvl="1">
-              <a:lnSpc>
-                <a:spcPct val="90000"/>
-              </a:lnSpc>
-              <a:buClr>
-                <a:schemeClr val="tx1"/>
-              </a:buClr>
-              <a:buFontTx/>
-              <a:buChar char=" "/>
-            </a:pPr>
-            <a:r>
-              <a:rPr lang="en-US" altLang="en-US" dirty="0">
-                <a:solidFill>
-                  <a:schemeClr val="accent2"/>
-                </a:solidFill>
-                <a:latin typeface="Trebuchet MS" panose="020B0603020202020204" pitchFamily="34" charset="0"/>
-                <a:ea typeface="ＭＳ Ｐゴシック" panose="020B0600070205080204" pitchFamily="34" charset="-128"/>
-              </a:rPr>
-              <a:t>String </a:t>
-            </a:r>
-            <a:r>
-              <a:rPr lang="en-US" altLang="en-US" dirty="0" err="1">
-                <a:solidFill>
-                  <a:schemeClr val="accent2"/>
-                </a:solidFill>
-                <a:latin typeface="Trebuchet MS" panose="020B0603020202020204" pitchFamily="34" charset="0"/>
-                <a:ea typeface="ＭＳ Ｐゴシック" panose="020B0600070205080204" pitchFamily="34" charset="-128"/>
-              </a:rPr>
-              <a:t>myGetLine</a:t>
-            </a:r>
-            <a:r>
-              <a:rPr lang="en-US" altLang="en-US" dirty="0">
-                <a:solidFill>
-                  <a:schemeClr val="accent2"/>
-                </a:solidFill>
-                <a:latin typeface="Trebuchet MS" panose="020B0603020202020204" pitchFamily="34" charset="0"/>
-                <a:ea typeface="ＭＳ Ｐゴシック" panose="020B0600070205080204" pitchFamily="34" charset="-128"/>
-              </a:rPr>
-              <a:t>( ) throws </a:t>
-            </a:r>
-            <a:r>
-              <a:rPr lang="en-US" altLang="en-US" dirty="0" err="1">
-                <a:solidFill>
-                  <a:schemeClr val="accent2"/>
-                </a:solidFill>
-                <a:latin typeface="Trebuchet MS" panose="020B0603020202020204" pitchFamily="34" charset="0"/>
-                <a:ea typeface="ＭＳ Ｐゴシック" panose="020B0600070205080204" pitchFamily="34" charset="-128"/>
-              </a:rPr>
-              <a:t>IOException</a:t>
-            </a:r>
-            <a:r>
-              <a:rPr lang="en-US" altLang="en-US" dirty="0">
-                <a:solidFill>
-                  <a:schemeClr val="accent2"/>
-                </a:solidFill>
-                <a:latin typeface="Trebuchet MS" panose="020B0603020202020204" pitchFamily="34" charset="0"/>
-                <a:ea typeface="ＭＳ Ｐゴシック" panose="020B0600070205080204" pitchFamily="34" charset="-128"/>
-              </a:rPr>
-              <a:t> { ... }</a:t>
-            </a:r>
-            <a:endParaRPr lang="en-US" altLang="en-US" dirty="0">
-              <a:solidFill>
-                <a:srgbClr val="FFFF99"/>
-              </a:solidFill>
-              <a:latin typeface="Trebuchet MS" panose="020B0603020202020204" pitchFamily="34" charset="0"/>
-              <a:ea typeface="ＭＳ Ｐゴシック" panose="020B0600070205080204" pitchFamily="34" charset="-128"/>
-            </a:endParaRPr>
-          </a:p>
-          <a:p>
-            <a:pPr>
-              <a:lnSpc>
-                <a:spcPct val="90000"/>
-              </a:lnSpc>
-              <a:buClr>
-                <a:schemeClr val="tx1"/>
-              </a:buClr>
-            </a:pPr>
-            <a:r>
-              <a:rPr lang="en-US" altLang="en-US" dirty="0"/>
-              <a:t>If you do this, then the method that calls this method must handle the exception</a:t>
-            </a:r>
-          </a:p>
-          <a:p>
-            <a:pPr>
-              <a:lnSpc>
-                <a:spcPct val="90000"/>
-              </a:lnSpc>
-            </a:pPr>
-            <a:endParaRPr lang="en-US" altLang="en-US" sz="3200" dirty="0"/>
-          </a:p>
-        </p:txBody>
-      </p:sp>
-      <p:sp>
-        <p:nvSpPr>
-          <p:cNvPr id="6" name="Date Placeholder 5"/>
-          <p:cNvSpPr>
-            <a:spLocks noGrp="1"/>
-          </p:cNvSpPr>
-          <p:nvPr>
-            <p:ph type="dt" sz="half" idx="2"/>
-          </p:nvPr>
-        </p:nvSpPr>
-        <p:spPr/>
-        <p:txBody>
-          <a:bodyPr/>
-          <a:lstStyle/>
-          <a:p>
-            <a:r>
-              <a:rPr lang="en-CA" dirty="0"/>
-              <a:t>Winter 2022</a:t>
-            </a:r>
-          </a:p>
-        </p:txBody>
-      </p:sp>
-      <p:sp>
-        <p:nvSpPr>
-          <p:cNvPr id="10" name="Footer Placeholder 9"/>
-          <p:cNvSpPr>
-            <a:spLocks noGrp="1"/>
-          </p:cNvSpPr>
-          <p:nvPr>
-            <p:ph type="ftr" sz="quarter" idx="3"/>
-          </p:nvPr>
-        </p:nvSpPr>
-        <p:spPr/>
-        <p:txBody>
-          <a:bodyPr/>
-          <a:lstStyle/>
-          <a:p>
-            <a:r>
-              <a:rPr lang="en-CA" dirty="0"/>
-              <a:t>CS321: Advanced Programming Techniques</a:t>
-            </a:r>
-          </a:p>
-        </p:txBody>
-      </p:sp>
-      <p:sp>
-        <p:nvSpPr>
-          <p:cNvPr id="12" name="Slide Number Placeholder 11"/>
-          <p:cNvSpPr>
-            <a:spLocks noGrp="1"/>
-          </p:cNvSpPr>
-          <p:nvPr>
-            <p:ph type="sldNum" sz="quarter" idx="4"/>
-          </p:nvPr>
-        </p:nvSpPr>
-        <p:spPr/>
-        <p:txBody>
-          <a:bodyPr/>
-          <a:lstStyle/>
-          <a:p>
-            <a:fld id="{5174927E-2439-42C0-9720-7BBCA09BF46F}" type="slidenum">
-              <a:rPr lang="en-CA" smtClean="0"/>
-              <a:pPr/>
-              <a:t>22</a:t>
-            </a:fld>
-            <a:r>
-              <a:rPr lang="en-CA" dirty="0"/>
-              <a:t> </a:t>
-            </a:r>
-          </a:p>
-        </p:txBody>
-      </p:sp>
-    </p:spTree>
-    <p:extLst>
-      <p:ext uri="{BB962C8B-B14F-4D97-AF65-F5344CB8AC3E}">
-        <p14:creationId xmlns:p14="http://schemas.microsoft.com/office/powerpoint/2010/main" val="2986053279"/>
-      </p:ext>
-    </p:extLst>
-  </p:cSld>
-  <p:clrMapOvr>
-    <a:masterClrMapping/>
-  </p:clrMapOvr>
-</p:sld>
-</file>
-
-<file path=ppt/slides/slide23.xml><?xml version="1.0" encoding="utf-8"?>
-<p:sld xmlns:a="http://schemas.openxmlformats.org/drawingml/2006/main" xmlns:r="http://schemas.openxmlformats.org/officeDocument/2006/relationships" xmlns:p="http://schemas.openxmlformats.org/presentationml/2006/main">
-  <p:cSld>
-    <p:spTree>
-      <p:nvGrpSpPr>
-        <p:cNvPr id="1" name=""/>
-        <p:cNvGrpSpPr/>
-        <p:nvPr/>
-      </p:nvGrpSpPr>
-      <p:grpSpPr>
-        <a:xfrm>
-          <a:off x="0" y="0"/>
-          <a:ext cx="0" cy="0"/>
-          <a:chOff x="0" y="0"/>
-          <a:chExt cx="0" cy="0"/>
-        </a:xfrm>
-      </p:grpSpPr>
-      <p:sp>
-        <p:nvSpPr>
-          <p:cNvPr id="2" name="Title 1"/>
-          <p:cNvSpPr>
-            <a:spLocks noGrp="1"/>
-          </p:cNvSpPr>
-          <p:nvPr>
-            <p:ph type="title"/>
-          </p:nvPr>
-        </p:nvSpPr>
-        <p:spPr/>
-        <p:txBody>
-          <a:bodyPr/>
-          <a:lstStyle/>
-          <a:p>
-            <a:r>
-              <a:rPr lang="en-US" altLang="en-US" dirty="0"/>
-              <a:t>Constructing an Exception</a:t>
-            </a:r>
-            <a:endParaRPr lang="en-CA" dirty="0"/>
-          </a:p>
-        </p:txBody>
-      </p:sp>
-      <p:sp>
-        <p:nvSpPr>
-          <p:cNvPr id="3" name="Content Placeholder 2"/>
-          <p:cNvSpPr>
-            <a:spLocks noGrp="1"/>
-          </p:cNvSpPr>
-          <p:nvPr>
-            <p:ph idx="1"/>
-          </p:nvPr>
-        </p:nvSpPr>
-        <p:spPr>
-          <a:xfrm>
-            <a:off x="640874" y="1168401"/>
-            <a:ext cx="10515600" cy="5025922"/>
-          </a:xfrm>
-        </p:spPr>
-        <p:txBody>
-          <a:bodyPr>
-            <a:normAutofit/>
-          </a:bodyPr>
-          <a:lstStyle/>
-          <a:p>
-            <a:r>
-              <a:rPr lang="en-US" altLang="en-US" dirty="0"/>
-              <a:t>Exceptions are classes; you can create your own </a:t>
-            </a:r>
-            <a:r>
-              <a:rPr lang="en-US" altLang="en-US" dirty="0">
-                <a:solidFill>
-                  <a:schemeClr val="accent2"/>
-                </a:solidFill>
-                <a:latin typeface="Trebuchet MS" panose="020B0603020202020204" pitchFamily="34" charset="0"/>
-              </a:rPr>
-              <a:t>Exception</a:t>
-            </a:r>
-            <a:r>
-              <a:rPr lang="en-US" altLang="en-US" dirty="0">
-                <a:solidFill>
-                  <a:srgbClr val="FFFF99"/>
-                </a:solidFill>
-                <a:latin typeface="Trebuchet MS" panose="020B0603020202020204" pitchFamily="34" charset="0"/>
-              </a:rPr>
-              <a:t> </a:t>
-            </a:r>
-            <a:r>
-              <a:rPr lang="en-US" altLang="en-US" dirty="0"/>
-              <a:t>with</a:t>
-            </a:r>
-            <a:r>
-              <a:rPr lang="en-US" altLang="en-US" dirty="0">
-                <a:solidFill>
-                  <a:srgbClr val="FFFF99"/>
-                </a:solidFill>
-                <a:latin typeface="Trebuchet MS" panose="020B0603020202020204" pitchFamily="34" charset="0"/>
-              </a:rPr>
-              <a:t> </a:t>
-            </a:r>
-            <a:r>
-              <a:rPr lang="en-US" altLang="en-US" dirty="0">
-                <a:solidFill>
-                  <a:schemeClr val="accent2"/>
-                </a:solidFill>
-                <a:latin typeface="Trebuchet MS" panose="020B0603020202020204" pitchFamily="34" charset="0"/>
-              </a:rPr>
-              <a:t>new</a:t>
-            </a:r>
-            <a:endParaRPr lang="en-US" altLang="en-US" dirty="0">
-              <a:solidFill>
-                <a:srgbClr val="FFFF99"/>
-              </a:solidFill>
-              <a:latin typeface="Trebuchet MS" panose="020B0603020202020204" pitchFamily="34" charset="0"/>
-            </a:endParaRPr>
-          </a:p>
-          <a:p>
-            <a:pPr lvl="1"/>
-            <a:r>
-              <a:rPr lang="en-US" altLang="en-US" dirty="0">
-                <a:ea typeface="ＭＳ Ｐゴシック" panose="020B0600070205080204" pitchFamily="34" charset="-128"/>
-              </a:rPr>
-              <a:t>Exception types have two constructors: one with no parameters, and one with a </a:t>
-            </a:r>
-            <a:r>
-              <a:rPr lang="en-US" altLang="en-US" dirty="0">
-                <a:solidFill>
-                  <a:schemeClr val="accent2"/>
-                </a:solidFill>
-                <a:latin typeface="Trebuchet MS" panose="020B0603020202020204" pitchFamily="34" charset="0"/>
-                <a:ea typeface="ＭＳ Ｐゴシック" panose="020B0600070205080204" pitchFamily="34" charset="-128"/>
-              </a:rPr>
-              <a:t>String</a:t>
-            </a:r>
-            <a:r>
-              <a:rPr lang="en-US" altLang="en-US" dirty="0">
-                <a:ea typeface="ＭＳ Ｐゴシック" panose="020B0600070205080204" pitchFamily="34" charset="-128"/>
-              </a:rPr>
-              <a:t> parameter</a:t>
-            </a:r>
-            <a:endParaRPr lang="en-US" altLang="en-US" dirty="0">
-              <a:solidFill>
-                <a:srgbClr val="FFFF99"/>
-              </a:solidFill>
-              <a:latin typeface="Trebuchet MS" panose="020B0603020202020204" pitchFamily="34" charset="0"/>
-              <a:ea typeface="ＭＳ Ｐゴシック" panose="020B0600070205080204" pitchFamily="34" charset="-128"/>
-            </a:endParaRPr>
-          </a:p>
-          <a:p>
-            <a:r>
-              <a:rPr lang="en-US" altLang="en-US" dirty="0"/>
-              <a:t>You can subclass </a:t>
-            </a:r>
-            <a:r>
-              <a:rPr lang="en-US" altLang="en-US" dirty="0">
-                <a:solidFill>
-                  <a:schemeClr val="accent2"/>
-                </a:solidFill>
-                <a:latin typeface="Trebuchet MS" panose="020B0603020202020204" pitchFamily="34" charset="0"/>
-              </a:rPr>
-              <a:t>Exception</a:t>
-            </a:r>
-            <a:r>
-              <a:rPr lang="en-US" altLang="en-US" dirty="0"/>
-              <a:t> to create your own exception type</a:t>
-            </a:r>
-          </a:p>
-          <a:p>
-            <a:pPr lvl="1"/>
-            <a:r>
-              <a:rPr lang="en-US" altLang="en-US" dirty="0">
-                <a:ea typeface="ＭＳ Ｐゴシック" panose="020B0600070205080204" pitchFamily="34" charset="-128"/>
-              </a:rPr>
-              <a:t>But first, you should look through the predefined exceptions to see if there is already one that’s appropriate</a:t>
-            </a:r>
-          </a:p>
-        </p:txBody>
-      </p:sp>
-      <p:sp>
-        <p:nvSpPr>
-          <p:cNvPr id="6" name="Date Placeholder 5"/>
-          <p:cNvSpPr>
-            <a:spLocks noGrp="1"/>
-          </p:cNvSpPr>
-          <p:nvPr>
-            <p:ph type="dt" sz="half" idx="2"/>
-          </p:nvPr>
-        </p:nvSpPr>
-        <p:spPr/>
-        <p:txBody>
-          <a:bodyPr/>
-          <a:lstStyle/>
-          <a:p>
-            <a:r>
-              <a:rPr lang="en-CA" dirty="0"/>
-              <a:t>Winter 2022</a:t>
-            </a:r>
-          </a:p>
-        </p:txBody>
-      </p:sp>
-      <p:sp>
-        <p:nvSpPr>
-          <p:cNvPr id="10" name="Footer Placeholder 9"/>
-          <p:cNvSpPr>
-            <a:spLocks noGrp="1"/>
-          </p:cNvSpPr>
-          <p:nvPr>
-            <p:ph type="ftr" sz="quarter" idx="3"/>
-          </p:nvPr>
-        </p:nvSpPr>
-        <p:spPr/>
-        <p:txBody>
-          <a:bodyPr/>
-          <a:lstStyle/>
-          <a:p>
-            <a:r>
-              <a:rPr lang="en-CA" dirty="0"/>
-              <a:t>CS321: Advanced Programming Techniques</a:t>
-            </a:r>
-          </a:p>
-        </p:txBody>
-      </p:sp>
-      <p:sp>
-        <p:nvSpPr>
-          <p:cNvPr id="12" name="Slide Number Placeholder 11"/>
-          <p:cNvSpPr>
-            <a:spLocks noGrp="1"/>
-          </p:cNvSpPr>
-          <p:nvPr>
-            <p:ph type="sldNum" sz="quarter" idx="4"/>
-          </p:nvPr>
-        </p:nvSpPr>
-        <p:spPr/>
-        <p:txBody>
-          <a:bodyPr/>
-          <a:lstStyle/>
-          <a:p>
-            <a:fld id="{5174927E-2439-42C0-9720-7BBCA09BF46F}" type="slidenum">
-              <a:rPr lang="en-CA" smtClean="0"/>
-              <a:pPr/>
-              <a:t>23</a:t>
-            </a:fld>
-            <a:r>
-              <a:rPr lang="en-CA" dirty="0"/>
-              <a:t> </a:t>
-            </a:r>
-          </a:p>
-        </p:txBody>
-      </p:sp>
-    </p:spTree>
-    <p:extLst>
-      <p:ext uri="{BB962C8B-B14F-4D97-AF65-F5344CB8AC3E}">
-        <p14:creationId xmlns:p14="http://schemas.microsoft.com/office/powerpoint/2010/main" val="16019776"/>
-      </p:ext>
-    </p:extLst>
-  </p:cSld>
-  <p:clrMapOvr>
-    <a:masterClrMapping/>
-  </p:clrMapOvr>
-</p:sld>
-</file>
-
-<file path=ppt/slides/slide24.xml><?xml version="1.0" encoding="utf-8"?>
-<p:sld xmlns:a="http://schemas.openxmlformats.org/drawingml/2006/main" xmlns:r="http://schemas.openxmlformats.org/officeDocument/2006/relationships" xmlns:p="http://schemas.openxmlformats.org/presentationml/2006/main">
-  <p:cSld>
-    <p:spTree>
-      <p:nvGrpSpPr>
-        <p:cNvPr id="1" name=""/>
-        <p:cNvGrpSpPr/>
-        <p:nvPr/>
-      </p:nvGrpSpPr>
-      <p:grpSpPr>
-        <a:xfrm>
-          <a:off x="0" y="0"/>
-          <a:ext cx="0" cy="0"/>
-          <a:chOff x="0" y="0"/>
-          <a:chExt cx="0" cy="0"/>
-        </a:xfrm>
-      </p:grpSpPr>
-      <p:sp>
-        <p:nvSpPr>
-          <p:cNvPr id="2" name="Title 1"/>
-          <p:cNvSpPr>
-            <a:spLocks noGrp="1"/>
-          </p:cNvSpPr>
-          <p:nvPr>
-            <p:ph type="title"/>
-          </p:nvPr>
-        </p:nvSpPr>
-        <p:spPr/>
-        <p:txBody>
-          <a:bodyPr/>
-          <a:lstStyle/>
-          <a:p>
-            <a:r>
-              <a:rPr lang="en-US" altLang="en-US" dirty="0"/>
-              <a:t>Throwing an Exception</a:t>
-            </a:r>
-            <a:endParaRPr lang="en-CA" dirty="0"/>
-          </a:p>
-        </p:txBody>
-      </p:sp>
-      <p:sp>
-        <p:nvSpPr>
-          <p:cNvPr id="3" name="Content Placeholder 2"/>
-          <p:cNvSpPr>
-            <a:spLocks noGrp="1"/>
-          </p:cNvSpPr>
-          <p:nvPr>
-            <p:ph idx="1"/>
-          </p:nvPr>
-        </p:nvSpPr>
-        <p:spPr>
-          <a:xfrm>
-            <a:off x="640874" y="1168401"/>
-            <a:ext cx="10515600" cy="5025922"/>
-          </a:xfrm>
-        </p:spPr>
-        <p:txBody>
-          <a:bodyPr>
-            <a:normAutofit/>
-          </a:bodyPr>
-          <a:lstStyle/>
-          <a:p>
-            <a:r>
-              <a:rPr lang="en-US" altLang="en-US" dirty="0"/>
-              <a:t>Once you create an Exception, you can </a:t>
-            </a:r>
-            <a:r>
-              <a:rPr lang="en-US" altLang="en-US" dirty="0">
-                <a:solidFill>
-                  <a:schemeClr val="tx2"/>
-                </a:solidFill>
-              </a:rPr>
-              <a:t>throw</a:t>
-            </a:r>
-            <a:r>
-              <a:rPr lang="en-US" altLang="en-US" dirty="0"/>
-              <a:t> it</a:t>
-            </a:r>
-          </a:p>
-          <a:p>
-            <a:pPr lvl="1"/>
-            <a:r>
-              <a:rPr lang="en-US" altLang="en-US" dirty="0">
-                <a:solidFill>
-                  <a:schemeClr val="accent2"/>
-                </a:solidFill>
-                <a:latin typeface="Trebuchet MS" panose="020B0603020202020204" pitchFamily="34" charset="0"/>
-                <a:ea typeface="ＭＳ Ｐゴシック" panose="020B0600070205080204" pitchFamily="34" charset="-128"/>
-              </a:rPr>
-              <a:t>throw new </a:t>
-            </a:r>
-            <a:r>
-              <a:rPr lang="en-US" altLang="en-US" dirty="0" err="1">
-                <a:solidFill>
-                  <a:schemeClr val="accent2"/>
-                </a:solidFill>
-                <a:latin typeface="Trebuchet MS" panose="020B0603020202020204" pitchFamily="34" charset="0"/>
-                <a:ea typeface="ＭＳ Ｐゴシック" panose="020B0600070205080204" pitchFamily="34" charset="-128"/>
-              </a:rPr>
-              <a:t>UserException</a:t>
-            </a:r>
-            <a:r>
-              <a:rPr lang="en-US" altLang="en-US" dirty="0">
-                <a:solidFill>
-                  <a:schemeClr val="accent2"/>
-                </a:solidFill>
-                <a:latin typeface="Trebuchet MS" panose="020B0603020202020204" pitchFamily="34" charset="0"/>
-                <a:ea typeface="ＭＳ Ｐゴシック" panose="020B0600070205080204" pitchFamily="34" charset="-128"/>
-              </a:rPr>
-              <a:t>("Bad data");</a:t>
-            </a:r>
-          </a:p>
-          <a:p>
-            <a:r>
-              <a:rPr lang="en-US" altLang="en-US" dirty="0"/>
-              <a:t>You don’t </a:t>
-            </a:r>
-            <a:r>
-              <a:rPr lang="en-US" altLang="en-US" i="1" dirty="0"/>
-              <a:t>have</a:t>
-            </a:r>
-            <a:r>
-              <a:rPr lang="en-US" altLang="en-US" dirty="0"/>
-              <a:t> to throw an </a:t>
-            </a:r>
-            <a:r>
-              <a:rPr lang="en-US" altLang="en-US" dirty="0">
-                <a:solidFill>
-                  <a:schemeClr val="accent2"/>
-                </a:solidFill>
-                <a:latin typeface="Trebuchet MS" panose="020B0603020202020204" pitchFamily="34" charset="0"/>
-              </a:rPr>
-              <a:t>Exception</a:t>
-            </a:r>
-            <a:r>
-              <a:rPr lang="en-US" altLang="en-US" dirty="0"/>
-              <a:t>; here’s another thing you can do with one:</a:t>
-            </a:r>
-            <a:endParaRPr lang="en-US" altLang="en-US" dirty="0">
-              <a:solidFill>
-                <a:schemeClr val="accent2"/>
-              </a:solidFill>
-            </a:endParaRPr>
-          </a:p>
-          <a:p>
-            <a:pPr lvl="1"/>
-            <a:r>
-              <a:rPr lang="en-US" altLang="en-US" dirty="0">
-                <a:solidFill>
-                  <a:schemeClr val="accent2"/>
-                </a:solidFill>
-                <a:latin typeface="Trebuchet MS" panose="020B0603020202020204" pitchFamily="34" charset="0"/>
-                <a:ea typeface="ＭＳ Ｐゴシック" panose="020B0600070205080204" pitchFamily="34" charset="-128"/>
-              </a:rPr>
-              <a:t>new </a:t>
-            </a:r>
-            <a:r>
-              <a:rPr lang="en-US" altLang="en-US" dirty="0" err="1">
-                <a:solidFill>
-                  <a:schemeClr val="accent2"/>
-                </a:solidFill>
-                <a:latin typeface="Trebuchet MS" panose="020B0603020202020204" pitchFamily="34" charset="0"/>
-                <a:ea typeface="ＭＳ Ｐゴシック" panose="020B0600070205080204" pitchFamily="34" charset="-128"/>
-              </a:rPr>
-              <a:t>UserException</a:t>
-            </a:r>
-            <a:r>
-              <a:rPr lang="en-US" altLang="en-US" dirty="0">
-                <a:solidFill>
-                  <a:schemeClr val="accent2"/>
-                </a:solidFill>
-                <a:latin typeface="Trebuchet MS" panose="020B0603020202020204" pitchFamily="34" charset="0"/>
-                <a:ea typeface="ＭＳ Ｐゴシック" panose="020B0600070205080204" pitchFamily="34" charset="-128"/>
-              </a:rPr>
-              <a:t>("Bad data").</a:t>
-            </a:r>
-            <a:r>
-              <a:rPr lang="en-US" altLang="en-US" dirty="0" err="1">
-                <a:solidFill>
-                  <a:schemeClr val="accent2"/>
-                </a:solidFill>
-                <a:latin typeface="Trebuchet MS" panose="020B0603020202020204" pitchFamily="34" charset="0"/>
-                <a:ea typeface="ＭＳ Ｐゴシック" panose="020B0600070205080204" pitchFamily="34" charset="-128"/>
-              </a:rPr>
-              <a:t>printStackTrace</a:t>
-            </a:r>
-            <a:r>
-              <a:rPr lang="en-US" altLang="en-US" dirty="0">
-                <a:solidFill>
-                  <a:schemeClr val="accent2"/>
-                </a:solidFill>
-                <a:latin typeface="Trebuchet MS" panose="020B0603020202020204" pitchFamily="34" charset="0"/>
-                <a:ea typeface="ＭＳ Ｐゴシック" panose="020B0600070205080204" pitchFamily="34" charset="-128"/>
-              </a:rPr>
-              <a:t>();</a:t>
-            </a:r>
-          </a:p>
-        </p:txBody>
-      </p:sp>
-      <p:sp>
-        <p:nvSpPr>
-          <p:cNvPr id="6" name="Date Placeholder 5"/>
-          <p:cNvSpPr>
-            <a:spLocks noGrp="1"/>
-          </p:cNvSpPr>
-          <p:nvPr>
-            <p:ph type="dt" sz="half" idx="2"/>
-          </p:nvPr>
-        </p:nvSpPr>
-        <p:spPr/>
-        <p:txBody>
-          <a:bodyPr/>
-          <a:lstStyle/>
-          <a:p>
-            <a:r>
-              <a:rPr lang="en-CA" dirty="0"/>
-              <a:t>Winter 2022</a:t>
-            </a:r>
-          </a:p>
-        </p:txBody>
-      </p:sp>
-      <p:sp>
-        <p:nvSpPr>
-          <p:cNvPr id="10" name="Footer Placeholder 9"/>
-          <p:cNvSpPr>
-            <a:spLocks noGrp="1"/>
-          </p:cNvSpPr>
-          <p:nvPr>
-            <p:ph type="ftr" sz="quarter" idx="3"/>
-          </p:nvPr>
-        </p:nvSpPr>
-        <p:spPr/>
-        <p:txBody>
-          <a:bodyPr/>
-          <a:lstStyle/>
-          <a:p>
-            <a:r>
-              <a:rPr lang="en-CA" dirty="0"/>
-              <a:t>CS321: Advanced Programming Techniques</a:t>
-            </a:r>
-          </a:p>
-        </p:txBody>
-      </p:sp>
-      <p:sp>
-        <p:nvSpPr>
-          <p:cNvPr id="12" name="Slide Number Placeholder 11"/>
-          <p:cNvSpPr>
-            <a:spLocks noGrp="1"/>
-          </p:cNvSpPr>
-          <p:nvPr>
-            <p:ph type="sldNum" sz="quarter" idx="4"/>
-          </p:nvPr>
-        </p:nvSpPr>
-        <p:spPr/>
-        <p:txBody>
-          <a:bodyPr/>
-          <a:lstStyle/>
-          <a:p>
-            <a:fld id="{5174927E-2439-42C0-9720-7BBCA09BF46F}" type="slidenum">
-              <a:rPr lang="en-CA" smtClean="0"/>
-              <a:pPr/>
-              <a:t>24</a:t>
-            </a:fld>
-            <a:r>
-              <a:rPr lang="en-CA" dirty="0"/>
-              <a:t> </a:t>
-            </a:r>
-          </a:p>
-        </p:txBody>
-      </p:sp>
-    </p:spTree>
-    <p:extLst>
-      <p:ext uri="{BB962C8B-B14F-4D97-AF65-F5344CB8AC3E}">
-        <p14:creationId xmlns:p14="http://schemas.microsoft.com/office/powerpoint/2010/main" val="4281930268"/>
-      </p:ext>
-    </p:extLst>
-  </p:cSld>
-  <p:clrMapOvr>
-    <a:masterClrMapping/>
-  </p:clrMapOvr>
-</p:sld>
-</file>
-
-<file path=ppt/slides/slide25.xml><?xml version="1.0" encoding="utf-8"?>
-<p:sld xmlns:a="http://schemas.openxmlformats.org/drawingml/2006/main" xmlns:r="http://schemas.openxmlformats.org/officeDocument/2006/relationships" xmlns:p="http://schemas.openxmlformats.org/presentationml/2006/main">
-  <p:cSld>
-    <p:spTree>
-      <p:nvGrpSpPr>
-        <p:cNvPr id="1" name=""/>
-        <p:cNvGrpSpPr/>
-        <p:nvPr/>
-      </p:nvGrpSpPr>
-      <p:grpSpPr>
-        <a:xfrm>
-          <a:off x="0" y="0"/>
-          <a:ext cx="0" cy="0"/>
-          <a:chOff x="0" y="0"/>
-          <a:chExt cx="0" cy="0"/>
-        </a:xfrm>
-      </p:grpSpPr>
-      <p:sp>
-        <p:nvSpPr>
-          <p:cNvPr id="2" name="Title 1"/>
-          <p:cNvSpPr>
-            <a:spLocks noGrp="1"/>
-          </p:cNvSpPr>
-          <p:nvPr>
-            <p:ph type="title"/>
-          </p:nvPr>
-        </p:nvSpPr>
-        <p:spPr/>
-        <p:txBody>
-          <a:bodyPr/>
-          <a:lstStyle/>
-          <a:p>
-            <a:r>
-              <a:rPr lang="en-US" altLang="en-US" dirty="0"/>
-              <a:t>Why create an Exception?</a:t>
-            </a:r>
-            <a:endParaRPr lang="en-CA" dirty="0"/>
-          </a:p>
-        </p:txBody>
-      </p:sp>
-      <p:sp>
-        <p:nvSpPr>
-          <p:cNvPr id="3" name="Content Placeholder 2"/>
-          <p:cNvSpPr>
-            <a:spLocks noGrp="1"/>
-          </p:cNvSpPr>
-          <p:nvPr>
-            <p:ph idx="1"/>
-          </p:nvPr>
-        </p:nvSpPr>
-        <p:spPr>
-          <a:xfrm>
-            <a:off x="640874" y="1168401"/>
-            <a:ext cx="10515600" cy="5025922"/>
-          </a:xfrm>
-        </p:spPr>
-        <p:txBody>
-          <a:bodyPr>
-            <a:normAutofit/>
-          </a:bodyPr>
-          <a:lstStyle/>
-          <a:p>
-            <a:r>
-              <a:rPr lang="en-US" altLang="en-US" sz="2400" dirty="0"/>
-              <a:t>If you are writing methods for someone else to use, you want to do something reasonable if they use your methods incorrectly</a:t>
-            </a:r>
-          </a:p>
-          <a:p>
-            <a:endParaRPr lang="en-US" altLang="en-US" sz="2400" dirty="0"/>
-          </a:p>
-          <a:p>
-            <a:r>
-              <a:rPr lang="en-US" altLang="en-US" sz="2400" dirty="0"/>
-              <a:t>Just doing the wrong thing isn’t very friendly</a:t>
-            </a:r>
-          </a:p>
-          <a:p>
-            <a:endParaRPr lang="en-US" altLang="en-US" sz="2400" dirty="0"/>
-          </a:p>
-          <a:p>
-            <a:r>
-              <a:rPr lang="en-US" altLang="en-US" sz="2400" dirty="0"/>
-              <a:t>Remember, error messages are a good thing—much better than not having a clue what went wrong</a:t>
-            </a:r>
-          </a:p>
-          <a:p>
-            <a:pPr lvl="1"/>
-            <a:r>
-              <a:rPr lang="en-US" altLang="en-US" sz="2000" dirty="0">
-                <a:ea typeface="ＭＳ Ｐゴシック" panose="020B0600070205080204" pitchFamily="34" charset="-128"/>
-              </a:rPr>
-              <a:t>Exceptions are even better than error messages, because they allow the user of your class to decide what to do</a:t>
-            </a:r>
-          </a:p>
-        </p:txBody>
-      </p:sp>
-      <p:sp>
-        <p:nvSpPr>
-          <p:cNvPr id="6" name="Date Placeholder 5"/>
-          <p:cNvSpPr>
-            <a:spLocks noGrp="1"/>
-          </p:cNvSpPr>
-          <p:nvPr>
-            <p:ph type="dt" sz="half" idx="2"/>
-          </p:nvPr>
-        </p:nvSpPr>
-        <p:spPr/>
-        <p:txBody>
-          <a:bodyPr/>
-          <a:lstStyle/>
-          <a:p>
-            <a:r>
-              <a:rPr lang="en-CA" dirty="0"/>
-              <a:t>Winter 2022</a:t>
-            </a:r>
-          </a:p>
-        </p:txBody>
-      </p:sp>
-      <p:sp>
-        <p:nvSpPr>
-          <p:cNvPr id="10" name="Footer Placeholder 9"/>
-          <p:cNvSpPr>
-            <a:spLocks noGrp="1"/>
-          </p:cNvSpPr>
-          <p:nvPr>
-            <p:ph type="ftr" sz="quarter" idx="3"/>
-          </p:nvPr>
-        </p:nvSpPr>
-        <p:spPr/>
-        <p:txBody>
-          <a:bodyPr/>
-          <a:lstStyle/>
-          <a:p>
-            <a:r>
-              <a:rPr lang="en-CA" dirty="0"/>
-              <a:t>CS321: Advanced Programming Techniques</a:t>
-            </a:r>
-          </a:p>
-        </p:txBody>
-      </p:sp>
-      <p:sp>
-        <p:nvSpPr>
-          <p:cNvPr id="12" name="Slide Number Placeholder 11"/>
-          <p:cNvSpPr>
-            <a:spLocks noGrp="1"/>
-          </p:cNvSpPr>
-          <p:nvPr>
-            <p:ph type="sldNum" sz="quarter" idx="4"/>
-          </p:nvPr>
-        </p:nvSpPr>
-        <p:spPr/>
-        <p:txBody>
-          <a:bodyPr/>
-          <a:lstStyle/>
-          <a:p>
-            <a:fld id="{5174927E-2439-42C0-9720-7BBCA09BF46F}" type="slidenum">
-              <a:rPr lang="en-CA" smtClean="0"/>
-              <a:pPr/>
-              <a:t>25</a:t>
-            </a:fld>
-            <a:r>
-              <a:rPr lang="en-CA" dirty="0"/>
-              <a:t> </a:t>
-            </a:r>
-          </a:p>
-        </p:txBody>
-      </p:sp>
-    </p:spTree>
-    <p:extLst>
-      <p:ext uri="{BB962C8B-B14F-4D97-AF65-F5344CB8AC3E}">
-        <p14:creationId xmlns:p14="http://schemas.microsoft.com/office/powerpoint/2010/main" val="3380951599"/>
-      </p:ext>
-    </p:extLst>
-  </p:cSld>
-  <p:clrMapOvr>
-    <a:masterClrMapping/>
-  </p:clrMapOvr>
-</p:sld>
-</file>
-
-<file path=ppt/slides/slide26.xml><?xml version="1.0" encoding="utf-8"?>
-<p:sld xmlns:a="http://schemas.openxmlformats.org/drawingml/2006/main" xmlns:r="http://schemas.openxmlformats.org/officeDocument/2006/relationships" xmlns:p="http://schemas.openxmlformats.org/presentationml/2006/main">
-  <p:cSld>
-    <p:spTree>
-      <p:nvGrpSpPr>
-        <p:cNvPr id="1" name=""/>
-        <p:cNvGrpSpPr/>
-        <p:nvPr/>
-      </p:nvGrpSpPr>
-      <p:grpSpPr>
-        <a:xfrm>
-          <a:off x="0" y="0"/>
-          <a:ext cx="0" cy="0"/>
-          <a:chOff x="0" y="0"/>
-          <a:chExt cx="0" cy="0"/>
-        </a:xfrm>
-      </p:grpSpPr>
-      <p:sp>
-        <p:nvSpPr>
-          <p:cNvPr id="2" name="Title 1"/>
-          <p:cNvSpPr>
-            <a:spLocks noGrp="1"/>
-          </p:cNvSpPr>
-          <p:nvPr>
-            <p:ph type="title"/>
-          </p:nvPr>
-        </p:nvSpPr>
-        <p:spPr/>
-        <p:txBody>
-          <a:bodyPr/>
-          <a:lstStyle/>
-          <a:p>
-            <a:r>
-              <a:rPr lang="en-US" altLang="en-US" dirty="0"/>
-              <a:t>The assert statement</a:t>
-            </a:r>
-            <a:endParaRPr lang="en-CA" dirty="0"/>
-          </a:p>
-        </p:txBody>
-      </p:sp>
-      <p:sp>
-        <p:nvSpPr>
-          <p:cNvPr id="3" name="Content Placeholder 2"/>
-          <p:cNvSpPr>
-            <a:spLocks noGrp="1"/>
-          </p:cNvSpPr>
-          <p:nvPr>
-            <p:ph idx="1"/>
-          </p:nvPr>
-        </p:nvSpPr>
-        <p:spPr>
-          <a:xfrm>
-            <a:off x="640874" y="1168401"/>
-            <a:ext cx="10515600" cy="5025922"/>
-          </a:xfrm>
-        </p:spPr>
-        <p:txBody>
-          <a:bodyPr>
-            <a:normAutofit/>
-          </a:bodyPr>
-          <a:lstStyle/>
-          <a:p>
-            <a:pPr marL="533400" indent="-533400">
-              <a:lnSpc>
-                <a:spcPct val="90000"/>
-              </a:lnSpc>
-            </a:pPr>
-            <a:r>
-              <a:rPr lang="en-US" altLang="en-US" sz="2400" dirty="0"/>
-              <a:t>The purpose of the </a:t>
-            </a:r>
-            <a:r>
-              <a:rPr lang="en-US" altLang="en-US" sz="2400" dirty="0">
-                <a:solidFill>
-                  <a:schemeClr val="accent2"/>
-                </a:solidFill>
-                <a:latin typeface="Trebuchet MS" panose="020B0603020202020204" pitchFamily="34" charset="0"/>
-              </a:rPr>
-              <a:t>assert</a:t>
-            </a:r>
-            <a:r>
-              <a:rPr lang="en-US" altLang="en-US" sz="2400" dirty="0"/>
-              <a:t> statement is to document something you believe to be true</a:t>
-            </a:r>
-          </a:p>
-          <a:p>
-            <a:pPr marL="533400" indent="-533400">
-              <a:lnSpc>
-                <a:spcPct val="90000"/>
-              </a:lnSpc>
-            </a:pPr>
-            <a:r>
-              <a:rPr lang="en-US" altLang="en-US" sz="2400" dirty="0"/>
-              <a:t>There are two forms of the </a:t>
-            </a:r>
-            <a:r>
-              <a:rPr lang="en-US" altLang="en-US" sz="2400" dirty="0">
-                <a:solidFill>
-                  <a:schemeClr val="accent2"/>
-                </a:solidFill>
-                <a:latin typeface="Trebuchet MS" panose="020B0603020202020204" pitchFamily="34" charset="0"/>
-              </a:rPr>
-              <a:t>assert</a:t>
-            </a:r>
-            <a:r>
-              <a:rPr lang="en-US" altLang="en-US" sz="2400" dirty="0"/>
-              <a:t> statement:</a:t>
-            </a:r>
-          </a:p>
-          <a:p>
-            <a:pPr marL="914400" lvl="1" indent="-569913">
-              <a:lnSpc>
-                <a:spcPct val="90000"/>
-              </a:lnSpc>
-            </a:pPr>
-            <a:r>
-              <a:rPr lang="en-US" altLang="en-US" sz="2000" dirty="0">
-                <a:solidFill>
-                  <a:schemeClr val="accent2"/>
-                </a:solidFill>
-                <a:latin typeface="Trebuchet MS" panose="020B0603020202020204" pitchFamily="34" charset="0"/>
-                <a:ea typeface="ＭＳ Ｐゴシック" panose="020B0600070205080204" pitchFamily="34" charset="-128"/>
-              </a:rPr>
-              <a:t>assert </a:t>
-            </a:r>
-            <a:r>
-              <a:rPr lang="en-US" altLang="en-US" sz="2000" b="1" i="1" dirty="0" err="1">
-                <a:solidFill>
-                  <a:schemeClr val="hlink"/>
-                </a:solidFill>
-                <a:ea typeface="ＭＳ Ｐゴシック" panose="020B0600070205080204" pitchFamily="34" charset="-128"/>
-              </a:rPr>
-              <a:t>booleanExpression</a:t>
-            </a:r>
-            <a:r>
-              <a:rPr lang="en-US" altLang="en-US" sz="2000" dirty="0">
-                <a:solidFill>
-                  <a:schemeClr val="accent2"/>
-                </a:solidFill>
-                <a:latin typeface="Trebuchet MS" panose="020B0603020202020204" pitchFamily="34" charset="0"/>
-                <a:ea typeface="ＭＳ Ｐゴシック" panose="020B0600070205080204" pitchFamily="34" charset="-128"/>
-              </a:rPr>
-              <a:t>;</a:t>
-            </a:r>
-          </a:p>
-          <a:p>
-            <a:pPr marL="914400" lvl="1" indent="-569913">
-              <a:lnSpc>
-                <a:spcPct val="90000"/>
-              </a:lnSpc>
-            </a:pPr>
-            <a:r>
-              <a:rPr lang="en-US" altLang="en-US" sz="2000" dirty="0">
-                <a:solidFill>
-                  <a:schemeClr val="accent2"/>
-                </a:solidFill>
-                <a:latin typeface="Trebuchet MS" panose="020B0603020202020204" pitchFamily="34" charset="0"/>
-                <a:ea typeface="ＭＳ Ｐゴシック" panose="020B0600070205080204" pitchFamily="34" charset="-128"/>
-              </a:rPr>
-              <a:t>assert </a:t>
-            </a:r>
-            <a:r>
-              <a:rPr lang="en-US" altLang="en-US" sz="2000" b="1" i="1" dirty="0" err="1">
-                <a:solidFill>
-                  <a:schemeClr val="hlink"/>
-                </a:solidFill>
-                <a:ea typeface="ＭＳ Ｐゴシック" panose="020B0600070205080204" pitchFamily="34" charset="-128"/>
-              </a:rPr>
-              <a:t>booleanExpression</a:t>
-            </a:r>
-            <a:r>
-              <a:rPr lang="en-US" altLang="en-US" sz="2000" dirty="0">
-                <a:solidFill>
-                  <a:schemeClr val="accent2"/>
-                </a:solidFill>
-                <a:latin typeface="Trebuchet MS" panose="020B0603020202020204" pitchFamily="34" charset="0"/>
-                <a:ea typeface="ＭＳ Ｐゴシック" panose="020B0600070205080204" pitchFamily="34" charset="-128"/>
-              </a:rPr>
-              <a:t> : </a:t>
-            </a:r>
-            <a:r>
-              <a:rPr lang="en-US" altLang="en-US" sz="2000" b="1" i="1" dirty="0">
-                <a:solidFill>
-                  <a:schemeClr val="hlink"/>
-                </a:solidFill>
-                <a:ea typeface="ＭＳ Ｐゴシック" panose="020B0600070205080204" pitchFamily="34" charset="-128"/>
-              </a:rPr>
-              <a:t>expression</a:t>
-            </a:r>
-            <a:r>
-              <a:rPr lang="en-US" altLang="en-US" sz="2000" dirty="0">
-                <a:solidFill>
-                  <a:schemeClr val="accent2"/>
-                </a:solidFill>
-                <a:latin typeface="Trebuchet MS" panose="020B0603020202020204" pitchFamily="34" charset="0"/>
-                <a:ea typeface="ＭＳ Ｐゴシック" panose="020B0600070205080204" pitchFamily="34" charset="-128"/>
-              </a:rPr>
-              <a:t>;</a:t>
-            </a:r>
-          </a:p>
-          <a:p>
-            <a:pPr marL="533400" indent="-533400">
-              <a:lnSpc>
-                <a:spcPct val="90000"/>
-              </a:lnSpc>
-            </a:pPr>
-            <a:r>
-              <a:rPr lang="en-US" altLang="en-US" sz="2400" dirty="0"/>
-              <a:t>By default, Java has assertions </a:t>
-            </a:r>
-            <a:r>
-              <a:rPr lang="en-US" altLang="en-US" sz="2400" i="1" dirty="0"/>
-              <a:t>disabled</a:t>
-            </a:r>
-            <a:r>
-              <a:rPr lang="en-US" altLang="en-US" sz="2400" dirty="0"/>
-              <a:t>—that is, it </a:t>
-            </a:r>
-            <a:r>
-              <a:rPr lang="en-US" altLang="en-US" sz="2400" i="1" dirty="0"/>
-              <a:t>ignores</a:t>
-            </a:r>
-            <a:r>
-              <a:rPr lang="en-US" altLang="en-US" sz="2400" dirty="0"/>
-              <a:t> them</a:t>
-            </a:r>
-          </a:p>
-          <a:p>
-            <a:pPr marL="914400" lvl="1" indent="-569913">
-              <a:lnSpc>
-                <a:spcPct val="90000"/>
-              </a:lnSpc>
-            </a:pPr>
-            <a:r>
-              <a:rPr lang="en-US" altLang="en-US" sz="2000" dirty="0">
-                <a:ea typeface="ＭＳ Ｐゴシック" panose="020B0600070205080204" pitchFamily="34" charset="-128"/>
-              </a:rPr>
-              <a:t>To change this default</a:t>
-            </a:r>
-          </a:p>
-          <a:p>
-            <a:pPr marL="1295400" lvl="2" indent="-604838">
-              <a:lnSpc>
-                <a:spcPct val="90000"/>
-              </a:lnSpc>
-            </a:pPr>
-            <a:r>
-              <a:rPr lang="en-US" altLang="en-US" sz="1800" dirty="0">
-                <a:solidFill>
-                  <a:schemeClr val="accent2"/>
-                </a:solidFill>
-                <a:latin typeface="Trebuchet MS" panose="020B0603020202020204" pitchFamily="34" charset="0"/>
-                <a:ea typeface="ＭＳ Ｐゴシック" panose="020B0600070205080204" pitchFamily="34" charset="-128"/>
-              </a:rPr>
-              <a:t>Open Window </a:t>
-            </a:r>
-            <a:r>
-              <a:rPr lang="en-US" altLang="en-US" sz="1800" dirty="0">
-                <a:solidFill>
-                  <a:schemeClr val="accent2"/>
-                </a:solidFill>
-                <a:latin typeface="Trebuchet MS" panose="020B0603020202020204" pitchFamily="34" charset="0"/>
-                <a:ea typeface="ＭＳ Ｐゴシック" panose="020B0600070205080204" pitchFamily="34" charset="-128"/>
-                <a:sym typeface="Wingdings" panose="05000000000000000000" pitchFamily="2" charset="2"/>
-              </a:rPr>
-              <a:t> Preferences  Java  Installed JREs</a:t>
-            </a:r>
-          </a:p>
-          <a:p>
-            <a:pPr marL="1295400" lvl="2" indent="-604838">
-              <a:lnSpc>
-                <a:spcPct val="90000"/>
-              </a:lnSpc>
-            </a:pPr>
-            <a:r>
-              <a:rPr lang="en-US" altLang="en-US" sz="1800" dirty="0">
-                <a:ea typeface="ＭＳ Ｐゴシック" panose="020B0600070205080204" pitchFamily="34" charset="-128"/>
-                <a:sym typeface="Wingdings" panose="05000000000000000000" pitchFamily="2" charset="2"/>
-              </a:rPr>
-              <a:t>Select the JRE you are using (should be 1.6.</a:t>
-            </a:r>
-            <a:r>
-              <a:rPr lang="en-US" altLang="en-US" sz="1800" i="1" dirty="0">
-                <a:ea typeface="ＭＳ Ｐゴシック" panose="020B0600070205080204" pitchFamily="34" charset="-128"/>
-                <a:sym typeface="Wingdings" panose="05000000000000000000" pitchFamily="2" charset="2"/>
-              </a:rPr>
-              <a:t>something</a:t>
-            </a:r>
-            <a:r>
-              <a:rPr lang="en-US" altLang="en-US" sz="1800" dirty="0">
-                <a:ea typeface="ＭＳ Ｐゴシック" panose="020B0600070205080204" pitchFamily="34" charset="-128"/>
-                <a:sym typeface="Wingdings" panose="05000000000000000000" pitchFamily="2" charset="2"/>
-              </a:rPr>
-              <a:t>)</a:t>
-            </a:r>
-          </a:p>
-          <a:p>
-            <a:pPr marL="1295400" lvl="2" indent="-604838">
-              <a:lnSpc>
-                <a:spcPct val="90000"/>
-              </a:lnSpc>
-            </a:pPr>
-            <a:r>
-              <a:rPr lang="en-US" altLang="en-US" sz="1800" dirty="0">
-                <a:ea typeface="ＭＳ Ｐゴシック" panose="020B0600070205080204" pitchFamily="34" charset="-128"/>
-                <a:sym typeface="Wingdings" panose="05000000000000000000" pitchFamily="2" charset="2"/>
-              </a:rPr>
-              <a:t>Click </a:t>
-            </a:r>
-            <a:r>
-              <a:rPr lang="en-US" altLang="en-US" sz="1800" dirty="0">
-                <a:solidFill>
-                  <a:schemeClr val="accent2"/>
-                </a:solidFill>
-                <a:latin typeface="Trebuchet MS" panose="020B0603020202020204" pitchFamily="34" charset="0"/>
-                <a:ea typeface="ＭＳ Ｐゴシック" panose="020B0600070205080204" pitchFamily="34" charset="-128"/>
-                <a:sym typeface="Wingdings" panose="05000000000000000000" pitchFamily="2" charset="2"/>
-              </a:rPr>
-              <a:t>Edit...</a:t>
-            </a:r>
-          </a:p>
-          <a:p>
-            <a:pPr marL="1295400" lvl="2" indent="-604838">
-              <a:lnSpc>
-                <a:spcPct val="90000"/>
-              </a:lnSpc>
-            </a:pPr>
-            <a:r>
-              <a:rPr lang="en-US" altLang="en-US" sz="1800" dirty="0">
-                <a:ea typeface="ＭＳ Ｐゴシック" panose="020B0600070205080204" pitchFamily="34" charset="-128"/>
-                <a:sym typeface="Wingdings" panose="05000000000000000000" pitchFamily="2" charset="2"/>
-              </a:rPr>
-              <a:t>For Default VM Arguments, enter</a:t>
-            </a:r>
-            <a:r>
-              <a:rPr lang="en-US" altLang="en-US" sz="1800" dirty="0">
-                <a:solidFill>
-                  <a:schemeClr val="accent2"/>
-                </a:solidFill>
-                <a:latin typeface="Trebuchet MS" panose="020B0603020202020204" pitchFamily="34" charset="0"/>
-                <a:ea typeface="ＭＳ Ｐゴシック" panose="020B0600070205080204" pitchFamily="34" charset="-128"/>
-                <a:sym typeface="Wingdings" panose="05000000000000000000" pitchFamily="2" charset="2"/>
-              </a:rPr>
-              <a:t> –</a:t>
-            </a:r>
-            <a:r>
-              <a:rPr lang="en-US" altLang="en-US" sz="1800" dirty="0" err="1">
-                <a:solidFill>
-                  <a:schemeClr val="accent2"/>
-                </a:solidFill>
-                <a:latin typeface="Trebuchet MS" panose="020B0603020202020204" pitchFamily="34" charset="0"/>
-                <a:ea typeface="ＭＳ Ｐゴシック" panose="020B0600070205080204" pitchFamily="34" charset="-128"/>
-                <a:sym typeface="Wingdings" panose="05000000000000000000" pitchFamily="2" charset="2"/>
-              </a:rPr>
-              <a:t>ea</a:t>
-            </a:r>
-            <a:r>
-              <a:rPr lang="en-US" altLang="en-US" sz="1800" dirty="0">
-                <a:solidFill>
-                  <a:schemeClr val="accent2"/>
-                </a:solidFill>
-                <a:latin typeface="Trebuchet MS" panose="020B0603020202020204" pitchFamily="34" charset="0"/>
-                <a:ea typeface="ＭＳ Ｐゴシック" panose="020B0600070205080204" pitchFamily="34" charset="-128"/>
-                <a:sym typeface="Wingdings" panose="05000000000000000000" pitchFamily="2" charset="2"/>
-              </a:rPr>
-              <a:t> </a:t>
-            </a:r>
-            <a:r>
-              <a:rPr lang="en-US" altLang="en-US" sz="1800" dirty="0">
-                <a:ea typeface="ＭＳ Ｐゴシック" panose="020B0600070205080204" pitchFamily="34" charset="-128"/>
-                <a:sym typeface="Wingdings" panose="05000000000000000000" pitchFamily="2" charset="2"/>
-              </a:rPr>
-              <a:t>(enable assertions)</a:t>
-            </a:r>
-          </a:p>
-          <a:p>
-            <a:pPr marL="1295400" lvl="2" indent="-604838">
-              <a:lnSpc>
-                <a:spcPct val="90000"/>
-              </a:lnSpc>
-            </a:pPr>
-            <a:r>
-              <a:rPr lang="en-US" altLang="en-US" sz="1800" dirty="0">
-                <a:ea typeface="ＭＳ Ｐゴシック" panose="020B0600070205080204" pitchFamily="34" charset="-128"/>
-                <a:sym typeface="Wingdings" panose="05000000000000000000" pitchFamily="2" charset="2"/>
-              </a:rPr>
-              <a:t>Click </a:t>
-            </a:r>
-            <a:r>
-              <a:rPr lang="en-US" altLang="en-US" sz="1800" dirty="0">
-                <a:solidFill>
-                  <a:schemeClr val="accent2"/>
-                </a:solidFill>
-                <a:latin typeface="Trebuchet MS" panose="020B0603020202020204" pitchFamily="34" charset="0"/>
-                <a:ea typeface="ＭＳ Ｐゴシック" panose="020B0600070205080204" pitchFamily="34" charset="-128"/>
-                <a:sym typeface="Wingdings" panose="05000000000000000000" pitchFamily="2" charset="2"/>
-              </a:rPr>
-              <a:t>OK</a:t>
-            </a:r>
-            <a:r>
-              <a:rPr lang="en-US" altLang="en-US" sz="1800" dirty="0">
-                <a:ea typeface="ＭＳ Ｐゴシック" panose="020B0600070205080204" pitchFamily="34" charset="-128"/>
-                <a:sym typeface="Wingdings" panose="05000000000000000000" pitchFamily="2" charset="2"/>
-              </a:rPr>
-              <a:t> (twice) to finish</a:t>
-            </a:r>
-          </a:p>
-        </p:txBody>
-      </p:sp>
-      <p:sp>
-        <p:nvSpPr>
-          <p:cNvPr id="6" name="Date Placeholder 5"/>
-          <p:cNvSpPr>
-            <a:spLocks noGrp="1"/>
-          </p:cNvSpPr>
-          <p:nvPr>
-            <p:ph type="dt" sz="half" idx="2"/>
-          </p:nvPr>
-        </p:nvSpPr>
-        <p:spPr/>
-        <p:txBody>
-          <a:bodyPr/>
-          <a:lstStyle/>
-          <a:p>
-            <a:r>
-              <a:rPr lang="en-CA" dirty="0"/>
-              <a:t>Winter 2022</a:t>
-            </a:r>
-          </a:p>
-        </p:txBody>
-      </p:sp>
-      <p:sp>
-        <p:nvSpPr>
-          <p:cNvPr id="10" name="Footer Placeholder 9"/>
-          <p:cNvSpPr>
-            <a:spLocks noGrp="1"/>
-          </p:cNvSpPr>
-          <p:nvPr>
-            <p:ph type="ftr" sz="quarter" idx="3"/>
-          </p:nvPr>
-        </p:nvSpPr>
-        <p:spPr/>
-        <p:txBody>
-          <a:bodyPr/>
-          <a:lstStyle/>
-          <a:p>
-            <a:r>
-              <a:rPr lang="en-CA" dirty="0"/>
-              <a:t>CS321: Advanced Programming Techniques</a:t>
-            </a:r>
-          </a:p>
-        </p:txBody>
-      </p:sp>
-      <p:sp>
-        <p:nvSpPr>
-          <p:cNvPr id="12" name="Slide Number Placeholder 11"/>
-          <p:cNvSpPr>
-            <a:spLocks noGrp="1"/>
-          </p:cNvSpPr>
-          <p:nvPr>
-            <p:ph type="sldNum" sz="quarter" idx="4"/>
-          </p:nvPr>
-        </p:nvSpPr>
-        <p:spPr/>
-        <p:txBody>
-          <a:bodyPr/>
-          <a:lstStyle/>
-          <a:p>
-            <a:fld id="{5174927E-2439-42C0-9720-7BBCA09BF46F}" type="slidenum">
-              <a:rPr lang="en-CA" smtClean="0"/>
-              <a:pPr/>
-              <a:t>26</a:t>
-            </a:fld>
-            <a:r>
-              <a:rPr lang="en-CA" dirty="0"/>
-              <a:t> </a:t>
-            </a:r>
-          </a:p>
-        </p:txBody>
-      </p:sp>
-    </p:spTree>
-    <p:extLst>
-      <p:ext uri="{BB962C8B-B14F-4D97-AF65-F5344CB8AC3E}">
-        <p14:creationId xmlns:p14="http://schemas.microsoft.com/office/powerpoint/2010/main" val="296679934"/>
-      </p:ext>
-    </p:extLst>
-  </p:cSld>
-  <p:clrMapOvr>
-    <a:masterClrMapping/>
-  </p:clrMapOvr>
-</p:sld>
-</file>
-
-<file path=ppt/slides/slide27.xml><?xml version="1.0" encoding="utf-8"?>
-<p:sld xmlns:a="http://schemas.openxmlformats.org/drawingml/2006/main" xmlns:r="http://schemas.openxmlformats.org/officeDocument/2006/relationships" xmlns:p="http://schemas.openxmlformats.org/presentationml/2006/main">
-  <p:cSld>
-    <p:spTree>
-      <p:nvGrpSpPr>
-        <p:cNvPr id="1" name=""/>
-        <p:cNvGrpSpPr/>
-        <p:nvPr/>
-      </p:nvGrpSpPr>
-      <p:grpSpPr>
-        <a:xfrm>
-          <a:off x="0" y="0"/>
-          <a:ext cx="0" cy="0"/>
-          <a:chOff x="0" y="0"/>
-          <a:chExt cx="0" cy="0"/>
-        </a:xfrm>
-      </p:grpSpPr>
-      <p:sp>
-        <p:nvSpPr>
-          <p:cNvPr id="2" name="Title 1"/>
-          <p:cNvSpPr>
-            <a:spLocks noGrp="1"/>
-          </p:cNvSpPr>
-          <p:nvPr>
-            <p:ph type="title"/>
-          </p:nvPr>
-        </p:nvSpPr>
-        <p:spPr/>
-        <p:txBody>
-          <a:bodyPr/>
-          <a:lstStyle/>
-          <a:p>
-            <a:r>
-              <a:rPr lang="en-US" altLang="en-US" dirty="0"/>
-              <a:t>Assertions or Exceptions?</a:t>
-            </a:r>
-            <a:endParaRPr lang="en-CA" dirty="0"/>
-          </a:p>
-        </p:txBody>
-      </p:sp>
-      <p:sp>
-        <p:nvSpPr>
-          <p:cNvPr id="3" name="Content Placeholder 2"/>
-          <p:cNvSpPr>
-            <a:spLocks noGrp="1"/>
-          </p:cNvSpPr>
-          <p:nvPr>
-            <p:ph idx="1"/>
-          </p:nvPr>
-        </p:nvSpPr>
-        <p:spPr>
-          <a:xfrm>
-            <a:off x="640874" y="1168401"/>
-            <a:ext cx="10515600" cy="5025922"/>
-          </a:xfrm>
-        </p:spPr>
-        <p:txBody>
-          <a:bodyPr>
-            <a:normAutofit/>
-          </a:bodyPr>
-          <a:lstStyle/>
-          <a:p>
-            <a:pPr>
-              <a:lnSpc>
-                <a:spcPct val="80000"/>
-              </a:lnSpc>
-            </a:pPr>
-            <a:r>
-              <a:rPr lang="en-US" altLang="en-US" sz="2000" b="1" dirty="0"/>
-              <a:t>Exceptions</a:t>
-            </a:r>
-          </a:p>
-          <a:p>
-            <a:pPr lvl="1">
-              <a:lnSpc>
-                <a:spcPct val="80000"/>
-              </a:lnSpc>
-            </a:pPr>
-            <a:r>
-              <a:rPr lang="en-US" altLang="en-US" sz="1800" dirty="0">
-                <a:ea typeface="ＭＳ Ｐゴシック" panose="020B0600070205080204" pitchFamily="34" charset="-128"/>
-              </a:rPr>
-              <a:t>Are used to catch error conditions “from outside,” such trying to read a file that doesn’t exist</a:t>
-            </a:r>
-          </a:p>
-          <a:p>
-            <a:pPr lvl="1">
-              <a:lnSpc>
-                <a:spcPct val="80000"/>
-              </a:lnSpc>
-            </a:pPr>
-            <a:r>
-              <a:rPr lang="en-US" altLang="en-US" sz="1800" dirty="0">
-                <a:ea typeface="ＭＳ Ｐゴシック" panose="020B0600070205080204" pitchFamily="34" charset="-128"/>
-              </a:rPr>
-              <a:t>Can also be used to check parameters, or the state of an object, to warn users of your class that they have done something wrong</a:t>
-            </a:r>
-          </a:p>
-          <a:p>
-            <a:pPr>
-              <a:lnSpc>
-                <a:spcPct val="80000"/>
-              </a:lnSpc>
-            </a:pPr>
-            <a:r>
-              <a:rPr lang="en-US" altLang="en-US" sz="2000" dirty="0"/>
-              <a:t>The </a:t>
-            </a:r>
-            <a:r>
-              <a:rPr lang="en-US" altLang="en-US" sz="2000" dirty="0">
-                <a:solidFill>
-                  <a:schemeClr val="accent2"/>
-                </a:solidFill>
-                <a:latin typeface="Trebuchet MS" panose="020B0603020202020204" pitchFamily="34" charset="0"/>
-              </a:rPr>
-              <a:t>assert</a:t>
-            </a:r>
-            <a:r>
-              <a:rPr lang="en-US" altLang="en-US" sz="2000" dirty="0"/>
-              <a:t> statement</a:t>
-            </a:r>
-          </a:p>
-          <a:p>
-            <a:pPr lvl="1">
-              <a:lnSpc>
-                <a:spcPct val="80000"/>
-              </a:lnSpc>
-            </a:pPr>
-            <a:r>
-              <a:rPr lang="en-US" altLang="en-US" sz="1800" dirty="0">
-                <a:ea typeface="ＭＳ Ｐゴシック" panose="020B0600070205080204" pitchFamily="34" charset="-128"/>
-              </a:rPr>
-              <a:t>Is used as “live” documentation, to specify something that you believe will always be true</a:t>
-            </a:r>
-          </a:p>
-          <a:p>
-            <a:pPr lvl="1">
-              <a:lnSpc>
-                <a:spcPct val="80000"/>
-              </a:lnSpc>
-            </a:pPr>
-            <a:r>
-              <a:rPr lang="en-US" altLang="en-US" sz="1800" dirty="0">
-                <a:ea typeface="ＭＳ Ｐゴシック" panose="020B0600070205080204" pitchFamily="34" charset="-128"/>
-              </a:rPr>
-              <a:t>If you can think of circumstances where it won’t be true, you should </a:t>
-            </a:r>
-            <a:r>
-              <a:rPr lang="en-US" altLang="en-US" sz="1800" i="1" dirty="0">
-                <a:ea typeface="ＭＳ Ｐゴシック" panose="020B0600070205080204" pitchFamily="34" charset="-128"/>
-              </a:rPr>
-              <a:t>not</a:t>
-            </a:r>
-            <a:r>
-              <a:rPr lang="en-US" altLang="en-US" sz="1800" dirty="0">
-                <a:ea typeface="ＭＳ Ｐゴシック" panose="020B0600070205080204" pitchFamily="34" charset="-128"/>
-              </a:rPr>
-              <a:t> be using </a:t>
-            </a:r>
-            <a:r>
-              <a:rPr lang="en-US" altLang="en-US" sz="1800" dirty="0">
-                <a:solidFill>
-                  <a:schemeClr val="accent2"/>
-                </a:solidFill>
-                <a:latin typeface="Trebuchet MS" panose="020B0603020202020204" pitchFamily="34" charset="0"/>
-                <a:ea typeface="ＭＳ Ｐゴシック" panose="020B0600070205080204" pitchFamily="34" charset="-128"/>
-              </a:rPr>
-              <a:t>assert</a:t>
-            </a:r>
-          </a:p>
-          <a:p>
-            <a:pPr lvl="1">
-              <a:lnSpc>
-                <a:spcPct val="80000"/>
-              </a:lnSpc>
-            </a:pPr>
-            <a:r>
-              <a:rPr lang="en-US" altLang="en-US" sz="1800" dirty="0">
-                <a:ea typeface="ＭＳ Ｐゴシック" panose="020B0600070205080204" pitchFamily="34" charset="-128"/>
-              </a:rPr>
-              <a:t>But because assert is easier than Exceptions, it can sometimes be used for error checking in your own </a:t>
-            </a:r>
-            <a:r>
-              <a:rPr lang="en-US" altLang="en-US" sz="1800" dirty="0">
-                <a:solidFill>
-                  <a:schemeClr val="accent2"/>
-                </a:solidFill>
-                <a:latin typeface="Trebuchet MS" panose="020B0603020202020204" pitchFamily="34" charset="0"/>
-                <a:ea typeface="ＭＳ Ｐゴシック" panose="020B0600070205080204" pitchFamily="34" charset="-128"/>
-              </a:rPr>
-              <a:t>private</a:t>
-            </a:r>
-            <a:r>
-              <a:rPr lang="en-US" altLang="en-US" sz="1800" dirty="0">
-                <a:ea typeface="ＭＳ Ｐゴシック" panose="020B0600070205080204" pitchFamily="34" charset="-128"/>
-              </a:rPr>
-              <a:t> methods</a:t>
-            </a:r>
-          </a:p>
-          <a:p>
-            <a:pPr>
-              <a:lnSpc>
-                <a:spcPct val="80000"/>
-              </a:lnSpc>
-            </a:pPr>
-            <a:r>
-              <a:rPr lang="en-US" altLang="en-US" sz="2000" dirty="0"/>
-              <a:t>Philosophy: You have to get your own class correct; you can’t expect other classes to be correct</a:t>
-            </a:r>
-          </a:p>
-          <a:p>
-            <a:pPr lvl="1">
-              <a:lnSpc>
-                <a:spcPct val="80000"/>
-              </a:lnSpc>
-            </a:pPr>
-            <a:r>
-              <a:rPr lang="en-US" altLang="en-US" sz="1800" dirty="0">
-                <a:ea typeface="ＭＳ Ｐゴシック" panose="020B0600070205080204" pitchFamily="34" charset="-128"/>
-              </a:rPr>
-              <a:t>Assertions are “internal;” Exceptions are “external”</a:t>
-            </a:r>
-          </a:p>
-        </p:txBody>
-      </p:sp>
-      <p:sp>
-        <p:nvSpPr>
-          <p:cNvPr id="6" name="Date Placeholder 5"/>
-          <p:cNvSpPr>
-            <a:spLocks noGrp="1"/>
-          </p:cNvSpPr>
-          <p:nvPr>
-            <p:ph type="dt" sz="half" idx="2"/>
-          </p:nvPr>
-        </p:nvSpPr>
-        <p:spPr/>
-        <p:txBody>
-          <a:bodyPr/>
-          <a:lstStyle/>
-          <a:p>
-            <a:r>
-              <a:rPr lang="en-CA" dirty="0"/>
-              <a:t>Winter 2022</a:t>
-            </a:r>
-          </a:p>
-        </p:txBody>
-      </p:sp>
-      <p:sp>
-        <p:nvSpPr>
-          <p:cNvPr id="10" name="Footer Placeholder 9"/>
-          <p:cNvSpPr>
-            <a:spLocks noGrp="1"/>
-          </p:cNvSpPr>
-          <p:nvPr>
-            <p:ph type="ftr" sz="quarter" idx="3"/>
-          </p:nvPr>
-        </p:nvSpPr>
-        <p:spPr/>
-        <p:txBody>
-          <a:bodyPr/>
-          <a:lstStyle/>
-          <a:p>
-            <a:r>
-              <a:rPr lang="en-CA" dirty="0"/>
-              <a:t>CS321: Advanced Programming Techniques</a:t>
-            </a:r>
-          </a:p>
-        </p:txBody>
-      </p:sp>
-      <p:sp>
-        <p:nvSpPr>
-          <p:cNvPr id="12" name="Slide Number Placeholder 11"/>
-          <p:cNvSpPr>
-            <a:spLocks noGrp="1"/>
-          </p:cNvSpPr>
-          <p:nvPr>
-            <p:ph type="sldNum" sz="quarter" idx="4"/>
-          </p:nvPr>
-        </p:nvSpPr>
-        <p:spPr/>
-        <p:txBody>
-          <a:bodyPr/>
-          <a:lstStyle/>
-          <a:p>
-            <a:fld id="{5174927E-2439-42C0-9720-7BBCA09BF46F}" type="slidenum">
-              <a:rPr lang="en-CA" smtClean="0"/>
-              <a:pPr/>
-              <a:t>27</a:t>
-            </a:fld>
-            <a:r>
-              <a:rPr lang="en-CA" dirty="0"/>
-              <a:t> </a:t>
-            </a:r>
-          </a:p>
-        </p:txBody>
-      </p:sp>
-    </p:spTree>
-    <p:extLst>
-      <p:ext uri="{BB962C8B-B14F-4D97-AF65-F5344CB8AC3E}">
-        <p14:creationId xmlns:p14="http://schemas.microsoft.com/office/powerpoint/2010/main" val="1688656353"/>
+        <p14:creationId xmlns:p14="http://schemas.microsoft.com/office/powerpoint/2010/main" xmlns="" val="51204498"/>
       </p:ext>
     </p:extLst>
   </p:cSld>
@@ -12447,28 +7038,6 @@
       </p:sp>
       <p:sp>
         <p:nvSpPr>
-          <p:cNvPr id="6" name="Date Placeholder 5"/>
-          <p:cNvSpPr>
-            <a:spLocks noGrp="1"/>
-          </p:cNvSpPr>
-          <p:nvPr>
-            <p:ph type="dt" sz="half" idx="2"/>
-          </p:nvPr>
-        </p:nvSpPr>
-        <p:spPr/>
-        <p:txBody>
-          <a:bodyPr/>
-          <a:lstStyle/>
-          <a:p>
-            <a:r>
-              <a:rPr lang="en-CA" dirty="0"/>
-              <a:t>Winter 2022</a:t>
-            </a:r>
-          </a:p>
-        </p:txBody>
-      </p:sp>
-      <p:sp>
-        <p:nvSpPr>
           <p:cNvPr id="10" name="Footer Placeholder 9"/>
           <p:cNvSpPr>
             <a:spLocks noGrp="1"/>
@@ -12519,7 +7088,7 @@
     </p:spTree>
     <p:extLst>
       <p:ext uri="{BB962C8B-B14F-4D97-AF65-F5344CB8AC3E}">
-        <p14:creationId xmlns:p14="http://schemas.microsoft.com/office/powerpoint/2010/main" val="951659939"/>
+        <p14:creationId xmlns:p14="http://schemas.microsoft.com/office/powerpoint/2010/main" xmlns="" val="951659939"/>
       </p:ext>
     </p:extLst>
   </p:cSld>
@@ -12614,28 +7183,6 @@
       </p:sp>
       <p:sp>
         <p:nvSpPr>
-          <p:cNvPr id="6" name="Date Placeholder 5"/>
-          <p:cNvSpPr>
-            <a:spLocks noGrp="1"/>
-          </p:cNvSpPr>
-          <p:nvPr>
-            <p:ph type="dt" sz="half" idx="2"/>
-          </p:nvPr>
-        </p:nvSpPr>
-        <p:spPr/>
-        <p:txBody>
-          <a:bodyPr/>
-          <a:lstStyle/>
-          <a:p>
-            <a:r>
-              <a:rPr lang="en-CA" dirty="0"/>
-              <a:t>Winter 2022</a:t>
-            </a:r>
-          </a:p>
-        </p:txBody>
-      </p:sp>
-      <p:sp>
-        <p:nvSpPr>
           <p:cNvPr id="10" name="Footer Placeholder 9"/>
           <p:cNvSpPr>
             <a:spLocks noGrp="1"/>
@@ -12688,7 +7235,7 @@
           <p:cNvPr id="7" name="Rectangle 3">
             <a:extLst>
               <a:ext uri="{FF2B5EF4-FFF2-40B4-BE49-F238E27FC236}">
-                <a16:creationId xmlns:a16="http://schemas.microsoft.com/office/drawing/2014/main" id="{39FF9106-944C-4A92-8DB0-5CD62DA2AD02}"/>
+                <a16:creationId xmlns:a16="http://schemas.microsoft.com/office/drawing/2014/main" xmlns="" id="{39FF9106-944C-4A92-8DB0-5CD62DA2AD02}"/>
               </a:ext>
             </a:extLst>
           </p:cNvPr>
@@ -13071,7 +7618,7 @@
     </p:spTree>
     <p:extLst>
       <p:ext uri="{BB962C8B-B14F-4D97-AF65-F5344CB8AC3E}">
-        <p14:creationId xmlns:p14="http://schemas.microsoft.com/office/powerpoint/2010/main" val="649184941"/>
+        <p14:creationId xmlns:p14="http://schemas.microsoft.com/office/powerpoint/2010/main" xmlns="" val="649184941"/>
       </p:ext>
     </p:extLst>
   </p:cSld>
@@ -13161,28 +7708,6 @@
       </p:sp>
       <p:sp>
         <p:nvSpPr>
-          <p:cNvPr id="6" name="Date Placeholder 5"/>
-          <p:cNvSpPr>
-            <a:spLocks noGrp="1"/>
-          </p:cNvSpPr>
-          <p:nvPr>
-            <p:ph type="dt" sz="half" idx="2"/>
-          </p:nvPr>
-        </p:nvSpPr>
-        <p:spPr/>
-        <p:txBody>
-          <a:bodyPr/>
-          <a:lstStyle/>
-          <a:p>
-            <a:r>
-              <a:rPr lang="en-CA" dirty="0"/>
-              <a:t>Winter 2022</a:t>
-            </a:r>
-          </a:p>
-        </p:txBody>
-      </p:sp>
-      <p:sp>
-        <p:nvSpPr>
           <p:cNvPr id="10" name="Footer Placeholder 9"/>
           <p:cNvSpPr>
             <a:spLocks noGrp="1"/>
@@ -13235,7 +7760,7 @@
           <p:cNvPr id="7" name="Rectangle 3">
             <a:extLst>
               <a:ext uri="{FF2B5EF4-FFF2-40B4-BE49-F238E27FC236}">
-                <a16:creationId xmlns:a16="http://schemas.microsoft.com/office/drawing/2014/main" id="{E64C1286-5BF6-48E3-B388-2BD8630C60FE}"/>
+                <a16:creationId xmlns:a16="http://schemas.microsoft.com/office/drawing/2014/main" xmlns="" id="{E64C1286-5BF6-48E3-B388-2BD8630C60FE}"/>
               </a:ext>
             </a:extLst>
           </p:cNvPr>
@@ -13585,7 +8110,7 @@
     </p:spTree>
     <p:extLst>
       <p:ext uri="{BB962C8B-B14F-4D97-AF65-F5344CB8AC3E}">
-        <p14:creationId xmlns:p14="http://schemas.microsoft.com/office/powerpoint/2010/main" val="1435777542"/>
+        <p14:creationId xmlns:p14="http://schemas.microsoft.com/office/powerpoint/2010/main" xmlns="" val="1435777542"/>
       </p:ext>
     </p:extLst>
   </p:cSld>
@@ -14038,28 +8563,6 @@
       </p:sp>
       <p:sp>
         <p:nvSpPr>
-          <p:cNvPr id="6" name="Date Placeholder 5"/>
-          <p:cNvSpPr>
-            <a:spLocks noGrp="1"/>
-          </p:cNvSpPr>
-          <p:nvPr>
-            <p:ph type="dt" sz="half" idx="2"/>
-          </p:nvPr>
-        </p:nvSpPr>
-        <p:spPr/>
-        <p:txBody>
-          <a:bodyPr/>
-          <a:lstStyle/>
-          <a:p>
-            <a:r>
-              <a:rPr lang="en-CA" dirty="0"/>
-              <a:t>Winter 2022</a:t>
-            </a:r>
-          </a:p>
-        </p:txBody>
-      </p:sp>
-      <p:sp>
-        <p:nvSpPr>
           <p:cNvPr id="10" name="Footer Placeholder 9"/>
           <p:cNvSpPr>
             <a:spLocks noGrp="1"/>
@@ -14110,7 +8613,7 @@
     </p:spTree>
     <p:extLst>
       <p:ext uri="{BB962C8B-B14F-4D97-AF65-F5344CB8AC3E}">
-        <p14:creationId xmlns:p14="http://schemas.microsoft.com/office/powerpoint/2010/main" val="997206608"/>
+        <p14:creationId xmlns:p14="http://schemas.microsoft.com/office/powerpoint/2010/main" xmlns="" val="997206608"/>
       </p:ext>
     </p:extLst>
   </p:cSld>
@@ -14373,28 +8876,6 @@
       </p:sp>
       <p:sp>
         <p:nvSpPr>
-          <p:cNvPr id="6" name="Date Placeholder 5"/>
-          <p:cNvSpPr>
-            <a:spLocks noGrp="1"/>
-          </p:cNvSpPr>
-          <p:nvPr>
-            <p:ph type="dt" sz="half" idx="2"/>
-          </p:nvPr>
-        </p:nvSpPr>
-        <p:spPr/>
-        <p:txBody>
-          <a:bodyPr/>
-          <a:lstStyle/>
-          <a:p>
-            <a:r>
-              <a:rPr lang="en-CA" dirty="0"/>
-              <a:t>Winter 2022</a:t>
-            </a:r>
-          </a:p>
-        </p:txBody>
-      </p:sp>
-      <p:sp>
-        <p:nvSpPr>
           <p:cNvPr id="10" name="Footer Placeholder 9"/>
           <p:cNvSpPr>
             <a:spLocks noGrp="1"/>
@@ -14445,7 +8926,7 @@
     </p:spTree>
     <p:extLst>
       <p:ext uri="{BB962C8B-B14F-4D97-AF65-F5344CB8AC3E}">
-        <p14:creationId xmlns:p14="http://schemas.microsoft.com/office/powerpoint/2010/main" val="1364115844"/>
+        <p14:creationId xmlns:p14="http://schemas.microsoft.com/office/powerpoint/2010/main" xmlns="" val="1364115844"/>
       </p:ext>
     </p:extLst>
   </p:cSld>
@@ -14537,28 +9018,6 @@
       </p:sp>
       <p:sp>
         <p:nvSpPr>
-          <p:cNvPr id="6" name="Date Placeholder 5"/>
-          <p:cNvSpPr>
-            <a:spLocks noGrp="1"/>
-          </p:cNvSpPr>
-          <p:nvPr>
-            <p:ph type="dt" sz="half" idx="2"/>
-          </p:nvPr>
-        </p:nvSpPr>
-        <p:spPr/>
-        <p:txBody>
-          <a:bodyPr/>
-          <a:lstStyle/>
-          <a:p>
-            <a:r>
-              <a:rPr lang="en-CA" dirty="0"/>
-              <a:t>Winter 2022</a:t>
-            </a:r>
-          </a:p>
-        </p:txBody>
-      </p:sp>
-      <p:sp>
-        <p:nvSpPr>
           <p:cNvPr id="10" name="Footer Placeholder 9"/>
           <p:cNvSpPr>
             <a:spLocks noGrp="1"/>
@@ -14611,7 +9070,7 @@
           <p:cNvPr id="7" name="Rectangle 3">
             <a:extLst>
               <a:ext uri="{FF2B5EF4-FFF2-40B4-BE49-F238E27FC236}">
-                <a16:creationId xmlns:a16="http://schemas.microsoft.com/office/drawing/2014/main" id="{0C77301B-F3B9-4AF9-AFBB-7593E01CD54B}"/>
+                <a16:creationId xmlns:a16="http://schemas.microsoft.com/office/drawing/2014/main" xmlns="" id="{0C77301B-F3B9-4AF9-AFBB-7593E01CD54B}"/>
               </a:ext>
             </a:extLst>
           </p:cNvPr>
@@ -15031,7 +9490,7 @@
     </p:spTree>
     <p:extLst>
       <p:ext uri="{BB962C8B-B14F-4D97-AF65-F5344CB8AC3E}">
-        <p14:creationId xmlns:p14="http://schemas.microsoft.com/office/powerpoint/2010/main" val="831713103"/>
+        <p14:creationId xmlns:p14="http://schemas.microsoft.com/office/powerpoint/2010/main" xmlns="" val="831713103"/>
       </p:ext>
     </p:extLst>
   </p:cSld>
@@ -15501,28 +9960,6 @@
       </p:sp>
       <p:sp>
         <p:nvSpPr>
-          <p:cNvPr id="6" name="Date Placeholder 5"/>
-          <p:cNvSpPr>
-            <a:spLocks noGrp="1"/>
-          </p:cNvSpPr>
-          <p:nvPr>
-            <p:ph type="dt" sz="half" idx="2"/>
-          </p:nvPr>
-        </p:nvSpPr>
-        <p:spPr/>
-        <p:txBody>
-          <a:bodyPr/>
-          <a:lstStyle/>
-          <a:p>
-            <a:r>
-              <a:rPr lang="en-CA" dirty="0"/>
-              <a:t>Winter 2022</a:t>
-            </a:r>
-          </a:p>
-        </p:txBody>
-      </p:sp>
-      <p:sp>
-        <p:nvSpPr>
           <p:cNvPr id="10" name="Footer Placeholder 9"/>
           <p:cNvSpPr>
             <a:spLocks noGrp="1"/>
@@ -15573,7 +10010,7 @@
     </p:spTree>
     <p:extLst>
       <p:ext uri="{BB962C8B-B14F-4D97-AF65-F5344CB8AC3E}">
-        <p14:creationId xmlns:p14="http://schemas.microsoft.com/office/powerpoint/2010/main" val="3252093137"/>
+        <p14:creationId xmlns:p14="http://schemas.microsoft.com/office/powerpoint/2010/main" xmlns="" val="3252093137"/>
       </p:ext>
     </p:extLst>
   </p:cSld>
@@ -15626,7 +10063,7 @@
     </a:clrScheme>
     <a:fontScheme name="Office">
       <a:majorFont>
-        <a:latin typeface="Calibri Light" panose="020F0302020204030204"/>
+        <a:latin typeface="Calibri Light"/>
         <a:ea typeface=""/>
         <a:cs typeface=""/>
         <a:font script="Jpan" typeface="游ゴシック Light"/>
@@ -15678,7 +10115,7 @@
         <a:font script="Tfng" typeface="Ebrima"/>
       </a:majorFont>
       <a:minorFont>
-        <a:latin typeface="Calibri" panose="020F0502020204030204"/>
+        <a:latin typeface="Calibri"/>
         <a:ea typeface=""/>
         <a:cs typeface=""/>
         <a:font script="Jpan" typeface="游ゴシック"/>
@@ -15872,7 +10309,7 @@
   <a:extraClrSchemeLst/>
   <a:extLst>
     <a:ext uri="{05A4C25C-085E-4340-85A3-A5531E510DB2}">
-      <thm15:themeFamily xmlns:thm15="http://schemas.microsoft.com/office/thememl/2012/main" name="eye_tracker_presentation" id="{00ED1D97-A04B-46A0-BB71-88655A6B057F}" vid="{F36189FA-3966-4852-951E-5734674D1C7B}"/>
+      <thm15:themeFamily xmlns:thm15="http://schemas.microsoft.com/office/thememl/2012/main" xmlns="" name="eye_tracker_presentation" id="{00ED1D97-A04B-46A0-BB71-88655A6B057F}" vid="{F36189FA-3966-4852-951E-5734674D1C7B}"/>
     </a:ext>
   </a:extLst>
 </a:theme>
@@ -15921,7 +10358,7 @@
     </a:clrScheme>
     <a:fontScheme name="Office">
       <a:majorFont>
-        <a:latin typeface="Calibri Light" panose="020F0302020204030204"/>
+        <a:latin typeface="Calibri Light"/>
         <a:ea typeface=""/>
         <a:cs typeface=""/>
         <a:font script="Jpan" typeface="游ゴシック Light"/>
@@ -15973,7 +10410,7 @@
         <a:font script="Tfng" typeface="Ebrima"/>
       </a:majorFont>
       <a:minorFont>
-        <a:latin typeface="Calibri" panose="020F0502020204030204"/>
+        <a:latin typeface="Calibri"/>
         <a:ea typeface=""/>
         <a:cs typeface=""/>
         <a:font script="Jpan" typeface="游ゴシック"/>
@@ -16167,7 +10604,7 @@
   <a:extraClrSchemeLst/>
   <a:extLst>
     <a:ext uri="{05A4C25C-085E-4340-85A3-A5531E510DB2}">
-      <thm15:themeFamily xmlns:thm15="http://schemas.microsoft.com/office/thememl/2012/main" name="Office Theme" id="{62F939B6-93AF-4DB8-9C6B-D6C7DFDC589F}" vid="{4A3C46E8-61CC-4603-A589-7422A47A8E4A}"/>
+      <thm15:themeFamily xmlns:thm15="http://schemas.microsoft.com/office/thememl/2012/main" xmlns="" name="Office Theme" id="{62F939B6-93AF-4DB8-9C6B-D6C7DFDC589F}" vid="{4A3C46E8-61CC-4603-A589-7422A47A8E4A}"/>
     </a:ext>
   </a:extLst>
 </a:theme>

--- a/bishops/cs321/resources/CS321_Lecture_13B.pptx
+++ b/bishops/cs321/resources/CS321_Lecture_13B.pptx
@@ -5,23 +5,22 @@
     <p:sldMasterId id="2147483648" r:id="rId1"/>
   </p:sldMasterIdLst>
   <p:notesMasterIdLst>
-    <p:notesMasterId r:id="rId16"/>
+    <p:notesMasterId r:id="rId15"/>
   </p:notesMasterIdLst>
   <p:sldIdLst>
     <p:sldId id="256" r:id="rId2"/>
     <p:sldId id="259" r:id="rId3"/>
-    <p:sldId id="260" r:id="rId4"/>
-    <p:sldId id="261" r:id="rId5"/>
-    <p:sldId id="262" r:id="rId6"/>
-    <p:sldId id="263" r:id="rId7"/>
-    <p:sldId id="264" r:id="rId8"/>
-    <p:sldId id="265" r:id="rId9"/>
-    <p:sldId id="266" r:id="rId10"/>
-    <p:sldId id="267" r:id="rId11"/>
-    <p:sldId id="268" r:id="rId12"/>
-    <p:sldId id="269" r:id="rId13"/>
-    <p:sldId id="270" r:id="rId14"/>
-    <p:sldId id="271" r:id="rId15"/>
+    <p:sldId id="261" r:id="rId4"/>
+    <p:sldId id="262" r:id="rId5"/>
+    <p:sldId id="263" r:id="rId6"/>
+    <p:sldId id="264" r:id="rId7"/>
+    <p:sldId id="265" r:id="rId8"/>
+    <p:sldId id="266" r:id="rId9"/>
+    <p:sldId id="267" r:id="rId10"/>
+    <p:sldId id="268" r:id="rId11"/>
+    <p:sldId id="269" r:id="rId12"/>
+    <p:sldId id="270" r:id="rId13"/>
+    <p:sldId id="271" r:id="rId14"/>
   </p:sldIdLst>
   <p:sldSz cx="12192000" cy="6858000"/>
   <p:notesSz cx="6858000" cy="9144000"/>
@@ -122,7 +121,7 @@
   </p:defaultTextStyle>
   <p:extLst>
     <p:ext uri="{EFAFB233-063F-42B5-8137-9DF3F51BA10A}">
-      <p15:sldGuideLst xmlns:p15="http://schemas.microsoft.com/office/powerpoint/2012/main" xmlns=""/>
+      <p15:sldGuideLst xmlns="" xmlns:p15="http://schemas.microsoft.com/office/powerpoint/2012/main"/>
     </p:ext>
   </p:extLst>
 </p:presentation>
@@ -133,7 +132,7 @@
   <p:cmAuthor id="1" name="Gregory" initials="G" lastIdx="1" clrIdx="0">
     <p:extLst>
       <p:ext uri="{19B8F6BF-5375-455C-9EA6-DF929625EA0E}">
-        <p15:presenceInfo xmlns:p15="http://schemas.microsoft.com/office/powerpoint/2012/main" xmlns="" userId="Gregory" providerId="None"/>
+        <p15:presenceInfo xmlns="" xmlns:p15="http://schemas.microsoft.com/office/powerpoint/2012/main" userId="Gregory" providerId="None"/>
       </p:ext>
     </p:extLst>
   </p:cmAuthor>
@@ -392,7 +391,7 @@
     </p:spTree>
     <p:extLst>
       <p:ext uri="{BB962C8B-B14F-4D97-AF65-F5344CB8AC3E}">
-        <p14:creationId xmlns:p14="http://schemas.microsoft.com/office/powerpoint/2010/main" xmlns="" val="4237529172"/>
+        <p14:creationId xmlns="" xmlns:p14="http://schemas.microsoft.com/office/powerpoint/2010/main" val="4237529172"/>
       </p:ext>
     </p:extLst>
   </p:cSld>
@@ -536,14 +535,6 @@
           <a:bodyPr/>
           <a:lstStyle/>
           <a:p>
-            <a:r>
-              <a:rPr lang="en-CA" dirty="0"/>
-              <a:t>Multi-instrument</a:t>
-            </a:r>
-            <a:r>
-              <a:rPr lang="en-CA" baseline="0" dirty="0"/>
-              <a:t> / Multi-instrument Inter-process (minus the)-with Eye Trackers-</a:t>
-            </a:r>
             <a:endParaRPr lang="en-CA" dirty="0"/>
           </a:p>
         </p:txBody>
@@ -575,7 +566,7 @@
     </p:spTree>
     <p:extLst>
       <p:ext uri="{BB962C8B-B14F-4D97-AF65-F5344CB8AC3E}">
-        <p14:creationId xmlns:p14="http://schemas.microsoft.com/office/powerpoint/2010/main" xmlns="" val="2340334442"/>
+        <p14:creationId xmlns="" xmlns:p14="http://schemas.microsoft.com/office/powerpoint/2010/main" val="2340334442"/>
       </p:ext>
     </p:extLst>
   </p:cSld>
@@ -779,7 +770,7 @@
     </p:spTree>
     <p:extLst>
       <p:ext uri="{BB962C8B-B14F-4D97-AF65-F5344CB8AC3E}">
-        <p14:creationId xmlns:p14="http://schemas.microsoft.com/office/powerpoint/2010/main" xmlns="" val="1900560834"/>
+        <p14:creationId xmlns="" xmlns:p14="http://schemas.microsoft.com/office/powerpoint/2010/main" val="1900560834"/>
       </p:ext>
     </p:extLst>
   </p:cSld>
@@ -953,7 +944,7 @@
     </p:spTree>
     <p:extLst>
       <p:ext uri="{BB962C8B-B14F-4D97-AF65-F5344CB8AC3E}">
-        <p14:creationId xmlns:p14="http://schemas.microsoft.com/office/powerpoint/2010/main" xmlns="" val="3722958745"/>
+        <p14:creationId xmlns="" xmlns:p14="http://schemas.microsoft.com/office/powerpoint/2010/main" val="3722958745"/>
       </p:ext>
     </p:extLst>
   </p:cSld>
@@ -1189,7 +1180,7 @@
     </p:spTree>
     <p:extLst>
       <p:ext uri="{BB962C8B-B14F-4D97-AF65-F5344CB8AC3E}">
-        <p14:creationId xmlns:p14="http://schemas.microsoft.com/office/powerpoint/2010/main" xmlns="" val="1822376042"/>
+        <p14:creationId xmlns="" xmlns:p14="http://schemas.microsoft.com/office/powerpoint/2010/main" val="1822376042"/>
       </p:ext>
     </p:extLst>
   </p:cSld>
@@ -1439,7 +1430,7 @@
     </p:spTree>
     <p:extLst>
       <p:ext uri="{BB962C8B-B14F-4D97-AF65-F5344CB8AC3E}">
-        <p14:creationId xmlns:p14="http://schemas.microsoft.com/office/powerpoint/2010/main" xmlns="" val="3411672561"/>
+        <p14:creationId xmlns="" xmlns:p14="http://schemas.microsoft.com/office/powerpoint/2010/main" val="3411672561"/>
       </p:ext>
     </p:extLst>
   </p:cSld>
@@ -1675,7 +1666,7 @@
     </p:spTree>
     <p:extLst>
       <p:ext uri="{BB962C8B-B14F-4D97-AF65-F5344CB8AC3E}">
-        <p14:creationId xmlns:p14="http://schemas.microsoft.com/office/powerpoint/2010/main" xmlns="" val="1093008526"/>
+        <p14:creationId xmlns="" xmlns:p14="http://schemas.microsoft.com/office/powerpoint/2010/main" val="1093008526"/>
       </p:ext>
     </p:extLst>
   </p:cSld>
@@ -2046,7 +2037,7 @@
     </p:spTree>
     <p:extLst>
       <p:ext uri="{BB962C8B-B14F-4D97-AF65-F5344CB8AC3E}">
-        <p14:creationId xmlns:p14="http://schemas.microsoft.com/office/powerpoint/2010/main" xmlns="" val="1087924878"/>
+        <p14:creationId xmlns="" xmlns:p14="http://schemas.microsoft.com/office/powerpoint/2010/main" val="1087924878"/>
       </p:ext>
     </p:extLst>
   </p:cSld>
@@ -2168,7 +2159,7 @@
     </p:spTree>
     <p:extLst>
       <p:ext uri="{BB962C8B-B14F-4D97-AF65-F5344CB8AC3E}">
-        <p14:creationId xmlns:p14="http://schemas.microsoft.com/office/powerpoint/2010/main" xmlns="" val="3802387408"/>
+        <p14:creationId xmlns="" xmlns:p14="http://schemas.microsoft.com/office/powerpoint/2010/main" val="3802387408"/>
       </p:ext>
     </p:extLst>
   </p:cSld>
@@ -2267,7 +2258,7 @@
     </p:spTree>
     <p:extLst>
       <p:ext uri="{BB962C8B-B14F-4D97-AF65-F5344CB8AC3E}">
-        <p14:creationId xmlns:p14="http://schemas.microsoft.com/office/powerpoint/2010/main" xmlns="" val="4234091411"/>
+        <p14:creationId xmlns="" xmlns:p14="http://schemas.microsoft.com/office/powerpoint/2010/main" val="4234091411"/>
       </p:ext>
     </p:extLst>
   </p:cSld>
@@ -2548,7 +2539,7 @@
     </p:spTree>
     <p:extLst>
       <p:ext uri="{BB962C8B-B14F-4D97-AF65-F5344CB8AC3E}">
-        <p14:creationId xmlns:p14="http://schemas.microsoft.com/office/powerpoint/2010/main" xmlns="" val="4189422420"/>
+        <p14:creationId xmlns="" xmlns:p14="http://schemas.microsoft.com/office/powerpoint/2010/main" val="4189422420"/>
       </p:ext>
     </p:extLst>
   </p:cSld>
@@ -2805,7 +2796,7 @@
     </p:spTree>
     <p:extLst>
       <p:ext uri="{BB962C8B-B14F-4D97-AF65-F5344CB8AC3E}">
-        <p14:creationId xmlns:p14="http://schemas.microsoft.com/office/powerpoint/2010/main" xmlns="" val="3252977898"/>
+        <p14:creationId xmlns="" xmlns:p14="http://schemas.microsoft.com/office/powerpoint/2010/main" val="3252977898"/>
       </p:ext>
     </p:extLst>
   </p:cSld>
@@ -3074,7 +3065,7 @@
           <a:blip r:embed="rId13" cstate="print">
             <a:extLst>
               <a:ext uri="{28A0092B-C50C-407E-A947-70E740481C1C}">
-                <a14:useLocalDpi xmlns:a14="http://schemas.microsoft.com/office/drawing/2010/main" xmlns="" val="0"/>
+                <a14:useLocalDpi xmlns="" xmlns:a14="http://schemas.microsoft.com/office/drawing/2010/main" val="0"/>
               </a:ext>
             </a:extLst>
           </a:blip>
@@ -3095,7 +3086,7 @@
     </p:spTree>
     <p:extLst>
       <p:ext uri="{BB962C8B-B14F-4D97-AF65-F5344CB8AC3E}">
-        <p14:creationId xmlns:p14="http://schemas.microsoft.com/office/powerpoint/2010/main" xmlns="" val="4230061028"/>
+        <p14:creationId xmlns="" xmlns:p14="http://schemas.microsoft.com/office/powerpoint/2010/main" val="4230061028"/>
       </p:ext>
     </p:extLst>
   </p:cSld>
@@ -3547,7 +3538,7 @@
           <p:cNvPr id="13" name="Picture 8" descr="http://osiris.ubishops.ca/~alussier/images/transparentlogo_bu.png">
             <a:extLst>
               <a:ext uri="{FF2B5EF4-FFF2-40B4-BE49-F238E27FC236}">
-                <a16:creationId xmlns:a16="http://schemas.microsoft.com/office/drawing/2014/main" xmlns="" id="{CCB9A035-2F1C-4B96-A5DB-70B72D6E4AD8}"/>
+                <a16:creationId xmlns="" xmlns:a16="http://schemas.microsoft.com/office/drawing/2014/main" id="{CCB9A035-2F1C-4B96-A5DB-70B72D6E4AD8}"/>
               </a:ext>
             </a:extLst>
           </p:cNvPr>
@@ -3560,7 +3551,7 @@
           <a:blip r:embed="rId3" cstate="print">
             <a:extLst>
               <a:ext uri="{28A0092B-C50C-407E-A947-70E740481C1C}">
-                <a14:useLocalDpi xmlns:a14="http://schemas.microsoft.com/office/drawing/2010/main" xmlns="" val="0"/>
+                <a14:useLocalDpi xmlns="" xmlns:a14="http://schemas.microsoft.com/office/drawing/2010/main" val="0"/>
               </a:ext>
             </a:extLst>
           </a:blip>
@@ -3580,7 +3571,7 @@
           <a:noFill/>
           <a:extLst>
             <a:ext uri="{909E8E84-426E-40DD-AFC4-6F175D3DCCD1}">
-              <a14:hiddenFill xmlns:a14="http://schemas.microsoft.com/office/drawing/2010/main" xmlns="">
+              <a14:hiddenFill xmlns="" xmlns:a14="http://schemas.microsoft.com/office/drawing/2010/main">
                 <a:solidFill>
                   <a:srgbClr val="FFFFFF"/>
                 </a:solidFill>
@@ -3592,7 +3583,7 @@
     </p:spTree>
     <p:extLst>
       <p:ext uri="{BB962C8B-B14F-4D97-AF65-F5344CB8AC3E}">
-        <p14:creationId xmlns:p14="http://schemas.microsoft.com/office/powerpoint/2010/main" xmlns="" val="4177077622"/>
+        <p14:creationId xmlns="" xmlns:p14="http://schemas.microsoft.com/office/powerpoint/2010/main" val="4177077622"/>
       </p:ext>
     </p:extLst>
   </p:cSld>
@@ -3636,7 +3627,17 @@
           <a:p>
             <a:r>
               <a:rPr lang="en-US" altLang="en-US" dirty="0"/>
-              <a:t>Mouse Events</a:t>
+              <a:t>Example </a:t>
+            </a:r>
+            <a:r>
+              <a:rPr lang="en-US" altLang="en-US" dirty="0" err="1">
+                <a:latin typeface="Courier New" panose="02070309020205020404" pitchFamily="49" charset="0"/>
+              </a:rPr>
+              <a:t>MouseEvent</a:t>
+            </a:r>
+            <a:r>
+              <a:rPr lang="en-US" altLang="en-US" dirty="0"/>
+              <a:t> Usage</a:t>
             </a:r>
             <a:endParaRPr lang="en-CA" dirty="0"/>
           </a:p>
@@ -3664,658 +3665,19 @@
           </a:bodyPr>
           <a:lstStyle/>
           <a:p>
-            <a:pPr marL="230188" marR="0" lvl="0" indent="-230188" algn="l" defTabSz="914400" rtl="0" eaLnBrk="0" fontAlgn="base" latinLnBrk="0" hangingPunct="0">
-              <a:lnSpc>
-                <a:spcPct val="100000"/>
-              </a:lnSpc>
-              <a:spcBef>
-                <a:spcPct val="20000"/>
-              </a:spcBef>
-              <a:spcAft>
-                <a:spcPct val="0"/>
-              </a:spcAft>
-              <a:buClrTx/>
-              <a:buSzTx/>
-              <a:buFontTx/>
-              <a:buChar char="•"/>
-              <a:tabLst>
-                <a:tab pos="1255713" algn="l"/>
-              </a:tabLst>
-              <a:defRPr/>
+            <a:pPr marL="0" indent="0">
+              <a:buNone/>
             </a:pPr>
             <a:r>
-              <a:rPr kumimoji="0" lang="en-US" altLang="en-US" sz="2400" b="0" i="0" u="none" strike="noStrike" kern="0" cap="none" spc="0" normalizeH="0" baseline="0" noProof="0" dirty="0" err="1">
-                <a:ln>
-                  <a:noFill/>
-                </a:ln>
-                <a:solidFill>
-                  <a:srgbClr val="000000"/>
-                </a:solidFill>
-                <a:effectLst/>
-                <a:uLnTx/>
-                <a:uFillTx/>
-                <a:latin typeface="Courier New" panose="02070309020205020404" pitchFamily="49" charset="0"/>
-                <a:ea typeface="ＭＳ Ｐゴシック" panose="020B0600070205080204" pitchFamily="34" charset="-128"/>
-                <a:cs typeface="+mn-cs"/>
-              </a:rPr>
-              <a:t>java.awt.event.InputEvent</a:t>
-            </a:r>
-            <a:endParaRPr kumimoji="0" lang="en-US" altLang="en-US" sz="2400" b="0" i="0" u="none" strike="noStrike" kern="0" cap="none" spc="0" normalizeH="0" baseline="0" noProof="0" dirty="0">
-              <a:ln>
-                <a:noFill/>
-              </a:ln>
-              <a:solidFill>
-                <a:srgbClr val="000000"/>
-              </a:solidFill>
-              <a:effectLst/>
-              <a:uLnTx/>
-              <a:uFillTx/>
-              <a:latin typeface="Courier New" panose="02070309020205020404" pitchFamily="49" charset="0"/>
-              <a:ea typeface="ＭＳ Ｐゴシック" panose="020B0600070205080204" pitchFamily="34" charset="-128"/>
-              <a:cs typeface="+mn-cs"/>
-            </a:endParaRPr>
-          </a:p>
-          <a:p>
-            <a:pPr marL="576263" marR="0" lvl="1" indent="-231775" algn="l" defTabSz="914400" rtl="0" eaLnBrk="0" fontAlgn="base" latinLnBrk="0" hangingPunct="0">
-              <a:lnSpc>
-                <a:spcPct val="100000"/>
-              </a:lnSpc>
-              <a:spcBef>
-                <a:spcPct val="20000"/>
-              </a:spcBef>
-              <a:spcAft>
-                <a:spcPct val="0"/>
-              </a:spcAft>
-              <a:buClrTx/>
-              <a:buSzTx/>
-              <a:buFontTx/>
-              <a:buChar char="–"/>
-              <a:tabLst>
-                <a:tab pos="1255713" algn="l"/>
-              </a:tabLst>
-              <a:defRPr/>
-            </a:pPr>
-            <a:r>
-              <a:rPr kumimoji="0" lang="en-US" altLang="en-US" sz="2000" b="0" i="0" u="none" strike="noStrike" kern="0" cap="none" spc="0" normalizeH="0" baseline="0" noProof="0" dirty="0">
-                <a:ln>
-                  <a:noFill/>
-                </a:ln>
-                <a:solidFill>
-                  <a:srgbClr val="000000"/>
-                </a:solidFill>
-                <a:effectLst/>
-                <a:uLnTx/>
-                <a:uFillTx/>
-                <a:latin typeface="Courier New" panose="02070309020205020404" pitchFamily="49" charset="0"/>
-                <a:ea typeface="ＭＳ Ｐゴシック" panose="020B0600070205080204" pitchFamily="34" charset="-128"/>
-              </a:rPr>
-              <a:t>static int </a:t>
-            </a:r>
-            <a:r>
-              <a:rPr kumimoji="0" lang="en-US" altLang="en-US" sz="2000" b="1" i="0" u="none" strike="noStrike" kern="0" cap="none" spc="0" normalizeH="0" baseline="0" noProof="0" dirty="0">
-                <a:ln>
-                  <a:noFill/>
-                </a:ln>
-                <a:solidFill>
-                  <a:srgbClr val="000000"/>
-                </a:solidFill>
-                <a:effectLst/>
-                <a:uLnTx/>
-                <a:uFillTx/>
-                <a:latin typeface="Courier New" panose="02070309020205020404" pitchFamily="49" charset="0"/>
-                <a:ea typeface="ＭＳ Ｐゴシック" panose="020B0600070205080204" pitchFamily="34" charset="-128"/>
-              </a:rPr>
-              <a:t>BUTTON1_MASK</a:t>
-            </a:r>
-            <a:r>
-              <a:rPr kumimoji="0" lang="en-US" altLang="en-US" sz="2000" b="0" i="0" u="none" strike="noStrike" kern="0" cap="none" spc="0" normalizeH="0" baseline="0" noProof="0" dirty="0">
-                <a:ln>
-                  <a:noFill/>
-                </a:ln>
-                <a:solidFill>
-                  <a:srgbClr val="000000"/>
-                </a:solidFill>
-                <a:effectLst/>
-                <a:uLnTx/>
-                <a:uFillTx/>
-                <a:latin typeface="Courier New" panose="02070309020205020404" pitchFamily="49" charset="0"/>
-                <a:ea typeface="ＭＳ Ｐゴシック" panose="020B0600070205080204" pitchFamily="34" charset="-128"/>
-              </a:rPr>
-              <a:t>, </a:t>
-            </a:r>
-            <a:br>
-              <a:rPr kumimoji="0" lang="en-US" altLang="en-US" sz="2000" b="0" i="0" u="none" strike="noStrike" kern="0" cap="none" spc="0" normalizeH="0" baseline="0" noProof="0" dirty="0">
-                <a:ln>
-                  <a:noFill/>
-                </a:ln>
-                <a:solidFill>
-                  <a:srgbClr val="000000"/>
-                </a:solidFill>
-                <a:effectLst/>
-                <a:uLnTx/>
-                <a:uFillTx/>
-                <a:latin typeface="Courier New" panose="02070309020205020404" pitchFamily="49" charset="0"/>
-                <a:ea typeface="ＭＳ Ｐゴシック" panose="020B0600070205080204" pitchFamily="34" charset="-128"/>
-              </a:rPr>
-            </a:br>
-            <a:r>
-              <a:rPr kumimoji="0" lang="en-US" altLang="en-US" sz="2000" b="1" i="0" u="none" strike="noStrike" kern="0" cap="none" spc="0" normalizeH="0" baseline="0" noProof="0" dirty="0">
-                <a:ln>
-                  <a:noFill/>
-                </a:ln>
-                <a:solidFill>
-                  <a:srgbClr val="000000"/>
-                </a:solidFill>
-                <a:effectLst/>
-                <a:uLnTx/>
-                <a:uFillTx/>
-                <a:latin typeface="Courier New" panose="02070309020205020404" pitchFamily="49" charset="0"/>
-                <a:ea typeface="ＭＳ Ｐゴシック" panose="020B0600070205080204" pitchFamily="34" charset="-128"/>
-              </a:rPr>
-              <a:t>BUTTON2_MASK</a:t>
-            </a:r>
-            <a:r>
-              <a:rPr kumimoji="0" lang="en-US" altLang="en-US" sz="2000" b="0" i="0" u="none" strike="noStrike" kern="0" cap="none" spc="0" normalizeH="0" baseline="0" noProof="0" dirty="0">
-                <a:ln>
-                  <a:noFill/>
-                </a:ln>
-                <a:solidFill>
-                  <a:srgbClr val="000000"/>
-                </a:solidFill>
-                <a:effectLst/>
-                <a:uLnTx/>
-                <a:uFillTx/>
-                <a:latin typeface="Courier New" panose="02070309020205020404" pitchFamily="49" charset="0"/>
-                <a:ea typeface="ＭＳ Ｐゴシック" panose="020B0600070205080204" pitchFamily="34" charset="-128"/>
-              </a:rPr>
-              <a:t>, BUTTON3_MASK,</a:t>
-            </a:r>
-            <a:br>
-              <a:rPr kumimoji="0" lang="en-US" altLang="en-US" sz="2000" b="0" i="0" u="none" strike="noStrike" kern="0" cap="none" spc="0" normalizeH="0" baseline="0" noProof="0" dirty="0">
-                <a:ln>
-                  <a:noFill/>
-                </a:ln>
-                <a:solidFill>
-                  <a:srgbClr val="000000"/>
-                </a:solidFill>
-                <a:effectLst/>
-                <a:uLnTx/>
-                <a:uFillTx/>
-                <a:latin typeface="Courier New" panose="02070309020205020404" pitchFamily="49" charset="0"/>
-                <a:ea typeface="ＭＳ Ｐゴシック" panose="020B0600070205080204" pitchFamily="34" charset="-128"/>
-              </a:rPr>
-            </a:br>
-            <a:r>
-              <a:rPr kumimoji="0" lang="en-US" altLang="en-US" sz="2000" b="0" i="0" u="none" strike="noStrike" kern="0" cap="none" spc="0" normalizeH="0" baseline="0" noProof="0" dirty="0">
-                <a:ln>
-                  <a:noFill/>
-                </a:ln>
-                <a:solidFill>
-                  <a:srgbClr val="000000"/>
-                </a:solidFill>
-                <a:effectLst/>
-                <a:uLnTx/>
-                <a:uFillTx/>
-                <a:latin typeface="Courier New" panose="02070309020205020404" pitchFamily="49" charset="0"/>
-                <a:ea typeface="ＭＳ Ｐゴシック" panose="020B0600070205080204" pitchFamily="34" charset="-128"/>
-              </a:rPr>
-              <a:t>CTRL_MASK, ALT_MASK, SHIFT_MASK</a:t>
-            </a:r>
-            <a:br>
-              <a:rPr kumimoji="0" lang="en-US" altLang="en-US" sz="2000" b="0" i="0" u="none" strike="noStrike" kern="0" cap="none" spc="0" normalizeH="0" baseline="0" noProof="0" dirty="0">
-                <a:ln>
-                  <a:noFill/>
-                </a:ln>
-                <a:solidFill>
-                  <a:srgbClr val="000000"/>
-                </a:solidFill>
-                <a:effectLst/>
-                <a:uLnTx/>
-                <a:uFillTx/>
-                <a:latin typeface="Courier New" panose="02070309020205020404" pitchFamily="49" charset="0"/>
-                <a:ea typeface="ＭＳ Ｐゴシック" panose="020B0600070205080204" pitchFamily="34" charset="-128"/>
-              </a:rPr>
-            </a:br>
-            <a:endParaRPr kumimoji="0" lang="en-US" altLang="en-US" sz="2000" b="0" i="0" u="none" strike="noStrike" kern="0" cap="none" spc="0" normalizeH="0" baseline="0" noProof="0" dirty="0">
-              <a:ln>
-                <a:noFill/>
-              </a:ln>
-              <a:solidFill>
-                <a:srgbClr val="000000"/>
-              </a:solidFill>
-              <a:effectLst/>
-              <a:uLnTx/>
-              <a:uFillTx/>
-              <a:latin typeface="Courier New" panose="02070309020205020404" pitchFamily="49" charset="0"/>
-              <a:ea typeface="ＭＳ Ｐゴシック" panose="020B0600070205080204" pitchFamily="34" charset="-128"/>
-            </a:endParaRPr>
-          </a:p>
-          <a:p>
-            <a:pPr marL="576263" marR="0" lvl="1" indent="-231775" algn="l" defTabSz="914400" rtl="0" eaLnBrk="0" fontAlgn="base" latinLnBrk="0" hangingPunct="0">
-              <a:lnSpc>
-                <a:spcPct val="100000"/>
-              </a:lnSpc>
-              <a:spcBef>
-                <a:spcPct val="20000"/>
-              </a:spcBef>
-              <a:spcAft>
-                <a:spcPct val="0"/>
-              </a:spcAft>
-              <a:buClrTx/>
-              <a:buSzTx/>
-              <a:buFontTx/>
-              <a:buChar char="–"/>
-              <a:tabLst>
-                <a:tab pos="1255713" algn="l"/>
-              </a:tabLst>
-              <a:defRPr/>
-            </a:pPr>
-            <a:r>
-              <a:rPr kumimoji="0" lang="en-US" altLang="en-US" sz="2400" b="1" i="0" u="none" strike="noStrike" kern="0" cap="none" spc="0" normalizeH="0" baseline="0" noProof="0" dirty="0" err="1">
-                <a:ln>
-                  <a:noFill/>
-                </a:ln>
-                <a:solidFill>
-                  <a:srgbClr val="000000"/>
-                </a:solidFill>
-                <a:effectLst/>
-                <a:uLnTx/>
-                <a:uFillTx/>
-                <a:latin typeface="Courier New" panose="02070309020205020404" pitchFamily="49" charset="0"/>
-                <a:ea typeface="ＭＳ Ｐゴシック" panose="020B0600070205080204" pitchFamily="34" charset="-128"/>
-              </a:rPr>
-              <a:t>MouseEvent</a:t>
-            </a:r>
-            <a:endParaRPr kumimoji="0" lang="en-US" altLang="en-US" sz="2400" b="1" i="0" u="none" strike="noStrike" kern="0" cap="none" spc="0" normalizeH="0" baseline="0" noProof="0" dirty="0">
-              <a:ln>
-                <a:noFill/>
-              </a:ln>
-              <a:solidFill>
-                <a:srgbClr val="000000"/>
-              </a:solidFill>
-              <a:effectLst/>
-              <a:uLnTx/>
-              <a:uFillTx/>
-              <a:latin typeface="Courier New" panose="02070309020205020404" pitchFamily="49" charset="0"/>
-              <a:ea typeface="ＭＳ Ｐゴシック" panose="020B0600070205080204" pitchFamily="34" charset="-128"/>
-            </a:endParaRPr>
-          </a:p>
-          <a:p>
-            <a:pPr marL="911225" marR="0" lvl="2" indent="-220663" algn="l" defTabSz="914400" rtl="0" eaLnBrk="0" fontAlgn="base" latinLnBrk="0" hangingPunct="0">
-              <a:lnSpc>
-                <a:spcPct val="100000"/>
-              </a:lnSpc>
-              <a:spcBef>
-                <a:spcPct val="20000"/>
-              </a:spcBef>
-              <a:spcAft>
-                <a:spcPct val="0"/>
-              </a:spcAft>
-              <a:buClrTx/>
-              <a:buSzTx/>
-              <a:buFontTx/>
-              <a:buChar char="•"/>
-              <a:tabLst>
-                <a:tab pos="1255713" algn="l"/>
-              </a:tabLst>
-              <a:defRPr/>
-            </a:pPr>
-            <a:r>
-              <a:rPr kumimoji="0" lang="en-US" altLang="en-US" sz="2000" b="0" i="0" u="none" strike="noStrike" kern="0" cap="none" spc="0" normalizeH="0" baseline="0" noProof="0" dirty="0">
-                <a:ln>
-                  <a:noFill/>
-                </a:ln>
-                <a:solidFill>
-                  <a:srgbClr val="000000"/>
-                </a:solidFill>
-                <a:effectLst/>
-                <a:uLnTx/>
-                <a:uFillTx/>
-                <a:latin typeface="Courier New" panose="02070309020205020404" pitchFamily="49" charset="0"/>
-                <a:ea typeface="ＭＳ Ｐゴシック" panose="020B0600070205080204" pitchFamily="34" charset="-128"/>
-              </a:rPr>
-              <a:t>int </a:t>
-            </a:r>
-            <a:r>
-              <a:rPr kumimoji="0" lang="en-US" altLang="en-US" sz="2000" b="0" i="0" u="none" strike="noStrike" kern="0" cap="none" spc="0" normalizeH="0" baseline="0" noProof="0" dirty="0" err="1">
-                <a:ln>
-                  <a:noFill/>
-                </a:ln>
-                <a:solidFill>
-                  <a:srgbClr val="000000"/>
-                </a:solidFill>
-                <a:effectLst/>
-                <a:uLnTx/>
-                <a:uFillTx/>
-                <a:latin typeface="Courier New" panose="02070309020205020404" pitchFamily="49" charset="0"/>
-                <a:ea typeface="ＭＳ Ｐゴシック" panose="020B0600070205080204" pitchFamily="34" charset="-128"/>
-              </a:rPr>
-              <a:t>getClickCount</a:t>
-            </a:r>
-            <a:r>
-              <a:rPr kumimoji="0" lang="en-US" altLang="en-US" sz="2000" b="0" i="0" u="none" strike="noStrike" kern="0" cap="none" spc="0" normalizeH="0" baseline="0" noProof="0" dirty="0">
-                <a:ln>
-                  <a:noFill/>
-                </a:ln>
-                <a:solidFill>
-                  <a:srgbClr val="000000"/>
-                </a:solidFill>
-                <a:effectLst/>
-                <a:uLnTx/>
-                <a:uFillTx/>
-                <a:latin typeface="Courier New" panose="02070309020205020404" pitchFamily="49" charset="0"/>
-                <a:ea typeface="ＭＳ Ｐゴシック" panose="020B0600070205080204" pitchFamily="34" charset="-128"/>
-              </a:rPr>
-              <a:t>()</a:t>
-            </a:r>
-          </a:p>
-          <a:p>
-            <a:pPr marL="911225" marR="0" lvl="2" indent="-220663" algn="l" defTabSz="914400" rtl="0" eaLnBrk="0" fontAlgn="base" latinLnBrk="0" hangingPunct="0">
-              <a:lnSpc>
-                <a:spcPct val="100000"/>
-              </a:lnSpc>
-              <a:spcBef>
-                <a:spcPct val="20000"/>
-              </a:spcBef>
-              <a:spcAft>
-                <a:spcPct val="0"/>
-              </a:spcAft>
-              <a:buClrTx/>
-              <a:buSzTx/>
-              <a:buFontTx/>
-              <a:buChar char="•"/>
-              <a:tabLst>
-                <a:tab pos="1255713" algn="l"/>
-              </a:tabLst>
-              <a:defRPr/>
-            </a:pPr>
-            <a:r>
-              <a:rPr kumimoji="0" lang="en-US" altLang="en-US" sz="2000" b="0" i="0" u="none" strike="noStrike" kern="0" cap="none" spc="0" normalizeH="0" baseline="0" noProof="0" dirty="0">
-                <a:ln>
-                  <a:noFill/>
-                </a:ln>
-                <a:solidFill>
-                  <a:srgbClr val="000000"/>
-                </a:solidFill>
-                <a:effectLst/>
-                <a:uLnTx/>
-                <a:uFillTx/>
-                <a:latin typeface="Courier New" panose="02070309020205020404" pitchFamily="49" charset="0"/>
-                <a:ea typeface="ＭＳ Ｐゴシック" panose="020B0600070205080204" pitchFamily="34" charset="-128"/>
-              </a:rPr>
-              <a:t>Point </a:t>
-            </a:r>
-            <a:r>
-              <a:rPr kumimoji="0" lang="en-US" altLang="en-US" sz="2000" b="1" i="0" u="none" strike="noStrike" kern="0" cap="none" spc="0" normalizeH="0" baseline="0" noProof="0" dirty="0" err="1">
-                <a:ln>
-                  <a:noFill/>
-                </a:ln>
-                <a:solidFill>
-                  <a:srgbClr val="000000"/>
-                </a:solidFill>
-                <a:effectLst/>
-                <a:uLnTx/>
-                <a:uFillTx/>
-                <a:latin typeface="Courier New" panose="02070309020205020404" pitchFamily="49" charset="0"/>
-                <a:ea typeface="ＭＳ Ｐゴシック" panose="020B0600070205080204" pitchFamily="34" charset="-128"/>
-              </a:rPr>
-              <a:t>getPoint</a:t>
-            </a:r>
-            <a:r>
-              <a:rPr kumimoji="0" lang="en-US" altLang="en-US" sz="2000" b="0" i="0" u="none" strike="noStrike" kern="0" cap="none" spc="0" normalizeH="0" baseline="0" noProof="0" dirty="0">
-                <a:ln>
-                  <a:noFill/>
-                </a:ln>
-                <a:solidFill>
-                  <a:srgbClr val="000000"/>
-                </a:solidFill>
-                <a:effectLst/>
-                <a:uLnTx/>
-                <a:uFillTx/>
-                <a:latin typeface="Courier New" panose="02070309020205020404" pitchFamily="49" charset="0"/>
-                <a:ea typeface="ＭＳ Ｐゴシック" panose="020B0600070205080204" pitchFamily="34" charset="-128"/>
-              </a:rPr>
-              <a:t>()</a:t>
-            </a:r>
-          </a:p>
-          <a:p>
-            <a:pPr marL="911225" marR="0" lvl="2" indent="-220663" algn="l" defTabSz="914400" rtl="0" eaLnBrk="0" fontAlgn="base" latinLnBrk="0" hangingPunct="0">
-              <a:lnSpc>
-                <a:spcPct val="100000"/>
-              </a:lnSpc>
-              <a:spcBef>
-                <a:spcPct val="20000"/>
-              </a:spcBef>
-              <a:spcAft>
-                <a:spcPct val="0"/>
-              </a:spcAft>
-              <a:buClrTx/>
-              <a:buSzTx/>
-              <a:buFontTx/>
-              <a:buChar char="•"/>
-              <a:tabLst>
-                <a:tab pos="1255713" algn="l"/>
-              </a:tabLst>
-              <a:defRPr/>
-            </a:pPr>
-            <a:r>
-              <a:rPr kumimoji="0" lang="en-US" altLang="en-US" sz="2000" b="0" i="0" u="none" strike="noStrike" kern="0" cap="none" spc="0" normalizeH="0" baseline="0" noProof="0" dirty="0">
-                <a:ln>
-                  <a:noFill/>
-                </a:ln>
-                <a:solidFill>
-                  <a:srgbClr val="000000"/>
-                </a:solidFill>
-                <a:effectLst/>
-                <a:uLnTx/>
-                <a:uFillTx/>
-                <a:latin typeface="Courier New" panose="02070309020205020404" pitchFamily="49" charset="0"/>
-                <a:ea typeface="ＭＳ Ｐゴシック" panose="020B0600070205080204" pitchFamily="34" charset="-128"/>
-              </a:rPr>
-              <a:t>int </a:t>
-            </a:r>
-            <a:r>
-              <a:rPr kumimoji="0" lang="en-US" altLang="en-US" sz="2000" b="1" i="0" u="none" strike="noStrike" kern="0" cap="none" spc="0" normalizeH="0" baseline="0" noProof="0" dirty="0" err="1">
-                <a:ln>
-                  <a:noFill/>
-                </a:ln>
-                <a:solidFill>
-                  <a:srgbClr val="000000"/>
-                </a:solidFill>
-                <a:effectLst/>
-                <a:uLnTx/>
-                <a:uFillTx/>
-                <a:latin typeface="Courier New" panose="02070309020205020404" pitchFamily="49" charset="0"/>
-                <a:ea typeface="ＭＳ Ｐゴシック" panose="020B0600070205080204" pitchFamily="34" charset="-128"/>
-              </a:rPr>
-              <a:t>getX</a:t>
-            </a:r>
-            <a:r>
-              <a:rPr kumimoji="0" lang="en-US" altLang="en-US" sz="2000" b="0" i="0" u="none" strike="noStrike" kern="0" cap="none" spc="0" normalizeH="0" baseline="0" noProof="0" dirty="0">
-                <a:ln>
-                  <a:noFill/>
-                </a:ln>
-                <a:solidFill>
-                  <a:srgbClr val="000000"/>
-                </a:solidFill>
-                <a:effectLst/>
-                <a:uLnTx/>
-                <a:uFillTx/>
-                <a:latin typeface="Courier New" panose="02070309020205020404" pitchFamily="49" charset="0"/>
-                <a:ea typeface="ＭＳ Ｐゴシック" panose="020B0600070205080204" pitchFamily="34" charset="-128"/>
-              </a:rPr>
-              <a:t>(), </a:t>
-            </a:r>
-            <a:r>
-              <a:rPr kumimoji="0" lang="en-US" altLang="en-US" sz="2000" b="1" i="0" u="none" strike="noStrike" kern="0" cap="none" spc="0" normalizeH="0" baseline="0" noProof="0" dirty="0" err="1">
-                <a:ln>
-                  <a:noFill/>
-                </a:ln>
-                <a:solidFill>
-                  <a:srgbClr val="000000"/>
-                </a:solidFill>
-                <a:effectLst/>
-                <a:uLnTx/>
-                <a:uFillTx/>
-                <a:latin typeface="Courier New" panose="02070309020205020404" pitchFamily="49" charset="0"/>
-                <a:ea typeface="ＭＳ Ｐゴシック" panose="020B0600070205080204" pitchFamily="34" charset="-128"/>
-              </a:rPr>
-              <a:t>getY</a:t>
-            </a:r>
-            <a:r>
-              <a:rPr kumimoji="0" lang="en-US" altLang="en-US" sz="2000" b="0" i="0" u="none" strike="noStrike" kern="0" cap="none" spc="0" normalizeH="0" baseline="0" noProof="0" dirty="0">
-                <a:ln>
-                  <a:noFill/>
-                </a:ln>
-                <a:solidFill>
-                  <a:srgbClr val="000000"/>
-                </a:solidFill>
-                <a:effectLst/>
-                <a:uLnTx/>
-                <a:uFillTx/>
-                <a:latin typeface="Courier New" panose="02070309020205020404" pitchFamily="49" charset="0"/>
-                <a:ea typeface="ＭＳ Ｐゴシック" panose="020B0600070205080204" pitchFamily="34" charset="-128"/>
-              </a:rPr>
-              <a:t>()</a:t>
-            </a:r>
-          </a:p>
-          <a:p>
-            <a:pPr marL="911225" marR="0" lvl="2" indent="-220663" algn="l" defTabSz="914400" rtl="0" eaLnBrk="0" fontAlgn="base" latinLnBrk="0" hangingPunct="0">
-              <a:lnSpc>
-                <a:spcPct val="100000"/>
-              </a:lnSpc>
-              <a:spcBef>
-                <a:spcPct val="20000"/>
-              </a:spcBef>
-              <a:spcAft>
-                <a:spcPct val="0"/>
-              </a:spcAft>
-              <a:buClrTx/>
-              <a:buSzTx/>
-              <a:buFontTx/>
-              <a:buChar char="•"/>
-              <a:tabLst>
-                <a:tab pos="1255713" algn="l"/>
-              </a:tabLst>
-              <a:defRPr/>
-            </a:pPr>
-            <a:r>
-              <a:rPr kumimoji="0" lang="en-US" altLang="en-US" sz="2000" b="0" i="0" u="none" strike="noStrike" kern="0" cap="none" spc="0" normalizeH="0" baseline="0" noProof="0" dirty="0">
-                <a:ln>
-                  <a:noFill/>
-                </a:ln>
-                <a:solidFill>
-                  <a:srgbClr val="000000"/>
-                </a:solidFill>
-                <a:effectLst/>
-                <a:uLnTx/>
-                <a:uFillTx/>
-                <a:latin typeface="Courier New" panose="02070309020205020404" pitchFamily="49" charset="0"/>
-                <a:ea typeface="ＭＳ Ｐゴシック" panose="020B0600070205080204" pitchFamily="34" charset="-128"/>
-              </a:rPr>
-              <a:t>Object </a:t>
-            </a:r>
-            <a:r>
-              <a:rPr kumimoji="0" lang="en-US" altLang="en-US" sz="2000" b="1" i="0" u="none" strike="noStrike" kern="0" cap="none" spc="0" normalizeH="0" baseline="0" noProof="0" dirty="0" err="1">
-                <a:ln>
-                  <a:noFill/>
-                </a:ln>
-                <a:solidFill>
-                  <a:srgbClr val="000000"/>
-                </a:solidFill>
-                <a:effectLst/>
-                <a:uLnTx/>
-                <a:uFillTx/>
-                <a:latin typeface="Courier New" panose="02070309020205020404" pitchFamily="49" charset="0"/>
-                <a:ea typeface="ＭＳ Ｐゴシック" panose="020B0600070205080204" pitchFamily="34" charset="-128"/>
-              </a:rPr>
-              <a:t>getSource</a:t>
-            </a:r>
-            <a:r>
-              <a:rPr kumimoji="0" lang="en-US" altLang="en-US" sz="2000" b="0" i="0" u="none" strike="noStrike" kern="0" cap="none" spc="0" normalizeH="0" baseline="0" noProof="0" dirty="0">
-                <a:ln>
-                  <a:noFill/>
-                </a:ln>
-                <a:solidFill>
-                  <a:srgbClr val="000000"/>
-                </a:solidFill>
-                <a:effectLst/>
-                <a:uLnTx/>
-                <a:uFillTx/>
-                <a:latin typeface="Courier New" panose="02070309020205020404" pitchFamily="49" charset="0"/>
-                <a:ea typeface="ＭＳ Ｐゴシック" panose="020B0600070205080204" pitchFamily="34" charset="-128"/>
-              </a:rPr>
-              <a:t>()</a:t>
-            </a:r>
-          </a:p>
-          <a:p>
-            <a:pPr marL="911225" marR="0" lvl="2" indent="-220663" algn="l" defTabSz="914400" rtl="0" eaLnBrk="0" fontAlgn="base" latinLnBrk="0" hangingPunct="0">
-              <a:lnSpc>
-                <a:spcPct val="100000"/>
-              </a:lnSpc>
-              <a:spcBef>
-                <a:spcPct val="20000"/>
-              </a:spcBef>
-              <a:spcAft>
-                <a:spcPct val="0"/>
-              </a:spcAft>
-              <a:buClrTx/>
-              <a:buSzTx/>
-              <a:buFontTx/>
-              <a:buChar char="•"/>
-              <a:tabLst>
-                <a:tab pos="1255713" algn="l"/>
-              </a:tabLst>
-              <a:defRPr/>
-            </a:pPr>
-            <a:r>
-              <a:rPr kumimoji="0" lang="en-US" altLang="en-US" sz="2000" b="0" i="0" u="none" strike="noStrike" kern="0" cap="none" spc="0" normalizeH="0" baseline="0" noProof="0" dirty="0">
-                <a:ln>
-                  <a:noFill/>
-                </a:ln>
-                <a:solidFill>
-                  <a:srgbClr val="000000"/>
-                </a:solidFill>
-                <a:effectLst/>
-                <a:uLnTx/>
-                <a:uFillTx/>
-                <a:latin typeface="Courier New" panose="02070309020205020404" pitchFamily="49" charset="0"/>
-                <a:ea typeface="ＭＳ Ｐゴシック" panose="020B0600070205080204" pitchFamily="34" charset="-128"/>
-              </a:rPr>
-              <a:t>int </a:t>
-            </a:r>
-            <a:r>
-              <a:rPr kumimoji="0" lang="en-US" altLang="en-US" sz="2000" b="1" i="0" u="none" strike="noStrike" kern="0" cap="none" spc="0" normalizeH="0" baseline="0" noProof="0" dirty="0" err="1">
-                <a:ln>
-                  <a:noFill/>
-                </a:ln>
-                <a:solidFill>
-                  <a:srgbClr val="000000"/>
-                </a:solidFill>
-                <a:effectLst/>
-                <a:uLnTx/>
-                <a:uFillTx/>
-                <a:latin typeface="Courier New" panose="02070309020205020404" pitchFamily="49" charset="0"/>
-                <a:ea typeface="ＭＳ Ｐゴシック" panose="020B0600070205080204" pitchFamily="34" charset="-128"/>
-              </a:rPr>
-              <a:t>getModifiers</a:t>
-            </a:r>
-            <a:r>
-              <a:rPr kumimoji="0" lang="en-US" altLang="en-US" sz="2000" b="0" i="0" u="none" strike="noStrike" kern="0" cap="none" spc="0" normalizeH="0" baseline="0" noProof="0" dirty="0">
-                <a:ln>
-                  <a:noFill/>
-                </a:ln>
-                <a:solidFill>
-                  <a:srgbClr val="000000"/>
-                </a:solidFill>
-                <a:effectLst/>
-                <a:uLnTx/>
-                <a:uFillTx/>
-                <a:latin typeface="Courier New" panose="02070309020205020404" pitchFamily="49" charset="0"/>
-                <a:ea typeface="ＭＳ Ｐゴシック" panose="020B0600070205080204" pitchFamily="34" charset="-128"/>
-              </a:rPr>
-              <a:t>()  // use masks with this</a:t>
-            </a:r>
+              <a:rPr lang="en-US" altLang="en-US" dirty="0">
+                <a:solidFill>
+                  <a:schemeClr val="accent2"/>
+                </a:solidFill>
+                <a:latin typeface="Trebuchet MS" panose="020B0603020202020204" pitchFamily="34" charset="0"/>
+              </a:rPr>
+              <a:t> </a:t>
+            </a:r>
+            <a:endParaRPr lang="en-US" altLang="en-US" dirty="0"/>
           </a:p>
         </p:txBody>
       </p:sp>
@@ -4368,10 +3730,366 @@
           </a:p>
         </p:txBody>
       </p:sp>
+      <p:sp>
+        <p:nvSpPr>
+          <p:cNvPr id="22" name="Rectangle 3">
+            <a:extLst>
+              <a:ext uri="{FF2B5EF4-FFF2-40B4-BE49-F238E27FC236}">
+                <a16:creationId xmlns="" xmlns:a16="http://schemas.microsoft.com/office/drawing/2014/main" id="{AB36828C-2C98-4574-A336-5DA0EFEDDCA5}"/>
+              </a:ext>
+            </a:extLst>
+          </p:cNvPr>
+          <p:cNvSpPr txBox="1">
+            <a:spLocks noChangeArrowheads="1"/>
+          </p:cNvSpPr>
+          <p:nvPr/>
+        </p:nvSpPr>
+        <p:spPr>
+          <a:xfrm>
+            <a:off x="2209800" y="1346199"/>
+            <a:ext cx="7772400" cy="4343400"/>
+          </a:xfrm>
+          <a:prstGeom prst="rect">
+            <a:avLst/>
+          </a:prstGeom>
+        </p:spPr>
+        <p:txBody>
+          <a:bodyPr vert="horz" lIns="91440" tIns="45720" rIns="91440" bIns="45720" rtlCol="0">
+            <a:normAutofit/>
+          </a:bodyPr>
+          <a:lstStyle>
+            <a:lvl1pPr marL="228600" indent="-228600" algn="l" defTabSz="914400" rtl="0" eaLnBrk="1" latinLnBrk="0" hangingPunct="1">
+              <a:lnSpc>
+                <a:spcPct val="90000"/>
+              </a:lnSpc>
+              <a:spcBef>
+                <a:spcPts val="1000"/>
+              </a:spcBef>
+              <a:buFont typeface="Arial" panose="020B0604020202020204" pitchFamily="34" charset="0"/>
+              <a:buChar char="•"/>
+              <a:defRPr sz="2800" kern="1200">
+                <a:solidFill>
+                  <a:schemeClr val="tx1"/>
+                </a:solidFill>
+                <a:latin typeface="+mn-lt"/>
+                <a:ea typeface="+mn-ea"/>
+                <a:cs typeface="+mn-cs"/>
+              </a:defRPr>
+            </a:lvl1pPr>
+            <a:lvl2pPr marL="685800" indent="-228600" algn="l" defTabSz="914400" rtl="0" eaLnBrk="1" latinLnBrk="0" hangingPunct="1">
+              <a:lnSpc>
+                <a:spcPct val="90000"/>
+              </a:lnSpc>
+              <a:spcBef>
+                <a:spcPts val="500"/>
+              </a:spcBef>
+              <a:buFont typeface="Arial" panose="020B0604020202020204" pitchFamily="34" charset="0"/>
+              <a:buChar char="•"/>
+              <a:defRPr sz="2400" kern="1200">
+                <a:solidFill>
+                  <a:schemeClr val="tx1"/>
+                </a:solidFill>
+                <a:latin typeface="+mn-lt"/>
+                <a:ea typeface="+mn-ea"/>
+                <a:cs typeface="+mn-cs"/>
+              </a:defRPr>
+            </a:lvl2pPr>
+            <a:lvl3pPr marL="1143000" indent="-228600" algn="l" defTabSz="914400" rtl="0" eaLnBrk="1" latinLnBrk="0" hangingPunct="1">
+              <a:lnSpc>
+                <a:spcPct val="90000"/>
+              </a:lnSpc>
+              <a:spcBef>
+                <a:spcPts val="500"/>
+              </a:spcBef>
+              <a:buFont typeface="Arial" panose="020B0604020202020204" pitchFamily="34" charset="0"/>
+              <a:buChar char="•"/>
+              <a:defRPr sz="2000" kern="1200">
+                <a:solidFill>
+                  <a:schemeClr val="tx1"/>
+                </a:solidFill>
+                <a:latin typeface="+mn-lt"/>
+                <a:ea typeface="+mn-ea"/>
+                <a:cs typeface="+mn-cs"/>
+              </a:defRPr>
+            </a:lvl3pPr>
+            <a:lvl4pPr marL="1600200" indent="-228600" algn="l" defTabSz="914400" rtl="0" eaLnBrk="1" latinLnBrk="0" hangingPunct="1">
+              <a:lnSpc>
+                <a:spcPct val="90000"/>
+              </a:lnSpc>
+              <a:spcBef>
+                <a:spcPts val="500"/>
+              </a:spcBef>
+              <a:buFont typeface="Arial" panose="020B0604020202020204" pitchFamily="34" charset="0"/>
+              <a:buChar char="•"/>
+              <a:defRPr sz="1800" kern="1200">
+                <a:solidFill>
+                  <a:schemeClr val="tx1"/>
+                </a:solidFill>
+                <a:latin typeface="+mn-lt"/>
+                <a:ea typeface="+mn-ea"/>
+                <a:cs typeface="+mn-cs"/>
+              </a:defRPr>
+            </a:lvl4pPr>
+            <a:lvl5pPr marL="2057400" indent="-228600" algn="l" defTabSz="914400" rtl="0" eaLnBrk="1" latinLnBrk="0" hangingPunct="1">
+              <a:lnSpc>
+                <a:spcPct val="90000"/>
+              </a:lnSpc>
+              <a:spcBef>
+                <a:spcPts val="500"/>
+              </a:spcBef>
+              <a:buFont typeface="Arial" panose="020B0604020202020204" pitchFamily="34" charset="0"/>
+              <a:buChar char="•"/>
+              <a:defRPr sz="1800" kern="1200">
+                <a:solidFill>
+                  <a:schemeClr val="tx1"/>
+                </a:solidFill>
+                <a:latin typeface="+mn-lt"/>
+                <a:ea typeface="+mn-ea"/>
+                <a:cs typeface="+mn-cs"/>
+              </a:defRPr>
+            </a:lvl5pPr>
+            <a:lvl6pPr marL="2514600" indent="-228600" algn="l" defTabSz="914400" rtl="0" eaLnBrk="1" latinLnBrk="0" hangingPunct="1">
+              <a:lnSpc>
+                <a:spcPct val="90000"/>
+              </a:lnSpc>
+              <a:spcBef>
+                <a:spcPts val="500"/>
+              </a:spcBef>
+              <a:buFont typeface="Arial" panose="020B0604020202020204" pitchFamily="34" charset="0"/>
+              <a:buChar char="•"/>
+              <a:defRPr sz="1800" kern="1200">
+                <a:solidFill>
+                  <a:schemeClr val="tx1"/>
+                </a:solidFill>
+                <a:latin typeface="+mn-lt"/>
+                <a:ea typeface="+mn-ea"/>
+                <a:cs typeface="+mn-cs"/>
+              </a:defRPr>
+            </a:lvl6pPr>
+            <a:lvl7pPr marL="2971800" indent="-228600" algn="l" defTabSz="914400" rtl="0" eaLnBrk="1" latinLnBrk="0" hangingPunct="1">
+              <a:lnSpc>
+                <a:spcPct val="90000"/>
+              </a:lnSpc>
+              <a:spcBef>
+                <a:spcPts val="500"/>
+              </a:spcBef>
+              <a:buFont typeface="Arial" panose="020B0604020202020204" pitchFamily="34" charset="0"/>
+              <a:buChar char="•"/>
+              <a:defRPr sz="1800" kern="1200">
+                <a:solidFill>
+                  <a:schemeClr val="tx1"/>
+                </a:solidFill>
+                <a:latin typeface="+mn-lt"/>
+                <a:ea typeface="+mn-ea"/>
+                <a:cs typeface="+mn-cs"/>
+              </a:defRPr>
+            </a:lvl7pPr>
+            <a:lvl8pPr marL="3429000" indent="-228600" algn="l" defTabSz="914400" rtl="0" eaLnBrk="1" latinLnBrk="0" hangingPunct="1">
+              <a:lnSpc>
+                <a:spcPct val="90000"/>
+              </a:lnSpc>
+              <a:spcBef>
+                <a:spcPts val="500"/>
+              </a:spcBef>
+              <a:buFont typeface="Arial" panose="020B0604020202020204" pitchFamily="34" charset="0"/>
+              <a:buChar char="•"/>
+              <a:defRPr sz="1800" kern="1200">
+                <a:solidFill>
+                  <a:schemeClr val="tx1"/>
+                </a:solidFill>
+                <a:latin typeface="+mn-lt"/>
+                <a:ea typeface="+mn-ea"/>
+                <a:cs typeface="+mn-cs"/>
+              </a:defRPr>
+            </a:lvl8pPr>
+            <a:lvl9pPr marL="3886200" indent="-228600" algn="l" defTabSz="914400" rtl="0" eaLnBrk="1" latinLnBrk="0" hangingPunct="1">
+              <a:lnSpc>
+                <a:spcPct val="90000"/>
+              </a:lnSpc>
+              <a:spcBef>
+                <a:spcPts val="500"/>
+              </a:spcBef>
+              <a:buFont typeface="Arial" panose="020B0604020202020204" pitchFamily="34" charset="0"/>
+              <a:buChar char="•"/>
+              <a:defRPr sz="1800" kern="1200">
+                <a:solidFill>
+                  <a:schemeClr val="tx1"/>
+                </a:solidFill>
+                <a:latin typeface="+mn-lt"/>
+                <a:ea typeface="+mn-ea"/>
+                <a:cs typeface="+mn-cs"/>
+              </a:defRPr>
+            </a:lvl9pPr>
+          </a:lstStyle>
+          <a:p>
+            <a:pPr>
+              <a:buFontTx/>
+              <a:buNone/>
+            </a:pPr>
+            <a:r>
+              <a:rPr lang="en-US" altLang="en-US" sz="1800">
+                <a:latin typeface="Courier New" panose="02070309020205020404" pitchFamily="49" charset="0"/>
+              </a:rPr>
+              <a:t>public class MyMouseAdapter </a:t>
+            </a:r>
+            <a:r>
+              <a:rPr lang="en-US" altLang="en-US" sz="1800" b="1">
+                <a:latin typeface="Courier New" panose="02070309020205020404" pitchFamily="49" charset="0"/>
+              </a:rPr>
+              <a:t>extends MouseAdapter</a:t>
+            </a:r>
+            <a:r>
+              <a:rPr lang="en-US" altLang="en-US" sz="1800">
+                <a:latin typeface="Courier New" panose="02070309020205020404" pitchFamily="49" charset="0"/>
+              </a:rPr>
+              <a:t> {</a:t>
+            </a:r>
+          </a:p>
+          <a:p>
+            <a:pPr>
+              <a:buFontTx/>
+              <a:buNone/>
+            </a:pPr>
+            <a:r>
+              <a:rPr lang="en-US" altLang="en-US" sz="1800">
+                <a:latin typeface="Courier New" panose="02070309020205020404" pitchFamily="49" charset="0"/>
+              </a:rPr>
+              <a:t>  public void mousePressed(MouseEvent event) {</a:t>
+            </a:r>
+          </a:p>
+          <a:p>
+            <a:pPr>
+              <a:buFontTx/>
+              <a:buNone/>
+            </a:pPr>
+            <a:r>
+              <a:rPr lang="en-US" altLang="en-US" sz="1800">
+                <a:latin typeface="Courier New" panose="02070309020205020404" pitchFamily="49" charset="0"/>
+              </a:rPr>
+              <a:t>    Point p = event.</a:t>
+            </a:r>
+            <a:r>
+              <a:rPr lang="en-US" altLang="en-US" sz="1800" b="1">
+                <a:latin typeface="Courier New" panose="02070309020205020404" pitchFamily="49" charset="0"/>
+              </a:rPr>
+              <a:t>getPoint</a:t>
+            </a:r>
+            <a:r>
+              <a:rPr lang="en-US" altLang="en-US" sz="1800">
+                <a:latin typeface="Courier New" panose="02070309020205020404" pitchFamily="49" charset="0"/>
+              </a:rPr>
+              <a:t>();</a:t>
+            </a:r>
+          </a:p>
+          <a:p>
+            <a:pPr>
+              <a:buFontTx/>
+              <a:buNone/>
+            </a:pPr>
+            <a:r>
+              <a:rPr lang="en-US" altLang="en-US" sz="1800">
+                <a:latin typeface="Courier New" panose="02070309020205020404" pitchFamily="49" charset="0"/>
+              </a:rPr>
+              <a:t>    Object source = event.</a:t>
+            </a:r>
+            <a:r>
+              <a:rPr lang="en-US" altLang="en-US" sz="1800" b="1">
+                <a:latin typeface="Courier New" panose="02070309020205020404" pitchFamily="49" charset="0"/>
+              </a:rPr>
+              <a:t>getSource</a:t>
+            </a:r>
+            <a:r>
+              <a:rPr lang="en-US" altLang="en-US" sz="1800">
+                <a:latin typeface="Courier New" panose="02070309020205020404" pitchFamily="49" charset="0"/>
+              </a:rPr>
+              <a:t>();</a:t>
+            </a:r>
+          </a:p>
+          <a:p>
+            <a:pPr>
+              <a:buFontTx/>
+              <a:buNone/>
+            </a:pPr>
+            <a:r>
+              <a:rPr lang="en-US" altLang="en-US" sz="1800">
+                <a:latin typeface="Courier New" panose="02070309020205020404" pitchFamily="49" charset="0"/>
+              </a:rPr>
+              <a:t>    if (source == myPanel  &amp;&amp;  p.getX() &lt; 10) {</a:t>
+            </a:r>
+          </a:p>
+          <a:p>
+            <a:pPr>
+              <a:buFontTx/>
+              <a:buNone/>
+            </a:pPr>
+            <a:r>
+              <a:rPr lang="en-US" altLang="en-US" sz="1800">
+                <a:latin typeface="Courier New" panose="02070309020205020404" pitchFamily="49" charset="0"/>
+              </a:rPr>
+              <a:t>      JOptionPane.showMessageDialog(null, </a:t>
+            </a:r>
+          </a:p>
+          <a:p>
+            <a:pPr>
+              <a:buFontTx/>
+              <a:buNone/>
+            </a:pPr>
+            <a:r>
+              <a:rPr lang="en-US" altLang="en-US" sz="1800">
+                <a:latin typeface="Courier New" panose="02070309020205020404" pitchFamily="49" charset="0"/>
+              </a:rPr>
+              <a:t>        “You clicked the left side of myPanel!”);</a:t>
+            </a:r>
+          </a:p>
+          <a:p>
+            <a:pPr>
+              <a:buFontTx/>
+              <a:buNone/>
+            </a:pPr>
+            <a:r>
+              <a:rPr lang="en-US" altLang="en-US" sz="1800">
+                <a:latin typeface="Courier New" panose="02070309020205020404" pitchFamily="49" charset="0"/>
+              </a:rPr>
+              <a:t>    }</a:t>
+            </a:r>
+          </a:p>
+          <a:p>
+            <a:pPr>
+              <a:buFontTx/>
+              <a:buNone/>
+            </a:pPr>
+            <a:r>
+              <a:rPr lang="en-US" altLang="en-US" sz="1800">
+                <a:latin typeface="Courier New" panose="02070309020205020404" pitchFamily="49" charset="0"/>
+              </a:rPr>
+              <a:t>  }</a:t>
+            </a:r>
+          </a:p>
+          <a:p>
+            <a:pPr>
+              <a:buFontTx/>
+              <a:buNone/>
+            </a:pPr>
+            <a:r>
+              <a:rPr lang="en-US" altLang="en-US" sz="1800">
+                <a:latin typeface="Courier New" panose="02070309020205020404" pitchFamily="49" charset="0"/>
+              </a:rPr>
+              <a:t>}</a:t>
+            </a:r>
+          </a:p>
+          <a:p>
+            <a:pPr>
+              <a:buFontTx/>
+              <a:buNone/>
+            </a:pPr>
+            <a:endParaRPr lang="en-US" altLang="en-US" sz="3200" dirty="0"/>
+          </a:p>
+        </p:txBody>
+      </p:sp>
     </p:spTree>
     <p:extLst>
       <p:ext uri="{BB962C8B-B14F-4D97-AF65-F5344CB8AC3E}">
-        <p14:creationId xmlns:p14="http://schemas.microsoft.com/office/powerpoint/2010/main" xmlns="" val="3830296394"/>
+        <p14:creationId xmlns="" xmlns:p14="http://schemas.microsoft.com/office/powerpoint/2010/main" val="1148352933"/>
       </p:ext>
     </p:extLst>
   </p:cSld>
@@ -4408,24 +4126,29 @@
             <p:ph type="title"/>
           </p:nvPr>
         </p:nvSpPr>
-        <p:spPr/>
+        <p:spPr>
+          <a:xfrm>
+            <a:off x="0" y="-157162"/>
+            <a:ext cx="11156474" cy="1325563"/>
+          </a:xfrm>
+        </p:spPr>
         <p:txBody>
           <a:bodyPr/>
           <a:lstStyle/>
           <a:p>
             <a:r>
-              <a:rPr lang="en-US" altLang="en-US" dirty="0"/>
-              <a:t>Example </a:t>
-            </a:r>
-            <a:r>
-              <a:rPr lang="en-US" altLang="en-US" dirty="0" err="1">
-                <a:latin typeface="Courier New" panose="02070309020205020404" pitchFamily="49" charset="0"/>
-              </a:rPr>
-              <a:t>MouseEvent</a:t>
-            </a:r>
-            <a:r>
-              <a:rPr lang="en-US" altLang="en-US" dirty="0"/>
-              <a:t> Usage</a:t>
+              <a:rPr lang="en-US" altLang="en-US" sz="4400" dirty="0"/>
+              <a:t>Listening to Movement:</a:t>
+            </a:r>
+            <a:r>
+              <a:rPr lang="en-US" altLang="en-US" sz="4800" dirty="0"/>
+              <a:t> </a:t>
+            </a:r>
+            <a:r>
+              <a:rPr lang="en-US" altLang="en-US" sz="3600" dirty="0" err="1">
+                <a:latin typeface="Courier New" panose="02070309020205020404" pitchFamily="49" charset="0"/>
+              </a:rPr>
+              <a:t>MouseMotionListener</a:t>
             </a:r>
             <a:endParaRPr lang="en-CA" dirty="0"/>
           </a:p>
@@ -4453,19 +4176,583 @@
           </a:bodyPr>
           <a:lstStyle/>
           <a:p>
+            <a:pPr marL="230188" marR="0" lvl="0" indent="-230188" algn="l" defTabSz="914400" rtl="0" eaLnBrk="0" fontAlgn="base" latinLnBrk="0" hangingPunct="0">
+              <a:lnSpc>
+                <a:spcPct val="100000"/>
+              </a:lnSpc>
+              <a:spcBef>
+                <a:spcPct val="20000"/>
+              </a:spcBef>
+              <a:spcAft>
+                <a:spcPct val="0"/>
+              </a:spcAft>
+              <a:buClrTx/>
+              <a:buSzTx/>
+              <a:buFontTx/>
+              <a:buNone/>
+              <a:tabLst>
+                <a:tab pos="1255713" algn="l"/>
+              </a:tabLst>
+              <a:defRPr/>
+            </a:pPr>
+            <a:r>
+              <a:rPr kumimoji="0" lang="en-US" altLang="en-US" sz="2000" b="0" i="0" u="none" strike="noStrike" kern="0" cap="none" spc="0" normalizeH="0" baseline="0" noProof="0" dirty="0">
+                <a:ln>
+                  <a:noFill/>
+                </a:ln>
+                <a:solidFill>
+                  <a:srgbClr val="000000"/>
+                </a:solidFill>
+                <a:effectLst/>
+                <a:uLnTx/>
+                <a:uFillTx/>
+                <a:latin typeface="Courier New" panose="02070309020205020404" pitchFamily="49" charset="0"/>
+                <a:ea typeface="ＭＳ Ｐゴシック" panose="020B0600070205080204" pitchFamily="34" charset="-128"/>
+                <a:cs typeface="+mn-cs"/>
+              </a:rPr>
+              <a:t>package </a:t>
+            </a:r>
+            <a:r>
+              <a:rPr kumimoji="0" lang="en-US" altLang="en-US" sz="2000" b="0" i="0" u="none" strike="noStrike" kern="0" cap="none" spc="0" normalizeH="0" baseline="0" noProof="0" dirty="0" err="1">
+                <a:ln>
+                  <a:noFill/>
+                </a:ln>
+                <a:solidFill>
+                  <a:srgbClr val="000000"/>
+                </a:solidFill>
+                <a:effectLst/>
+                <a:uLnTx/>
+                <a:uFillTx/>
+                <a:latin typeface="Courier New" panose="02070309020205020404" pitchFamily="49" charset="0"/>
+                <a:ea typeface="ＭＳ Ｐゴシック" panose="020B0600070205080204" pitchFamily="34" charset="-128"/>
+                <a:cs typeface="+mn-cs"/>
+              </a:rPr>
+              <a:t>java.awt.event</a:t>
+            </a:r>
+            <a:r>
+              <a:rPr kumimoji="0" lang="en-US" altLang="en-US" sz="2000" b="0" i="0" u="none" strike="noStrike" kern="0" cap="none" spc="0" normalizeH="0" baseline="0" noProof="0" dirty="0">
+                <a:ln>
+                  <a:noFill/>
+                </a:ln>
+                <a:solidFill>
+                  <a:srgbClr val="000000"/>
+                </a:solidFill>
+                <a:effectLst/>
+                <a:uLnTx/>
+                <a:uFillTx/>
+                <a:latin typeface="Courier New" panose="02070309020205020404" pitchFamily="49" charset="0"/>
+                <a:ea typeface="ＭＳ Ｐゴシック" panose="020B0600070205080204" pitchFamily="34" charset="-128"/>
+                <a:cs typeface="+mn-cs"/>
+              </a:rPr>
+              <a:t>;</a:t>
+            </a:r>
+          </a:p>
+          <a:p>
+            <a:pPr marL="230188" marR="0" lvl="0" indent="-230188" algn="l" defTabSz="914400" rtl="0" eaLnBrk="0" fontAlgn="base" latinLnBrk="0" hangingPunct="0">
+              <a:lnSpc>
+                <a:spcPct val="100000"/>
+              </a:lnSpc>
+              <a:spcBef>
+                <a:spcPct val="20000"/>
+              </a:spcBef>
+              <a:spcAft>
+                <a:spcPct val="0"/>
+              </a:spcAft>
+              <a:buClrTx/>
+              <a:buSzTx/>
+              <a:buFontTx/>
+              <a:buNone/>
+              <a:tabLst>
+                <a:tab pos="1255713" algn="l"/>
+              </a:tabLst>
+              <a:defRPr/>
+            </a:pPr>
+            <a:endParaRPr kumimoji="0" lang="en-US" altLang="en-US" sz="2000" b="0" i="0" u="none" strike="noStrike" kern="0" cap="none" spc="0" normalizeH="0" baseline="0" noProof="0" dirty="0">
+              <a:ln>
+                <a:noFill/>
+              </a:ln>
+              <a:solidFill>
+                <a:srgbClr val="000000"/>
+              </a:solidFill>
+              <a:effectLst/>
+              <a:uLnTx/>
+              <a:uFillTx/>
+              <a:latin typeface="Courier New" panose="02070309020205020404" pitchFamily="49" charset="0"/>
+              <a:ea typeface="ＭＳ Ｐゴシック" panose="020B0600070205080204" pitchFamily="34" charset="-128"/>
+              <a:cs typeface="+mn-cs"/>
+            </a:endParaRPr>
+          </a:p>
+          <a:p>
+            <a:pPr marL="230188" marR="0" lvl="0" indent="-230188" algn="l" defTabSz="914400" rtl="0" eaLnBrk="0" fontAlgn="base" latinLnBrk="0" hangingPunct="0">
+              <a:lnSpc>
+                <a:spcPct val="100000"/>
+              </a:lnSpc>
+              <a:spcBef>
+                <a:spcPct val="20000"/>
+              </a:spcBef>
+              <a:spcAft>
+                <a:spcPct val="0"/>
+              </a:spcAft>
+              <a:buClrTx/>
+              <a:buSzTx/>
+              <a:buFontTx/>
+              <a:buNone/>
+              <a:tabLst>
+                <a:tab pos="1255713" algn="l"/>
+              </a:tabLst>
+              <a:defRPr/>
+            </a:pPr>
+            <a:r>
+              <a:rPr kumimoji="0" lang="en-US" altLang="en-US" sz="2000" b="0" i="0" u="none" strike="noStrike" kern="0" cap="none" spc="0" normalizeH="0" baseline="0" noProof="0" dirty="0">
+                <a:ln>
+                  <a:noFill/>
+                </a:ln>
+                <a:solidFill>
+                  <a:srgbClr val="000000"/>
+                </a:solidFill>
+                <a:effectLst/>
+                <a:uLnTx/>
+                <a:uFillTx/>
+                <a:latin typeface="Courier New" panose="02070309020205020404" pitchFamily="49" charset="0"/>
+                <a:ea typeface="ＭＳ Ｐゴシック" panose="020B0600070205080204" pitchFamily="34" charset="-128"/>
+                <a:cs typeface="+mn-cs"/>
+              </a:rPr>
+              <a:t>public interface </a:t>
+            </a:r>
+            <a:r>
+              <a:rPr kumimoji="0" lang="en-US" altLang="en-US" sz="2000" b="1" i="0" u="none" strike="noStrike" kern="0" cap="none" spc="0" normalizeH="0" baseline="0" noProof="0" dirty="0" err="1">
+                <a:ln>
+                  <a:noFill/>
+                </a:ln>
+                <a:solidFill>
+                  <a:srgbClr val="000000"/>
+                </a:solidFill>
+                <a:effectLst/>
+                <a:uLnTx/>
+                <a:uFillTx/>
+                <a:latin typeface="Courier New" panose="02070309020205020404" pitchFamily="49" charset="0"/>
+                <a:ea typeface="ＭＳ Ｐゴシック" panose="020B0600070205080204" pitchFamily="34" charset="-128"/>
+                <a:cs typeface="+mn-cs"/>
+              </a:rPr>
+              <a:t>MouseMotionListener</a:t>
+            </a:r>
+            <a:r>
+              <a:rPr kumimoji="0" lang="en-US" altLang="en-US" sz="2000" b="0" i="0" u="none" strike="noStrike" kern="0" cap="none" spc="0" normalizeH="0" baseline="0" noProof="0" dirty="0">
+                <a:ln>
+                  <a:noFill/>
+                </a:ln>
+                <a:solidFill>
+                  <a:srgbClr val="000000"/>
+                </a:solidFill>
+                <a:effectLst/>
+                <a:uLnTx/>
+                <a:uFillTx/>
+                <a:latin typeface="Courier New" panose="02070309020205020404" pitchFamily="49" charset="0"/>
+                <a:ea typeface="ＭＳ Ｐゴシック" panose="020B0600070205080204" pitchFamily="34" charset="-128"/>
+                <a:cs typeface="+mn-cs"/>
+              </a:rPr>
+              <a:t> {</a:t>
+            </a:r>
+          </a:p>
+          <a:p>
+            <a:pPr marL="230188" marR="0" lvl="0" indent="-230188" algn="l" defTabSz="914400" rtl="0" eaLnBrk="0" fontAlgn="base" latinLnBrk="0" hangingPunct="0">
+              <a:lnSpc>
+                <a:spcPct val="100000"/>
+              </a:lnSpc>
+              <a:spcBef>
+                <a:spcPct val="20000"/>
+              </a:spcBef>
+              <a:spcAft>
+                <a:spcPct val="0"/>
+              </a:spcAft>
+              <a:buClrTx/>
+              <a:buSzTx/>
+              <a:buFontTx/>
+              <a:buNone/>
+              <a:tabLst>
+                <a:tab pos="1255713" algn="l"/>
+              </a:tabLst>
+              <a:defRPr/>
+            </a:pPr>
+            <a:r>
+              <a:rPr kumimoji="0" lang="en-US" altLang="en-US" sz="2000" b="0" i="0" u="none" strike="noStrike" kern="0" cap="none" spc="0" normalizeH="0" baseline="0" noProof="0" dirty="0">
+                <a:ln>
+                  <a:noFill/>
+                </a:ln>
+                <a:solidFill>
+                  <a:srgbClr val="000000"/>
+                </a:solidFill>
+                <a:effectLst/>
+                <a:uLnTx/>
+                <a:uFillTx/>
+                <a:latin typeface="Courier New" panose="02070309020205020404" pitchFamily="49" charset="0"/>
+                <a:ea typeface="ＭＳ Ｐゴシック" panose="020B0600070205080204" pitchFamily="34" charset="-128"/>
+                <a:cs typeface="+mn-cs"/>
+              </a:rPr>
+              <a:t>  public void </a:t>
+            </a:r>
+            <a:r>
+              <a:rPr kumimoji="0" lang="en-US" altLang="en-US" sz="2000" b="1" i="0" u="none" strike="noStrike" kern="0" cap="none" spc="0" normalizeH="0" baseline="0" noProof="0" dirty="0" err="1">
+                <a:ln>
+                  <a:noFill/>
+                </a:ln>
+                <a:solidFill>
+                  <a:srgbClr val="000000"/>
+                </a:solidFill>
+                <a:effectLst/>
+                <a:uLnTx/>
+                <a:uFillTx/>
+                <a:latin typeface="Courier New" panose="02070309020205020404" pitchFamily="49" charset="0"/>
+                <a:ea typeface="ＭＳ Ｐゴシック" panose="020B0600070205080204" pitchFamily="34" charset="-128"/>
+                <a:cs typeface="+mn-cs"/>
+              </a:rPr>
+              <a:t>mouseDragged</a:t>
+            </a:r>
+            <a:r>
+              <a:rPr kumimoji="0" lang="en-US" altLang="en-US" sz="2000" b="0" i="0" u="none" strike="noStrike" kern="0" cap="none" spc="0" normalizeH="0" baseline="0" noProof="0" dirty="0">
+                <a:ln>
+                  <a:noFill/>
+                </a:ln>
+                <a:solidFill>
+                  <a:srgbClr val="000000"/>
+                </a:solidFill>
+                <a:effectLst/>
+                <a:uLnTx/>
+                <a:uFillTx/>
+                <a:latin typeface="Courier New" panose="02070309020205020404" pitchFamily="49" charset="0"/>
+                <a:ea typeface="ＭＳ Ｐゴシック" panose="020B0600070205080204" pitchFamily="34" charset="-128"/>
+                <a:cs typeface="+mn-cs"/>
+              </a:rPr>
+              <a:t>(</a:t>
+            </a:r>
+            <a:r>
+              <a:rPr kumimoji="0" lang="en-US" altLang="en-US" sz="2000" b="0" i="0" u="none" strike="noStrike" kern="0" cap="none" spc="0" normalizeH="0" baseline="0" noProof="0" dirty="0" err="1">
+                <a:ln>
+                  <a:noFill/>
+                </a:ln>
+                <a:solidFill>
+                  <a:srgbClr val="000000"/>
+                </a:solidFill>
+                <a:effectLst/>
+                <a:uLnTx/>
+                <a:uFillTx/>
+                <a:latin typeface="Courier New" panose="02070309020205020404" pitchFamily="49" charset="0"/>
+                <a:ea typeface="ＭＳ Ｐゴシック" panose="020B0600070205080204" pitchFamily="34" charset="-128"/>
+                <a:cs typeface="+mn-cs"/>
+              </a:rPr>
+              <a:t>MouseEvent</a:t>
+            </a:r>
+            <a:r>
+              <a:rPr kumimoji="0" lang="en-US" altLang="en-US" sz="2000" b="0" i="0" u="none" strike="noStrike" kern="0" cap="none" spc="0" normalizeH="0" baseline="0" noProof="0" dirty="0">
+                <a:ln>
+                  <a:noFill/>
+                </a:ln>
+                <a:solidFill>
+                  <a:srgbClr val="000000"/>
+                </a:solidFill>
+                <a:effectLst/>
+                <a:uLnTx/>
+                <a:uFillTx/>
+                <a:latin typeface="Courier New" panose="02070309020205020404" pitchFamily="49" charset="0"/>
+                <a:ea typeface="ＭＳ Ｐゴシック" panose="020B0600070205080204" pitchFamily="34" charset="-128"/>
+                <a:cs typeface="+mn-cs"/>
+              </a:rPr>
+              <a:t> event);</a:t>
+            </a:r>
+          </a:p>
+          <a:p>
+            <a:pPr marL="230188" marR="0" lvl="0" indent="-230188" algn="l" defTabSz="914400" rtl="0" eaLnBrk="0" fontAlgn="base" latinLnBrk="0" hangingPunct="0">
+              <a:lnSpc>
+                <a:spcPct val="100000"/>
+              </a:lnSpc>
+              <a:spcBef>
+                <a:spcPct val="20000"/>
+              </a:spcBef>
+              <a:spcAft>
+                <a:spcPct val="0"/>
+              </a:spcAft>
+              <a:buClrTx/>
+              <a:buSzTx/>
+              <a:buFontTx/>
+              <a:buNone/>
+              <a:tabLst>
+                <a:tab pos="1255713" algn="l"/>
+              </a:tabLst>
+              <a:defRPr/>
+            </a:pPr>
+            <a:r>
+              <a:rPr kumimoji="0" lang="en-US" altLang="en-US" sz="2000" b="0" i="0" u="none" strike="noStrike" kern="0" cap="none" spc="0" normalizeH="0" baseline="0" noProof="0" dirty="0">
+                <a:ln>
+                  <a:noFill/>
+                </a:ln>
+                <a:solidFill>
+                  <a:srgbClr val="000000"/>
+                </a:solidFill>
+                <a:effectLst/>
+                <a:uLnTx/>
+                <a:uFillTx/>
+                <a:latin typeface="Courier New" panose="02070309020205020404" pitchFamily="49" charset="0"/>
+                <a:ea typeface="ＭＳ Ｐゴシック" panose="020B0600070205080204" pitchFamily="34" charset="-128"/>
+                <a:cs typeface="+mn-cs"/>
+              </a:rPr>
+              <a:t>  public void </a:t>
+            </a:r>
+            <a:r>
+              <a:rPr kumimoji="0" lang="en-US" altLang="en-US" sz="2000" b="1" i="0" u="none" strike="noStrike" kern="0" cap="none" spc="0" normalizeH="0" baseline="0" noProof="0" dirty="0" err="1">
+                <a:ln>
+                  <a:noFill/>
+                </a:ln>
+                <a:solidFill>
+                  <a:srgbClr val="000000"/>
+                </a:solidFill>
+                <a:effectLst/>
+                <a:uLnTx/>
+                <a:uFillTx/>
+                <a:latin typeface="Courier New" panose="02070309020205020404" pitchFamily="49" charset="0"/>
+                <a:ea typeface="ＭＳ Ｐゴシック" panose="020B0600070205080204" pitchFamily="34" charset="-128"/>
+                <a:cs typeface="+mn-cs"/>
+              </a:rPr>
+              <a:t>mouseMoved</a:t>
+            </a:r>
+            <a:r>
+              <a:rPr kumimoji="0" lang="en-US" altLang="en-US" sz="2000" b="0" i="0" u="none" strike="noStrike" kern="0" cap="none" spc="0" normalizeH="0" baseline="0" noProof="0" dirty="0">
+                <a:ln>
+                  <a:noFill/>
+                </a:ln>
+                <a:solidFill>
+                  <a:srgbClr val="000000"/>
+                </a:solidFill>
+                <a:effectLst/>
+                <a:uLnTx/>
+                <a:uFillTx/>
+                <a:latin typeface="Courier New" panose="02070309020205020404" pitchFamily="49" charset="0"/>
+                <a:ea typeface="ＭＳ Ｐゴシック" panose="020B0600070205080204" pitchFamily="34" charset="-128"/>
+                <a:cs typeface="+mn-cs"/>
+              </a:rPr>
+              <a:t>(</a:t>
+            </a:r>
+            <a:r>
+              <a:rPr kumimoji="0" lang="en-US" altLang="en-US" sz="2000" b="0" i="0" u="none" strike="noStrike" kern="0" cap="none" spc="0" normalizeH="0" baseline="0" noProof="0" dirty="0" err="1">
+                <a:ln>
+                  <a:noFill/>
+                </a:ln>
+                <a:solidFill>
+                  <a:srgbClr val="000000"/>
+                </a:solidFill>
+                <a:effectLst/>
+                <a:uLnTx/>
+                <a:uFillTx/>
+                <a:latin typeface="Courier New" panose="02070309020205020404" pitchFamily="49" charset="0"/>
+                <a:ea typeface="ＭＳ Ｐゴシック" panose="020B0600070205080204" pitchFamily="34" charset="-128"/>
+                <a:cs typeface="+mn-cs"/>
+              </a:rPr>
+              <a:t>MouseEvent</a:t>
+            </a:r>
+            <a:r>
+              <a:rPr kumimoji="0" lang="en-US" altLang="en-US" sz="2000" b="0" i="0" u="none" strike="noStrike" kern="0" cap="none" spc="0" normalizeH="0" baseline="0" noProof="0" dirty="0">
+                <a:ln>
+                  <a:noFill/>
+                </a:ln>
+                <a:solidFill>
+                  <a:srgbClr val="000000"/>
+                </a:solidFill>
+                <a:effectLst/>
+                <a:uLnTx/>
+                <a:uFillTx/>
+                <a:latin typeface="Courier New" panose="02070309020205020404" pitchFamily="49" charset="0"/>
+                <a:ea typeface="ＭＳ Ｐゴシック" panose="020B0600070205080204" pitchFamily="34" charset="-128"/>
+                <a:cs typeface="+mn-cs"/>
+              </a:rPr>
+              <a:t> event);</a:t>
+            </a:r>
+          </a:p>
+          <a:p>
+            <a:pPr marL="230188" marR="0" lvl="0" indent="-230188" algn="l" defTabSz="914400" rtl="0" eaLnBrk="0" fontAlgn="base" latinLnBrk="0" hangingPunct="0">
+              <a:lnSpc>
+                <a:spcPct val="100000"/>
+              </a:lnSpc>
+              <a:spcBef>
+                <a:spcPct val="20000"/>
+              </a:spcBef>
+              <a:spcAft>
+                <a:spcPct val="0"/>
+              </a:spcAft>
+              <a:buClrTx/>
+              <a:buSzTx/>
+              <a:buFontTx/>
+              <a:buNone/>
+              <a:tabLst>
+                <a:tab pos="1255713" algn="l"/>
+              </a:tabLst>
+              <a:defRPr/>
+            </a:pPr>
+            <a:r>
+              <a:rPr kumimoji="0" lang="en-US" altLang="en-US" sz="2000" b="0" i="0" u="none" strike="noStrike" kern="0" cap="none" spc="0" normalizeH="0" baseline="0" noProof="0" dirty="0">
+                <a:ln>
+                  <a:noFill/>
+                </a:ln>
+                <a:solidFill>
+                  <a:srgbClr val="000000"/>
+                </a:solidFill>
+                <a:effectLst/>
+                <a:uLnTx/>
+                <a:uFillTx/>
+                <a:latin typeface="Courier New" panose="02070309020205020404" pitchFamily="49" charset="0"/>
+                <a:ea typeface="ＭＳ Ｐゴシック" panose="020B0600070205080204" pitchFamily="34" charset="-128"/>
+                <a:cs typeface="+mn-cs"/>
+              </a:rPr>
+              <a:t>}</a:t>
+            </a:r>
+          </a:p>
+          <a:p>
+            <a:pPr marL="230188" marR="0" lvl="0" indent="-230188" algn="l" defTabSz="914400" rtl="0" eaLnBrk="0" fontAlgn="base" latinLnBrk="0" hangingPunct="0">
+              <a:lnSpc>
+                <a:spcPct val="100000"/>
+              </a:lnSpc>
+              <a:spcBef>
+                <a:spcPct val="20000"/>
+              </a:spcBef>
+              <a:spcAft>
+                <a:spcPct val="0"/>
+              </a:spcAft>
+              <a:buClrTx/>
+              <a:buSzTx/>
+              <a:buFontTx/>
+              <a:buNone/>
+              <a:tabLst>
+                <a:tab pos="1255713" algn="l"/>
+              </a:tabLst>
+              <a:defRPr/>
+            </a:pPr>
+            <a:endParaRPr kumimoji="0" lang="en-US" altLang="en-US" sz="2000" b="0" i="0" u="none" strike="noStrike" kern="0" cap="none" spc="0" normalizeH="0" baseline="0" noProof="0" dirty="0">
+              <a:ln>
+                <a:noFill/>
+              </a:ln>
+              <a:solidFill>
+                <a:srgbClr val="000000"/>
+              </a:solidFill>
+              <a:effectLst/>
+              <a:uLnTx/>
+              <a:uFillTx/>
+              <a:latin typeface="Courier New" panose="02070309020205020404" pitchFamily="49" charset="0"/>
+              <a:ea typeface="ＭＳ Ｐゴシック" panose="020B0600070205080204" pitchFamily="34" charset="-128"/>
+              <a:cs typeface="+mn-cs"/>
+            </a:endParaRPr>
+          </a:p>
+          <a:p>
+            <a:pPr marL="230188" marR="0" lvl="0" indent="-230188" algn="l" defTabSz="914400" rtl="0" eaLnBrk="0" fontAlgn="base" latinLnBrk="0" hangingPunct="0">
+              <a:lnSpc>
+                <a:spcPct val="100000"/>
+              </a:lnSpc>
+              <a:spcBef>
+                <a:spcPct val="20000"/>
+              </a:spcBef>
+              <a:spcAft>
+                <a:spcPct val="0"/>
+              </a:spcAft>
+              <a:buClrTx/>
+              <a:buSzTx/>
+              <a:buFontTx/>
+              <a:buChar char="•"/>
+              <a:tabLst>
+                <a:tab pos="1255713" algn="l"/>
+              </a:tabLst>
+              <a:defRPr/>
+            </a:pPr>
+            <a:r>
+              <a:rPr kumimoji="0" lang="en-US" altLang="en-US" sz="2400" b="0" i="0" u="none" strike="noStrike" kern="0" cap="none" spc="0" normalizeH="0" baseline="0" noProof="0" dirty="0">
+                <a:ln>
+                  <a:noFill/>
+                </a:ln>
+                <a:solidFill>
+                  <a:srgbClr val="000000"/>
+                </a:solidFill>
+                <a:effectLst/>
+                <a:uLnTx/>
+                <a:uFillTx/>
+                <a:latin typeface="Times New Roman"/>
+                <a:ea typeface="ＭＳ Ｐゴシック" panose="020B0600070205080204" pitchFamily="34" charset="-128"/>
+                <a:cs typeface="+mn-cs"/>
+              </a:rPr>
+              <a:t>abstract </a:t>
+            </a:r>
+            <a:r>
+              <a:rPr kumimoji="0" lang="en-US" altLang="en-US" sz="2400" b="0" i="0" u="none" strike="noStrike" kern="0" cap="none" spc="0" normalizeH="0" baseline="0" noProof="0" dirty="0" err="1">
+                <a:ln>
+                  <a:noFill/>
+                </a:ln>
+                <a:solidFill>
+                  <a:srgbClr val="000000"/>
+                </a:solidFill>
+                <a:effectLst/>
+                <a:uLnTx/>
+                <a:uFillTx/>
+                <a:latin typeface="Courier New" panose="02070309020205020404" pitchFamily="49" charset="0"/>
+                <a:ea typeface="ＭＳ Ｐゴシック" panose="020B0600070205080204" pitchFamily="34" charset="-128"/>
+                <a:cs typeface="+mn-cs"/>
+              </a:rPr>
+              <a:t>Mouse</a:t>
+            </a:r>
+            <a:r>
+              <a:rPr kumimoji="0" lang="en-US" altLang="en-US" sz="2400" b="1" i="0" u="none" strike="noStrike" kern="0" cap="none" spc="0" normalizeH="0" baseline="0" noProof="0" dirty="0" err="1">
+                <a:ln>
+                  <a:noFill/>
+                </a:ln>
+                <a:solidFill>
+                  <a:srgbClr val="B2B2B2"/>
+                </a:solidFill>
+                <a:effectLst/>
+                <a:uLnTx/>
+                <a:uFillTx/>
+                <a:latin typeface="Courier New" panose="02070309020205020404" pitchFamily="49" charset="0"/>
+                <a:ea typeface="ＭＳ Ｐゴシック" panose="020B0600070205080204" pitchFamily="34" charset="-128"/>
+                <a:cs typeface="+mn-cs"/>
+              </a:rPr>
+              <a:t>Motion</a:t>
+            </a:r>
+            <a:r>
+              <a:rPr kumimoji="0" lang="en-US" altLang="en-US" sz="2400" b="0" i="0" u="none" strike="noStrike" kern="0" cap="none" spc="0" normalizeH="0" baseline="0" noProof="0" dirty="0" err="1">
+                <a:ln>
+                  <a:noFill/>
+                </a:ln>
+                <a:solidFill>
+                  <a:srgbClr val="000000"/>
+                </a:solidFill>
+                <a:effectLst/>
+                <a:uLnTx/>
+                <a:uFillTx/>
+                <a:latin typeface="Courier New" panose="02070309020205020404" pitchFamily="49" charset="0"/>
+                <a:ea typeface="ＭＳ Ｐゴシック" panose="020B0600070205080204" pitchFamily="34" charset="-128"/>
+                <a:cs typeface="+mn-cs"/>
+              </a:rPr>
+              <a:t>Adapter</a:t>
+            </a:r>
+            <a:r>
+              <a:rPr kumimoji="0" lang="en-US" altLang="en-US" sz="2400" b="0" i="0" u="none" strike="noStrike" kern="0" cap="none" spc="0" normalizeH="0" baseline="0" noProof="0" dirty="0">
+                <a:ln>
+                  <a:noFill/>
+                </a:ln>
+                <a:solidFill>
+                  <a:srgbClr val="000000"/>
+                </a:solidFill>
+                <a:effectLst/>
+                <a:uLnTx/>
+                <a:uFillTx/>
+                <a:latin typeface="Times New Roman"/>
+                <a:ea typeface="ＭＳ Ｐゴシック" panose="020B0600070205080204" pitchFamily="34" charset="-128"/>
+                <a:cs typeface="+mn-cs"/>
+              </a:rPr>
+              <a:t> class provides empty implementations of both methods if you just want to override one</a:t>
+            </a:r>
+          </a:p>
+          <a:p>
             <a:pPr marL="0" indent="0">
+              <a:lnSpc>
+                <a:spcPct val="90000"/>
+              </a:lnSpc>
               <a:buNone/>
             </a:pPr>
-            <a:r>
-              <a:rPr lang="en-US" altLang="en-US" dirty="0">
-                <a:solidFill>
-                  <a:schemeClr val="accent2"/>
-                </a:solidFill>
-                <a:latin typeface="Trebuchet MS" panose="020B0603020202020204" pitchFamily="34" charset="0"/>
-              </a:rPr>
-              <a:t> </a:t>
-            </a:r>
-            <a:endParaRPr lang="en-US" altLang="en-US" dirty="0"/>
+            <a:endParaRPr lang="en-US" altLang="en-US" sz="2400" dirty="0"/>
           </a:p>
         </p:txBody>
       </p:sp>
@@ -4518,366 +4805,10 @@
           </a:p>
         </p:txBody>
       </p:sp>
-      <p:sp>
-        <p:nvSpPr>
-          <p:cNvPr id="22" name="Rectangle 3">
-            <a:extLst>
-              <a:ext uri="{FF2B5EF4-FFF2-40B4-BE49-F238E27FC236}">
-                <a16:creationId xmlns:a16="http://schemas.microsoft.com/office/drawing/2014/main" xmlns="" id="{AB36828C-2C98-4574-A336-5DA0EFEDDCA5}"/>
-              </a:ext>
-            </a:extLst>
-          </p:cNvPr>
-          <p:cNvSpPr txBox="1">
-            <a:spLocks noChangeArrowheads="1"/>
-          </p:cNvSpPr>
-          <p:nvPr/>
-        </p:nvSpPr>
-        <p:spPr>
-          <a:xfrm>
-            <a:off x="2209800" y="1346199"/>
-            <a:ext cx="7772400" cy="4343400"/>
-          </a:xfrm>
-          <a:prstGeom prst="rect">
-            <a:avLst/>
-          </a:prstGeom>
-        </p:spPr>
-        <p:txBody>
-          <a:bodyPr vert="horz" lIns="91440" tIns="45720" rIns="91440" bIns="45720" rtlCol="0">
-            <a:normAutofit/>
-          </a:bodyPr>
-          <a:lstStyle>
-            <a:lvl1pPr marL="228600" indent="-228600" algn="l" defTabSz="914400" rtl="0" eaLnBrk="1" latinLnBrk="0" hangingPunct="1">
-              <a:lnSpc>
-                <a:spcPct val="90000"/>
-              </a:lnSpc>
-              <a:spcBef>
-                <a:spcPts val="1000"/>
-              </a:spcBef>
-              <a:buFont typeface="Arial" panose="020B0604020202020204" pitchFamily="34" charset="0"/>
-              <a:buChar char="•"/>
-              <a:defRPr sz="2800" kern="1200">
-                <a:solidFill>
-                  <a:schemeClr val="tx1"/>
-                </a:solidFill>
-                <a:latin typeface="+mn-lt"/>
-                <a:ea typeface="+mn-ea"/>
-                <a:cs typeface="+mn-cs"/>
-              </a:defRPr>
-            </a:lvl1pPr>
-            <a:lvl2pPr marL="685800" indent="-228600" algn="l" defTabSz="914400" rtl="0" eaLnBrk="1" latinLnBrk="0" hangingPunct="1">
-              <a:lnSpc>
-                <a:spcPct val="90000"/>
-              </a:lnSpc>
-              <a:spcBef>
-                <a:spcPts val="500"/>
-              </a:spcBef>
-              <a:buFont typeface="Arial" panose="020B0604020202020204" pitchFamily="34" charset="0"/>
-              <a:buChar char="•"/>
-              <a:defRPr sz="2400" kern="1200">
-                <a:solidFill>
-                  <a:schemeClr val="tx1"/>
-                </a:solidFill>
-                <a:latin typeface="+mn-lt"/>
-                <a:ea typeface="+mn-ea"/>
-                <a:cs typeface="+mn-cs"/>
-              </a:defRPr>
-            </a:lvl2pPr>
-            <a:lvl3pPr marL="1143000" indent="-228600" algn="l" defTabSz="914400" rtl="0" eaLnBrk="1" latinLnBrk="0" hangingPunct="1">
-              <a:lnSpc>
-                <a:spcPct val="90000"/>
-              </a:lnSpc>
-              <a:spcBef>
-                <a:spcPts val="500"/>
-              </a:spcBef>
-              <a:buFont typeface="Arial" panose="020B0604020202020204" pitchFamily="34" charset="0"/>
-              <a:buChar char="•"/>
-              <a:defRPr sz="2000" kern="1200">
-                <a:solidFill>
-                  <a:schemeClr val="tx1"/>
-                </a:solidFill>
-                <a:latin typeface="+mn-lt"/>
-                <a:ea typeface="+mn-ea"/>
-                <a:cs typeface="+mn-cs"/>
-              </a:defRPr>
-            </a:lvl3pPr>
-            <a:lvl4pPr marL="1600200" indent="-228600" algn="l" defTabSz="914400" rtl="0" eaLnBrk="1" latinLnBrk="0" hangingPunct="1">
-              <a:lnSpc>
-                <a:spcPct val="90000"/>
-              </a:lnSpc>
-              <a:spcBef>
-                <a:spcPts val="500"/>
-              </a:spcBef>
-              <a:buFont typeface="Arial" panose="020B0604020202020204" pitchFamily="34" charset="0"/>
-              <a:buChar char="•"/>
-              <a:defRPr sz="1800" kern="1200">
-                <a:solidFill>
-                  <a:schemeClr val="tx1"/>
-                </a:solidFill>
-                <a:latin typeface="+mn-lt"/>
-                <a:ea typeface="+mn-ea"/>
-                <a:cs typeface="+mn-cs"/>
-              </a:defRPr>
-            </a:lvl4pPr>
-            <a:lvl5pPr marL="2057400" indent="-228600" algn="l" defTabSz="914400" rtl="0" eaLnBrk="1" latinLnBrk="0" hangingPunct="1">
-              <a:lnSpc>
-                <a:spcPct val="90000"/>
-              </a:lnSpc>
-              <a:spcBef>
-                <a:spcPts val="500"/>
-              </a:spcBef>
-              <a:buFont typeface="Arial" panose="020B0604020202020204" pitchFamily="34" charset="0"/>
-              <a:buChar char="•"/>
-              <a:defRPr sz="1800" kern="1200">
-                <a:solidFill>
-                  <a:schemeClr val="tx1"/>
-                </a:solidFill>
-                <a:latin typeface="+mn-lt"/>
-                <a:ea typeface="+mn-ea"/>
-                <a:cs typeface="+mn-cs"/>
-              </a:defRPr>
-            </a:lvl5pPr>
-            <a:lvl6pPr marL="2514600" indent="-228600" algn="l" defTabSz="914400" rtl="0" eaLnBrk="1" latinLnBrk="0" hangingPunct="1">
-              <a:lnSpc>
-                <a:spcPct val="90000"/>
-              </a:lnSpc>
-              <a:spcBef>
-                <a:spcPts val="500"/>
-              </a:spcBef>
-              <a:buFont typeface="Arial" panose="020B0604020202020204" pitchFamily="34" charset="0"/>
-              <a:buChar char="•"/>
-              <a:defRPr sz="1800" kern="1200">
-                <a:solidFill>
-                  <a:schemeClr val="tx1"/>
-                </a:solidFill>
-                <a:latin typeface="+mn-lt"/>
-                <a:ea typeface="+mn-ea"/>
-                <a:cs typeface="+mn-cs"/>
-              </a:defRPr>
-            </a:lvl6pPr>
-            <a:lvl7pPr marL="2971800" indent="-228600" algn="l" defTabSz="914400" rtl="0" eaLnBrk="1" latinLnBrk="0" hangingPunct="1">
-              <a:lnSpc>
-                <a:spcPct val="90000"/>
-              </a:lnSpc>
-              <a:spcBef>
-                <a:spcPts val="500"/>
-              </a:spcBef>
-              <a:buFont typeface="Arial" panose="020B0604020202020204" pitchFamily="34" charset="0"/>
-              <a:buChar char="•"/>
-              <a:defRPr sz="1800" kern="1200">
-                <a:solidFill>
-                  <a:schemeClr val="tx1"/>
-                </a:solidFill>
-                <a:latin typeface="+mn-lt"/>
-                <a:ea typeface="+mn-ea"/>
-                <a:cs typeface="+mn-cs"/>
-              </a:defRPr>
-            </a:lvl7pPr>
-            <a:lvl8pPr marL="3429000" indent="-228600" algn="l" defTabSz="914400" rtl="0" eaLnBrk="1" latinLnBrk="0" hangingPunct="1">
-              <a:lnSpc>
-                <a:spcPct val="90000"/>
-              </a:lnSpc>
-              <a:spcBef>
-                <a:spcPts val="500"/>
-              </a:spcBef>
-              <a:buFont typeface="Arial" panose="020B0604020202020204" pitchFamily="34" charset="0"/>
-              <a:buChar char="•"/>
-              <a:defRPr sz="1800" kern="1200">
-                <a:solidFill>
-                  <a:schemeClr val="tx1"/>
-                </a:solidFill>
-                <a:latin typeface="+mn-lt"/>
-                <a:ea typeface="+mn-ea"/>
-                <a:cs typeface="+mn-cs"/>
-              </a:defRPr>
-            </a:lvl8pPr>
-            <a:lvl9pPr marL="3886200" indent="-228600" algn="l" defTabSz="914400" rtl="0" eaLnBrk="1" latinLnBrk="0" hangingPunct="1">
-              <a:lnSpc>
-                <a:spcPct val="90000"/>
-              </a:lnSpc>
-              <a:spcBef>
-                <a:spcPts val="500"/>
-              </a:spcBef>
-              <a:buFont typeface="Arial" panose="020B0604020202020204" pitchFamily="34" charset="0"/>
-              <a:buChar char="•"/>
-              <a:defRPr sz="1800" kern="1200">
-                <a:solidFill>
-                  <a:schemeClr val="tx1"/>
-                </a:solidFill>
-                <a:latin typeface="+mn-lt"/>
-                <a:ea typeface="+mn-ea"/>
-                <a:cs typeface="+mn-cs"/>
-              </a:defRPr>
-            </a:lvl9pPr>
-          </a:lstStyle>
-          <a:p>
-            <a:pPr>
-              <a:buFontTx/>
-              <a:buNone/>
-            </a:pPr>
-            <a:r>
-              <a:rPr lang="en-US" altLang="en-US" sz="1800">
-                <a:latin typeface="Courier New" panose="02070309020205020404" pitchFamily="49" charset="0"/>
-              </a:rPr>
-              <a:t>public class MyMouseAdapter </a:t>
-            </a:r>
-            <a:r>
-              <a:rPr lang="en-US" altLang="en-US" sz="1800" b="1">
-                <a:latin typeface="Courier New" panose="02070309020205020404" pitchFamily="49" charset="0"/>
-              </a:rPr>
-              <a:t>extends MouseAdapter</a:t>
-            </a:r>
-            <a:r>
-              <a:rPr lang="en-US" altLang="en-US" sz="1800">
-                <a:latin typeface="Courier New" panose="02070309020205020404" pitchFamily="49" charset="0"/>
-              </a:rPr>
-              <a:t> {</a:t>
-            </a:r>
-          </a:p>
-          <a:p>
-            <a:pPr>
-              <a:buFontTx/>
-              <a:buNone/>
-            </a:pPr>
-            <a:r>
-              <a:rPr lang="en-US" altLang="en-US" sz="1800">
-                <a:latin typeface="Courier New" panose="02070309020205020404" pitchFamily="49" charset="0"/>
-              </a:rPr>
-              <a:t>  public void mousePressed(MouseEvent event) {</a:t>
-            </a:r>
-          </a:p>
-          <a:p>
-            <a:pPr>
-              <a:buFontTx/>
-              <a:buNone/>
-            </a:pPr>
-            <a:r>
-              <a:rPr lang="en-US" altLang="en-US" sz="1800">
-                <a:latin typeface="Courier New" panose="02070309020205020404" pitchFamily="49" charset="0"/>
-              </a:rPr>
-              <a:t>    Point p = event.</a:t>
-            </a:r>
-            <a:r>
-              <a:rPr lang="en-US" altLang="en-US" sz="1800" b="1">
-                <a:latin typeface="Courier New" panose="02070309020205020404" pitchFamily="49" charset="0"/>
-              </a:rPr>
-              <a:t>getPoint</a:t>
-            </a:r>
-            <a:r>
-              <a:rPr lang="en-US" altLang="en-US" sz="1800">
-                <a:latin typeface="Courier New" panose="02070309020205020404" pitchFamily="49" charset="0"/>
-              </a:rPr>
-              <a:t>();</a:t>
-            </a:r>
-          </a:p>
-          <a:p>
-            <a:pPr>
-              <a:buFontTx/>
-              <a:buNone/>
-            </a:pPr>
-            <a:r>
-              <a:rPr lang="en-US" altLang="en-US" sz="1800">
-                <a:latin typeface="Courier New" panose="02070309020205020404" pitchFamily="49" charset="0"/>
-              </a:rPr>
-              <a:t>    Object source = event.</a:t>
-            </a:r>
-            <a:r>
-              <a:rPr lang="en-US" altLang="en-US" sz="1800" b="1">
-                <a:latin typeface="Courier New" panose="02070309020205020404" pitchFamily="49" charset="0"/>
-              </a:rPr>
-              <a:t>getSource</a:t>
-            </a:r>
-            <a:r>
-              <a:rPr lang="en-US" altLang="en-US" sz="1800">
-                <a:latin typeface="Courier New" panose="02070309020205020404" pitchFamily="49" charset="0"/>
-              </a:rPr>
-              <a:t>();</a:t>
-            </a:r>
-          </a:p>
-          <a:p>
-            <a:pPr>
-              <a:buFontTx/>
-              <a:buNone/>
-            </a:pPr>
-            <a:r>
-              <a:rPr lang="en-US" altLang="en-US" sz="1800">
-                <a:latin typeface="Courier New" panose="02070309020205020404" pitchFamily="49" charset="0"/>
-              </a:rPr>
-              <a:t>    if (source == myPanel  &amp;&amp;  p.getX() &lt; 10) {</a:t>
-            </a:r>
-          </a:p>
-          <a:p>
-            <a:pPr>
-              <a:buFontTx/>
-              <a:buNone/>
-            </a:pPr>
-            <a:r>
-              <a:rPr lang="en-US" altLang="en-US" sz="1800">
-                <a:latin typeface="Courier New" panose="02070309020205020404" pitchFamily="49" charset="0"/>
-              </a:rPr>
-              <a:t>      JOptionPane.showMessageDialog(null, </a:t>
-            </a:r>
-          </a:p>
-          <a:p>
-            <a:pPr>
-              <a:buFontTx/>
-              <a:buNone/>
-            </a:pPr>
-            <a:r>
-              <a:rPr lang="en-US" altLang="en-US" sz="1800">
-                <a:latin typeface="Courier New" panose="02070309020205020404" pitchFamily="49" charset="0"/>
-              </a:rPr>
-              <a:t>        “You clicked the left side of myPanel!”);</a:t>
-            </a:r>
-          </a:p>
-          <a:p>
-            <a:pPr>
-              <a:buFontTx/>
-              <a:buNone/>
-            </a:pPr>
-            <a:r>
-              <a:rPr lang="en-US" altLang="en-US" sz="1800">
-                <a:latin typeface="Courier New" panose="02070309020205020404" pitchFamily="49" charset="0"/>
-              </a:rPr>
-              <a:t>    }</a:t>
-            </a:r>
-          </a:p>
-          <a:p>
-            <a:pPr>
-              <a:buFontTx/>
-              <a:buNone/>
-            </a:pPr>
-            <a:r>
-              <a:rPr lang="en-US" altLang="en-US" sz="1800">
-                <a:latin typeface="Courier New" panose="02070309020205020404" pitchFamily="49" charset="0"/>
-              </a:rPr>
-              <a:t>  }</a:t>
-            </a:r>
-          </a:p>
-          <a:p>
-            <a:pPr>
-              <a:buFontTx/>
-              <a:buNone/>
-            </a:pPr>
-            <a:r>
-              <a:rPr lang="en-US" altLang="en-US" sz="1800">
-                <a:latin typeface="Courier New" panose="02070309020205020404" pitchFamily="49" charset="0"/>
-              </a:rPr>
-              <a:t>}</a:t>
-            </a:r>
-          </a:p>
-          <a:p>
-            <a:pPr>
-              <a:buFontTx/>
-              <a:buNone/>
-            </a:pPr>
-            <a:endParaRPr lang="en-US" altLang="en-US" sz="3200" dirty="0"/>
-          </a:p>
-        </p:txBody>
-      </p:sp>
     </p:spTree>
     <p:extLst>
       <p:ext uri="{BB962C8B-B14F-4D97-AF65-F5344CB8AC3E}">
-        <p14:creationId xmlns:p14="http://schemas.microsoft.com/office/powerpoint/2010/main" xmlns="" val="1148352933"/>
+        <p14:creationId xmlns="" xmlns:p14="http://schemas.microsoft.com/office/powerpoint/2010/main" val="312691650"/>
       </p:ext>
     </p:extLst>
   </p:cSld>
@@ -4914,29 +4845,20 @@
             <p:ph type="title"/>
           </p:nvPr>
         </p:nvSpPr>
-        <p:spPr>
-          <a:xfrm>
-            <a:off x="0" y="-157162"/>
-            <a:ext cx="11156474" cy="1325563"/>
-          </a:xfrm>
-        </p:spPr>
+        <p:spPr/>
         <p:txBody>
           <a:bodyPr/>
           <a:lstStyle/>
           <a:p>
             <a:r>
               <a:rPr lang="en-US" altLang="en-US" sz="4400" dirty="0"/>
-              <a:t>Listening to Movement:</a:t>
-            </a:r>
-            <a:r>
-              <a:rPr lang="en-US" altLang="en-US" sz="4800" dirty="0"/>
-              <a:t> </a:t>
-            </a:r>
-            <a:r>
-              <a:rPr lang="en-US" altLang="en-US" sz="3600" dirty="0" err="1">
-                <a:latin typeface="Courier New" panose="02070309020205020404" pitchFamily="49" charset="0"/>
-              </a:rPr>
-              <a:t>MouseMotionListener</a:t>
+              <a:t>An Example </a:t>
+            </a:r>
+            <a:r>
+              <a:rPr lang="en-US" altLang="en-US" sz="4400" dirty="0" err="1">
+                <a:latin typeface="Courier New" panose="02070309020205020404" pitchFamily="49" charset="0"/>
+              </a:rPr>
+              <a:t>MouseMotionAdapter</a:t>
             </a:r>
             <a:endParaRPr lang="en-CA" dirty="0"/>
           </a:p>
@@ -4964,583 +4886,16 @@
           </a:bodyPr>
           <a:lstStyle/>
           <a:p>
-            <a:pPr marL="230188" marR="0" lvl="0" indent="-230188" algn="l" defTabSz="914400" rtl="0" eaLnBrk="0" fontAlgn="base" latinLnBrk="0" hangingPunct="0">
-              <a:lnSpc>
-                <a:spcPct val="100000"/>
-              </a:lnSpc>
-              <a:spcBef>
-                <a:spcPct val="20000"/>
-              </a:spcBef>
-              <a:spcAft>
-                <a:spcPct val="0"/>
-              </a:spcAft>
-              <a:buClrTx/>
-              <a:buSzTx/>
-              <a:buFontTx/>
-              <a:buNone/>
-              <a:tabLst>
-                <a:tab pos="1255713" algn="l"/>
-              </a:tabLst>
-              <a:defRPr/>
-            </a:pPr>
-            <a:r>
-              <a:rPr kumimoji="0" lang="en-US" altLang="en-US" sz="2000" b="0" i="0" u="none" strike="noStrike" kern="0" cap="none" spc="0" normalizeH="0" baseline="0" noProof="0" dirty="0">
-                <a:ln>
-                  <a:noFill/>
-                </a:ln>
-                <a:solidFill>
-                  <a:srgbClr val="000000"/>
-                </a:solidFill>
-                <a:effectLst/>
-                <a:uLnTx/>
-                <a:uFillTx/>
-                <a:latin typeface="Courier New" panose="02070309020205020404" pitchFamily="49" charset="0"/>
-                <a:ea typeface="ＭＳ Ｐゴシック" panose="020B0600070205080204" pitchFamily="34" charset="-128"/>
-                <a:cs typeface="+mn-cs"/>
-              </a:rPr>
-              <a:t>package </a:t>
-            </a:r>
-            <a:r>
-              <a:rPr kumimoji="0" lang="en-US" altLang="en-US" sz="2000" b="0" i="0" u="none" strike="noStrike" kern="0" cap="none" spc="0" normalizeH="0" baseline="0" noProof="0" dirty="0" err="1">
-                <a:ln>
-                  <a:noFill/>
-                </a:ln>
-                <a:solidFill>
-                  <a:srgbClr val="000000"/>
-                </a:solidFill>
-                <a:effectLst/>
-                <a:uLnTx/>
-                <a:uFillTx/>
-                <a:latin typeface="Courier New" panose="02070309020205020404" pitchFamily="49" charset="0"/>
-                <a:ea typeface="ＭＳ Ｐゴシック" panose="020B0600070205080204" pitchFamily="34" charset="-128"/>
-                <a:cs typeface="+mn-cs"/>
-              </a:rPr>
-              <a:t>java.awt.event</a:t>
-            </a:r>
-            <a:r>
-              <a:rPr kumimoji="0" lang="en-US" altLang="en-US" sz="2000" b="0" i="0" u="none" strike="noStrike" kern="0" cap="none" spc="0" normalizeH="0" baseline="0" noProof="0" dirty="0">
-                <a:ln>
-                  <a:noFill/>
-                </a:ln>
-                <a:solidFill>
-                  <a:srgbClr val="000000"/>
-                </a:solidFill>
-                <a:effectLst/>
-                <a:uLnTx/>
-                <a:uFillTx/>
-                <a:latin typeface="Courier New" panose="02070309020205020404" pitchFamily="49" charset="0"/>
-                <a:ea typeface="ＭＳ Ｐゴシック" panose="020B0600070205080204" pitchFamily="34" charset="-128"/>
-                <a:cs typeface="+mn-cs"/>
-              </a:rPr>
-              <a:t>;</a:t>
-            </a:r>
-          </a:p>
-          <a:p>
-            <a:pPr marL="230188" marR="0" lvl="0" indent="-230188" algn="l" defTabSz="914400" rtl="0" eaLnBrk="0" fontAlgn="base" latinLnBrk="0" hangingPunct="0">
-              <a:lnSpc>
-                <a:spcPct val="100000"/>
-              </a:lnSpc>
-              <a:spcBef>
-                <a:spcPct val="20000"/>
-              </a:spcBef>
-              <a:spcAft>
-                <a:spcPct val="0"/>
-              </a:spcAft>
-              <a:buClrTx/>
-              <a:buSzTx/>
-              <a:buFontTx/>
-              <a:buNone/>
-              <a:tabLst>
-                <a:tab pos="1255713" algn="l"/>
-              </a:tabLst>
-              <a:defRPr/>
-            </a:pPr>
-            <a:endParaRPr kumimoji="0" lang="en-US" altLang="en-US" sz="2000" b="0" i="0" u="none" strike="noStrike" kern="0" cap="none" spc="0" normalizeH="0" baseline="0" noProof="0" dirty="0">
-              <a:ln>
-                <a:noFill/>
-              </a:ln>
-              <a:solidFill>
-                <a:srgbClr val="000000"/>
-              </a:solidFill>
-              <a:effectLst/>
-              <a:uLnTx/>
-              <a:uFillTx/>
-              <a:latin typeface="Courier New" panose="02070309020205020404" pitchFamily="49" charset="0"/>
-              <a:ea typeface="ＭＳ Ｐゴシック" panose="020B0600070205080204" pitchFamily="34" charset="-128"/>
-              <a:cs typeface="+mn-cs"/>
-            </a:endParaRPr>
-          </a:p>
-          <a:p>
-            <a:pPr marL="230188" marR="0" lvl="0" indent="-230188" algn="l" defTabSz="914400" rtl="0" eaLnBrk="0" fontAlgn="base" latinLnBrk="0" hangingPunct="0">
-              <a:lnSpc>
-                <a:spcPct val="100000"/>
-              </a:lnSpc>
-              <a:spcBef>
-                <a:spcPct val="20000"/>
-              </a:spcBef>
-              <a:spcAft>
-                <a:spcPct val="0"/>
-              </a:spcAft>
-              <a:buClrTx/>
-              <a:buSzTx/>
-              <a:buFontTx/>
-              <a:buNone/>
-              <a:tabLst>
-                <a:tab pos="1255713" algn="l"/>
-              </a:tabLst>
-              <a:defRPr/>
-            </a:pPr>
-            <a:r>
-              <a:rPr kumimoji="0" lang="en-US" altLang="en-US" sz="2000" b="0" i="0" u="none" strike="noStrike" kern="0" cap="none" spc="0" normalizeH="0" baseline="0" noProof="0" dirty="0">
-                <a:ln>
-                  <a:noFill/>
-                </a:ln>
-                <a:solidFill>
-                  <a:srgbClr val="000000"/>
-                </a:solidFill>
-                <a:effectLst/>
-                <a:uLnTx/>
-                <a:uFillTx/>
-                <a:latin typeface="Courier New" panose="02070309020205020404" pitchFamily="49" charset="0"/>
-                <a:ea typeface="ＭＳ Ｐゴシック" panose="020B0600070205080204" pitchFamily="34" charset="-128"/>
-                <a:cs typeface="+mn-cs"/>
-              </a:rPr>
-              <a:t>public interface </a:t>
-            </a:r>
-            <a:r>
-              <a:rPr kumimoji="0" lang="en-US" altLang="en-US" sz="2000" b="1" i="0" u="none" strike="noStrike" kern="0" cap="none" spc="0" normalizeH="0" baseline="0" noProof="0" dirty="0" err="1">
-                <a:ln>
-                  <a:noFill/>
-                </a:ln>
-                <a:solidFill>
-                  <a:srgbClr val="000000"/>
-                </a:solidFill>
-                <a:effectLst/>
-                <a:uLnTx/>
-                <a:uFillTx/>
-                <a:latin typeface="Courier New" panose="02070309020205020404" pitchFamily="49" charset="0"/>
-                <a:ea typeface="ＭＳ Ｐゴシック" panose="020B0600070205080204" pitchFamily="34" charset="-128"/>
-                <a:cs typeface="+mn-cs"/>
-              </a:rPr>
-              <a:t>MouseMotionListener</a:t>
-            </a:r>
-            <a:r>
-              <a:rPr kumimoji="0" lang="en-US" altLang="en-US" sz="2000" b="0" i="0" u="none" strike="noStrike" kern="0" cap="none" spc="0" normalizeH="0" baseline="0" noProof="0" dirty="0">
-                <a:ln>
-                  <a:noFill/>
-                </a:ln>
-                <a:solidFill>
-                  <a:srgbClr val="000000"/>
-                </a:solidFill>
-                <a:effectLst/>
-                <a:uLnTx/>
-                <a:uFillTx/>
-                <a:latin typeface="Courier New" panose="02070309020205020404" pitchFamily="49" charset="0"/>
-                <a:ea typeface="ＭＳ Ｐゴシック" panose="020B0600070205080204" pitchFamily="34" charset="-128"/>
-                <a:cs typeface="+mn-cs"/>
-              </a:rPr>
-              <a:t> {</a:t>
-            </a:r>
-          </a:p>
-          <a:p>
-            <a:pPr marL="230188" marR="0" lvl="0" indent="-230188" algn="l" defTabSz="914400" rtl="0" eaLnBrk="0" fontAlgn="base" latinLnBrk="0" hangingPunct="0">
-              <a:lnSpc>
-                <a:spcPct val="100000"/>
-              </a:lnSpc>
-              <a:spcBef>
-                <a:spcPct val="20000"/>
-              </a:spcBef>
-              <a:spcAft>
-                <a:spcPct val="0"/>
-              </a:spcAft>
-              <a:buClrTx/>
-              <a:buSzTx/>
-              <a:buFontTx/>
-              <a:buNone/>
-              <a:tabLst>
-                <a:tab pos="1255713" algn="l"/>
-              </a:tabLst>
-              <a:defRPr/>
-            </a:pPr>
-            <a:r>
-              <a:rPr kumimoji="0" lang="en-US" altLang="en-US" sz="2000" b="0" i="0" u="none" strike="noStrike" kern="0" cap="none" spc="0" normalizeH="0" baseline="0" noProof="0" dirty="0">
-                <a:ln>
-                  <a:noFill/>
-                </a:ln>
-                <a:solidFill>
-                  <a:srgbClr val="000000"/>
-                </a:solidFill>
-                <a:effectLst/>
-                <a:uLnTx/>
-                <a:uFillTx/>
-                <a:latin typeface="Courier New" panose="02070309020205020404" pitchFamily="49" charset="0"/>
-                <a:ea typeface="ＭＳ Ｐゴシック" panose="020B0600070205080204" pitchFamily="34" charset="-128"/>
-                <a:cs typeface="+mn-cs"/>
-              </a:rPr>
-              <a:t>  public void </a:t>
-            </a:r>
-            <a:r>
-              <a:rPr kumimoji="0" lang="en-US" altLang="en-US" sz="2000" b="1" i="0" u="none" strike="noStrike" kern="0" cap="none" spc="0" normalizeH="0" baseline="0" noProof="0" dirty="0" err="1">
-                <a:ln>
-                  <a:noFill/>
-                </a:ln>
-                <a:solidFill>
-                  <a:srgbClr val="000000"/>
-                </a:solidFill>
-                <a:effectLst/>
-                <a:uLnTx/>
-                <a:uFillTx/>
-                <a:latin typeface="Courier New" panose="02070309020205020404" pitchFamily="49" charset="0"/>
-                <a:ea typeface="ＭＳ Ｐゴシック" panose="020B0600070205080204" pitchFamily="34" charset="-128"/>
-                <a:cs typeface="+mn-cs"/>
-              </a:rPr>
-              <a:t>mouseDragged</a:t>
-            </a:r>
-            <a:r>
-              <a:rPr kumimoji="0" lang="en-US" altLang="en-US" sz="2000" b="0" i="0" u="none" strike="noStrike" kern="0" cap="none" spc="0" normalizeH="0" baseline="0" noProof="0" dirty="0">
-                <a:ln>
-                  <a:noFill/>
-                </a:ln>
-                <a:solidFill>
-                  <a:srgbClr val="000000"/>
-                </a:solidFill>
-                <a:effectLst/>
-                <a:uLnTx/>
-                <a:uFillTx/>
-                <a:latin typeface="Courier New" panose="02070309020205020404" pitchFamily="49" charset="0"/>
-                <a:ea typeface="ＭＳ Ｐゴシック" panose="020B0600070205080204" pitchFamily="34" charset="-128"/>
-                <a:cs typeface="+mn-cs"/>
-              </a:rPr>
-              <a:t>(</a:t>
-            </a:r>
-            <a:r>
-              <a:rPr kumimoji="0" lang="en-US" altLang="en-US" sz="2000" b="0" i="0" u="none" strike="noStrike" kern="0" cap="none" spc="0" normalizeH="0" baseline="0" noProof="0" dirty="0" err="1">
-                <a:ln>
-                  <a:noFill/>
-                </a:ln>
-                <a:solidFill>
-                  <a:srgbClr val="000000"/>
-                </a:solidFill>
-                <a:effectLst/>
-                <a:uLnTx/>
-                <a:uFillTx/>
-                <a:latin typeface="Courier New" panose="02070309020205020404" pitchFamily="49" charset="0"/>
-                <a:ea typeface="ＭＳ Ｐゴシック" panose="020B0600070205080204" pitchFamily="34" charset="-128"/>
-                <a:cs typeface="+mn-cs"/>
-              </a:rPr>
-              <a:t>MouseEvent</a:t>
-            </a:r>
-            <a:r>
-              <a:rPr kumimoji="0" lang="en-US" altLang="en-US" sz="2000" b="0" i="0" u="none" strike="noStrike" kern="0" cap="none" spc="0" normalizeH="0" baseline="0" noProof="0" dirty="0">
-                <a:ln>
-                  <a:noFill/>
-                </a:ln>
-                <a:solidFill>
-                  <a:srgbClr val="000000"/>
-                </a:solidFill>
-                <a:effectLst/>
-                <a:uLnTx/>
-                <a:uFillTx/>
-                <a:latin typeface="Courier New" panose="02070309020205020404" pitchFamily="49" charset="0"/>
-                <a:ea typeface="ＭＳ Ｐゴシック" panose="020B0600070205080204" pitchFamily="34" charset="-128"/>
-                <a:cs typeface="+mn-cs"/>
-              </a:rPr>
-              <a:t> event);</a:t>
-            </a:r>
-          </a:p>
-          <a:p>
-            <a:pPr marL="230188" marR="0" lvl="0" indent="-230188" algn="l" defTabSz="914400" rtl="0" eaLnBrk="0" fontAlgn="base" latinLnBrk="0" hangingPunct="0">
-              <a:lnSpc>
-                <a:spcPct val="100000"/>
-              </a:lnSpc>
-              <a:spcBef>
-                <a:spcPct val="20000"/>
-              </a:spcBef>
-              <a:spcAft>
-                <a:spcPct val="0"/>
-              </a:spcAft>
-              <a:buClrTx/>
-              <a:buSzTx/>
-              <a:buFontTx/>
-              <a:buNone/>
-              <a:tabLst>
-                <a:tab pos="1255713" algn="l"/>
-              </a:tabLst>
-              <a:defRPr/>
-            </a:pPr>
-            <a:r>
-              <a:rPr kumimoji="0" lang="en-US" altLang="en-US" sz="2000" b="0" i="0" u="none" strike="noStrike" kern="0" cap="none" spc="0" normalizeH="0" baseline="0" noProof="0" dirty="0">
-                <a:ln>
-                  <a:noFill/>
-                </a:ln>
-                <a:solidFill>
-                  <a:srgbClr val="000000"/>
-                </a:solidFill>
-                <a:effectLst/>
-                <a:uLnTx/>
-                <a:uFillTx/>
-                <a:latin typeface="Courier New" panose="02070309020205020404" pitchFamily="49" charset="0"/>
-                <a:ea typeface="ＭＳ Ｐゴシック" panose="020B0600070205080204" pitchFamily="34" charset="-128"/>
-                <a:cs typeface="+mn-cs"/>
-              </a:rPr>
-              <a:t>  public void </a:t>
-            </a:r>
-            <a:r>
-              <a:rPr kumimoji="0" lang="en-US" altLang="en-US" sz="2000" b="1" i="0" u="none" strike="noStrike" kern="0" cap="none" spc="0" normalizeH="0" baseline="0" noProof="0" dirty="0" err="1">
-                <a:ln>
-                  <a:noFill/>
-                </a:ln>
-                <a:solidFill>
-                  <a:srgbClr val="000000"/>
-                </a:solidFill>
-                <a:effectLst/>
-                <a:uLnTx/>
-                <a:uFillTx/>
-                <a:latin typeface="Courier New" panose="02070309020205020404" pitchFamily="49" charset="0"/>
-                <a:ea typeface="ＭＳ Ｐゴシック" panose="020B0600070205080204" pitchFamily="34" charset="-128"/>
-                <a:cs typeface="+mn-cs"/>
-              </a:rPr>
-              <a:t>mouseMoved</a:t>
-            </a:r>
-            <a:r>
-              <a:rPr kumimoji="0" lang="en-US" altLang="en-US" sz="2000" b="0" i="0" u="none" strike="noStrike" kern="0" cap="none" spc="0" normalizeH="0" baseline="0" noProof="0" dirty="0">
-                <a:ln>
-                  <a:noFill/>
-                </a:ln>
-                <a:solidFill>
-                  <a:srgbClr val="000000"/>
-                </a:solidFill>
-                <a:effectLst/>
-                <a:uLnTx/>
-                <a:uFillTx/>
-                <a:latin typeface="Courier New" panose="02070309020205020404" pitchFamily="49" charset="0"/>
-                <a:ea typeface="ＭＳ Ｐゴシック" panose="020B0600070205080204" pitchFamily="34" charset="-128"/>
-                <a:cs typeface="+mn-cs"/>
-              </a:rPr>
-              <a:t>(</a:t>
-            </a:r>
-            <a:r>
-              <a:rPr kumimoji="0" lang="en-US" altLang="en-US" sz="2000" b="0" i="0" u="none" strike="noStrike" kern="0" cap="none" spc="0" normalizeH="0" baseline="0" noProof="0" dirty="0" err="1">
-                <a:ln>
-                  <a:noFill/>
-                </a:ln>
-                <a:solidFill>
-                  <a:srgbClr val="000000"/>
-                </a:solidFill>
-                <a:effectLst/>
-                <a:uLnTx/>
-                <a:uFillTx/>
-                <a:latin typeface="Courier New" panose="02070309020205020404" pitchFamily="49" charset="0"/>
-                <a:ea typeface="ＭＳ Ｐゴシック" panose="020B0600070205080204" pitchFamily="34" charset="-128"/>
-                <a:cs typeface="+mn-cs"/>
-              </a:rPr>
-              <a:t>MouseEvent</a:t>
-            </a:r>
-            <a:r>
-              <a:rPr kumimoji="0" lang="en-US" altLang="en-US" sz="2000" b="0" i="0" u="none" strike="noStrike" kern="0" cap="none" spc="0" normalizeH="0" baseline="0" noProof="0" dirty="0">
-                <a:ln>
-                  <a:noFill/>
-                </a:ln>
-                <a:solidFill>
-                  <a:srgbClr val="000000"/>
-                </a:solidFill>
-                <a:effectLst/>
-                <a:uLnTx/>
-                <a:uFillTx/>
-                <a:latin typeface="Courier New" panose="02070309020205020404" pitchFamily="49" charset="0"/>
-                <a:ea typeface="ＭＳ Ｐゴシック" panose="020B0600070205080204" pitchFamily="34" charset="-128"/>
-                <a:cs typeface="+mn-cs"/>
-              </a:rPr>
-              <a:t> event);</a:t>
-            </a:r>
-          </a:p>
-          <a:p>
-            <a:pPr marL="230188" marR="0" lvl="0" indent="-230188" algn="l" defTabSz="914400" rtl="0" eaLnBrk="0" fontAlgn="base" latinLnBrk="0" hangingPunct="0">
-              <a:lnSpc>
-                <a:spcPct val="100000"/>
-              </a:lnSpc>
-              <a:spcBef>
-                <a:spcPct val="20000"/>
-              </a:spcBef>
-              <a:spcAft>
-                <a:spcPct val="0"/>
-              </a:spcAft>
-              <a:buClrTx/>
-              <a:buSzTx/>
-              <a:buFontTx/>
-              <a:buNone/>
-              <a:tabLst>
-                <a:tab pos="1255713" algn="l"/>
-              </a:tabLst>
-              <a:defRPr/>
-            </a:pPr>
-            <a:r>
-              <a:rPr kumimoji="0" lang="en-US" altLang="en-US" sz="2000" b="0" i="0" u="none" strike="noStrike" kern="0" cap="none" spc="0" normalizeH="0" baseline="0" noProof="0" dirty="0">
-                <a:ln>
-                  <a:noFill/>
-                </a:ln>
-                <a:solidFill>
-                  <a:srgbClr val="000000"/>
-                </a:solidFill>
-                <a:effectLst/>
-                <a:uLnTx/>
-                <a:uFillTx/>
-                <a:latin typeface="Courier New" panose="02070309020205020404" pitchFamily="49" charset="0"/>
-                <a:ea typeface="ＭＳ Ｐゴシック" panose="020B0600070205080204" pitchFamily="34" charset="-128"/>
-                <a:cs typeface="+mn-cs"/>
-              </a:rPr>
-              <a:t>}</a:t>
-            </a:r>
-          </a:p>
-          <a:p>
-            <a:pPr marL="230188" marR="0" lvl="0" indent="-230188" algn="l" defTabSz="914400" rtl="0" eaLnBrk="0" fontAlgn="base" latinLnBrk="0" hangingPunct="0">
-              <a:lnSpc>
-                <a:spcPct val="100000"/>
-              </a:lnSpc>
-              <a:spcBef>
-                <a:spcPct val="20000"/>
-              </a:spcBef>
-              <a:spcAft>
-                <a:spcPct val="0"/>
-              </a:spcAft>
-              <a:buClrTx/>
-              <a:buSzTx/>
-              <a:buFontTx/>
-              <a:buNone/>
-              <a:tabLst>
-                <a:tab pos="1255713" algn="l"/>
-              </a:tabLst>
-              <a:defRPr/>
-            </a:pPr>
-            <a:endParaRPr kumimoji="0" lang="en-US" altLang="en-US" sz="2000" b="0" i="0" u="none" strike="noStrike" kern="0" cap="none" spc="0" normalizeH="0" baseline="0" noProof="0" dirty="0">
-              <a:ln>
-                <a:noFill/>
-              </a:ln>
-              <a:solidFill>
-                <a:srgbClr val="000000"/>
-              </a:solidFill>
-              <a:effectLst/>
-              <a:uLnTx/>
-              <a:uFillTx/>
-              <a:latin typeface="Courier New" panose="02070309020205020404" pitchFamily="49" charset="0"/>
-              <a:ea typeface="ＭＳ Ｐゴシック" panose="020B0600070205080204" pitchFamily="34" charset="-128"/>
-              <a:cs typeface="+mn-cs"/>
-            </a:endParaRPr>
-          </a:p>
-          <a:p>
-            <a:pPr marL="230188" marR="0" lvl="0" indent="-230188" algn="l" defTabSz="914400" rtl="0" eaLnBrk="0" fontAlgn="base" latinLnBrk="0" hangingPunct="0">
-              <a:lnSpc>
-                <a:spcPct val="100000"/>
-              </a:lnSpc>
-              <a:spcBef>
-                <a:spcPct val="20000"/>
-              </a:spcBef>
-              <a:spcAft>
-                <a:spcPct val="0"/>
-              </a:spcAft>
-              <a:buClrTx/>
-              <a:buSzTx/>
-              <a:buFontTx/>
-              <a:buChar char="•"/>
-              <a:tabLst>
-                <a:tab pos="1255713" algn="l"/>
-              </a:tabLst>
-              <a:defRPr/>
-            </a:pPr>
-            <a:r>
-              <a:rPr kumimoji="0" lang="en-US" altLang="en-US" sz="2400" b="0" i="0" u="none" strike="noStrike" kern="0" cap="none" spc="0" normalizeH="0" baseline="0" noProof="0" dirty="0">
-                <a:ln>
-                  <a:noFill/>
-                </a:ln>
-                <a:solidFill>
-                  <a:srgbClr val="000000"/>
-                </a:solidFill>
-                <a:effectLst/>
-                <a:uLnTx/>
-                <a:uFillTx/>
-                <a:latin typeface="Times New Roman"/>
-                <a:ea typeface="ＭＳ Ｐゴシック" panose="020B0600070205080204" pitchFamily="34" charset="-128"/>
-                <a:cs typeface="+mn-cs"/>
-              </a:rPr>
-              <a:t>abstract </a:t>
-            </a:r>
-            <a:r>
-              <a:rPr kumimoji="0" lang="en-US" altLang="en-US" sz="2400" b="0" i="0" u="none" strike="noStrike" kern="0" cap="none" spc="0" normalizeH="0" baseline="0" noProof="0" dirty="0" err="1">
-                <a:ln>
-                  <a:noFill/>
-                </a:ln>
-                <a:solidFill>
-                  <a:srgbClr val="000000"/>
-                </a:solidFill>
-                <a:effectLst/>
-                <a:uLnTx/>
-                <a:uFillTx/>
-                <a:latin typeface="Courier New" panose="02070309020205020404" pitchFamily="49" charset="0"/>
-                <a:ea typeface="ＭＳ Ｐゴシック" panose="020B0600070205080204" pitchFamily="34" charset="-128"/>
-                <a:cs typeface="+mn-cs"/>
-              </a:rPr>
-              <a:t>Mouse</a:t>
-            </a:r>
-            <a:r>
-              <a:rPr kumimoji="0" lang="en-US" altLang="en-US" sz="2400" b="1" i="0" u="none" strike="noStrike" kern="0" cap="none" spc="0" normalizeH="0" baseline="0" noProof="0" dirty="0" err="1">
-                <a:ln>
-                  <a:noFill/>
-                </a:ln>
-                <a:solidFill>
-                  <a:srgbClr val="B2B2B2"/>
-                </a:solidFill>
-                <a:effectLst/>
-                <a:uLnTx/>
-                <a:uFillTx/>
-                <a:latin typeface="Courier New" panose="02070309020205020404" pitchFamily="49" charset="0"/>
-                <a:ea typeface="ＭＳ Ｐゴシック" panose="020B0600070205080204" pitchFamily="34" charset="-128"/>
-                <a:cs typeface="+mn-cs"/>
-              </a:rPr>
-              <a:t>Motion</a:t>
-            </a:r>
-            <a:r>
-              <a:rPr kumimoji="0" lang="en-US" altLang="en-US" sz="2400" b="0" i="0" u="none" strike="noStrike" kern="0" cap="none" spc="0" normalizeH="0" baseline="0" noProof="0" dirty="0" err="1">
-                <a:ln>
-                  <a:noFill/>
-                </a:ln>
-                <a:solidFill>
-                  <a:srgbClr val="000000"/>
-                </a:solidFill>
-                <a:effectLst/>
-                <a:uLnTx/>
-                <a:uFillTx/>
-                <a:latin typeface="Courier New" panose="02070309020205020404" pitchFamily="49" charset="0"/>
-                <a:ea typeface="ＭＳ Ｐゴシック" panose="020B0600070205080204" pitchFamily="34" charset="-128"/>
-                <a:cs typeface="+mn-cs"/>
-              </a:rPr>
-              <a:t>Adapter</a:t>
-            </a:r>
-            <a:r>
-              <a:rPr kumimoji="0" lang="en-US" altLang="en-US" sz="2400" b="0" i="0" u="none" strike="noStrike" kern="0" cap="none" spc="0" normalizeH="0" baseline="0" noProof="0" dirty="0">
-                <a:ln>
-                  <a:noFill/>
-                </a:ln>
-                <a:solidFill>
-                  <a:srgbClr val="000000"/>
-                </a:solidFill>
-                <a:effectLst/>
-                <a:uLnTx/>
-                <a:uFillTx/>
-                <a:latin typeface="Times New Roman"/>
-                <a:ea typeface="ＭＳ Ｐゴシック" panose="020B0600070205080204" pitchFamily="34" charset="-128"/>
-                <a:cs typeface="+mn-cs"/>
-              </a:rPr>
-              <a:t> class provides empty implementations of both methods if you just want to override one</a:t>
-            </a:r>
-          </a:p>
-          <a:p>
             <a:pPr marL="0" indent="0">
               <a:lnSpc>
                 <a:spcPct val="90000"/>
               </a:lnSpc>
               <a:buNone/>
             </a:pPr>
-            <a:endParaRPr lang="en-US" altLang="en-US" sz="2400" dirty="0"/>
+            <a:r>
+              <a:rPr lang="en-US" altLang="en-US" dirty="0"/>
+              <a:t> </a:t>
+            </a:r>
           </a:p>
         </p:txBody>
       </p:sp>
@@ -5593,10 +4948,366 @@
           </a:p>
         </p:txBody>
       </p:sp>
+      <p:sp>
+        <p:nvSpPr>
+          <p:cNvPr id="7" name="Rectangle 3">
+            <a:extLst>
+              <a:ext uri="{FF2B5EF4-FFF2-40B4-BE49-F238E27FC236}">
+                <a16:creationId xmlns="" xmlns:a16="http://schemas.microsoft.com/office/drawing/2014/main" id="{DEDACB95-5F47-46A8-B479-8C7528ED8C04}"/>
+              </a:ext>
+            </a:extLst>
+          </p:cNvPr>
+          <p:cNvSpPr txBox="1">
+            <a:spLocks noChangeArrowheads="1"/>
+          </p:cNvSpPr>
+          <p:nvPr/>
+        </p:nvSpPr>
+        <p:spPr>
+          <a:xfrm>
+            <a:off x="2534264" y="1428136"/>
+            <a:ext cx="7772400" cy="4343400"/>
+          </a:xfrm>
+          <a:prstGeom prst="rect">
+            <a:avLst/>
+          </a:prstGeom>
+        </p:spPr>
+        <p:txBody>
+          <a:bodyPr vert="horz" lIns="91440" tIns="45720" rIns="91440" bIns="45720" rtlCol="0">
+            <a:normAutofit/>
+          </a:bodyPr>
+          <a:lstStyle>
+            <a:lvl1pPr marL="228600" indent="-228600" algn="l" defTabSz="914400" rtl="0" eaLnBrk="1" latinLnBrk="0" hangingPunct="1">
+              <a:lnSpc>
+                <a:spcPct val="90000"/>
+              </a:lnSpc>
+              <a:spcBef>
+                <a:spcPts val="1000"/>
+              </a:spcBef>
+              <a:buFont typeface="Arial" panose="020B0604020202020204" pitchFamily="34" charset="0"/>
+              <a:buChar char="•"/>
+              <a:defRPr sz="2800" kern="1200">
+                <a:solidFill>
+                  <a:schemeClr val="tx1"/>
+                </a:solidFill>
+                <a:latin typeface="+mn-lt"/>
+                <a:ea typeface="+mn-ea"/>
+                <a:cs typeface="+mn-cs"/>
+              </a:defRPr>
+            </a:lvl1pPr>
+            <a:lvl2pPr marL="685800" indent="-228600" algn="l" defTabSz="914400" rtl="0" eaLnBrk="1" latinLnBrk="0" hangingPunct="1">
+              <a:lnSpc>
+                <a:spcPct val="90000"/>
+              </a:lnSpc>
+              <a:spcBef>
+                <a:spcPts val="500"/>
+              </a:spcBef>
+              <a:buFont typeface="Arial" panose="020B0604020202020204" pitchFamily="34" charset="0"/>
+              <a:buChar char="•"/>
+              <a:defRPr sz="2400" kern="1200">
+                <a:solidFill>
+                  <a:schemeClr val="tx1"/>
+                </a:solidFill>
+                <a:latin typeface="+mn-lt"/>
+                <a:ea typeface="+mn-ea"/>
+                <a:cs typeface="+mn-cs"/>
+              </a:defRPr>
+            </a:lvl2pPr>
+            <a:lvl3pPr marL="1143000" indent="-228600" algn="l" defTabSz="914400" rtl="0" eaLnBrk="1" latinLnBrk="0" hangingPunct="1">
+              <a:lnSpc>
+                <a:spcPct val="90000"/>
+              </a:lnSpc>
+              <a:spcBef>
+                <a:spcPts val="500"/>
+              </a:spcBef>
+              <a:buFont typeface="Arial" panose="020B0604020202020204" pitchFamily="34" charset="0"/>
+              <a:buChar char="•"/>
+              <a:defRPr sz="2000" kern="1200">
+                <a:solidFill>
+                  <a:schemeClr val="tx1"/>
+                </a:solidFill>
+                <a:latin typeface="+mn-lt"/>
+                <a:ea typeface="+mn-ea"/>
+                <a:cs typeface="+mn-cs"/>
+              </a:defRPr>
+            </a:lvl3pPr>
+            <a:lvl4pPr marL="1600200" indent="-228600" algn="l" defTabSz="914400" rtl="0" eaLnBrk="1" latinLnBrk="0" hangingPunct="1">
+              <a:lnSpc>
+                <a:spcPct val="90000"/>
+              </a:lnSpc>
+              <a:spcBef>
+                <a:spcPts val="500"/>
+              </a:spcBef>
+              <a:buFont typeface="Arial" panose="020B0604020202020204" pitchFamily="34" charset="0"/>
+              <a:buChar char="•"/>
+              <a:defRPr sz="1800" kern="1200">
+                <a:solidFill>
+                  <a:schemeClr val="tx1"/>
+                </a:solidFill>
+                <a:latin typeface="+mn-lt"/>
+                <a:ea typeface="+mn-ea"/>
+                <a:cs typeface="+mn-cs"/>
+              </a:defRPr>
+            </a:lvl4pPr>
+            <a:lvl5pPr marL="2057400" indent="-228600" algn="l" defTabSz="914400" rtl="0" eaLnBrk="1" latinLnBrk="0" hangingPunct="1">
+              <a:lnSpc>
+                <a:spcPct val="90000"/>
+              </a:lnSpc>
+              <a:spcBef>
+                <a:spcPts val="500"/>
+              </a:spcBef>
+              <a:buFont typeface="Arial" panose="020B0604020202020204" pitchFamily="34" charset="0"/>
+              <a:buChar char="•"/>
+              <a:defRPr sz="1800" kern="1200">
+                <a:solidFill>
+                  <a:schemeClr val="tx1"/>
+                </a:solidFill>
+                <a:latin typeface="+mn-lt"/>
+                <a:ea typeface="+mn-ea"/>
+                <a:cs typeface="+mn-cs"/>
+              </a:defRPr>
+            </a:lvl5pPr>
+            <a:lvl6pPr marL="2514600" indent="-228600" algn="l" defTabSz="914400" rtl="0" eaLnBrk="1" latinLnBrk="0" hangingPunct="1">
+              <a:lnSpc>
+                <a:spcPct val="90000"/>
+              </a:lnSpc>
+              <a:spcBef>
+                <a:spcPts val="500"/>
+              </a:spcBef>
+              <a:buFont typeface="Arial" panose="020B0604020202020204" pitchFamily="34" charset="0"/>
+              <a:buChar char="•"/>
+              <a:defRPr sz="1800" kern="1200">
+                <a:solidFill>
+                  <a:schemeClr val="tx1"/>
+                </a:solidFill>
+                <a:latin typeface="+mn-lt"/>
+                <a:ea typeface="+mn-ea"/>
+                <a:cs typeface="+mn-cs"/>
+              </a:defRPr>
+            </a:lvl6pPr>
+            <a:lvl7pPr marL="2971800" indent="-228600" algn="l" defTabSz="914400" rtl="0" eaLnBrk="1" latinLnBrk="0" hangingPunct="1">
+              <a:lnSpc>
+                <a:spcPct val="90000"/>
+              </a:lnSpc>
+              <a:spcBef>
+                <a:spcPts val="500"/>
+              </a:spcBef>
+              <a:buFont typeface="Arial" panose="020B0604020202020204" pitchFamily="34" charset="0"/>
+              <a:buChar char="•"/>
+              <a:defRPr sz="1800" kern="1200">
+                <a:solidFill>
+                  <a:schemeClr val="tx1"/>
+                </a:solidFill>
+                <a:latin typeface="+mn-lt"/>
+                <a:ea typeface="+mn-ea"/>
+                <a:cs typeface="+mn-cs"/>
+              </a:defRPr>
+            </a:lvl7pPr>
+            <a:lvl8pPr marL="3429000" indent="-228600" algn="l" defTabSz="914400" rtl="0" eaLnBrk="1" latinLnBrk="0" hangingPunct="1">
+              <a:lnSpc>
+                <a:spcPct val="90000"/>
+              </a:lnSpc>
+              <a:spcBef>
+                <a:spcPts val="500"/>
+              </a:spcBef>
+              <a:buFont typeface="Arial" panose="020B0604020202020204" pitchFamily="34" charset="0"/>
+              <a:buChar char="•"/>
+              <a:defRPr sz="1800" kern="1200">
+                <a:solidFill>
+                  <a:schemeClr val="tx1"/>
+                </a:solidFill>
+                <a:latin typeface="+mn-lt"/>
+                <a:ea typeface="+mn-ea"/>
+                <a:cs typeface="+mn-cs"/>
+              </a:defRPr>
+            </a:lvl8pPr>
+            <a:lvl9pPr marL="3886200" indent="-228600" algn="l" defTabSz="914400" rtl="0" eaLnBrk="1" latinLnBrk="0" hangingPunct="1">
+              <a:lnSpc>
+                <a:spcPct val="90000"/>
+              </a:lnSpc>
+              <a:spcBef>
+                <a:spcPts val="500"/>
+              </a:spcBef>
+              <a:buFont typeface="Arial" panose="020B0604020202020204" pitchFamily="34" charset="0"/>
+              <a:buChar char="•"/>
+              <a:defRPr sz="1800" kern="1200">
+                <a:solidFill>
+                  <a:schemeClr val="tx1"/>
+                </a:solidFill>
+                <a:latin typeface="+mn-lt"/>
+                <a:ea typeface="+mn-ea"/>
+                <a:cs typeface="+mn-cs"/>
+              </a:defRPr>
+            </a:lvl9pPr>
+          </a:lstStyle>
+          <a:p>
+            <a:pPr>
+              <a:buFontTx/>
+              <a:buNone/>
+            </a:pPr>
+            <a:r>
+              <a:rPr lang="en-US" altLang="en-US" sz="1400">
+                <a:latin typeface="Courier New" panose="02070309020205020404" pitchFamily="49" charset="0"/>
+              </a:rPr>
+              <a:t>public class MyMouseMotionAdapter </a:t>
+            </a:r>
+          </a:p>
+          <a:p>
+            <a:pPr>
+              <a:buFontTx/>
+              <a:buNone/>
+            </a:pPr>
+            <a:r>
+              <a:rPr lang="en-US" altLang="en-US" sz="1400">
+                <a:latin typeface="Courier New" panose="02070309020205020404" pitchFamily="49" charset="0"/>
+              </a:rPr>
+              <a:t>  </a:t>
+            </a:r>
+            <a:r>
+              <a:rPr lang="en-US" altLang="en-US" sz="1400" b="1" i="1">
+                <a:solidFill>
+                  <a:schemeClr val="folHlink"/>
+                </a:solidFill>
+                <a:latin typeface="Courier New" panose="02070309020205020404" pitchFamily="49" charset="0"/>
+              </a:rPr>
+              <a:t>extends</a:t>
+            </a:r>
+            <a:r>
+              <a:rPr lang="en-US" altLang="en-US" sz="1400" b="1">
+                <a:latin typeface="Courier New" panose="02070309020205020404" pitchFamily="49" charset="0"/>
+              </a:rPr>
+              <a:t> MouseMotionAdapter </a:t>
+            </a:r>
+          </a:p>
+          <a:p>
+            <a:pPr>
+              <a:buFontTx/>
+              <a:buNone/>
+            </a:pPr>
+            <a:r>
+              <a:rPr lang="en-US" altLang="en-US" sz="1400">
+                <a:latin typeface="Courier New" panose="02070309020205020404" pitchFamily="49" charset="0"/>
+              </a:rPr>
+              <a:t>{</a:t>
+            </a:r>
+          </a:p>
+          <a:p>
+            <a:pPr>
+              <a:buFontTx/>
+              <a:buNone/>
+            </a:pPr>
+            <a:r>
+              <a:rPr lang="en-US" altLang="en-US" sz="1400">
+                <a:latin typeface="Courier New" panose="02070309020205020404" pitchFamily="49" charset="0"/>
+              </a:rPr>
+              <a:t>  public void mouseMoved(MouseEvent event) {</a:t>
+            </a:r>
+          </a:p>
+          <a:p>
+            <a:pPr>
+              <a:buFontTx/>
+              <a:buNone/>
+            </a:pPr>
+            <a:r>
+              <a:rPr lang="en-US" altLang="en-US" sz="1400">
+                <a:latin typeface="Courier New" panose="02070309020205020404" pitchFamily="49" charset="0"/>
+              </a:rPr>
+              <a:t>    Point p = event.getPoint();</a:t>
+            </a:r>
+          </a:p>
+          <a:p>
+            <a:pPr>
+              <a:buFontTx/>
+              <a:buNone/>
+            </a:pPr>
+            <a:r>
+              <a:rPr lang="en-US" altLang="en-US" sz="1400">
+                <a:latin typeface="Courier New" panose="02070309020205020404" pitchFamily="49" charset="0"/>
+              </a:rPr>
+              <a:t>    System.out.println(“User moved the mouse to ” + p);</a:t>
+            </a:r>
+          </a:p>
+          <a:p>
+            <a:pPr>
+              <a:buFontTx/>
+              <a:buNone/>
+            </a:pPr>
+            <a:r>
+              <a:rPr lang="en-US" altLang="en-US" sz="1400">
+                <a:latin typeface="Courier New" panose="02070309020205020404" pitchFamily="49" charset="0"/>
+              </a:rPr>
+              <a:t>  }</a:t>
+            </a:r>
+          </a:p>
+          <a:p>
+            <a:pPr>
+              <a:buFontTx/>
+              <a:buNone/>
+            </a:pPr>
+            <a:r>
+              <a:rPr lang="en-US" altLang="en-US" sz="1400">
+                <a:latin typeface="Courier New" panose="02070309020205020404" pitchFamily="49" charset="0"/>
+              </a:rPr>
+              <a:t>}</a:t>
+            </a:r>
+          </a:p>
+          <a:p>
+            <a:pPr>
+              <a:buFontTx/>
+              <a:buNone/>
+            </a:pPr>
+            <a:endParaRPr lang="en-US" altLang="en-US" sz="1400">
+              <a:latin typeface="Courier New" panose="02070309020205020404" pitchFamily="49" charset="0"/>
+            </a:endParaRPr>
+          </a:p>
+          <a:p>
+            <a:pPr>
+              <a:buFontTx/>
+              <a:buNone/>
+            </a:pPr>
+            <a:r>
+              <a:rPr lang="en-US" altLang="en-US" sz="1400">
+                <a:latin typeface="Courier New" panose="02070309020205020404" pitchFamily="49" charset="0"/>
+              </a:rPr>
+              <a:t>// using the listener</a:t>
+            </a:r>
+          </a:p>
+          <a:p>
+            <a:pPr>
+              <a:buFontTx/>
+              <a:buNone/>
+            </a:pPr>
+            <a:r>
+              <a:rPr lang="en-US" altLang="en-US" sz="1400">
+                <a:latin typeface="Courier New" panose="02070309020205020404" pitchFamily="49" charset="0"/>
+              </a:rPr>
+              <a:t>myPanel.</a:t>
+            </a:r>
+            <a:r>
+              <a:rPr lang="en-US" altLang="en-US" sz="1400" b="1">
+                <a:latin typeface="Courier New" panose="02070309020205020404" pitchFamily="49" charset="0"/>
+              </a:rPr>
+              <a:t>addMouseMotionListener</a:t>
+            </a:r>
+            <a:r>
+              <a:rPr lang="en-US" altLang="en-US" sz="1400">
+                <a:latin typeface="Courier New" panose="02070309020205020404" pitchFamily="49" charset="0"/>
+              </a:rPr>
+              <a:t>(new MyMouseMotionAdapter());</a:t>
+            </a:r>
+          </a:p>
+          <a:p>
+            <a:pPr>
+              <a:buFontTx/>
+              <a:buNone/>
+            </a:pPr>
+            <a:endParaRPr lang="en-US" altLang="en-US" sz="2000" dirty="0"/>
+          </a:p>
+        </p:txBody>
+      </p:sp>
     </p:spTree>
     <p:extLst>
       <p:ext uri="{BB962C8B-B14F-4D97-AF65-F5344CB8AC3E}">
-        <p14:creationId xmlns:p14="http://schemas.microsoft.com/office/powerpoint/2010/main" xmlns="" val="312691650"/>
+        <p14:creationId xmlns="" xmlns:p14="http://schemas.microsoft.com/office/powerpoint/2010/main" val="2325179049"/>
       </p:ext>
     </p:extLst>
   </p:cSld>
@@ -5639,505 +5350,6 @@
           <a:lstStyle/>
           <a:p>
             <a:r>
-              <a:rPr lang="en-US" altLang="en-US" sz="4400" dirty="0"/>
-              <a:t>An Example </a:t>
-            </a:r>
-            <a:r>
-              <a:rPr lang="en-US" altLang="en-US" sz="4400" dirty="0" err="1">
-                <a:latin typeface="Courier New" panose="02070309020205020404" pitchFamily="49" charset="0"/>
-              </a:rPr>
-              <a:t>MouseMotionAdapter</a:t>
-            </a:r>
-            <a:endParaRPr lang="en-CA" dirty="0"/>
-          </a:p>
-        </p:txBody>
-      </p:sp>
-      <p:sp>
-        <p:nvSpPr>
-          <p:cNvPr id="3" name="Content Placeholder 2"/>
-          <p:cNvSpPr>
-            <a:spLocks noGrp="1"/>
-          </p:cNvSpPr>
-          <p:nvPr>
-            <p:ph idx="1"/>
-          </p:nvPr>
-        </p:nvSpPr>
-        <p:spPr>
-          <a:xfrm>
-            <a:off x="640874" y="1168401"/>
-            <a:ext cx="10515600" cy="5025922"/>
-          </a:xfrm>
-        </p:spPr>
-        <p:txBody>
-          <a:bodyPr>
-            <a:normAutofit/>
-          </a:bodyPr>
-          <a:lstStyle/>
-          <a:p>
-            <a:pPr marL="0" indent="0">
-              <a:lnSpc>
-                <a:spcPct val="90000"/>
-              </a:lnSpc>
-              <a:buNone/>
-            </a:pPr>
-            <a:r>
-              <a:rPr lang="en-US" altLang="en-US" dirty="0"/>
-              <a:t> </a:t>
-            </a:r>
-          </a:p>
-        </p:txBody>
-      </p:sp>
-      <p:sp>
-        <p:nvSpPr>
-          <p:cNvPr id="10" name="Footer Placeholder 9"/>
-          <p:cNvSpPr>
-            <a:spLocks noGrp="1"/>
-          </p:cNvSpPr>
-          <p:nvPr>
-            <p:ph type="ftr" sz="quarter" idx="3"/>
-          </p:nvPr>
-        </p:nvSpPr>
-        <p:spPr/>
-        <p:txBody>
-          <a:bodyPr/>
-          <a:lstStyle/>
-          <a:p>
-            <a:r>
-              <a:rPr lang="en-CA" dirty="0"/>
-              <a:t>CS321: Advanced Programming Techniques</a:t>
-            </a:r>
-          </a:p>
-        </p:txBody>
-      </p:sp>
-      <p:sp>
-        <p:nvSpPr>
-          <p:cNvPr id="12" name="Slide Number Placeholder 11"/>
-          <p:cNvSpPr>
-            <a:spLocks noGrp="1"/>
-          </p:cNvSpPr>
-          <p:nvPr>
-            <p:ph type="sldNum" sz="quarter" idx="4"/>
-          </p:nvPr>
-        </p:nvSpPr>
-        <p:spPr/>
-        <p:txBody>
-          <a:bodyPr/>
-          <a:lstStyle/>
-          <a:p>
-            <a:fld id="{5174927E-2439-42C0-9720-7BBCA09BF46F}" type="slidenum">
-              <a:rPr lang="en-CA" smtClean="0"/>
-              <a:pPr/>
-              <a:t>13</a:t>
-            </a:fld>
-            <a:r>
-              <a:rPr lang="en-CA" dirty="0"/>
-              <a:t> </a:t>
-            </a:r>
-          </a:p>
-        </p:txBody>
-      </p:sp>
-      <p:sp>
-        <p:nvSpPr>
-          <p:cNvPr id="7" name="Rectangle 3">
-            <a:extLst>
-              <a:ext uri="{FF2B5EF4-FFF2-40B4-BE49-F238E27FC236}">
-                <a16:creationId xmlns:a16="http://schemas.microsoft.com/office/drawing/2014/main" xmlns="" id="{DEDACB95-5F47-46A8-B479-8C7528ED8C04}"/>
-              </a:ext>
-            </a:extLst>
-          </p:cNvPr>
-          <p:cNvSpPr txBox="1">
-            <a:spLocks noChangeArrowheads="1"/>
-          </p:cNvSpPr>
-          <p:nvPr/>
-        </p:nvSpPr>
-        <p:spPr>
-          <a:xfrm>
-            <a:off x="2534264" y="1428136"/>
-            <a:ext cx="7772400" cy="4343400"/>
-          </a:xfrm>
-          <a:prstGeom prst="rect">
-            <a:avLst/>
-          </a:prstGeom>
-        </p:spPr>
-        <p:txBody>
-          <a:bodyPr vert="horz" lIns="91440" tIns="45720" rIns="91440" bIns="45720" rtlCol="0">
-            <a:normAutofit/>
-          </a:bodyPr>
-          <a:lstStyle>
-            <a:lvl1pPr marL="228600" indent="-228600" algn="l" defTabSz="914400" rtl="0" eaLnBrk="1" latinLnBrk="0" hangingPunct="1">
-              <a:lnSpc>
-                <a:spcPct val="90000"/>
-              </a:lnSpc>
-              <a:spcBef>
-                <a:spcPts val="1000"/>
-              </a:spcBef>
-              <a:buFont typeface="Arial" panose="020B0604020202020204" pitchFamily="34" charset="0"/>
-              <a:buChar char="•"/>
-              <a:defRPr sz="2800" kern="1200">
-                <a:solidFill>
-                  <a:schemeClr val="tx1"/>
-                </a:solidFill>
-                <a:latin typeface="+mn-lt"/>
-                <a:ea typeface="+mn-ea"/>
-                <a:cs typeface="+mn-cs"/>
-              </a:defRPr>
-            </a:lvl1pPr>
-            <a:lvl2pPr marL="685800" indent="-228600" algn="l" defTabSz="914400" rtl="0" eaLnBrk="1" latinLnBrk="0" hangingPunct="1">
-              <a:lnSpc>
-                <a:spcPct val="90000"/>
-              </a:lnSpc>
-              <a:spcBef>
-                <a:spcPts val="500"/>
-              </a:spcBef>
-              <a:buFont typeface="Arial" panose="020B0604020202020204" pitchFamily="34" charset="0"/>
-              <a:buChar char="•"/>
-              <a:defRPr sz="2400" kern="1200">
-                <a:solidFill>
-                  <a:schemeClr val="tx1"/>
-                </a:solidFill>
-                <a:latin typeface="+mn-lt"/>
-                <a:ea typeface="+mn-ea"/>
-                <a:cs typeface="+mn-cs"/>
-              </a:defRPr>
-            </a:lvl2pPr>
-            <a:lvl3pPr marL="1143000" indent="-228600" algn="l" defTabSz="914400" rtl="0" eaLnBrk="1" latinLnBrk="0" hangingPunct="1">
-              <a:lnSpc>
-                <a:spcPct val="90000"/>
-              </a:lnSpc>
-              <a:spcBef>
-                <a:spcPts val="500"/>
-              </a:spcBef>
-              <a:buFont typeface="Arial" panose="020B0604020202020204" pitchFamily="34" charset="0"/>
-              <a:buChar char="•"/>
-              <a:defRPr sz="2000" kern="1200">
-                <a:solidFill>
-                  <a:schemeClr val="tx1"/>
-                </a:solidFill>
-                <a:latin typeface="+mn-lt"/>
-                <a:ea typeface="+mn-ea"/>
-                <a:cs typeface="+mn-cs"/>
-              </a:defRPr>
-            </a:lvl3pPr>
-            <a:lvl4pPr marL="1600200" indent="-228600" algn="l" defTabSz="914400" rtl="0" eaLnBrk="1" latinLnBrk="0" hangingPunct="1">
-              <a:lnSpc>
-                <a:spcPct val="90000"/>
-              </a:lnSpc>
-              <a:spcBef>
-                <a:spcPts val="500"/>
-              </a:spcBef>
-              <a:buFont typeface="Arial" panose="020B0604020202020204" pitchFamily="34" charset="0"/>
-              <a:buChar char="•"/>
-              <a:defRPr sz="1800" kern="1200">
-                <a:solidFill>
-                  <a:schemeClr val="tx1"/>
-                </a:solidFill>
-                <a:latin typeface="+mn-lt"/>
-                <a:ea typeface="+mn-ea"/>
-                <a:cs typeface="+mn-cs"/>
-              </a:defRPr>
-            </a:lvl4pPr>
-            <a:lvl5pPr marL="2057400" indent="-228600" algn="l" defTabSz="914400" rtl="0" eaLnBrk="1" latinLnBrk="0" hangingPunct="1">
-              <a:lnSpc>
-                <a:spcPct val="90000"/>
-              </a:lnSpc>
-              <a:spcBef>
-                <a:spcPts val="500"/>
-              </a:spcBef>
-              <a:buFont typeface="Arial" panose="020B0604020202020204" pitchFamily="34" charset="0"/>
-              <a:buChar char="•"/>
-              <a:defRPr sz="1800" kern="1200">
-                <a:solidFill>
-                  <a:schemeClr val="tx1"/>
-                </a:solidFill>
-                <a:latin typeface="+mn-lt"/>
-                <a:ea typeface="+mn-ea"/>
-                <a:cs typeface="+mn-cs"/>
-              </a:defRPr>
-            </a:lvl5pPr>
-            <a:lvl6pPr marL="2514600" indent="-228600" algn="l" defTabSz="914400" rtl="0" eaLnBrk="1" latinLnBrk="0" hangingPunct="1">
-              <a:lnSpc>
-                <a:spcPct val="90000"/>
-              </a:lnSpc>
-              <a:spcBef>
-                <a:spcPts val="500"/>
-              </a:spcBef>
-              <a:buFont typeface="Arial" panose="020B0604020202020204" pitchFamily="34" charset="0"/>
-              <a:buChar char="•"/>
-              <a:defRPr sz="1800" kern="1200">
-                <a:solidFill>
-                  <a:schemeClr val="tx1"/>
-                </a:solidFill>
-                <a:latin typeface="+mn-lt"/>
-                <a:ea typeface="+mn-ea"/>
-                <a:cs typeface="+mn-cs"/>
-              </a:defRPr>
-            </a:lvl6pPr>
-            <a:lvl7pPr marL="2971800" indent="-228600" algn="l" defTabSz="914400" rtl="0" eaLnBrk="1" latinLnBrk="0" hangingPunct="1">
-              <a:lnSpc>
-                <a:spcPct val="90000"/>
-              </a:lnSpc>
-              <a:spcBef>
-                <a:spcPts val="500"/>
-              </a:spcBef>
-              <a:buFont typeface="Arial" panose="020B0604020202020204" pitchFamily="34" charset="0"/>
-              <a:buChar char="•"/>
-              <a:defRPr sz="1800" kern="1200">
-                <a:solidFill>
-                  <a:schemeClr val="tx1"/>
-                </a:solidFill>
-                <a:latin typeface="+mn-lt"/>
-                <a:ea typeface="+mn-ea"/>
-                <a:cs typeface="+mn-cs"/>
-              </a:defRPr>
-            </a:lvl7pPr>
-            <a:lvl8pPr marL="3429000" indent="-228600" algn="l" defTabSz="914400" rtl="0" eaLnBrk="1" latinLnBrk="0" hangingPunct="1">
-              <a:lnSpc>
-                <a:spcPct val="90000"/>
-              </a:lnSpc>
-              <a:spcBef>
-                <a:spcPts val="500"/>
-              </a:spcBef>
-              <a:buFont typeface="Arial" panose="020B0604020202020204" pitchFamily="34" charset="0"/>
-              <a:buChar char="•"/>
-              <a:defRPr sz="1800" kern="1200">
-                <a:solidFill>
-                  <a:schemeClr val="tx1"/>
-                </a:solidFill>
-                <a:latin typeface="+mn-lt"/>
-                <a:ea typeface="+mn-ea"/>
-                <a:cs typeface="+mn-cs"/>
-              </a:defRPr>
-            </a:lvl8pPr>
-            <a:lvl9pPr marL="3886200" indent="-228600" algn="l" defTabSz="914400" rtl="0" eaLnBrk="1" latinLnBrk="0" hangingPunct="1">
-              <a:lnSpc>
-                <a:spcPct val="90000"/>
-              </a:lnSpc>
-              <a:spcBef>
-                <a:spcPts val="500"/>
-              </a:spcBef>
-              <a:buFont typeface="Arial" panose="020B0604020202020204" pitchFamily="34" charset="0"/>
-              <a:buChar char="•"/>
-              <a:defRPr sz="1800" kern="1200">
-                <a:solidFill>
-                  <a:schemeClr val="tx1"/>
-                </a:solidFill>
-                <a:latin typeface="+mn-lt"/>
-                <a:ea typeface="+mn-ea"/>
-                <a:cs typeface="+mn-cs"/>
-              </a:defRPr>
-            </a:lvl9pPr>
-          </a:lstStyle>
-          <a:p>
-            <a:pPr>
-              <a:buFontTx/>
-              <a:buNone/>
-            </a:pPr>
-            <a:r>
-              <a:rPr lang="en-US" altLang="en-US" sz="1400">
-                <a:latin typeface="Courier New" panose="02070309020205020404" pitchFamily="49" charset="0"/>
-              </a:rPr>
-              <a:t>public class MyMouseMotionAdapter </a:t>
-            </a:r>
-          </a:p>
-          <a:p>
-            <a:pPr>
-              <a:buFontTx/>
-              <a:buNone/>
-            </a:pPr>
-            <a:r>
-              <a:rPr lang="en-US" altLang="en-US" sz="1400">
-                <a:latin typeface="Courier New" panose="02070309020205020404" pitchFamily="49" charset="0"/>
-              </a:rPr>
-              <a:t>  </a:t>
-            </a:r>
-            <a:r>
-              <a:rPr lang="en-US" altLang="en-US" sz="1400" b="1" i="1">
-                <a:solidFill>
-                  <a:schemeClr val="folHlink"/>
-                </a:solidFill>
-                <a:latin typeface="Courier New" panose="02070309020205020404" pitchFamily="49" charset="0"/>
-              </a:rPr>
-              <a:t>extends</a:t>
-            </a:r>
-            <a:r>
-              <a:rPr lang="en-US" altLang="en-US" sz="1400" b="1">
-                <a:latin typeface="Courier New" panose="02070309020205020404" pitchFamily="49" charset="0"/>
-              </a:rPr>
-              <a:t> MouseMotionAdapter </a:t>
-            </a:r>
-          </a:p>
-          <a:p>
-            <a:pPr>
-              <a:buFontTx/>
-              <a:buNone/>
-            </a:pPr>
-            <a:r>
-              <a:rPr lang="en-US" altLang="en-US" sz="1400">
-                <a:latin typeface="Courier New" panose="02070309020205020404" pitchFamily="49" charset="0"/>
-              </a:rPr>
-              <a:t>{</a:t>
-            </a:r>
-          </a:p>
-          <a:p>
-            <a:pPr>
-              <a:buFontTx/>
-              <a:buNone/>
-            </a:pPr>
-            <a:r>
-              <a:rPr lang="en-US" altLang="en-US" sz="1400">
-                <a:latin typeface="Courier New" panose="02070309020205020404" pitchFamily="49" charset="0"/>
-              </a:rPr>
-              <a:t>  public void mouseMoved(MouseEvent event) {</a:t>
-            </a:r>
-          </a:p>
-          <a:p>
-            <a:pPr>
-              <a:buFontTx/>
-              <a:buNone/>
-            </a:pPr>
-            <a:r>
-              <a:rPr lang="en-US" altLang="en-US" sz="1400">
-                <a:latin typeface="Courier New" panose="02070309020205020404" pitchFamily="49" charset="0"/>
-              </a:rPr>
-              <a:t>    Point p = event.getPoint();</a:t>
-            </a:r>
-          </a:p>
-          <a:p>
-            <a:pPr>
-              <a:buFontTx/>
-              <a:buNone/>
-            </a:pPr>
-            <a:r>
-              <a:rPr lang="en-US" altLang="en-US" sz="1400">
-                <a:latin typeface="Courier New" panose="02070309020205020404" pitchFamily="49" charset="0"/>
-              </a:rPr>
-              <a:t>    System.out.println(“User moved the mouse to ” + p);</a:t>
-            </a:r>
-          </a:p>
-          <a:p>
-            <a:pPr>
-              <a:buFontTx/>
-              <a:buNone/>
-            </a:pPr>
-            <a:r>
-              <a:rPr lang="en-US" altLang="en-US" sz="1400">
-                <a:latin typeface="Courier New" panose="02070309020205020404" pitchFamily="49" charset="0"/>
-              </a:rPr>
-              <a:t>  }</a:t>
-            </a:r>
-          </a:p>
-          <a:p>
-            <a:pPr>
-              <a:buFontTx/>
-              <a:buNone/>
-            </a:pPr>
-            <a:r>
-              <a:rPr lang="en-US" altLang="en-US" sz="1400">
-                <a:latin typeface="Courier New" panose="02070309020205020404" pitchFamily="49" charset="0"/>
-              </a:rPr>
-              <a:t>}</a:t>
-            </a:r>
-          </a:p>
-          <a:p>
-            <a:pPr>
-              <a:buFontTx/>
-              <a:buNone/>
-            </a:pPr>
-            <a:endParaRPr lang="en-US" altLang="en-US" sz="1400">
-              <a:latin typeface="Courier New" panose="02070309020205020404" pitchFamily="49" charset="0"/>
-            </a:endParaRPr>
-          </a:p>
-          <a:p>
-            <a:pPr>
-              <a:buFontTx/>
-              <a:buNone/>
-            </a:pPr>
-            <a:r>
-              <a:rPr lang="en-US" altLang="en-US" sz="1400">
-                <a:latin typeface="Courier New" panose="02070309020205020404" pitchFamily="49" charset="0"/>
-              </a:rPr>
-              <a:t>// using the listener</a:t>
-            </a:r>
-          </a:p>
-          <a:p>
-            <a:pPr>
-              <a:buFontTx/>
-              <a:buNone/>
-            </a:pPr>
-            <a:r>
-              <a:rPr lang="en-US" altLang="en-US" sz="1400">
-                <a:latin typeface="Courier New" panose="02070309020205020404" pitchFamily="49" charset="0"/>
-              </a:rPr>
-              <a:t>myPanel.</a:t>
-            </a:r>
-            <a:r>
-              <a:rPr lang="en-US" altLang="en-US" sz="1400" b="1">
-                <a:latin typeface="Courier New" panose="02070309020205020404" pitchFamily="49" charset="0"/>
-              </a:rPr>
-              <a:t>addMouseMotionListener</a:t>
-            </a:r>
-            <a:r>
-              <a:rPr lang="en-US" altLang="en-US" sz="1400">
-                <a:latin typeface="Courier New" panose="02070309020205020404" pitchFamily="49" charset="0"/>
-              </a:rPr>
-              <a:t>(new MyMouseMotionAdapter());</a:t>
-            </a:r>
-          </a:p>
-          <a:p>
-            <a:pPr>
-              <a:buFontTx/>
-              <a:buNone/>
-            </a:pPr>
-            <a:endParaRPr lang="en-US" altLang="en-US" sz="2000" dirty="0"/>
-          </a:p>
-        </p:txBody>
-      </p:sp>
-    </p:spTree>
-    <p:extLst>
-      <p:ext uri="{BB962C8B-B14F-4D97-AF65-F5344CB8AC3E}">
-        <p14:creationId xmlns:p14="http://schemas.microsoft.com/office/powerpoint/2010/main" xmlns="" val="2325179049"/>
-      </p:ext>
-    </p:extLst>
-  </p:cSld>
-  <p:clrMapOvr>
-    <a:masterClrMapping/>
-  </p:clrMapOvr>
-</p:sld>
-</file>
-
-<file path=ppt/slides/slide14.xml><?xml version="1.0" encoding="utf-8"?>
-<p:sld xmlns:a="http://schemas.openxmlformats.org/drawingml/2006/main" xmlns:r="http://schemas.openxmlformats.org/officeDocument/2006/relationships" xmlns:p="http://schemas.openxmlformats.org/presentationml/2006/main">
-  <p:cSld>
-    <p:spTree>
-      <p:nvGrpSpPr>
-        <p:cNvPr id="1" name=""/>
-        <p:cNvGrpSpPr/>
-        <p:nvPr/>
-      </p:nvGrpSpPr>
-      <p:grpSpPr>
-        <a:xfrm>
-          <a:off x="0" y="0"/>
-          <a:ext cx="0" cy="0"/>
-          <a:chOff x="0" y="0"/>
-          <a:chExt cx="0" cy="0"/>
-        </a:xfrm>
-      </p:grpSpPr>
-      <p:sp>
-        <p:nvSpPr>
-          <p:cNvPr id="2" name="Title 1"/>
-          <p:cNvSpPr>
-            <a:spLocks noGrp="1"/>
-          </p:cNvSpPr>
-          <p:nvPr>
-            <p:ph type="title"/>
-          </p:nvPr>
-        </p:nvSpPr>
-        <p:spPr/>
-        <p:txBody>
-          <a:bodyPr/>
-          <a:lstStyle/>
-          <a:p>
-            <a:r>
               <a:rPr lang="en-US" altLang="en-US" dirty="0"/>
               <a:t>The Whole deal: </a:t>
             </a:r>
@@ -6612,7 +5824,7 @@
             <a:fld id="{5174927E-2439-42C0-9720-7BBCA09BF46F}" type="slidenum">
               <a:rPr lang="en-CA" smtClean="0"/>
               <a:pPr/>
-              <a:t>14</a:t>
+              <a:t>13</a:t>
             </a:fld>
             <a:r>
               <a:rPr lang="en-CA" dirty="0"/>
@@ -6624,7 +5836,7 @@
     </p:spTree>
     <p:extLst>
       <p:ext uri="{BB962C8B-B14F-4D97-AF65-F5344CB8AC3E}">
-        <p14:creationId xmlns:p14="http://schemas.microsoft.com/office/powerpoint/2010/main" xmlns="" val="3064902311"/>
+        <p14:creationId xmlns="" xmlns:p14="http://schemas.microsoft.com/office/powerpoint/2010/main" val="3064902311"/>
       </p:ext>
     </p:extLst>
   </p:cSld>
@@ -6863,7 +6075,7 @@
     </p:spTree>
     <p:extLst>
       <p:ext uri="{BB962C8B-B14F-4D97-AF65-F5344CB8AC3E}">
-        <p14:creationId xmlns:p14="http://schemas.microsoft.com/office/powerpoint/2010/main" xmlns="" val="51204498"/>
+        <p14:creationId xmlns="" xmlns:p14="http://schemas.microsoft.com/office/powerpoint/2010/main" val="51204498"/>
       </p:ext>
     </p:extLst>
   </p:cSld>
@@ -6906,8 +6118,14 @@
           <a:lstStyle/>
           <a:p>
             <a:r>
-              <a:rPr lang="en-US" dirty="0"/>
-              <a:t>What to do about errors and exceptions</a:t>
+              <a:rPr lang="en-US" altLang="en-US" sz="4400" dirty="0"/>
+              <a:t>Listening to Clicks: </a:t>
+            </a:r>
+            <a:r>
+              <a:rPr lang="en-US" altLang="en-US" sz="4400" dirty="0" err="1">
+                <a:latin typeface="Courier New" panose="02070309020205020404" pitchFamily="49" charset="0"/>
+              </a:rPr>
+              <a:t>MouseListener</a:t>
             </a:r>
             <a:endParaRPr lang="en-CA" dirty="0"/>
           </a:p>
@@ -6935,103 +6153,17 @@
           </a:bodyPr>
           <a:lstStyle/>
           <a:p>
-            <a:pPr>
+            <a:pPr marL="0" indent="0">
               <a:lnSpc>
                 <a:spcPct val="90000"/>
               </a:lnSpc>
+              <a:buNone/>
             </a:pPr>
             <a:r>
-              <a:rPr lang="en-US" altLang="en-US" dirty="0"/>
-              <a:t>An error is a bug in your program</a:t>
-            </a:r>
-          </a:p>
-          <a:p>
-            <a:pPr lvl="1">
-              <a:lnSpc>
-                <a:spcPct val="90000"/>
-              </a:lnSpc>
-            </a:pPr>
-            <a:r>
               <a:rPr lang="en-US" altLang="en-US" dirty="0">
                 <a:ea typeface="ＭＳ Ｐゴシック" panose="020B0600070205080204" pitchFamily="34" charset="-128"/>
               </a:rPr>
-              <a:t>It should be </a:t>
-            </a:r>
-            <a:r>
-              <a:rPr lang="en-US" altLang="en-US" i="1" dirty="0">
-                <a:ea typeface="ＭＳ Ｐゴシック" panose="020B0600070205080204" pitchFamily="34" charset="-128"/>
-              </a:rPr>
-              <a:t>fixed</a:t>
-            </a:r>
-            <a:endParaRPr lang="en-US" altLang="en-US" dirty="0">
-              <a:ea typeface="ＭＳ Ｐゴシック" panose="020B0600070205080204" pitchFamily="34" charset="-128"/>
-            </a:endParaRPr>
-          </a:p>
-          <a:p>
-            <a:pPr>
-              <a:lnSpc>
-                <a:spcPct val="90000"/>
-              </a:lnSpc>
-            </a:pPr>
-            <a:r>
-              <a:rPr lang="en-US" altLang="en-US" dirty="0"/>
-              <a:t>An exception is a problem that your program may encounter</a:t>
-            </a:r>
-          </a:p>
-          <a:p>
-            <a:pPr lvl="1">
-              <a:lnSpc>
-                <a:spcPct val="90000"/>
-              </a:lnSpc>
-            </a:pPr>
-            <a:r>
-              <a:rPr lang="en-US" altLang="en-US" dirty="0">
-                <a:ea typeface="ＭＳ Ｐゴシック" panose="020B0600070205080204" pitchFamily="34" charset="-128"/>
-              </a:rPr>
-              <a:t>The source of the problem is outside your program</a:t>
-            </a:r>
-          </a:p>
-          <a:p>
-            <a:pPr lvl="1">
-              <a:lnSpc>
-                <a:spcPct val="90000"/>
-              </a:lnSpc>
-            </a:pPr>
-            <a:r>
-              <a:rPr lang="en-US" altLang="en-US" dirty="0">
-                <a:ea typeface="ＭＳ Ｐゴシック" panose="020B0600070205080204" pitchFamily="34" charset="-128"/>
-              </a:rPr>
-              <a:t>An exception is not the “normal” case, </a:t>
-            </a:r>
-            <a:r>
-              <a:rPr lang="en-US" altLang="en-US" i="1" dirty="0">
-                <a:ea typeface="ＭＳ Ｐゴシック" panose="020B0600070205080204" pitchFamily="34" charset="-128"/>
-              </a:rPr>
-              <a:t>but...</a:t>
-            </a:r>
-          </a:p>
-          <a:p>
-            <a:pPr lvl="1">
-              <a:lnSpc>
-                <a:spcPct val="90000"/>
-              </a:lnSpc>
-            </a:pPr>
-            <a:r>
-              <a:rPr lang="en-US" altLang="en-US" dirty="0">
-                <a:ea typeface="ＭＳ Ｐゴシック" panose="020B0600070205080204" pitchFamily="34" charset="-128"/>
-              </a:rPr>
-              <a:t>...your program must be prepared to deal with it</a:t>
-            </a:r>
-          </a:p>
-          <a:p>
-            <a:pPr>
-              <a:lnSpc>
-                <a:spcPct val="90000"/>
-              </a:lnSpc>
-            </a:pPr>
-            <a:r>
-              <a:rPr lang="en-US" altLang="en-US" dirty="0"/>
-              <a:t>This is not a formal distinction–it isn’t always clear whether something should be an error or an exception</a:t>
+              <a:t> </a:t>
             </a:r>
           </a:p>
         </p:txBody>
@@ -7085,10 +6217,395 @@
           </a:p>
         </p:txBody>
       </p:sp>
+      <p:sp>
+        <p:nvSpPr>
+          <p:cNvPr id="7" name="Rectangle 3">
+            <a:extLst>
+              <a:ext uri="{FF2B5EF4-FFF2-40B4-BE49-F238E27FC236}">
+                <a16:creationId xmlns="" xmlns:a16="http://schemas.microsoft.com/office/drawing/2014/main" id="{39FF9106-944C-4A92-8DB0-5CD62DA2AD02}"/>
+              </a:ext>
+            </a:extLst>
+          </p:cNvPr>
+          <p:cNvSpPr txBox="1">
+            <a:spLocks noChangeArrowheads="1"/>
+          </p:cNvSpPr>
+          <p:nvPr/>
+        </p:nvSpPr>
+        <p:spPr>
+          <a:xfrm>
+            <a:off x="2209800" y="1289846"/>
+            <a:ext cx="7772400" cy="4343400"/>
+          </a:xfrm>
+          <a:prstGeom prst="rect">
+            <a:avLst/>
+          </a:prstGeom>
+        </p:spPr>
+        <p:txBody>
+          <a:bodyPr vert="horz" lIns="91440" tIns="45720" rIns="91440" bIns="45720" rtlCol="0">
+            <a:normAutofit/>
+          </a:bodyPr>
+          <a:lstStyle>
+            <a:lvl1pPr marL="228600" indent="-228600" algn="l" defTabSz="914400" rtl="0" eaLnBrk="1" latinLnBrk="0" hangingPunct="1">
+              <a:lnSpc>
+                <a:spcPct val="90000"/>
+              </a:lnSpc>
+              <a:spcBef>
+                <a:spcPts val="1000"/>
+              </a:spcBef>
+              <a:buFont typeface="Arial" panose="020B0604020202020204" pitchFamily="34" charset="0"/>
+              <a:buChar char="•"/>
+              <a:defRPr sz="2800" kern="1200">
+                <a:solidFill>
+                  <a:schemeClr val="tx1"/>
+                </a:solidFill>
+                <a:latin typeface="+mn-lt"/>
+                <a:ea typeface="+mn-ea"/>
+                <a:cs typeface="+mn-cs"/>
+              </a:defRPr>
+            </a:lvl1pPr>
+            <a:lvl2pPr marL="685800" indent="-228600" algn="l" defTabSz="914400" rtl="0" eaLnBrk="1" latinLnBrk="0" hangingPunct="1">
+              <a:lnSpc>
+                <a:spcPct val="90000"/>
+              </a:lnSpc>
+              <a:spcBef>
+                <a:spcPts val="500"/>
+              </a:spcBef>
+              <a:buFont typeface="Arial" panose="020B0604020202020204" pitchFamily="34" charset="0"/>
+              <a:buChar char="•"/>
+              <a:defRPr sz="2400" kern="1200">
+                <a:solidFill>
+                  <a:schemeClr val="tx1"/>
+                </a:solidFill>
+                <a:latin typeface="+mn-lt"/>
+                <a:ea typeface="+mn-ea"/>
+                <a:cs typeface="+mn-cs"/>
+              </a:defRPr>
+            </a:lvl2pPr>
+            <a:lvl3pPr marL="1143000" indent="-228600" algn="l" defTabSz="914400" rtl="0" eaLnBrk="1" latinLnBrk="0" hangingPunct="1">
+              <a:lnSpc>
+                <a:spcPct val="90000"/>
+              </a:lnSpc>
+              <a:spcBef>
+                <a:spcPts val="500"/>
+              </a:spcBef>
+              <a:buFont typeface="Arial" panose="020B0604020202020204" pitchFamily="34" charset="0"/>
+              <a:buChar char="•"/>
+              <a:defRPr sz="2000" kern="1200">
+                <a:solidFill>
+                  <a:schemeClr val="tx1"/>
+                </a:solidFill>
+                <a:latin typeface="+mn-lt"/>
+                <a:ea typeface="+mn-ea"/>
+                <a:cs typeface="+mn-cs"/>
+              </a:defRPr>
+            </a:lvl3pPr>
+            <a:lvl4pPr marL="1600200" indent="-228600" algn="l" defTabSz="914400" rtl="0" eaLnBrk="1" latinLnBrk="0" hangingPunct="1">
+              <a:lnSpc>
+                <a:spcPct val="90000"/>
+              </a:lnSpc>
+              <a:spcBef>
+                <a:spcPts val="500"/>
+              </a:spcBef>
+              <a:buFont typeface="Arial" panose="020B0604020202020204" pitchFamily="34" charset="0"/>
+              <a:buChar char="•"/>
+              <a:defRPr sz="1800" kern="1200">
+                <a:solidFill>
+                  <a:schemeClr val="tx1"/>
+                </a:solidFill>
+                <a:latin typeface="+mn-lt"/>
+                <a:ea typeface="+mn-ea"/>
+                <a:cs typeface="+mn-cs"/>
+              </a:defRPr>
+            </a:lvl4pPr>
+            <a:lvl5pPr marL="2057400" indent="-228600" algn="l" defTabSz="914400" rtl="0" eaLnBrk="1" latinLnBrk="0" hangingPunct="1">
+              <a:lnSpc>
+                <a:spcPct val="90000"/>
+              </a:lnSpc>
+              <a:spcBef>
+                <a:spcPts val="500"/>
+              </a:spcBef>
+              <a:buFont typeface="Arial" panose="020B0604020202020204" pitchFamily="34" charset="0"/>
+              <a:buChar char="•"/>
+              <a:defRPr sz="1800" kern="1200">
+                <a:solidFill>
+                  <a:schemeClr val="tx1"/>
+                </a:solidFill>
+                <a:latin typeface="+mn-lt"/>
+                <a:ea typeface="+mn-ea"/>
+                <a:cs typeface="+mn-cs"/>
+              </a:defRPr>
+            </a:lvl5pPr>
+            <a:lvl6pPr marL="2514600" indent="-228600" algn="l" defTabSz="914400" rtl="0" eaLnBrk="1" latinLnBrk="0" hangingPunct="1">
+              <a:lnSpc>
+                <a:spcPct val="90000"/>
+              </a:lnSpc>
+              <a:spcBef>
+                <a:spcPts val="500"/>
+              </a:spcBef>
+              <a:buFont typeface="Arial" panose="020B0604020202020204" pitchFamily="34" charset="0"/>
+              <a:buChar char="•"/>
+              <a:defRPr sz="1800" kern="1200">
+                <a:solidFill>
+                  <a:schemeClr val="tx1"/>
+                </a:solidFill>
+                <a:latin typeface="+mn-lt"/>
+                <a:ea typeface="+mn-ea"/>
+                <a:cs typeface="+mn-cs"/>
+              </a:defRPr>
+            </a:lvl6pPr>
+            <a:lvl7pPr marL="2971800" indent="-228600" algn="l" defTabSz="914400" rtl="0" eaLnBrk="1" latinLnBrk="0" hangingPunct="1">
+              <a:lnSpc>
+                <a:spcPct val="90000"/>
+              </a:lnSpc>
+              <a:spcBef>
+                <a:spcPts val="500"/>
+              </a:spcBef>
+              <a:buFont typeface="Arial" panose="020B0604020202020204" pitchFamily="34" charset="0"/>
+              <a:buChar char="•"/>
+              <a:defRPr sz="1800" kern="1200">
+                <a:solidFill>
+                  <a:schemeClr val="tx1"/>
+                </a:solidFill>
+                <a:latin typeface="+mn-lt"/>
+                <a:ea typeface="+mn-ea"/>
+                <a:cs typeface="+mn-cs"/>
+              </a:defRPr>
+            </a:lvl7pPr>
+            <a:lvl8pPr marL="3429000" indent="-228600" algn="l" defTabSz="914400" rtl="0" eaLnBrk="1" latinLnBrk="0" hangingPunct="1">
+              <a:lnSpc>
+                <a:spcPct val="90000"/>
+              </a:lnSpc>
+              <a:spcBef>
+                <a:spcPts val="500"/>
+              </a:spcBef>
+              <a:buFont typeface="Arial" panose="020B0604020202020204" pitchFamily="34" charset="0"/>
+              <a:buChar char="•"/>
+              <a:defRPr sz="1800" kern="1200">
+                <a:solidFill>
+                  <a:schemeClr val="tx1"/>
+                </a:solidFill>
+                <a:latin typeface="+mn-lt"/>
+                <a:ea typeface="+mn-ea"/>
+                <a:cs typeface="+mn-cs"/>
+              </a:defRPr>
+            </a:lvl8pPr>
+            <a:lvl9pPr marL="3886200" indent="-228600" algn="l" defTabSz="914400" rtl="0" eaLnBrk="1" latinLnBrk="0" hangingPunct="1">
+              <a:lnSpc>
+                <a:spcPct val="90000"/>
+              </a:lnSpc>
+              <a:spcBef>
+                <a:spcPts val="500"/>
+              </a:spcBef>
+              <a:buFont typeface="Arial" panose="020B0604020202020204" pitchFamily="34" charset="0"/>
+              <a:buChar char="•"/>
+              <a:defRPr sz="1800" kern="1200">
+                <a:solidFill>
+                  <a:schemeClr val="tx1"/>
+                </a:solidFill>
+                <a:latin typeface="+mn-lt"/>
+                <a:ea typeface="+mn-ea"/>
+                <a:cs typeface="+mn-cs"/>
+              </a:defRPr>
+            </a:lvl9pPr>
+          </a:lstStyle>
+          <a:p>
+            <a:pPr>
+              <a:buFontTx/>
+              <a:buNone/>
+            </a:pPr>
+            <a:r>
+              <a:rPr lang="en-US" altLang="en-US" sz="2000">
+                <a:latin typeface="Courier New" panose="02070309020205020404" pitchFamily="49" charset="0"/>
+              </a:rPr>
+              <a:t>package java.awt.event;</a:t>
+            </a:r>
+          </a:p>
+          <a:p>
+            <a:pPr>
+              <a:buFontTx/>
+              <a:buNone/>
+            </a:pPr>
+            <a:endParaRPr lang="en-US" altLang="en-US" sz="2000">
+              <a:latin typeface="Courier New" panose="02070309020205020404" pitchFamily="49" charset="0"/>
+            </a:endParaRPr>
+          </a:p>
+          <a:p>
+            <a:pPr>
+              <a:buFontTx/>
+              <a:buNone/>
+            </a:pPr>
+            <a:r>
+              <a:rPr lang="en-US" altLang="en-US" sz="2000">
+                <a:latin typeface="Courier New" panose="02070309020205020404" pitchFamily="49" charset="0"/>
+              </a:rPr>
+              <a:t>public interface </a:t>
+            </a:r>
+            <a:r>
+              <a:rPr lang="en-US" altLang="en-US" sz="2000" b="1">
+                <a:latin typeface="Courier New" panose="02070309020205020404" pitchFamily="49" charset="0"/>
+              </a:rPr>
+              <a:t>MouseListener</a:t>
+            </a:r>
+            <a:r>
+              <a:rPr lang="en-US" altLang="en-US" sz="2000">
+                <a:latin typeface="Courier New" panose="02070309020205020404" pitchFamily="49" charset="0"/>
+              </a:rPr>
+              <a:t> {</a:t>
+            </a:r>
+          </a:p>
+          <a:p>
+            <a:pPr>
+              <a:buFontTx/>
+              <a:buNone/>
+            </a:pPr>
+            <a:r>
+              <a:rPr lang="en-US" altLang="en-US" sz="2000">
+                <a:latin typeface="Courier New" panose="02070309020205020404" pitchFamily="49" charset="0"/>
+              </a:rPr>
+              <a:t>  public void </a:t>
+            </a:r>
+            <a:r>
+              <a:rPr lang="en-US" altLang="en-US" sz="2000" b="1">
+                <a:latin typeface="Courier New" panose="02070309020205020404" pitchFamily="49" charset="0"/>
+              </a:rPr>
+              <a:t>mouseClicked</a:t>
+            </a:r>
+            <a:r>
+              <a:rPr lang="en-US" altLang="en-US" sz="2000">
+                <a:latin typeface="Courier New" panose="02070309020205020404" pitchFamily="49" charset="0"/>
+              </a:rPr>
+              <a:t>(</a:t>
+            </a:r>
+            <a:r>
+              <a:rPr lang="en-US" altLang="en-US" sz="2000" b="1">
+                <a:latin typeface="Courier New" panose="02070309020205020404" pitchFamily="49" charset="0"/>
+              </a:rPr>
+              <a:t>MouseEvent</a:t>
+            </a:r>
+            <a:r>
+              <a:rPr lang="en-US" altLang="en-US" sz="2000">
+                <a:latin typeface="Courier New" panose="02070309020205020404" pitchFamily="49" charset="0"/>
+              </a:rPr>
+              <a:t> event);</a:t>
+            </a:r>
+          </a:p>
+          <a:p>
+            <a:pPr>
+              <a:buFontTx/>
+              <a:buNone/>
+            </a:pPr>
+            <a:r>
+              <a:rPr lang="en-US" altLang="en-US" sz="2000">
+                <a:latin typeface="Courier New" panose="02070309020205020404" pitchFamily="49" charset="0"/>
+              </a:rPr>
+              <a:t>  public void </a:t>
+            </a:r>
+            <a:r>
+              <a:rPr lang="en-US" altLang="en-US" sz="2000" b="1">
+                <a:latin typeface="Courier New" panose="02070309020205020404" pitchFamily="49" charset="0"/>
+              </a:rPr>
+              <a:t>mouseEntered</a:t>
+            </a:r>
+            <a:r>
+              <a:rPr lang="en-US" altLang="en-US" sz="2000">
+                <a:latin typeface="Courier New" panose="02070309020205020404" pitchFamily="49" charset="0"/>
+              </a:rPr>
+              <a:t>(MouseEvent event);</a:t>
+            </a:r>
+          </a:p>
+          <a:p>
+            <a:pPr>
+              <a:buFontTx/>
+              <a:buNone/>
+            </a:pPr>
+            <a:r>
+              <a:rPr lang="en-US" altLang="en-US" sz="2000">
+                <a:latin typeface="Courier New" panose="02070309020205020404" pitchFamily="49" charset="0"/>
+              </a:rPr>
+              <a:t>  public void </a:t>
+            </a:r>
+            <a:r>
+              <a:rPr lang="en-US" altLang="en-US" sz="2000" b="1">
+                <a:latin typeface="Courier New" panose="02070309020205020404" pitchFamily="49" charset="0"/>
+              </a:rPr>
+              <a:t>mouseExited</a:t>
+            </a:r>
+            <a:r>
+              <a:rPr lang="en-US" altLang="en-US" sz="2000">
+                <a:latin typeface="Courier New" panose="02070309020205020404" pitchFamily="49" charset="0"/>
+              </a:rPr>
+              <a:t>(MouseEvent event);</a:t>
+            </a:r>
+          </a:p>
+          <a:p>
+            <a:pPr>
+              <a:buFontTx/>
+              <a:buNone/>
+            </a:pPr>
+            <a:r>
+              <a:rPr lang="en-US" altLang="en-US" sz="2000">
+                <a:latin typeface="Courier New" panose="02070309020205020404" pitchFamily="49" charset="0"/>
+              </a:rPr>
+              <a:t>  public void </a:t>
+            </a:r>
+            <a:r>
+              <a:rPr lang="en-US" altLang="en-US" sz="2000" b="1">
+                <a:latin typeface="Courier New" panose="02070309020205020404" pitchFamily="49" charset="0"/>
+              </a:rPr>
+              <a:t>mousePressed</a:t>
+            </a:r>
+            <a:r>
+              <a:rPr lang="en-US" altLang="en-US" sz="2000">
+                <a:latin typeface="Courier New" panose="02070309020205020404" pitchFamily="49" charset="0"/>
+              </a:rPr>
+              <a:t>(MouseEvent event);</a:t>
+            </a:r>
+          </a:p>
+          <a:p>
+            <a:pPr>
+              <a:buFontTx/>
+              <a:buNone/>
+            </a:pPr>
+            <a:r>
+              <a:rPr lang="en-US" altLang="en-US" sz="2000">
+                <a:latin typeface="Courier New" panose="02070309020205020404" pitchFamily="49" charset="0"/>
+              </a:rPr>
+              <a:t>  public void </a:t>
+            </a:r>
+            <a:r>
+              <a:rPr lang="en-US" altLang="en-US" sz="2000" b="1">
+                <a:latin typeface="Courier New" panose="02070309020205020404" pitchFamily="49" charset="0"/>
+              </a:rPr>
+              <a:t>mouseReleased</a:t>
+            </a:r>
+            <a:r>
+              <a:rPr lang="en-US" altLang="en-US" sz="2000">
+                <a:latin typeface="Courier New" panose="02070309020205020404" pitchFamily="49" charset="0"/>
+              </a:rPr>
+              <a:t>(MouseEvent event);</a:t>
+            </a:r>
+          </a:p>
+          <a:p>
+            <a:pPr>
+              <a:buFontTx/>
+              <a:buNone/>
+            </a:pPr>
+            <a:r>
+              <a:rPr lang="en-US" altLang="en-US" sz="2000">
+                <a:latin typeface="Courier New" panose="02070309020205020404" pitchFamily="49" charset="0"/>
+              </a:rPr>
+              <a:t>}</a:t>
+            </a:r>
+            <a:endParaRPr lang="en-US" altLang="en-US" sz="2000" dirty="0">
+              <a:latin typeface="Courier New" panose="02070309020205020404" pitchFamily="49" charset="0"/>
+            </a:endParaRPr>
+          </a:p>
+        </p:txBody>
+      </p:sp>
     </p:spTree>
     <p:extLst>
       <p:ext uri="{BB962C8B-B14F-4D97-AF65-F5344CB8AC3E}">
-        <p14:creationId xmlns:p14="http://schemas.microsoft.com/office/powerpoint/2010/main" xmlns="" val="951659939"/>
+        <p14:creationId xmlns="" xmlns:p14="http://schemas.microsoft.com/office/powerpoint/2010/main" val="649184941"/>
       </p:ext>
     </p:extLst>
   </p:cSld>
@@ -7131,11 +6648,11 @@
           <a:lstStyle/>
           <a:p>
             <a:r>
-              <a:rPr lang="en-US" altLang="en-US" sz="4400" dirty="0"/>
-              <a:t>Listening to Clicks: </a:t>
-            </a:r>
-            <a:r>
-              <a:rPr lang="en-US" altLang="en-US" sz="4400" dirty="0" err="1">
+              <a:rPr lang="en-US" altLang="en-US" dirty="0"/>
+              <a:t>An Example </a:t>
+            </a:r>
+            <a:r>
+              <a:rPr lang="en-US" altLang="en-US" dirty="0" err="1">
                 <a:latin typeface="Courier New" panose="02070309020205020404" pitchFamily="49" charset="0"/>
               </a:rPr>
               <a:t>MouseListener</a:t>
@@ -7167,15 +6684,10 @@
           <a:lstStyle/>
           <a:p>
             <a:pPr marL="0" indent="0">
-              <a:lnSpc>
-                <a:spcPct val="90000"/>
-              </a:lnSpc>
               <a:buNone/>
             </a:pPr>
             <a:r>
-              <a:rPr lang="en-US" altLang="en-US" dirty="0">
-                <a:ea typeface="ＭＳ Ｐゴシック" panose="020B0600070205080204" pitchFamily="34" charset="-128"/>
-              </a:rPr>
+              <a:rPr lang="en-US" altLang="en-US" dirty="0"/>
               <a:t> </a:t>
             </a:r>
           </a:p>
@@ -7235,7 +6747,7 @@
           <p:cNvPr id="7" name="Rectangle 3">
             <a:extLst>
               <a:ext uri="{FF2B5EF4-FFF2-40B4-BE49-F238E27FC236}">
-                <a16:creationId xmlns:a16="http://schemas.microsoft.com/office/drawing/2014/main" xmlns="" id="{39FF9106-944C-4A92-8DB0-5CD62DA2AD02}"/>
+                <a16:creationId xmlns="" xmlns:a16="http://schemas.microsoft.com/office/drawing/2014/main" id="{E64C1286-5BF6-48E3-B388-2BD8630C60FE}"/>
               </a:ext>
             </a:extLst>
           </p:cNvPr>
@@ -7246,7 +6758,7 @@
         </p:nvSpPr>
         <p:spPr>
           <a:xfrm>
-            <a:off x="2209800" y="1289846"/>
+            <a:off x="2553929" y="1257300"/>
             <a:ext cx="7772400" cy="4343400"/>
           </a:xfrm>
           <a:prstGeom prst="rect">
@@ -7255,7 +6767,7 @@
         </p:spPr>
         <p:txBody>
           <a:bodyPr vert="horz" lIns="91440" tIns="45720" rIns="91440" bIns="45720" rtlCol="0">
-            <a:normAutofit/>
+            <a:normAutofit fontScale="92500" lnSpcReduction="10000"/>
           </a:bodyPr>
           <a:lstStyle>
             <a:lvl1pPr marL="228600" indent="-228600" algn="l" defTabSz="914400" rtl="0" eaLnBrk="1" latinLnBrk="0" hangingPunct="1">
@@ -7427,10 +6939,10 @@
               <a:buNone/>
             </a:pPr>
             <a:r>
-              <a:rPr lang="en-US" altLang="en-US" sz="2000">
-                <a:latin typeface="Courier New" panose="02070309020205020404" pitchFamily="49" charset="0"/>
-              </a:rPr>
-              <a:t>package java.awt.event;</a:t>
+              <a:rPr lang="en-US" altLang="en-US" sz="1800">
+                <a:latin typeface="Courier New" panose="02070309020205020404" pitchFamily="49" charset="0"/>
+              </a:rPr>
+              <a:t>public class MyMouseListener </a:t>
             </a:r>
           </a:p>
           <a:p>
@@ -7438,7 +6950,73 @@
               <a:buFontTx/>
               <a:buNone/>
             </a:pPr>
-            <a:endParaRPr lang="en-US" altLang="en-US" sz="2000">
+            <a:r>
+              <a:rPr lang="en-US" altLang="en-US" sz="1800">
+                <a:latin typeface="Courier New" panose="02070309020205020404" pitchFamily="49" charset="0"/>
+              </a:rPr>
+              <a:t>  </a:t>
+            </a:r>
+            <a:r>
+              <a:rPr lang="en-US" altLang="en-US" sz="1800" b="1">
+                <a:latin typeface="Courier New" panose="02070309020205020404" pitchFamily="49" charset="0"/>
+              </a:rPr>
+              <a:t>implements MouseListener</a:t>
+            </a:r>
+          </a:p>
+          <a:p>
+            <a:pPr>
+              <a:buFontTx/>
+              <a:buNone/>
+            </a:pPr>
+            <a:r>
+              <a:rPr lang="en-US" altLang="en-US" sz="1800">
+                <a:latin typeface="Courier New" panose="02070309020205020404" pitchFamily="49" charset="0"/>
+              </a:rPr>
+              <a:t>{</a:t>
+            </a:r>
+          </a:p>
+          <a:p>
+            <a:pPr>
+              <a:buFontTx/>
+              <a:buNone/>
+            </a:pPr>
+            <a:r>
+              <a:rPr lang="en-US" altLang="en-US" sz="1800">
+                <a:latin typeface="Courier New" panose="02070309020205020404" pitchFamily="49" charset="0"/>
+              </a:rPr>
+              <a:t>  public void mouseClicked(MouseEvent event) {}</a:t>
+            </a:r>
+          </a:p>
+          <a:p>
+            <a:pPr>
+              <a:buFontTx/>
+              <a:buNone/>
+            </a:pPr>
+            <a:r>
+              <a:rPr lang="en-US" altLang="en-US" sz="1800">
+                <a:latin typeface="Courier New" panose="02070309020205020404" pitchFamily="49" charset="0"/>
+              </a:rPr>
+              <a:t>  public void mouseEntered(MouseEvent event) {}</a:t>
+            </a:r>
+          </a:p>
+          <a:p>
+            <a:pPr>
+              <a:buFontTx/>
+              <a:buNone/>
+            </a:pPr>
+            <a:r>
+              <a:rPr lang="en-US" altLang="en-US" sz="1800">
+                <a:latin typeface="Courier New" panose="02070309020205020404" pitchFamily="49" charset="0"/>
+              </a:rPr>
+              <a:t>  public void mouseExited(MouseEvent event)  {}</a:t>
+            </a:r>
+          </a:p>
+          <a:p>
+            <a:pPr>
+              <a:buFontTx/>
+              <a:buNone/>
+            </a:pPr>
+            <a:endParaRPr lang="en-US" altLang="en-US" sz="1800">
               <a:latin typeface="Courier New" panose="02070309020205020404" pitchFamily="49" charset="0"/>
             </a:endParaRPr>
           </a:p>
@@ -7448,22 +7026,10 @@
               <a:buNone/>
             </a:pPr>
             <a:r>
-              <a:rPr lang="en-US" altLang="en-US" sz="2000">
-                <a:latin typeface="Courier New" panose="02070309020205020404" pitchFamily="49" charset="0"/>
-              </a:rPr>
-              <a:t>public interface </a:t>
-            </a:r>
-            <a:r>
-              <a:rPr lang="en-US" altLang="en-US" sz="2000" b="1">
-                <a:latin typeface="Courier New" panose="02070309020205020404" pitchFamily="49" charset="0"/>
-              </a:rPr>
-              <a:t>MouseListener</a:t>
-            </a:r>
-            <a:r>
-              <a:rPr lang="en-US" altLang="en-US" sz="2000">
-                <a:latin typeface="Courier New" panose="02070309020205020404" pitchFamily="49" charset="0"/>
-              </a:rPr>
-              <a:t> {</a:t>
+              <a:rPr lang="en-US" altLang="en-US" sz="1800">
+                <a:latin typeface="Courier New" panose="02070309020205020404" pitchFamily="49" charset="0"/>
+              </a:rPr>
+              <a:t>  public void mousePressed(MouseEvent event) {</a:t>
             </a:r>
           </a:p>
           <a:p>
@@ -7472,34 +7038,10 @@
               <a:buNone/>
             </a:pPr>
             <a:r>
-              <a:rPr lang="en-US" altLang="en-US" sz="2000">
-                <a:latin typeface="Courier New" panose="02070309020205020404" pitchFamily="49" charset="0"/>
-              </a:rPr>
-              <a:t>  public void </a:t>
-            </a:r>
-            <a:r>
-              <a:rPr lang="en-US" altLang="en-US" sz="2000" b="1">
-                <a:latin typeface="Courier New" panose="02070309020205020404" pitchFamily="49" charset="0"/>
-              </a:rPr>
-              <a:t>mouseClicked</a:t>
-            </a:r>
-            <a:r>
-              <a:rPr lang="en-US" altLang="en-US" sz="2000">
-                <a:latin typeface="Courier New" panose="02070309020205020404" pitchFamily="49" charset="0"/>
-              </a:rPr>
-              <a:t>(</a:t>
-            </a:r>
-            <a:r>
-              <a:rPr lang="en-US" altLang="en-US" sz="2000" b="1">
-                <a:latin typeface="Courier New" panose="02070309020205020404" pitchFamily="49" charset="0"/>
-              </a:rPr>
-              <a:t>MouseEvent</a:t>
-            </a:r>
-            <a:r>
-              <a:rPr lang="en-US" altLang="en-US" sz="2000">
-                <a:latin typeface="Courier New" panose="02070309020205020404" pitchFamily="49" charset="0"/>
-              </a:rPr>
-              <a:t> event);</a:t>
+              <a:rPr lang="en-US" altLang="en-US" sz="1800">
+                <a:latin typeface="Courier New" panose="02070309020205020404" pitchFamily="49" charset="0"/>
+              </a:rPr>
+              <a:t>    System.out.println(“User pressed mouse button!”);</a:t>
             </a:r>
           </a:p>
           <a:p>
@@ -7508,22 +7050,10 @@
               <a:buNone/>
             </a:pPr>
             <a:r>
-              <a:rPr lang="en-US" altLang="en-US" sz="2000">
-                <a:latin typeface="Courier New" panose="02070309020205020404" pitchFamily="49" charset="0"/>
-              </a:rPr>
-              <a:t>  public void </a:t>
-            </a:r>
-            <a:r>
-              <a:rPr lang="en-US" altLang="en-US" sz="2000" b="1">
-                <a:latin typeface="Courier New" panose="02070309020205020404" pitchFamily="49" charset="0"/>
-              </a:rPr>
-              <a:t>mouseEntered</a:t>
-            </a:r>
-            <a:r>
-              <a:rPr lang="en-US" altLang="en-US" sz="2000">
-                <a:latin typeface="Courier New" panose="02070309020205020404" pitchFamily="49" charset="0"/>
-              </a:rPr>
-              <a:t>(MouseEvent event);</a:t>
+              <a:rPr lang="en-US" altLang="en-US" sz="1800">
+                <a:latin typeface="Courier New" panose="02070309020205020404" pitchFamily="49" charset="0"/>
+              </a:rPr>
+              <a:t>  }</a:t>
             </a:r>
           </a:p>
           <a:p>
@@ -7531,24 +7061,9 @@
               <a:buFontTx/>
               <a:buNone/>
             </a:pPr>
-            <a:r>
-              <a:rPr lang="en-US" altLang="en-US" sz="2000">
-                <a:latin typeface="Courier New" panose="02070309020205020404" pitchFamily="49" charset="0"/>
-              </a:rPr>
-              <a:t>  public void </a:t>
-            </a:r>
-            <a:r>
-              <a:rPr lang="en-US" altLang="en-US" sz="2000" b="1">
-                <a:latin typeface="Courier New" panose="02070309020205020404" pitchFamily="49" charset="0"/>
-              </a:rPr>
-              <a:t>mouseExited</a:t>
-            </a:r>
-            <a:r>
-              <a:rPr lang="en-US" altLang="en-US" sz="2000">
-                <a:latin typeface="Courier New" panose="02070309020205020404" pitchFamily="49" charset="0"/>
-              </a:rPr>
-              <a:t>(MouseEvent event);</a:t>
-            </a:r>
+            <a:endParaRPr lang="en-US" altLang="en-US" sz="1800">
+              <a:latin typeface="Courier New" panose="02070309020205020404" pitchFamily="49" charset="0"/>
+            </a:endParaRPr>
           </a:p>
           <a:p>
             <a:pPr>
@@ -7556,22 +7071,10 @@
               <a:buNone/>
             </a:pPr>
             <a:r>
-              <a:rPr lang="en-US" altLang="en-US" sz="2000">
-                <a:latin typeface="Courier New" panose="02070309020205020404" pitchFamily="49" charset="0"/>
-              </a:rPr>
-              <a:t>  public void </a:t>
-            </a:r>
-            <a:r>
-              <a:rPr lang="en-US" altLang="en-US" sz="2000" b="1">
-                <a:latin typeface="Courier New" panose="02070309020205020404" pitchFamily="49" charset="0"/>
-              </a:rPr>
-              <a:t>mousePressed</a:t>
-            </a:r>
-            <a:r>
-              <a:rPr lang="en-US" altLang="en-US" sz="2000">
-                <a:latin typeface="Courier New" panose="02070309020205020404" pitchFamily="49" charset="0"/>
-              </a:rPr>
-              <a:t>(MouseEvent event);</a:t>
+              <a:rPr lang="en-US" altLang="en-US" sz="1800">
+                <a:latin typeface="Courier New" panose="02070309020205020404" pitchFamily="49" charset="0"/>
+              </a:rPr>
+              <a:t>  public void mouseReleased(MouseEvent event) {}</a:t>
             </a:r>
           </a:p>
           <a:p>
@@ -7580,36 +7083,12 @@
               <a:buNone/>
             </a:pPr>
             <a:r>
-              <a:rPr lang="en-US" altLang="en-US" sz="2000">
-                <a:latin typeface="Courier New" panose="02070309020205020404" pitchFamily="49" charset="0"/>
-              </a:rPr>
-              <a:t>  public void </a:t>
-            </a:r>
-            <a:r>
-              <a:rPr lang="en-US" altLang="en-US" sz="2000" b="1">
-                <a:latin typeface="Courier New" panose="02070309020205020404" pitchFamily="49" charset="0"/>
-              </a:rPr>
-              <a:t>mouseReleased</a:t>
-            </a:r>
-            <a:r>
-              <a:rPr lang="en-US" altLang="en-US" sz="2000">
-                <a:latin typeface="Courier New" panose="02070309020205020404" pitchFamily="49" charset="0"/>
-              </a:rPr>
-              <a:t>(MouseEvent event);</a:t>
-            </a:r>
-          </a:p>
-          <a:p>
-            <a:pPr>
-              <a:buFontTx/>
-              <a:buNone/>
-            </a:pPr>
-            <a:r>
-              <a:rPr lang="en-US" altLang="en-US" sz="2000">
+              <a:rPr lang="en-US" altLang="en-US" sz="1800">
                 <a:latin typeface="Courier New" panose="02070309020205020404" pitchFamily="49" charset="0"/>
               </a:rPr>
               <a:t>}</a:t>
             </a:r>
-            <a:endParaRPr lang="en-US" altLang="en-US" sz="2000" dirty="0">
+            <a:endParaRPr lang="en-US" altLang="en-US" sz="1800" dirty="0">
               <a:latin typeface="Courier New" panose="02070309020205020404" pitchFamily="49" charset="0"/>
             </a:endParaRPr>
           </a:p>
@@ -7618,7 +7097,7 @@
     </p:spTree>
     <p:extLst>
       <p:ext uri="{BB962C8B-B14F-4D97-AF65-F5344CB8AC3E}">
-        <p14:creationId xmlns:p14="http://schemas.microsoft.com/office/powerpoint/2010/main" xmlns="" val="649184941"/>
+        <p14:creationId xmlns="" xmlns:p14="http://schemas.microsoft.com/office/powerpoint/2010/main" val="1435777542"/>
       </p:ext>
     </p:extLst>
   </p:cSld>
@@ -7661,14 +7140,14 @@
           <a:lstStyle/>
           <a:p>
             <a:r>
+              <a:rPr lang="en-US" altLang="en-US" dirty="0" err="1">
+                <a:latin typeface="Courier New" panose="02070309020205020404" pitchFamily="49" charset="0"/>
+              </a:rPr>
+              <a:t>MouseListener</a:t>
+            </a:r>
+            <a:r>
               <a:rPr lang="en-US" altLang="en-US" dirty="0"/>
-              <a:t>An Example </a:t>
-            </a:r>
-            <a:r>
-              <a:rPr lang="en-US" altLang="en-US" dirty="0" err="1">
-                <a:latin typeface="Courier New" panose="02070309020205020404" pitchFamily="49" charset="0"/>
-              </a:rPr>
-              <a:t>MouseListener</a:t>
+              <a:t> Usage</a:t>
             </a:r>
             <a:endParaRPr lang="en-CA" dirty="0"/>
           </a:p>
@@ -7696,12 +7175,375 @@
           </a:bodyPr>
           <a:lstStyle/>
           <a:p>
-            <a:pPr marL="0" indent="0">
-              <a:buNone/>
+            <a:pPr marL="230188" marR="0" lvl="0" indent="-230188" algn="l" defTabSz="914400" rtl="0" eaLnBrk="0" fontAlgn="base" latinLnBrk="0" hangingPunct="0">
+              <a:lnSpc>
+                <a:spcPct val="100000"/>
+              </a:lnSpc>
+              <a:spcBef>
+                <a:spcPct val="20000"/>
+              </a:spcBef>
+              <a:spcAft>
+                <a:spcPct val="0"/>
+              </a:spcAft>
+              <a:buClrTx/>
+              <a:buSzTx/>
+              <a:buFontTx/>
+              <a:buNone/>
+              <a:tabLst>
+                <a:tab pos="1255713" algn="l"/>
+              </a:tabLst>
+              <a:defRPr/>
             </a:pPr>
             <a:r>
-              <a:rPr lang="en-US" altLang="en-US" dirty="0"/>
-              <a:t> </a:t>
+              <a:rPr kumimoji="0" lang="en-US" altLang="en-US" sz="1800" b="0" i="0" u="none" strike="noStrike" kern="0" cap="none" spc="0" normalizeH="0" baseline="0" noProof="0" dirty="0">
+                <a:ln>
+                  <a:noFill/>
+                </a:ln>
+                <a:solidFill>
+                  <a:srgbClr val="000000"/>
+                </a:solidFill>
+                <a:effectLst/>
+                <a:uLnTx/>
+                <a:uFillTx/>
+                <a:latin typeface="Courier New" panose="02070309020205020404" pitchFamily="49" charset="0"/>
+                <a:ea typeface="ＭＳ Ｐゴシック" panose="020B0600070205080204" pitchFamily="34" charset="-128"/>
+                <a:cs typeface="+mn-cs"/>
+              </a:rPr>
+              <a:t>// assumes some custom panel class named </a:t>
+            </a:r>
+            <a:r>
+              <a:rPr kumimoji="0" lang="en-US" altLang="en-US" sz="1800" b="0" i="0" u="none" strike="noStrike" kern="0" cap="none" spc="0" normalizeH="0" baseline="0" noProof="0" dirty="0" err="1">
+                <a:ln>
+                  <a:noFill/>
+                </a:ln>
+                <a:solidFill>
+                  <a:srgbClr val="000000"/>
+                </a:solidFill>
+                <a:effectLst/>
+                <a:uLnTx/>
+                <a:uFillTx/>
+                <a:latin typeface="Courier New" panose="02070309020205020404" pitchFamily="49" charset="0"/>
+                <a:ea typeface="ＭＳ Ｐゴシック" panose="020B0600070205080204" pitchFamily="34" charset="-128"/>
+                <a:cs typeface="+mn-cs"/>
+              </a:rPr>
+              <a:t>MyPanel</a:t>
+            </a:r>
+            <a:endParaRPr kumimoji="0" lang="en-US" altLang="en-US" sz="1800" b="0" i="0" u="none" strike="noStrike" kern="0" cap="none" spc="0" normalizeH="0" baseline="0" noProof="0" dirty="0">
+              <a:ln>
+                <a:noFill/>
+              </a:ln>
+              <a:solidFill>
+                <a:srgbClr val="000000"/>
+              </a:solidFill>
+              <a:effectLst/>
+              <a:uLnTx/>
+              <a:uFillTx/>
+              <a:latin typeface="Courier New" panose="02070309020205020404" pitchFamily="49" charset="0"/>
+              <a:ea typeface="ＭＳ Ｐゴシック" panose="020B0600070205080204" pitchFamily="34" charset="-128"/>
+              <a:cs typeface="+mn-cs"/>
+            </a:endParaRPr>
+          </a:p>
+          <a:p>
+            <a:pPr marL="230188" marR="0" lvl="0" indent="-230188" algn="l" defTabSz="914400" rtl="0" eaLnBrk="0" fontAlgn="base" latinLnBrk="0" hangingPunct="0">
+              <a:lnSpc>
+                <a:spcPct val="100000"/>
+              </a:lnSpc>
+              <a:spcBef>
+                <a:spcPct val="20000"/>
+              </a:spcBef>
+              <a:spcAft>
+                <a:spcPct val="0"/>
+              </a:spcAft>
+              <a:buClrTx/>
+              <a:buSzTx/>
+              <a:buFontTx/>
+              <a:buNone/>
+              <a:tabLst>
+                <a:tab pos="1255713" algn="l"/>
+              </a:tabLst>
+              <a:defRPr/>
+            </a:pPr>
+            <a:r>
+              <a:rPr kumimoji="0" lang="en-US" altLang="en-US" sz="1800" b="0" i="0" u="none" strike="noStrike" kern="0" cap="none" spc="0" normalizeH="0" baseline="0" noProof="0" dirty="0" err="1">
+                <a:ln>
+                  <a:noFill/>
+                </a:ln>
+                <a:solidFill>
+                  <a:srgbClr val="000000"/>
+                </a:solidFill>
+                <a:effectLst/>
+                <a:uLnTx/>
+                <a:uFillTx/>
+                <a:latin typeface="Courier New" panose="02070309020205020404" pitchFamily="49" charset="0"/>
+                <a:ea typeface="ＭＳ Ｐゴシック" panose="020B0600070205080204" pitchFamily="34" charset="-128"/>
+                <a:cs typeface="+mn-cs"/>
+              </a:rPr>
+              <a:t>MyPanel</a:t>
+            </a:r>
+            <a:r>
+              <a:rPr kumimoji="0" lang="en-US" altLang="en-US" sz="1800" b="0" i="0" u="none" strike="noStrike" kern="0" cap="none" spc="0" normalizeH="0" baseline="0" noProof="0" dirty="0">
+                <a:ln>
+                  <a:noFill/>
+                </a:ln>
+                <a:solidFill>
+                  <a:srgbClr val="000000"/>
+                </a:solidFill>
+                <a:effectLst/>
+                <a:uLnTx/>
+                <a:uFillTx/>
+                <a:latin typeface="Courier New" panose="02070309020205020404" pitchFamily="49" charset="0"/>
+                <a:ea typeface="ＭＳ Ｐゴシック" panose="020B0600070205080204" pitchFamily="34" charset="-128"/>
+                <a:cs typeface="+mn-cs"/>
+              </a:rPr>
+              <a:t> panel = new </a:t>
+            </a:r>
+            <a:r>
+              <a:rPr kumimoji="0" lang="en-US" altLang="en-US" sz="1800" b="0" i="0" u="none" strike="noStrike" kern="0" cap="none" spc="0" normalizeH="0" baseline="0" noProof="0" dirty="0" err="1">
+                <a:ln>
+                  <a:noFill/>
+                </a:ln>
+                <a:solidFill>
+                  <a:srgbClr val="000000"/>
+                </a:solidFill>
+                <a:effectLst/>
+                <a:uLnTx/>
+                <a:uFillTx/>
+                <a:latin typeface="Courier New" panose="02070309020205020404" pitchFamily="49" charset="0"/>
+                <a:ea typeface="ＭＳ Ｐゴシック" panose="020B0600070205080204" pitchFamily="34" charset="-128"/>
+                <a:cs typeface="+mn-cs"/>
+              </a:rPr>
+              <a:t>MyPanel</a:t>
+            </a:r>
+            <a:r>
+              <a:rPr kumimoji="0" lang="en-US" altLang="en-US" sz="1800" b="0" i="0" u="none" strike="noStrike" kern="0" cap="none" spc="0" normalizeH="0" baseline="0" noProof="0" dirty="0">
+                <a:ln>
+                  <a:noFill/>
+                </a:ln>
+                <a:solidFill>
+                  <a:srgbClr val="000000"/>
+                </a:solidFill>
+                <a:effectLst/>
+                <a:uLnTx/>
+                <a:uFillTx/>
+                <a:latin typeface="Courier New" panose="02070309020205020404" pitchFamily="49" charset="0"/>
+                <a:ea typeface="ＭＳ Ｐゴシック" panose="020B0600070205080204" pitchFamily="34" charset="-128"/>
+                <a:cs typeface="+mn-cs"/>
+              </a:rPr>
+              <a:t>();</a:t>
+            </a:r>
+          </a:p>
+          <a:p>
+            <a:pPr marL="230188" marR="0" lvl="0" indent="-230188" algn="l" defTabSz="914400" rtl="0" eaLnBrk="0" fontAlgn="base" latinLnBrk="0" hangingPunct="0">
+              <a:lnSpc>
+                <a:spcPct val="100000"/>
+              </a:lnSpc>
+              <a:spcBef>
+                <a:spcPct val="20000"/>
+              </a:spcBef>
+              <a:spcAft>
+                <a:spcPct val="0"/>
+              </a:spcAft>
+              <a:buClrTx/>
+              <a:buSzTx/>
+              <a:buFontTx/>
+              <a:buNone/>
+              <a:tabLst>
+                <a:tab pos="1255713" algn="l"/>
+              </a:tabLst>
+              <a:defRPr/>
+            </a:pPr>
+            <a:r>
+              <a:rPr kumimoji="0" lang="en-US" altLang="en-US" sz="1800" b="0" i="0" u="none" strike="noStrike" kern="0" cap="none" spc="0" normalizeH="0" baseline="0" noProof="0" dirty="0" err="1">
+                <a:ln>
+                  <a:noFill/>
+                </a:ln>
+                <a:solidFill>
+                  <a:srgbClr val="000000"/>
+                </a:solidFill>
+                <a:effectLst/>
+                <a:uLnTx/>
+                <a:uFillTx/>
+                <a:latin typeface="Courier New" panose="02070309020205020404" pitchFamily="49" charset="0"/>
+                <a:ea typeface="ＭＳ Ｐゴシック" panose="020B0600070205080204" pitchFamily="34" charset="-128"/>
+                <a:cs typeface="+mn-cs"/>
+              </a:rPr>
+              <a:t>panel.</a:t>
+            </a:r>
+            <a:r>
+              <a:rPr kumimoji="0" lang="en-US" altLang="en-US" sz="1800" b="1" i="0" u="none" strike="noStrike" kern="0" cap="none" spc="0" normalizeH="0" baseline="0" noProof="0" dirty="0" err="1">
+                <a:ln>
+                  <a:noFill/>
+                </a:ln>
+                <a:solidFill>
+                  <a:srgbClr val="000000"/>
+                </a:solidFill>
+                <a:effectLst/>
+                <a:uLnTx/>
+                <a:uFillTx/>
+                <a:latin typeface="Courier New" panose="02070309020205020404" pitchFamily="49" charset="0"/>
+                <a:ea typeface="ＭＳ Ｐゴシック" panose="020B0600070205080204" pitchFamily="34" charset="-128"/>
+                <a:cs typeface="+mn-cs"/>
+              </a:rPr>
+              <a:t>addMouseListener</a:t>
+            </a:r>
+            <a:r>
+              <a:rPr kumimoji="0" lang="en-US" altLang="en-US" sz="1800" b="0" i="0" u="none" strike="noStrike" kern="0" cap="none" spc="0" normalizeH="0" baseline="0" noProof="0" dirty="0">
+                <a:ln>
+                  <a:noFill/>
+                </a:ln>
+                <a:solidFill>
+                  <a:srgbClr val="000000"/>
+                </a:solidFill>
+                <a:effectLst/>
+                <a:uLnTx/>
+                <a:uFillTx/>
+                <a:latin typeface="Courier New" panose="02070309020205020404" pitchFamily="49" charset="0"/>
+                <a:ea typeface="ＭＳ Ｐゴシック" panose="020B0600070205080204" pitchFamily="34" charset="-128"/>
+                <a:cs typeface="+mn-cs"/>
+              </a:rPr>
+              <a:t>(new </a:t>
+            </a:r>
+            <a:r>
+              <a:rPr kumimoji="0" lang="en-US" altLang="en-US" sz="1800" b="0" i="0" u="none" strike="noStrike" kern="0" cap="none" spc="0" normalizeH="0" baseline="0" noProof="0" dirty="0" err="1">
+                <a:ln>
+                  <a:noFill/>
+                </a:ln>
+                <a:solidFill>
+                  <a:srgbClr val="000000"/>
+                </a:solidFill>
+                <a:effectLst/>
+                <a:uLnTx/>
+                <a:uFillTx/>
+                <a:latin typeface="Courier New" panose="02070309020205020404" pitchFamily="49" charset="0"/>
+                <a:ea typeface="ＭＳ Ｐゴシック" panose="020B0600070205080204" pitchFamily="34" charset="-128"/>
+                <a:cs typeface="+mn-cs"/>
+              </a:rPr>
+              <a:t>MyMouseListener</a:t>
+            </a:r>
+            <a:r>
+              <a:rPr kumimoji="0" lang="en-US" altLang="en-US" sz="1800" b="0" i="0" u="none" strike="noStrike" kern="0" cap="none" spc="0" normalizeH="0" baseline="0" noProof="0" dirty="0">
+                <a:ln>
+                  <a:noFill/>
+                </a:ln>
+                <a:solidFill>
+                  <a:srgbClr val="000000"/>
+                </a:solidFill>
+                <a:effectLst/>
+                <a:uLnTx/>
+                <a:uFillTx/>
+                <a:latin typeface="Courier New" panose="02070309020205020404" pitchFamily="49" charset="0"/>
+                <a:ea typeface="ＭＳ Ｐゴシック" panose="020B0600070205080204" pitchFamily="34" charset="-128"/>
+                <a:cs typeface="+mn-cs"/>
+              </a:rPr>
+              <a:t>());</a:t>
+            </a:r>
+          </a:p>
+          <a:p>
+            <a:pPr marL="230188" marR="0" lvl="0" indent="-230188" algn="l" defTabSz="914400" rtl="0" eaLnBrk="0" fontAlgn="base" latinLnBrk="0" hangingPunct="0">
+              <a:lnSpc>
+                <a:spcPct val="100000"/>
+              </a:lnSpc>
+              <a:spcBef>
+                <a:spcPct val="20000"/>
+              </a:spcBef>
+              <a:spcAft>
+                <a:spcPct val="0"/>
+              </a:spcAft>
+              <a:buClrTx/>
+              <a:buSzTx/>
+              <a:buFontTx/>
+              <a:buNone/>
+              <a:tabLst>
+                <a:tab pos="1255713" algn="l"/>
+              </a:tabLst>
+              <a:defRPr/>
+            </a:pPr>
+            <a:endParaRPr kumimoji="0" lang="en-US" altLang="en-US" sz="1800" b="0" i="0" u="none" strike="noStrike" kern="0" cap="none" spc="0" normalizeH="0" baseline="0" noProof="0" dirty="0">
+              <a:ln>
+                <a:noFill/>
+              </a:ln>
+              <a:solidFill>
+                <a:srgbClr val="000000"/>
+              </a:solidFill>
+              <a:effectLst/>
+              <a:uLnTx/>
+              <a:uFillTx/>
+              <a:latin typeface="Courier New" panose="02070309020205020404" pitchFamily="49" charset="0"/>
+              <a:ea typeface="ＭＳ Ｐゴシック" panose="020B0600070205080204" pitchFamily="34" charset="-128"/>
+              <a:cs typeface="+mn-cs"/>
+            </a:endParaRPr>
+          </a:p>
+          <a:p>
+            <a:pPr marL="230188" marR="0" lvl="0" indent="-230188" algn="l" defTabSz="914400" rtl="0" eaLnBrk="0" fontAlgn="base" latinLnBrk="0" hangingPunct="0">
+              <a:lnSpc>
+                <a:spcPct val="100000"/>
+              </a:lnSpc>
+              <a:spcBef>
+                <a:spcPct val="20000"/>
+              </a:spcBef>
+              <a:spcAft>
+                <a:spcPct val="0"/>
+              </a:spcAft>
+              <a:buClrTx/>
+              <a:buSzTx/>
+              <a:buFontTx/>
+              <a:buNone/>
+              <a:tabLst>
+                <a:tab pos="1255713" algn="l"/>
+              </a:tabLst>
+              <a:defRPr/>
+            </a:pPr>
+            <a:endParaRPr kumimoji="0" lang="en-US" altLang="en-US" sz="1800" b="0" i="0" u="none" strike="noStrike" kern="0" cap="none" spc="0" normalizeH="0" baseline="0" noProof="0" dirty="0">
+              <a:ln>
+                <a:noFill/>
+              </a:ln>
+              <a:solidFill>
+                <a:srgbClr val="000000"/>
+              </a:solidFill>
+              <a:effectLst/>
+              <a:uLnTx/>
+              <a:uFillTx/>
+              <a:latin typeface="Courier New" panose="02070309020205020404" pitchFamily="49" charset="0"/>
+              <a:ea typeface="ＭＳ Ｐゴシック" panose="020B0600070205080204" pitchFamily="34" charset="-128"/>
+              <a:cs typeface="+mn-cs"/>
+            </a:endParaRPr>
+          </a:p>
+          <a:p>
+            <a:pPr marL="230188" marR="0" lvl="0" indent="-230188" algn="l" defTabSz="914400" rtl="0" eaLnBrk="0" fontAlgn="base" latinLnBrk="0" hangingPunct="0">
+              <a:lnSpc>
+                <a:spcPct val="100000"/>
+              </a:lnSpc>
+              <a:spcBef>
+                <a:spcPct val="20000"/>
+              </a:spcBef>
+              <a:spcAft>
+                <a:spcPct val="0"/>
+              </a:spcAft>
+              <a:buClrTx/>
+              <a:buSzTx/>
+              <a:buFontTx/>
+              <a:buChar char="•"/>
+              <a:tabLst>
+                <a:tab pos="1255713" algn="l"/>
+              </a:tabLst>
+              <a:defRPr/>
+            </a:pPr>
+            <a:r>
+              <a:rPr kumimoji="0" lang="en-US" altLang="en-US" sz="2000" b="0" i="0" u="none" strike="noStrike" kern="0" cap="none" spc="0" normalizeH="0" baseline="0" noProof="0" dirty="0">
+                <a:ln>
+                  <a:noFill/>
+                </a:ln>
+                <a:solidFill>
+                  <a:srgbClr val="000000"/>
+                </a:solidFill>
+                <a:effectLst/>
+                <a:uLnTx/>
+                <a:uFillTx/>
+                <a:latin typeface="Times New Roman"/>
+                <a:ea typeface="ＭＳ Ｐゴシック" panose="020B0600070205080204" pitchFamily="34" charset="-128"/>
+                <a:cs typeface="+mn-cs"/>
+              </a:rPr>
+              <a:t>Problem: Tedious to implement entire interface when only partial behavior is wanted/needed</a:t>
             </a:r>
           </a:p>
         </p:txBody>
@@ -7755,362 +7597,10 @@
           </a:p>
         </p:txBody>
       </p:sp>
-      <p:sp>
-        <p:nvSpPr>
-          <p:cNvPr id="7" name="Rectangle 3">
-            <a:extLst>
-              <a:ext uri="{FF2B5EF4-FFF2-40B4-BE49-F238E27FC236}">
-                <a16:creationId xmlns:a16="http://schemas.microsoft.com/office/drawing/2014/main" xmlns="" id="{E64C1286-5BF6-48E3-B388-2BD8630C60FE}"/>
-              </a:ext>
-            </a:extLst>
-          </p:cNvPr>
-          <p:cNvSpPr txBox="1">
-            <a:spLocks noChangeArrowheads="1"/>
-          </p:cNvSpPr>
-          <p:nvPr/>
-        </p:nvSpPr>
-        <p:spPr>
-          <a:xfrm>
-            <a:off x="2553929" y="1257300"/>
-            <a:ext cx="7772400" cy="4343400"/>
-          </a:xfrm>
-          <a:prstGeom prst="rect">
-            <a:avLst/>
-          </a:prstGeom>
-        </p:spPr>
-        <p:txBody>
-          <a:bodyPr vert="horz" lIns="91440" tIns="45720" rIns="91440" bIns="45720" rtlCol="0">
-            <a:normAutofit fontScale="92500" lnSpcReduction="10000"/>
-          </a:bodyPr>
-          <a:lstStyle>
-            <a:lvl1pPr marL="228600" indent="-228600" algn="l" defTabSz="914400" rtl="0" eaLnBrk="1" latinLnBrk="0" hangingPunct="1">
-              <a:lnSpc>
-                <a:spcPct val="90000"/>
-              </a:lnSpc>
-              <a:spcBef>
-                <a:spcPts val="1000"/>
-              </a:spcBef>
-              <a:buFont typeface="Arial" panose="020B0604020202020204" pitchFamily="34" charset="0"/>
-              <a:buChar char="•"/>
-              <a:defRPr sz="2800" kern="1200">
-                <a:solidFill>
-                  <a:schemeClr val="tx1"/>
-                </a:solidFill>
-                <a:latin typeface="+mn-lt"/>
-                <a:ea typeface="+mn-ea"/>
-                <a:cs typeface="+mn-cs"/>
-              </a:defRPr>
-            </a:lvl1pPr>
-            <a:lvl2pPr marL="685800" indent="-228600" algn="l" defTabSz="914400" rtl="0" eaLnBrk="1" latinLnBrk="0" hangingPunct="1">
-              <a:lnSpc>
-                <a:spcPct val="90000"/>
-              </a:lnSpc>
-              <a:spcBef>
-                <a:spcPts val="500"/>
-              </a:spcBef>
-              <a:buFont typeface="Arial" panose="020B0604020202020204" pitchFamily="34" charset="0"/>
-              <a:buChar char="•"/>
-              <a:defRPr sz="2400" kern="1200">
-                <a:solidFill>
-                  <a:schemeClr val="tx1"/>
-                </a:solidFill>
-                <a:latin typeface="+mn-lt"/>
-                <a:ea typeface="+mn-ea"/>
-                <a:cs typeface="+mn-cs"/>
-              </a:defRPr>
-            </a:lvl2pPr>
-            <a:lvl3pPr marL="1143000" indent="-228600" algn="l" defTabSz="914400" rtl="0" eaLnBrk="1" latinLnBrk="0" hangingPunct="1">
-              <a:lnSpc>
-                <a:spcPct val="90000"/>
-              </a:lnSpc>
-              <a:spcBef>
-                <a:spcPts val="500"/>
-              </a:spcBef>
-              <a:buFont typeface="Arial" panose="020B0604020202020204" pitchFamily="34" charset="0"/>
-              <a:buChar char="•"/>
-              <a:defRPr sz="2000" kern="1200">
-                <a:solidFill>
-                  <a:schemeClr val="tx1"/>
-                </a:solidFill>
-                <a:latin typeface="+mn-lt"/>
-                <a:ea typeface="+mn-ea"/>
-                <a:cs typeface="+mn-cs"/>
-              </a:defRPr>
-            </a:lvl3pPr>
-            <a:lvl4pPr marL="1600200" indent="-228600" algn="l" defTabSz="914400" rtl="0" eaLnBrk="1" latinLnBrk="0" hangingPunct="1">
-              <a:lnSpc>
-                <a:spcPct val="90000"/>
-              </a:lnSpc>
-              <a:spcBef>
-                <a:spcPts val="500"/>
-              </a:spcBef>
-              <a:buFont typeface="Arial" panose="020B0604020202020204" pitchFamily="34" charset="0"/>
-              <a:buChar char="•"/>
-              <a:defRPr sz="1800" kern="1200">
-                <a:solidFill>
-                  <a:schemeClr val="tx1"/>
-                </a:solidFill>
-                <a:latin typeface="+mn-lt"/>
-                <a:ea typeface="+mn-ea"/>
-                <a:cs typeface="+mn-cs"/>
-              </a:defRPr>
-            </a:lvl4pPr>
-            <a:lvl5pPr marL="2057400" indent="-228600" algn="l" defTabSz="914400" rtl="0" eaLnBrk="1" latinLnBrk="0" hangingPunct="1">
-              <a:lnSpc>
-                <a:spcPct val="90000"/>
-              </a:lnSpc>
-              <a:spcBef>
-                <a:spcPts val="500"/>
-              </a:spcBef>
-              <a:buFont typeface="Arial" panose="020B0604020202020204" pitchFamily="34" charset="0"/>
-              <a:buChar char="•"/>
-              <a:defRPr sz="1800" kern="1200">
-                <a:solidFill>
-                  <a:schemeClr val="tx1"/>
-                </a:solidFill>
-                <a:latin typeface="+mn-lt"/>
-                <a:ea typeface="+mn-ea"/>
-                <a:cs typeface="+mn-cs"/>
-              </a:defRPr>
-            </a:lvl5pPr>
-            <a:lvl6pPr marL="2514600" indent="-228600" algn="l" defTabSz="914400" rtl="0" eaLnBrk="1" latinLnBrk="0" hangingPunct="1">
-              <a:lnSpc>
-                <a:spcPct val="90000"/>
-              </a:lnSpc>
-              <a:spcBef>
-                <a:spcPts val="500"/>
-              </a:spcBef>
-              <a:buFont typeface="Arial" panose="020B0604020202020204" pitchFamily="34" charset="0"/>
-              <a:buChar char="•"/>
-              <a:defRPr sz="1800" kern="1200">
-                <a:solidFill>
-                  <a:schemeClr val="tx1"/>
-                </a:solidFill>
-                <a:latin typeface="+mn-lt"/>
-                <a:ea typeface="+mn-ea"/>
-                <a:cs typeface="+mn-cs"/>
-              </a:defRPr>
-            </a:lvl6pPr>
-            <a:lvl7pPr marL="2971800" indent="-228600" algn="l" defTabSz="914400" rtl="0" eaLnBrk="1" latinLnBrk="0" hangingPunct="1">
-              <a:lnSpc>
-                <a:spcPct val="90000"/>
-              </a:lnSpc>
-              <a:spcBef>
-                <a:spcPts val="500"/>
-              </a:spcBef>
-              <a:buFont typeface="Arial" panose="020B0604020202020204" pitchFamily="34" charset="0"/>
-              <a:buChar char="•"/>
-              <a:defRPr sz="1800" kern="1200">
-                <a:solidFill>
-                  <a:schemeClr val="tx1"/>
-                </a:solidFill>
-                <a:latin typeface="+mn-lt"/>
-                <a:ea typeface="+mn-ea"/>
-                <a:cs typeface="+mn-cs"/>
-              </a:defRPr>
-            </a:lvl7pPr>
-            <a:lvl8pPr marL="3429000" indent="-228600" algn="l" defTabSz="914400" rtl="0" eaLnBrk="1" latinLnBrk="0" hangingPunct="1">
-              <a:lnSpc>
-                <a:spcPct val="90000"/>
-              </a:lnSpc>
-              <a:spcBef>
-                <a:spcPts val="500"/>
-              </a:spcBef>
-              <a:buFont typeface="Arial" panose="020B0604020202020204" pitchFamily="34" charset="0"/>
-              <a:buChar char="•"/>
-              <a:defRPr sz="1800" kern="1200">
-                <a:solidFill>
-                  <a:schemeClr val="tx1"/>
-                </a:solidFill>
-                <a:latin typeface="+mn-lt"/>
-                <a:ea typeface="+mn-ea"/>
-                <a:cs typeface="+mn-cs"/>
-              </a:defRPr>
-            </a:lvl8pPr>
-            <a:lvl9pPr marL="3886200" indent="-228600" algn="l" defTabSz="914400" rtl="0" eaLnBrk="1" latinLnBrk="0" hangingPunct="1">
-              <a:lnSpc>
-                <a:spcPct val="90000"/>
-              </a:lnSpc>
-              <a:spcBef>
-                <a:spcPts val="500"/>
-              </a:spcBef>
-              <a:buFont typeface="Arial" panose="020B0604020202020204" pitchFamily="34" charset="0"/>
-              <a:buChar char="•"/>
-              <a:defRPr sz="1800" kern="1200">
-                <a:solidFill>
-                  <a:schemeClr val="tx1"/>
-                </a:solidFill>
-                <a:latin typeface="+mn-lt"/>
-                <a:ea typeface="+mn-ea"/>
-                <a:cs typeface="+mn-cs"/>
-              </a:defRPr>
-            </a:lvl9pPr>
-          </a:lstStyle>
-          <a:p>
-            <a:pPr>
-              <a:buFontTx/>
-              <a:buNone/>
-            </a:pPr>
-            <a:r>
-              <a:rPr lang="en-US" altLang="en-US" sz="1800">
-                <a:latin typeface="Courier New" panose="02070309020205020404" pitchFamily="49" charset="0"/>
-              </a:rPr>
-              <a:t>public class MyMouseListener </a:t>
-            </a:r>
-          </a:p>
-          <a:p>
-            <a:pPr>
-              <a:buFontTx/>
-              <a:buNone/>
-            </a:pPr>
-            <a:r>
-              <a:rPr lang="en-US" altLang="en-US" sz="1800">
-                <a:latin typeface="Courier New" panose="02070309020205020404" pitchFamily="49" charset="0"/>
-              </a:rPr>
-              <a:t>  </a:t>
-            </a:r>
-            <a:r>
-              <a:rPr lang="en-US" altLang="en-US" sz="1800" b="1">
-                <a:latin typeface="Courier New" panose="02070309020205020404" pitchFamily="49" charset="0"/>
-              </a:rPr>
-              <a:t>implements MouseListener</a:t>
-            </a:r>
-          </a:p>
-          <a:p>
-            <a:pPr>
-              <a:buFontTx/>
-              <a:buNone/>
-            </a:pPr>
-            <a:r>
-              <a:rPr lang="en-US" altLang="en-US" sz="1800">
-                <a:latin typeface="Courier New" panose="02070309020205020404" pitchFamily="49" charset="0"/>
-              </a:rPr>
-              <a:t>{</a:t>
-            </a:r>
-          </a:p>
-          <a:p>
-            <a:pPr>
-              <a:buFontTx/>
-              <a:buNone/>
-            </a:pPr>
-            <a:r>
-              <a:rPr lang="en-US" altLang="en-US" sz="1800">
-                <a:latin typeface="Courier New" panose="02070309020205020404" pitchFamily="49" charset="0"/>
-              </a:rPr>
-              <a:t>  public void mouseClicked(MouseEvent event) {}</a:t>
-            </a:r>
-          </a:p>
-          <a:p>
-            <a:pPr>
-              <a:buFontTx/>
-              <a:buNone/>
-            </a:pPr>
-            <a:r>
-              <a:rPr lang="en-US" altLang="en-US" sz="1800">
-                <a:latin typeface="Courier New" panose="02070309020205020404" pitchFamily="49" charset="0"/>
-              </a:rPr>
-              <a:t>  public void mouseEntered(MouseEvent event) {}</a:t>
-            </a:r>
-          </a:p>
-          <a:p>
-            <a:pPr>
-              <a:buFontTx/>
-              <a:buNone/>
-            </a:pPr>
-            <a:r>
-              <a:rPr lang="en-US" altLang="en-US" sz="1800">
-                <a:latin typeface="Courier New" panose="02070309020205020404" pitchFamily="49" charset="0"/>
-              </a:rPr>
-              <a:t>  public void mouseExited(MouseEvent event)  {}</a:t>
-            </a:r>
-          </a:p>
-          <a:p>
-            <a:pPr>
-              <a:buFontTx/>
-              <a:buNone/>
-            </a:pPr>
-            <a:endParaRPr lang="en-US" altLang="en-US" sz="1800">
-              <a:latin typeface="Courier New" panose="02070309020205020404" pitchFamily="49" charset="0"/>
-            </a:endParaRPr>
-          </a:p>
-          <a:p>
-            <a:pPr>
-              <a:buFontTx/>
-              <a:buNone/>
-            </a:pPr>
-            <a:r>
-              <a:rPr lang="en-US" altLang="en-US" sz="1800">
-                <a:latin typeface="Courier New" panose="02070309020205020404" pitchFamily="49" charset="0"/>
-              </a:rPr>
-              <a:t>  public void mousePressed(MouseEvent event) {</a:t>
-            </a:r>
-          </a:p>
-          <a:p>
-            <a:pPr>
-              <a:buFontTx/>
-              <a:buNone/>
-            </a:pPr>
-            <a:r>
-              <a:rPr lang="en-US" altLang="en-US" sz="1800">
-                <a:latin typeface="Courier New" panose="02070309020205020404" pitchFamily="49" charset="0"/>
-              </a:rPr>
-              <a:t>    System.out.println(“User pressed mouse button!”);</a:t>
-            </a:r>
-          </a:p>
-          <a:p>
-            <a:pPr>
-              <a:buFontTx/>
-              <a:buNone/>
-            </a:pPr>
-            <a:r>
-              <a:rPr lang="en-US" altLang="en-US" sz="1800">
-                <a:latin typeface="Courier New" panose="02070309020205020404" pitchFamily="49" charset="0"/>
-              </a:rPr>
-              <a:t>  }</a:t>
-            </a:r>
-          </a:p>
-          <a:p>
-            <a:pPr>
-              <a:buFontTx/>
-              <a:buNone/>
-            </a:pPr>
-            <a:endParaRPr lang="en-US" altLang="en-US" sz="1800">
-              <a:latin typeface="Courier New" panose="02070309020205020404" pitchFamily="49" charset="0"/>
-            </a:endParaRPr>
-          </a:p>
-          <a:p>
-            <a:pPr>
-              <a:buFontTx/>
-              <a:buNone/>
-            </a:pPr>
-            <a:r>
-              <a:rPr lang="en-US" altLang="en-US" sz="1800">
-                <a:latin typeface="Courier New" panose="02070309020205020404" pitchFamily="49" charset="0"/>
-              </a:rPr>
-              <a:t>  public void mouseReleased(MouseEvent event) {}</a:t>
-            </a:r>
-          </a:p>
-          <a:p>
-            <a:pPr>
-              <a:buFontTx/>
-              <a:buNone/>
-            </a:pPr>
-            <a:r>
-              <a:rPr lang="en-US" altLang="en-US" sz="1800">
-                <a:latin typeface="Courier New" panose="02070309020205020404" pitchFamily="49" charset="0"/>
-              </a:rPr>
-              <a:t>}</a:t>
-            </a:r>
-            <a:endParaRPr lang="en-US" altLang="en-US" sz="1800" dirty="0">
-              <a:latin typeface="Courier New" panose="02070309020205020404" pitchFamily="49" charset="0"/>
-            </a:endParaRPr>
-          </a:p>
-        </p:txBody>
-      </p:sp>
     </p:spTree>
     <p:extLst>
       <p:ext uri="{BB962C8B-B14F-4D97-AF65-F5344CB8AC3E}">
-        <p14:creationId xmlns:p14="http://schemas.microsoft.com/office/powerpoint/2010/main" xmlns="" val="1435777542"/>
+        <p14:creationId xmlns="" xmlns:p14="http://schemas.microsoft.com/office/powerpoint/2010/main" val="997206608"/>
       </p:ext>
     </p:extLst>
   </p:cSld>
@@ -8153,14 +7643,14 @@
           <a:lstStyle/>
           <a:p>
             <a:r>
+              <a:rPr lang="en-US" altLang="en-US" dirty="0"/>
+              <a:t>Solution: </a:t>
+            </a:r>
+            <a:r>
               <a:rPr lang="en-US" altLang="en-US" dirty="0" err="1">
                 <a:latin typeface="Courier New" panose="02070309020205020404" pitchFamily="49" charset="0"/>
               </a:rPr>
-              <a:t>MouseListener</a:t>
-            </a:r>
-            <a:r>
-              <a:rPr lang="en-US" altLang="en-US" dirty="0"/>
-              <a:t> Usage</a:t>
+              <a:t>MouseAdapter</a:t>
             </a:r>
             <a:endParaRPr lang="en-CA" dirty="0"/>
           </a:p>
@@ -8179,7 +7669,7 @@
         <p:spPr>
           <a:xfrm>
             <a:off x="640874" y="1168401"/>
-            <a:ext cx="10515600" cy="4399753"/>
+            <a:ext cx="10515600" cy="5025922"/>
           </a:xfrm>
         </p:spPr>
         <p:txBody>
@@ -8187,340 +7677,6 @@
             <a:normAutofit/>
           </a:bodyPr>
           <a:lstStyle/>
-          <a:p>
-            <a:pPr marL="230188" marR="0" lvl="0" indent="-230188" algn="l" defTabSz="914400" rtl="0" eaLnBrk="0" fontAlgn="base" latinLnBrk="0" hangingPunct="0">
-              <a:lnSpc>
-                <a:spcPct val="100000"/>
-              </a:lnSpc>
-              <a:spcBef>
-                <a:spcPct val="20000"/>
-              </a:spcBef>
-              <a:spcAft>
-                <a:spcPct val="0"/>
-              </a:spcAft>
-              <a:buClrTx/>
-              <a:buSzTx/>
-              <a:buFontTx/>
-              <a:buNone/>
-              <a:tabLst>
-                <a:tab pos="1255713" algn="l"/>
-              </a:tabLst>
-              <a:defRPr/>
-            </a:pPr>
-            <a:r>
-              <a:rPr kumimoji="0" lang="en-US" altLang="en-US" sz="1800" b="0" i="0" u="none" strike="noStrike" kern="0" cap="none" spc="0" normalizeH="0" baseline="0" noProof="0" dirty="0">
-                <a:ln>
-                  <a:noFill/>
-                </a:ln>
-                <a:solidFill>
-                  <a:srgbClr val="000000"/>
-                </a:solidFill>
-                <a:effectLst/>
-                <a:uLnTx/>
-                <a:uFillTx/>
-                <a:latin typeface="Courier New" panose="02070309020205020404" pitchFamily="49" charset="0"/>
-                <a:ea typeface="ＭＳ Ｐゴシック" panose="020B0600070205080204" pitchFamily="34" charset="-128"/>
-                <a:cs typeface="+mn-cs"/>
-              </a:rPr>
-              <a:t>// assumes some custom panel class named </a:t>
-            </a:r>
-            <a:r>
-              <a:rPr kumimoji="0" lang="en-US" altLang="en-US" sz="1800" b="0" i="0" u="none" strike="noStrike" kern="0" cap="none" spc="0" normalizeH="0" baseline="0" noProof="0" dirty="0" err="1">
-                <a:ln>
-                  <a:noFill/>
-                </a:ln>
-                <a:solidFill>
-                  <a:srgbClr val="000000"/>
-                </a:solidFill>
-                <a:effectLst/>
-                <a:uLnTx/>
-                <a:uFillTx/>
-                <a:latin typeface="Courier New" panose="02070309020205020404" pitchFamily="49" charset="0"/>
-                <a:ea typeface="ＭＳ Ｐゴシック" panose="020B0600070205080204" pitchFamily="34" charset="-128"/>
-                <a:cs typeface="+mn-cs"/>
-              </a:rPr>
-              <a:t>MyPanel</a:t>
-            </a:r>
-            <a:endParaRPr kumimoji="0" lang="en-US" altLang="en-US" sz="1800" b="0" i="0" u="none" strike="noStrike" kern="0" cap="none" spc="0" normalizeH="0" baseline="0" noProof="0" dirty="0">
-              <a:ln>
-                <a:noFill/>
-              </a:ln>
-              <a:solidFill>
-                <a:srgbClr val="000000"/>
-              </a:solidFill>
-              <a:effectLst/>
-              <a:uLnTx/>
-              <a:uFillTx/>
-              <a:latin typeface="Courier New" panose="02070309020205020404" pitchFamily="49" charset="0"/>
-              <a:ea typeface="ＭＳ Ｐゴシック" panose="020B0600070205080204" pitchFamily="34" charset="-128"/>
-              <a:cs typeface="+mn-cs"/>
-            </a:endParaRPr>
-          </a:p>
-          <a:p>
-            <a:pPr marL="230188" marR="0" lvl="0" indent="-230188" algn="l" defTabSz="914400" rtl="0" eaLnBrk="0" fontAlgn="base" latinLnBrk="0" hangingPunct="0">
-              <a:lnSpc>
-                <a:spcPct val="100000"/>
-              </a:lnSpc>
-              <a:spcBef>
-                <a:spcPct val="20000"/>
-              </a:spcBef>
-              <a:spcAft>
-                <a:spcPct val="0"/>
-              </a:spcAft>
-              <a:buClrTx/>
-              <a:buSzTx/>
-              <a:buFontTx/>
-              <a:buNone/>
-              <a:tabLst>
-                <a:tab pos="1255713" algn="l"/>
-              </a:tabLst>
-              <a:defRPr/>
-            </a:pPr>
-            <a:r>
-              <a:rPr kumimoji="0" lang="en-US" altLang="en-US" sz="1800" b="0" i="0" u="none" strike="noStrike" kern="0" cap="none" spc="0" normalizeH="0" baseline="0" noProof="0" dirty="0" err="1">
-                <a:ln>
-                  <a:noFill/>
-                </a:ln>
-                <a:solidFill>
-                  <a:srgbClr val="000000"/>
-                </a:solidFill>
-                <a:effectLst/>
-                <a:uLnTx/>
-                <a:uFillTx/>
-                <a:latin typeface="Courier New" panose="02070309020205020404" pitchFamily="49" charset="0"/>
-                <a:ea typeface="ＭＳ Ｐゴシック" panose="020B0600070205080204" pitchFamily="34" charset="-128"/>
-                <a:cs typeface="+mn-cs"/>
-              </a:rPr>
-              <a:t>MyPanel</a:t>
-            </a:r>
-            <a:r>
-              <a:rPr kumimoji="0" lang="en-US" altLang="en-US" sz="1800" b="0" i="0" u="none" strike="noStrike" kern="0" cap="none" spc="0" normalizeH="0" baseline="0" noProof="0" dirty="0">
-                <a:ln>
-                  <a:noFill/>
-                </a:ln>
-                <a:solidFill>
-                  <a:srgbClr val="000000"/>
-                </a:solidFill>
-                <a:effectLst/>
-                <a:uLnTx/>
-                <a:uFillTx/>
-                <a:latin typeface="Courier New" panose="02070309020205020404" pitchFamily="49" charset="0"/>
-                <a:ea typeface="ＭＳ Ｐゴシック" panose="020B0600070205080204" pitchFamily="34" charset="-128"/>
-                <a:cs typeface="+mn-cs"/>
-              </a:rPr>
-              <a:t> panel = new </a:t>
-            </a:r>
-            <a:r>
-              <a:rPr kumimoji="0" lang="en-US" altLang="en-US" sz="1800" b="0" i="0" u="none" strike="noStrike" kern="0" cap="none" spc="0" normalizeH="0" baseline="0" noProof="0" dirty="0" err="1">
-                <a:ln>
-                  <a:noFill/>
-                </a:ln>
-                <a:solidFill>
-                  <a:srgbClr val="000000"/>
-                </a:solidFill>
-                <a:effectLst/>
-                <a:uLnTx/>
-                <a:uFillTx/>
-                <a:latin typeface="Courier New" panose="02070309020205020404" pitchFamily="49" charset="0"/>
-                <a:ea typeface="ＭＳ Ｐゴシック" panose="020B0600070205080204" pitchFamily="34" charset="-128"/>
-                <a:cs typeface="+mn-cs"/>
-              </a:rPr>
-              <a:t>MyPanel</a:t>
-            </a:r>
-            <a:r>
-              <a:rPr kumimoji="0" lang="en-US" altLang="en-US" sz="1800" b="0" i="0" u="none" strike="noStrike" kern="0" cap="none" spc="0" normalizeH="0" baseline="0" noProof="0" dirty="0">
-                <a:ln>
-                  <a:noFill/>
-                </a:ln>
-                <a:solidFill>
-                  <a:srgbClr val="000000"/>
-                </a:solidFill>
-                <a:effectLst/>
-                <a:uLnTx/>
-                <a:uFillTx/>
-                <a:latin typeface="Courier New" panose="02070309020205020404" pitchFamily="49" charset="0"/>
-                <a:ea typeface="ＭＳ Ｐゴシック" panose="020B0600070205080204" pitchFamily="34" charset="-128"/>
-                <a:cs typeface="+mn-cs"/>
-              </a:rPr>
-              <a:t>();</a:t>
-            </a:r>
-          </a:p>
-          <a:p>
-            <a:pPr marL="230188" marR="0" lvl="0" indent="-230188" algn="l" defTabSz="914400" rtl="0" eaLnBrk="0" fontAlgn="base" latinLnBrk="0" hangingPunct="0">
-              <a:lnSpc>
-                <a:spcPct val="100000"/>
-              </a:lnSpc>
-              <a:spcBef>
-                <a:spcPct val="20000"/>
-              </a:spcBef>
-              <a:spcAft>
-                <a:spcPct val="0"/>
-              </a:spcAft>
-              <a:buClrTx/>
-              <a:buSzTx/>
-              <a:buFontTx/>
-              <a:buNone/>
-              <a:tabLst>
-                <a:tab pos="1255713" algn="l"/>
-              </a:tabLst>
-              <a:defRPr/>
-            </a:pPr>
-            <a:r>
-              <a:rPr kumimoji="0" lang="en-US" altLang="en-US" sz="1800" b="0" i="0" u="none" strike="noStrike" kern="0" cap="none" spc="0" normalizeH="0" baseline="0" noProof="0" dirty="0" err="1">
-                <a:ln>
-                  <a:noFill/>
-                </a:ln>
-                <a:solidFill>
-                  <a:srgbClr val="000000"/>
-                </a:solidFill>
-                <a:effectLst/>
-                <a:uLnTx/>
-                <a:uFillTx/>
-                <a:latin typeface="Courier New" panose="02070309020205020404" pitchFamily="49" charset="0"/>
-                <a:ea typeface="ＭＳ Ｐゴシック" panose="020B0600070205080204" pitchFamily="34" charset="-128"/>
-                <a:cs typeface="+mn-cs"/>
-              </a:rPr>
-              <a:t>panel.</a:t>
-            </a:r>
-            <a:r>
-              <a:rPr kumimoji="0" lang="en-US" altLang="en-US" sz="1800" b="1" i="0" u="none" strike="noStrike" kern="0" cap="none" spc="0" normalizeH="0" baseline="0" noProof="0" dirty="0" err="1">
-                <a:ln>
-                  <a:noFill/>
-                </a:ln>
-                <a:solidFill>
-                  <a:srgbClr val="000000"/>
-                </a:solidFill>
-                <a:effectLst/>
-                <a:uLnTx/>
-                <a:uFillTx/>
-                <a:latin typeface="Courier New" panose="02070309020205020404" pitchFamily="49" charset="0"/>
-                <a:ea typeface="ＭＳ Ｐゴシック" panose="020B0600070205080204" pitchFamily="34" charset="-128"/>
-                <a:cs typeface="+mn-cs"/>
-              </a:rPr>
-              <a:t>addMouseListener</a:t>
-            </a:r>
-            <a:r>
-              <a:rPr kumimoji="0" lang="en-US" altLang="en-US" sz="1800" b="0" i="0" u="none" strike="noStrike" kern="0" cap="none" spc="0" normalizeH="0" baseline="0" noProof="0" dirty="0">
-                <a:ln>
-                  <a:noFill/>
-                </a:ln>
-                <a:solidFill>
-                  <a:srgbClr val="000000"/>
-                </a:solidFill>
-                <a:effectLst/>
-                <a:uLnTx/>
-                <a:uFillTx/>
-                <a:latin typeface="Courier New" panose="02070309020205020404" pitchFamily="49" charset="0"/>
-                <a:ea typeface="ＭＳ Ｐゴシック" panose="020B0600070205080204" pitchFamily="34" charset="-128"/>
-                <a:cs typeface="+mn-cs"/>
-              </a:rPr>
-              <a:t>(new </a:t>
-            </a:r>
-            <a:r>
-              <a:rPr kumimoji="0" lang="en-US" altLang="en-US" sz="1800" b="0" i="0" u="none" strike="noStrike" kern="0" cap="none" spc="0" normalizeH="0" baseline="0" noProof="0" dirty="0" err="1">
-                <a:ln>
-                  <a:noFill/>
-                </a:ln>
-                <a:solidFill>
-                  <a:srgbClr val="000000"/>
-                </a:solidFill>
-                <a:effectLst/>
-                <a:uLnTx/>
-                <a:uFillTx/>
-                <a:latin typeface="Courier New" panose="02070309020205020404" pitchFamily="49" charset="0"/>
-                <a:ea typeface="ＭＳ Ｐゴシック" panose="020B0600070205080204" pitchFamily="34" charset="-128"/>
-                <a:cs typeface="+mn-cs"/>
-              </a:rPr>
-              <a:t>MyMouseListener</a:t>
-            </a:r>
-            <a:r>
-              <a:rPr kumimoji="0" lang="en-US" altLang="en-US" sz="1800" b="0" i="0" u="none" strike="noStrike" kern="0" cap="none" spc="0" normalizeH="0" baseline="0" noProof="0" dirty="0">
-                <a:ln>
-                  <a:noFill/>
-                </a:ln>
-                <a:solidFill>
-                  <a:srgbClr val="000000"/>
-                </a:solidFill>
-                <a:effectLst/>
-                <a:uLnTx/>
-                <a:uFillTx/>
-                <a:latin typeface="Courier New" panose="02070309020205020404" pitchFamily="49" charset="0"/>
-                <a:ea typeface="ＭＳ Ｐゴシック" panose="020B0600070205080204" pitchFamily="34" charset="-128"/>
-                <a:cs typeface="+mn-cs"/>
-              </a:rPr>
-              <a:t>());</a:t>
-            </a:r>
-          </a:p>
-          <a:p>
-            <a:pPr marL="230188" marR="0" lvl="0" indent="-230188" algn="l" defTabSz="914400" rtl="0" eaLnBrk="0" fontAlgn="base" latinLnBrk="0" hangingPunct="0">
-              <a:lnSpc>
-                <a:spcPct val="100000"/>
-              </a:lnSpc>
-              <a:spcBef>
-                <a:spcPct val="20000"/>
-              </a:spcBef>
-              <a:spcAft>
-                <a:spcPct val="0"/>
-              </a:spcAft>
-              <a:buClrTx/>
-              <a:buSzTx/>
-              <a:buFontTx/>
-              <a:buNone/>
-              <a:tabLst>
-                <a:tab pos="1255713" algn="l"/>
-              </a:tabLst>
-              <a:defRPr/>
-            </a:pPr>
-            <a:endParaRPr kumimoji="0" lang="en-US" altLang="en-US" sz="1800" b="0" i="0" u="none" strike="noStrike" kern="0" cap="none" spc="0" normalizeH="0" baseline="0" noProof="0" dirty="0">
-              <a:ln>
-                <a:noFill/>
-              </a:ln>
-              <a:solidFill>
-                <a:srgbClr val="000000"/>
-              </a:solidFill>
-              <a:effectLst/>
-              <a:uLnTx/>
-              <a:uFillTx/>
-              <a:latin typeface="Courier New" panose="02070309020205020404" pitchFamily="49" charset="0"/>
-              <a:ea typeface="ＭＳ Ｐゴシック" panose="020B0600070205080204" pitchFamily="34" charset="-128"/>
-              <a:cs typeface="+mn-cs"/>
-            </a:endParaRPr>
-          </a:p>
-          <a:p>
-            <a:pPr marL="230188" marR="0" lvl="0" indent="-230188" algn="l" defTabSz="914400" rtl="0" eaLnBrk="0" fontAlgn="base" latinLnBrk="0" hangingPunct="0">
-              <a:lnSpc>
-                <a:spcPct val="100000"/>
-              </a:lnSpc>
-              <a:spcBef>
-                <a:spcPct val="20000"/>
-              </a:spcBef>
-              <a:spcAft>
-                <a:spcPct val="0"/>
-              </a:spcAft>
-              <a:buClrTx/>
-              <a:buSzTx/>
-              <a:buFontTx/>
-              <a:buNone/>
-              <a:tabLst>
-                <a:tab pos="1255713" algn="l"/>
-              </a:tabLst>
-              <a:defRPr/>
-            </a:pPr>
-            <a:endParaRPr kumimoji="0" lang="en-US" altLang="en-US" sz="1800" b="0" i="0" u="none" strike="noStrike" kern="0" cap="none" spc="0" normalizeH="0" baseline="0" noProof="0" dirty="0">
-              <a:ln>
-                <a:noFill/>
-              </a:ln>
-              <a:solidFill>
-                <a:srgbClr val="000000"/>
-              </a:solidFill>
-              <a:effectLst/>
-              <a:uLnTx/>
-              <a:uFillTx/>
-              <a:latin typeface="Courier New" panose="02070309020205020404" pitchFamily="49" charset="0"/>
-              <a:ea typeface="ＭＳ Ｐゴシック" panose="020B0600070205080204" pitchFamily="34" charset="-128"/>
-              <a:cs typeface="+mn-cs"/>
-            </a:endParaRPr>
-          </a:p>
           <a:p>
             <a:pPr marL="230188" marR="0" lvl="0" indent="-230188" algn="l" defTabSz="914400" rtl="0" eaLnBrk="0" fontAlgn="base" latinLnBrk="0" hangingPunct="0">
               <a:lnSpc>
@@ -8542,7 +7698,7 @@
               <a:defRPr/>
             </a:pPr>
             <a:r>
-              <a:rPr kumimoji="0" lang="en-US" altLang="en-US" sz="2000" b="0" i="0" u="none" strike="noStrike" kern="0" cap="none" spc="0" normalizeH="0" baseline="0" noProof="0" dirty="0">
+              <a:rPr kumimoji="0" lang="en-US" altLang="en-US" sz="2400" b="0" i="0" u="none" strike="noStrike" kern="0" cap="none" spc="0" normalizeH="0" baseline="0" noProof="0" dirty="0">
                 <a:ln>
                   <a:noFill/>
                 </a:ln>
@@ -8556,7 +7712,151 @@
                 <a:ea typeface="ＭＳ Ｐゴシック" panose="020B0600070205080204" pitchFamily="34" charset="-128"/>
                 <a:cs typeface="+mn-cs"/>
               </a:rPr>
-              <a:t>Problem: Tedious to implement entire interface when only partial behavior is wanted/needed</a:t>
+              <a:t>an abstract class with empty implementations of all </a:t>
+            </a:r>
+            <a:r>
+              <a:rPr kumimoji="0" lang="en-US" altLang="en-US" sz="2400" b="0" i="0" u="none" strike="noStrike" kern="0" cap="none" spc="0" normalizeH="0" baseline="0" noProof="0" dirty="0" err="1">
+                <a:ln>
+                  <a:noFill/>
+                </a:ln>
+                <a:solidFill>
+                  <a:srgbClr val="000000"/>
+                </a:solidFill>
+                <a:effectLst/>
+                <a:uLnTx/>
+                <a:uFillTx/>
+                <a:latin typeface="Courier New" panose="02070309020205020404" pitchFamily="49" charset="0"/>
+                <a:ea typeface="ＭＳ Ｐゴシック" panose="020B0600070205080204" pitchFamily="34" charset="-128"/>
+                <a:cs typeface="+mn-cs"/>
+              </a:rPr>
+              <a:t>MouseListener</a:t>
+            </a:r>
+            <a:r>
+              <a:rPr kumimoji="0" lang="en-US" altLang="en-US" sz="2400" b="0" i="0" u="none" strike="noStrike" kern="0" cap="none" spc="0" normalizeH="0" baseline="0" noProof="0" dirty="0">
+                <a:ln>
+                  <a:noFill/>
+                </a:ln>
+                <a:solidFill>
+                  <a:srgbClr val="000000"/>
+                </a:solidFill>
+                <a:effectLst/>
+                <a:uLnTx/>
+                <a:uFillTx/>
+                <a:latin typeface="Times New Roman"/>
+                <a:ea typeface="ＭＳ Ｐゴシック" panose="020B0600070205080204" pitchFamily="34" charset="-128"/>
+                <a:cs typeface="+mn-cs"/>
+              </a:rPr>
+              <a:t> methods</a:t>
+            </a:r>
+          </a:p>
+          <a:p>
+            <a:pPr marL="230188" marR="0" lvl="0" indent="-230188" algn="l" defTabSz="914400" rtl="0" eaLnBrk="0" fontAlgn="base" latinLnBrk="0" hangingPunct="0">
+              <a:lnSpc>
+                <a:spcPct val="100000"/>
+              </a:lnSpc>
+              <a:spcBef>
+                <a:spcPct val="20000"/>
+              </a:spcBef>
+              <a:spcAft>
+                <a:spcPct val="0"/>
+              </a:spcAft>
+              <a:buClrTx/>
+              <a:buSzTx/>
+              <a:buFontTx/>
+              <a:buChar char="•"/>
+              <a:tabLst>
+                <a:tab pos="1255713" algn="l"/>
+              </a:tabLst>
+              <a:defRPr/>
+            </a:pPr>
+            <a:r>
+              <a:rPr kumimoji="0" lang="en-US" altLang="en-US" sz="2400" b="0" i="0" u="none" strike="noStrike" kern="0" cap="none" spc="0" normalizeH="0" baseline="0" noProof="0" dirty="0">
+                <a:ln>
+                  <a:noFill/>
+                </a:ln>
+                <a:solidFill>
+                  <a:srgbClr val="000000"/>
+                </a:solidFill>
+                <a:effectLst/>
+                <a:uLnTx/>
+                <a:uFillTx/>
+                <a:latin typeface="Times New Roman"/>
+                <a:ea typeface="ＭＳ Ｐゴシック" panose="020B0600070205080204" pitchFamily="34" charset="-128"/>
+                <a:cs typeface="+mn-cs"/>
+              </a:rPr>
+              <a:t>usage: extend </a:t>
+            </a:r>
+            <a:r>
+              <a:rPr kumimoji="0" lang="en-US" altLang="en-US" sz="2400" b="0" i="0" u="none" strike="noStrike" kern="0" cap="none" spc="0" normalizeH="0" baseline="0" noProof="0" dirty="0" err="1">
+                <a:ln>
+                  <a:noFill/>
+                </a:ln>
+                <a:solidFill>
+                  <a:srgbClr val="000000"/>
+                </a:solidFill>
+                <a:effectLst/>
+                <a:uLnTx/>
+                <a:uFillTx/>
+                <a:latin typeface="Courier New" panose="02070309020205020404" pitchFamily="49" charset="0"/>
+                <a:ea typeface="ＭＳ Ｐゴシック" panose="020B0600070205080204" pitchFamily="34" charset="-128"/>
+                <a:cs typeface="+mn-cs"/>
+              </a:rPr>
+              <a:t>MouseAdapter</a:t>
+            </a:r>
+            <a:r>
+              <a:rPr kumimoji="0" lang="en-US" altLang="en-US" sz="2400" b="0" i="0" u="none" strike="noStrike" kern="0" cap="none" spc="0" normalizeH="0" baseline="0" noProof="0" dirty="0">
+                <a:ln>
+                  <a:noFill/>
+                </a:ln>
+                <a:solidFill>
+                  <a:srgbClr val="000000"/>
+                </a:solidFill>
+                <a:effectLst/>
+                <a:uLnTx/>
+                <a:uFillTx/>
+                <a:latin typeface="Times New Roman"/>
+                <a:ea typeface="ＭＳ Ｐゴシック" panose="020B0600070205080204" pitchFamily="34" charset="-128"/>
+                <a:cs typeface="+mn-cs"/>
+              </a:rPr>
+              <a:t> and override the methods you want to do something</a:t>
+            </a:r>
+          </a:p>
+          <a:p>
+            <a:pPr marL="230188" marR="0" lvl="0" indent="-230188" algn="l" defTabSz="914400" rtl="0" eaLnBrk="0" fontAlgn="base" latinLnBrk="0" hangingPunct="0">
+              <a:lnSpc>
+                <a:spcPct val="100000"/>
+              </a:lnSpc>
+              <a:spcBef>
+                <a:spcPct val="20000"/>
+              </a:spcBef>
+              <a:spcAft>
+                <a:spcPct val="0"/>
+              </a:spcAft>
+              <a:buClrTx/>
+              <a:buSzTx/>
+              <a:buFontTx/>
+              <a:buChar char="•"/>
+              <a:tabLst>
+                <a:tab pos="1255713" algn="l"/>
+              </a:tabLst>
+              <a:defRPr/>
+            </a:pPr>
+            <a:r>
+              <a:rPr kumimoji="0" lang="en-US" altLang="en-US" sz="2400" b="0" i="0" u="none" strike="noStrike" kern="0" cap="none" spc="0" normalizeH="0" baseline="0" noProof="0" dirty="0">
+                <a:ln>
+                  <a:noFill/>
+                </a:ln>
+                <a:solidFill>
+                  <a:srgbClr val="000000"/>
+                </a:solidFill>
+                <a:effectLst/>
+                <a:uLnTx/>
+                <a:uFillTx/>
+                <a:latin typeface="Times New Roman"/>
+                <a:ea typeface="ＭＳ Ｐゴシック" panose="020B0600070205080204" pitchFamily="34" charset="-128"/>
+                <a:cs typeface="+mn-cs"/>
+              </a:rPr>
+              <a:t>removes need for you to type in empty methods for all the ones you don’t want</a:t>
             </a:r>
           </a:p>
         </p:txBody>
@@ -8613,7 +7913,7 @@
     </p:spTree>
     <p:extLst>
       <p:ext uri="{BB962C8B-B14F-4D97-AF65-F5344CB8AC3E}">
-        <p14:creationId xmlns:p14="http://schemas.microsoft.com/office/powerpoint/2010/main" xmlns="" val="997206608"/>
+        <p14:creationId xmlns="" xmlns:p14="http://schemas.microsoft.com/office/powerpoint/2010/main" val="1364115844"/>
       </p:ext>
     </p:extLst>
   </p:cSld>
@@ -8656,14 +7956,14 @@
           <a:lstStyle/>
           <a:p>
             <a:r>
+              <a:rPr lang="en-US" altLang="en-US" dirty="0" err="1">
+                <a:latin typeface="Courier New" panose="02070309020205020404" pitchFamily="49" charset="0"/>
+              </a:rPr>
+              <a:t>MouseAdapter</a:t>
+            </a:r>
+            <a:r>
               <a:rPr lang="en-US" altLang="en-US" dirty="0"/>
-              <a:t>Solution: </a:t>
-            </a:r>
-            <a:r>
-              <a:rPr lang="en-US" altLang="en-US" dirty="0" err="1">
-                <a:latin typeface="Courier New" panose="02070309020205020404" pitchFamily="49" charset="0"/>
-              </a:rPr>
-              <a:t>MouseAdapter</a:t>
+              <a:t> Usage</a:t>
             </a:r>
             <a:endParaRPr lang="en-CA" dirty="0"/>
           </a:p>
@@ -8691,185 +7991,14 @@
           </a:bodyPr>
           <a:lstStyle/>
           <a:p>
-            <a:pPr marL="230188" marR="0" lvl="0" indent="-230188" algn="l" defTabSz="914400" rtl="0" eaLnBrk="0" fontAlgn="base" latinLnBrk="0" hangingPunct="0">
-              <a:lnSpc>
-                <a:spcPct val="100000"/>
-              </a:lnSpc>
-              <a:spcBef>
-                <a:spcPct val="20000"/>
-              </a:spcBef>
-              <a:spcAft>
-                <a:spcPct val="0"/>
-              </a:spcAft>
-              <a:buClrTx/>
-              <a:buSzTx/>
-              <a:buFontTx/>
-              <a:buChar char="•"/>
-              <a:tabLst>
-                <a:tab pos="1255713" algn="l"/>
-              </a:tabLst>
-              <a:defRPr/>
+            <a:pPr marL="0" indent="0">
+              <a:buNone/>
             </a:pPr>
             <a:r>
-              <a:rPr kumimoji="0" lang="en-US" altLang="en-US" sz="2400" b="0" i="0" u="none" strike="noStrike" kern="0" cap="none" spc="0" normalizeH="0" baseline="0" noProof="0" dirty="0">
-                <a:ln>
-                  <a:noFill/>
-                </a:ln>
-                <a:solidFill>
-                  <a:srgbClr val="000000"/>
-                </a:solidFill>
-                <a:effectLst/>
-                <a:uLnTx/>
-                <a:uFillTx/>
-                <a:latin typeface="Times New Roman"/>
-                <a:ea typeface="ＭＳ Ｐゴシック" panose="020B0600070205080204" pitchFamily="34" charset="-128"/>
-                <a:cs typeface="+mn-cs"/>
-              </a:rPr>
-              <a:t>an abstract class with empty implementations of all </a:t>
-            </a:r>
-            <a:r>
-              <a:rPr kumimoji="0" lang="en-US" altLang="en-US" sz="2400" b="0" i="0" u="none" strike="noStrike" kern="0" cap="none" spc="0" normalizeH="0" baseline="0" noProof="0" dirty="0" err="1">
-                <a:ln>
-                  <a:noFill/>
-                </a:ln>
-                <a:solidFill>
-                  <a:srgbClr val="000000"/>
-                </a:solidFill>
-                <a:effectLst/>
-                <a:uLnTx/>
-                <a:uFillTx/>
-                <a:latin typeface="Courier New" panose="02070309020205020404" pitchFamily="49" charset="0"/>
-                <a:ea typeface="ＭＳ Ｐゴシック" panose="020B0600070205080204" pitchFamily="34" charset="-128"/>
-                <a:cs typeface="+mn-cs"/>
-              </a:rPr>
-              <a:t>MouseListener</a:t>
-            </a:r>
-            <a:r>
-              <a:rPr kumimoji="0" lang="en-US" altLang="en-US" sz="2400" b="0" i="0" u="none" strike="noStrike" kern="0" cap="none" spc="0" normalizeH="0" baseline="0" noProof="0" dirty="0">
-                <a:ln>
-                  <a:noFill/>
-                </a:ln>
-                <a:solidFill>
-                  <a:srgbClr val="000000"/>
-                </a:solidFill>
-                <a:effectLst/>
-                <a:uLnTx/>
-                <a:uFillTx/>
-                <a:latin typeface="Times New Roman"/>
-                <a:ea typeface="ＭＳ Ｐゴシック" panose="020B0600070205080204" pitchFamily="34" charset="-128"/>
-                <a:cs typeface="+mn-cs"/>
-              </a:rPr>
-              <a:t> methods</a:t>
-            </a:r>
-          </a:p>
-          <a:p>
-            <a:pPr marL="230188" marR="0" lvl="0" indent="-230188" algn="l" defTabSz="914400" rtl="0" eaLnBrk="0" fontAlgn="base" latinLnBrk="0" hangingPunct="0">
-              <a:lnSpc>
-                <a:spcPct val="100000"/>
-              </a:lnSpc>
-              <a:spcBef>
-                <a:spcPct val="20000"/>
-              </a:spcBef>
-              <a:spcAft>
-                <a:spcPct val="0"/>
-              </a:spcAft>
-              <a:buClrTx/>
-              <a:buSzTx/>
-              <a:buFontTx/>
-              <a:buChar char="•"/>
-              <a:tabLst>
-                <a:tab pos="1255713" algn="l"/>
-              </a:tabLst>
-              <a:defRPr/>
-            </a:pPr>
-            <a:r>
-              <a:rPr kumimoji="0" lang="en-US" altLang="en-US" sz="2400" b="0" i="0" u="none" strike="noStrike" kern="0" cap="none" spc="0" normalizeH="0" baseline="0" noProof="0" dirty="0">
-                <a:ln>
-                  <a:noFill/>
-                </a:ln>
-                <a:solidFill>
-                  <a:srgbClr val="000000"/>
-                </a:solidFill>
-                <a:effectLst/>
-                <a:uLnTx/>
-                <a:uFillTx/>
-                <a:latin typeface="Times New Roman"/>
-                <a:ea typeface="ＭＳ Ｐゴシック" panose="020B0600070205080204" pitchFamily="34" charset="-128"/>
-                <a:cs typeface="+mn-cs"/>
-              </a:rPr>
-              <a:t>usage: extend </a:t>
-            </a:r>
-            <a:r>
-              <a:rPr kumimoji="0" lang="en-US" altLang="en-US" sz="2400" b="0" i="0" u="none" strike="noStrike" kern="0" cap="none" spc="0" normalizeH="0" baseline="0" noProof="0" dirty="0" err="1">
-                <a:ln>
-                  <a:noFill/>
-                </a:ln>
-                <a:solidFill>
-                  <a:srgbClr val="000000"/>
-                </a:solidFill>
-                <a:effectLst/>
-                <a:uLnTx/>
-                <a:uFillTx/>
-                <a:latin typeface="Courier New" panose="02070309020205020404" pitchFamily="49" charset="0"/>
-                <a:ea typeface="ＭＳ Ｐゴシック" panose="020B0600070205080204" pitchFamily="34" charset="-128"/>
-                <a:cs typeface="+mn-cs"/>
-              </a:rPr>
-              <a:t>MouseAdapter</a:t>
-            </a:r>
-            <a:r>
-              <a:rPr kumimoji="0" lang="en-US" altLang="en-US" sz="2400" b="0" i="0" u="none" strike="noStrike" kern="0" cap="none" spc="0" normalizeH="0" baseline="0" noProof="0" dirty="0">
-                <a:ln>
-                  <a:noFill/>
-                </a:ln>
-                <a:solidFill>
-                  <a:srgbClr val="000000"/>
-                </a:solidFill>
-                <a:effectLst/>
-                <a:uLnTx/>
-                <a:uFillTx/>
-                <a:latin typeface="Times New Roman"/>
-                <a:ea typeface="ＭＳ Ｐゴシック" panose="020B0600070205080204" pitchFamily="34" charset="-128"/>
-                <a:cs typeface="+mn-cs"/>
-              </a:rPr>
-              <a:t> and override the methods you want to do something</a:t>
-            </a:r>
-          </a:p>
-          <a:p>
-            <a:pPr marL="230188" marR="0" lvl="0" indent="-230188" algn="l" defTabSz="914400" rtl="0" eaLnBrk="0" fontAlgn="base" latinLnBrk="0" hangingPunct="0">
-              <a:lnSpc>
-                <a:spcPct val="100000"/>
-              </a:lnSpc>
-              <a:spcBef>
-                <a:spcPct val="20000"/>
-              </a:spcBef>
-              <a:spcAft>
-                <a:spcPct val="0"/>
-              </a:spcAft>
-              <a:buClrTx/>
-              <a:buSzTx/>
-              <a:buFontTx/>
-              <a:buChar char="•"/>
-              <a:tabLst>
-                <a:tab pos="1255713" algn="l"/>
-              </a:tabLst>
-              <a:defRPr/>
-            </a:pPr>
-            <a:r>
-              <a:rPr kumimoji="0" lang="en-US" altLang="en-US" sz="2400" b="0" i="0" u="none" strike="noStrike" kern="0" cap="none" spc="0" normalizeH="0" baseline="0" noProof="0" dirty="0">
-                <a:ln>
-                  <a:noFill/>
-                </a:ln>
-                <a:solidFill>
-                  <a:srgbClr val="000000"/>
-                </a:solidFill>
-                <a:effectLst/>
-                <a:uLnTx/>
-                <a:uFillTx/>
-                <a:latin typeface="Times New Roman"/>
-                <a:ea typeface="ＭＳ Ｐゴシック" panose="020B0600070205080204" pitchFamily="34" charset="-128"/>
-                <a:cs typeface="+mn-cs"/>
-              </a:rPr>
-              <a:t>removes need for you to type in empty methods for all the ones you don’t want</a:t>
+              <a:rPr lang="en-US" altLang="en-US" dirty="0">
+                <a:ea typeface="ＭＳ Ｐゴシック" panose="020B0600070205080204" pitchFamily="34" charset="-128"/>
+              </a:rPr>
+              <a:t> </a:t>
             </a:r>
           </a:p>
         </p:txBody>
@@ -8923,10 +8052,432 @@
           </a:p>
         </p:txBody>
       </p:sp>
+      <p:sp>
+        <p:nvSpPr>
+          <p:cNvPr id="7" name="Rectangle 3">
+            <a:extLst>
+              <a:ext uri="{FF2B5EF4-FFF2-40B4-BE49-F238E27FC236}">
+                <a16:creationId xmlns="" xmlns:a16="http://schemas.microsoft.com/office/drawing/2014/main" id="{0C77301B-F3B9-4AF9-AFBB-7593E01CD54B}"/>
+              </a:ext>
+            </a:extLst>
+          </p:cNvPr>
+          <p:cNvSpPr txBox="1">
+            <a:spLocks noChangeArrowheads="1"/>
+          </p:cNvSpPr>
+          <p:nvPr/>
+        </p:nvSpPr>
+        <p:spPr>
+          <a:xfrm>
+            <a:off x="2209800" y="1346199"/>
+            <a:ext cx="7772400" cy="4343400"/>
+          </a:xfrm>
+          <a:prstGeom prst="rect">
+            <a:avLst/>
+          </a:prstGeom>
+        </p:spPr>
+        <p:txBody>
+          <a:bodyPr vert="horz" lIns="91440" tIns="45720" rIns="91440" bIns="45720" rtlCol="0">
+            <a:normAutofit/>
+          </a:bodyPr>
+          <a:lstStyle>
+            <a:lvl1pPr marL="228600" indent="-228600" algn="l" defTabSz="914400" rtl="0" eaLnBrk="1" latinLnBrk="0" hangingPunct="1">
+              <a:lnSpc>
+                <a:spcPct val="90000"/>
+              </a:lnSpc>
+              <a:spcBef>
+                <a:spcPts val="1000"/>
+              </a:spcBef>
+              <a:buFont typeface="Arial" panose="020B0604020202020204" pitchFamily="34" charset="0"/>
+              <a:buChar char="•"/>
+              <a:defRPr sz="2800" kern="1200">
+                <a:solidFill>
+                  <a:schemeClr val="tx1"/>
+                </a:solidFill>
+                <a:latin typeface="+mn-lt"/>
+                <a:ea typeface="+mn-ea"/>
+                <a:cs typeface="+mn-cs"/>
+              </a:defRPr>
+            </a:lvl1pPr>
+            <a:lvl2pPr marL="685800" indent="-228600" algn="l" defTabSz="914400" rtl="0" eaLnBrk="1" latinLnBrk="0" hangingPunct="1">
+              <a:lnSpc>
+                <a:spcPct val="90000"/>
+              </a:lnSpc>
+              <a:spcBef>
+                <a:spcPts val="500"/>
+              </a:spcBef>
+              <a:buFont typeface="Arial" panose="020B0604020202020204" pitchFamily="34" charset="0"/>
+              <a:buChar char="•"/>
+              <a:defRPr sz="2400" kern="1200">
+                <a:solidFill>
+                  <a:schemeClr val="tx1"/>
+                </a:solidFill>
+                <a:latin typeface="+mn-lt"/>
+                <a:ea typeface="+mn-ea"/>
+                <a:cs typeface="+mn-cs"/>
+              </a:defRPr>
+            </a:lvl2pPr>
+            <a:lvl3pPr marL="1143000" indent="-228600" algn="l" defTabSz="914400" rtl="0" eaLnBrk="1" latinLnBrk="0" hangingPunct="1">
+              <a:lnSpc>
+                <a:spcPct val="90000"/>
+              </a:lnSpc>
+              <a:spcBef>
+                <a:spcPts val="500"/>
+              </a:spcBef>
+              <a:buFont typeface="Arial" panose="020B0604020202020204" pitchFamily="34" charset="0"/>
+              <a:buChar char="•"/>
+              <a:defRPr sz="2000" kern="1200">
+                <a:solidFill>
+                  <a:schemeClr val="tx1"/>
+                </a:solidFill>
+                <a:latin typeface="+mn-lt"/>
+                <a:ea typeface="+mn-ea"/>
+                <a:cs typeface="+mn-cs"/>
+              </a:defRPr>
+            </a:lvl3pPr>
+            <a:lvl4pPr marL="1600200" indent="-228600" algn="l" defTabSz="914400" rtl="0" eaLnBrk="1" latinLnBrk="0" hangingPunct="1">
+              <a:lnSpc>
+                <a:spcPct val="90000"/>
+              </a:lnSpc>
+              <a:spcBef>
+                <a:spcPts val="500"/>
+              </a:spcBef>
+              <a:buFont typeface="Arial" panose="020B0604020202020204" pitchFamily="34" charset="0"/>
+              <a:buChar char="•"/>
+              <a:defRPr sz="1800" kern="1200">
+                <a:solidFill>
+                  <a:schemeClr val="tx1"/>
+                </a:solidFill>
+                <a:latin typeface="+mn-lt"/>
+                <a:ea typeface="+mn-ea"/>
+                <a:cs typeface="+mn-cs"/>
+              </a:defRPr>
+            </a:lvl4pPr>
+            <a:lvl5pPr marL="2057400" indent="-228600" algn="l" defTabSz="914400" rtl="0" eaLnBrk="1" latinLnBrk="0" hangingPunct="1">
+              <a:lnSpc>
+                <a:spcPct val="90000"/>
+              </a:lnSpc>
+              <a:spcBef>
+                <a:spcPts val="500"/>
+              </a:spcBef>
+              <a:buFont typeface="Arial" panose="020B0604020202020204" pitchFamily="34" charset="0"/>
+              <a:buChar char="•"/>
+              <a:defRPr sz="1800" kern="1200">
+                <a:solidFill>
+                  <a:schemeClr val="tx1"/>
+                </a:solidFill>
+                <a:latin typeface="+mn-lt"/>
+                <a:ea typeface="+mn-ea"/>
+                <a:cs typeface="+mn-cs"/>
+              </a:defRPr>
+            </a:lvl5pPr>
+            <a:lvl6pPr marL="2514600" indent="-228600" algn="l" defTabSz="914400" rtl="0" eaLnBrk="1" latinLnBrk="0" hangingPunct="1">
+              <a:lnSpc>
+                <a:spcPct val="90000"/>
+              </a:lnSpc>
+              <a:spcBef>
+                <a:spcPts val="500"/>
+              </a:spcBef>
+              <a:buFont typeface="Arial" panose="020B0604020202020204" pitchFamily="34" charset="0"/>
+              <a:buChar char="•"/>
+              <a:defRPr sz="1800" kern="1200">
+                <a:solidFill>
+                  <a:schemeClr val="tx1"/>
+                </a:solidFill>
+                <a:latin typeface="+mn-lt"/>
+                <a:ea typeface="+mn-ea"/>
+                <a:cs typeface="+mn-cs"/>
+              </a:defRPr>
+            </a:lvl6pPr>
+            <a:lvl7pPr marL="2971800" indent="-228600" algn="l" defTabSz="914400" rtl="0" eaLnBrk="1" latinLnBrk="0" hangingPunct="1">
+              <a:lnSpc>
+                <a:spcPct val="90000"/>
+              </a:lnSpc>
+              <a:spcBef>
+                <a:spcPts val="500"/>
+              </a:spcBef>
+              <a:buFont typeface="Arial" panose="020B0604020202020204" pitchFamily="34" charset="0"/>
+              <a:buChar char="•"/>
+              <a:defRPr sz="1800" kern="1200">
+                <a:solidFill>
+                  <a:schemeClr val="tx1"/>
+                </a:solidFill>
+                <a:latin typeface="+mn-lt"/>
+                <a:ea typeface="+mn-ea"/>
+                <a:cs typeface="+mn-cs"/>
+              </a:defRPr>
+            </a:lvl7pPr>
+            <a:lvl8pPr marL="3429000" indent="-228600" algn="l" defTabSz="914400" rtl="0" eaLnBrk="1" latinLnBrk="0" hangingPunct="1">
+              <a:lnSpc>
+                <a:spcPct val="90000"/>
+              </a:lnSpc>
+              <a:spcBef>
+                <a:spcPts val="500"/>
+              </a:spcBef>
+              <a:buFont typeface="Arial" panose="020B0604020202020204" pitchFamily="34" charset="0"/>
+              <a:buChar char="•"/>
+              <a:defRPr sz="1800" kern="1200">
+                <a:solidFill>
+                  <a:schemeClr val="tx1"/>
+                </a:solidFill>
+                <a:latin typeface="+mn-lt"/>
+                <a:ea typeface="+mn-ea"/>
+                <a:cs typeface="+mn-cs"/>
+              </a:defRPr>
+            </a:lvl8pPr>
+            <a:lvl9pPr marL="3886200" indent="-228600" algn="l" defTabSz="914400" rtl="0" eaLnBrk="1" latinLnBrk="0" hangingPunct="1">
+              <a:lnSpc>
+                <a:spcPct val="90000"/>
+              </a:lnSpc>
+              <a:spcBef>
+                <a:spcPts val="500"/>
+              </a:spcBef>
+              <a:buFont typeface="Arial" panose="020B0604020202020204" pitchFamily="34" charset="0"/>
+              <a:buChar char="•"/>
+              <a:defRPr sz="1800" kern="1200">
+                <a:solidFill>
+                  <a:schemeClr val="tx1"/>
+                </a:solidFill>
+                <a:latin typeface="+mn-lt"/>
+                <a:ea typeface="+mn-ea"/>
+                <a:cs typeface="+mn-cs"/>
+              </a:defRPr>
+            </a:lvl9pPr>
+          </a:lstStyle>
+          <a:p>
+            <a:pPr marL="533400" indent="-533400">
+              <a:buFontTx/>
+              <a:buNone/>
+            </a:pPr>
+            <a:r>
+              <a:rPr lang="en-US" altLang="en-US" sz="1800" dirty="0">
+                <a:latin typeface="Courier New" panose="02070309020205020404" pitchFamily="49" charset="0"/>
+              </a:rPr>
+              <a:t>public class </a:t>
+            </a:r>
+            <a:r>
+              <a:rPr lang="en-US" altLang="en-US" sz="1800" dirty="0" err="1">
+                <a:latin typeface="Courier New" panose="02070309020205020404" pitchFamily="49" charset="0"/>
+              </a:rPr>
+              <a:t>MyMouseAdapter</a:t>
+            </a:r>
+            <a:r>
+              <a:rPr lang="en-US" altLang="en-US" sz="1800" dirty="0">
+                <a:latin typeface="Courier New" panose="02070309020205020404" pitchFamily="49" charset="0"/>
+              </a:rPr>
+              <a:t> </a:t>
+            </a:r>
+            <a:r>
+              <a:rPr lang="en-US" altLang="en-US" sz="1800" b="1" dirty="0">
+                <a:latin typeface="Courier New" panose="02070309020205020404" pitchFamily="49" charset="0"/>
+              </a:rPr>
+              <a:t>extends </a:t>
+            </a:r>
+            <a:r>
+              <a:rPr lang="en-US" altLang="en-US" sz="1800" b="1" dirty="0" err="1">
+                <a:latin typeface="Courier New" panose="02070309020205020404" pitchFamily="49" charset="0"/>
+              </a:rPr>
+              <a:t>MouseAdapter</a:t>
+            </a:r>
+            <a:r>
+              <a:rPr lang="en-US" altLang="en-US" sz="1800" dirty="0">
+                <a:latin typeface="Courier New" panose="02070309020205020404" pitchFamily="49" charset="0"/>
+              </a:rPr>
+              <a:t> {</a:t>
+            </a:r>
+          </a:p>
+          <a:p>
+            <a:pPr marL="533400" indent="-533400">
+              <a:buFontTx/>
+              <a:buNone/>
+            </a:pPr>
+            <a:r>
+              <a:rPr lang="en-US" altLang="en-US" sz="1800" dirty="0">
+                <a:latin typeface="Courier New" panose="02070309020205020404" pitchFamily="49" charset="0"/>
+              </a:rPr>
+              <a:t>  public void </a:t>
+            </a:r>
+            <a:r>
+              <a:rPr lang="en-US" altLang="en-US" sz="1800" dirty="0" err="1">
+                <a:latin typeface="Courier New" panose="02070309020205020404" pitchFamily="49" charset="0"/>
+              </a:rPr>
+              <a:t>mousePressed</a:t>
+            </a:r>
+            <a:r>
+              <a:rPr lang="en-US" altLang="en-US" sz="1800" dirty="0">
+                <a:latin typeface="Courier New" panose="02070309020205020404" pitchFamily="49" charset="0"/>
+              </a:rPr>
+              <a:t>(</a:t>
+            </a:r>
+            <a:r>
+              <a:rPr lang="en-US" altLang="en-US" sz="1800" dirty="0" err="1">
+                <a:latin typeface="Courier New" panose="02070309020205020404" pitchFamily="49" charset="0"/>
+              </a:rPr>
+              <a:t>MouseEvent</a:t>
+            </a:r>
+            <a:r>
+              <a:rPr lang="en-US" altLang="en-US" sz="1800" dirty="0">
+                <a:latin typeface="Courier New" panose="02070309020205020404" pitchFamily="49" charset="0"/>
+              </a:rPr>
+              <a:t> event) {</a:t>
+            </a:r>
+          </a:p>
+          <a:p>
+            <a:pPr marL="533400" indent="-533400">
+              <a:buFontTx/>
+              <a:buNone/>
+            </a:pPr>
+            <a:r>
+              <a:rPr lang="en-US" altLang="en-US" sz="1800" dirty="0">
+                <a:latin typeface="Courier New" panose="02070309020205020404" pitchFamily="49" charset="0"/>
+              </a:rPr>
+              <a:t>    </a:t>
+            </a:r>
+            <a:r>
+              <a:rPr lang="en-US" altLang="en-US" sz="1800" dirty="0" err="1">
+                <a:latin typeface="Courier New" panose="02070309020205020404" pitchFamily="49" charset="0"/>
+              </a:rPr>
+              <a:t>System.out.println</a:t>
+            </a:r>
+            <a:r>
+              <a:rPr lang="en-US" altLang="en-US" sz="1800" dirty="0">
+                <a:latin typeface="Courier New" panose="02070309020205020404" pitchFamily="49" charset="0"/>
+              </a:rPr>
+              <a:t>(“User pressed mouse button!”);</a:t>
+            </a:r>
+          </a:p>
+          <a:p>
+            <a:pPr marL="533400" indent="-533400">
+              <a:buFontTx/>
+              <a:buNone/>
+            </a:pPr>
+            <a:r>
+              <a:rPr lang="en-US" altLang="en-US" sz="1800" dirty="0">
+                <a:latin typeface="Courier New" panose="02070309020205020404" pitchFamily="49" charset="0"/>
+              </a:rPr>
+              <a:t>  }</a:t>
+            </a:r>
+          </a:p>
+          <a:p>
+            <a:pPr marL="533400" indent="-533400">
+              <a:buFontTx/>
+              <a:buNone/>
+            </a:pPr>
+            <a:r>
+              <a:rPr lang="en-US" altLang="en-US" sz="1800" dirty="0">
+                <a:latin typeface="Courier New" panose="02070309020205020404" pitchFamily="49" charset="0"/>
+              </a:rPr>
+              <a:t>}</a:t>
+            </a:r>
+          </a:p>
+          <a:p>
+            <a:pPr marL="533400" indent="-533400">
+              <a:buFontTx/>
+              <a:buNone/>
+            </a:pPr>
+            <a:endParaRPr lang="en-US" altLang="en-US" sz="1800" dirty="0">
+              <a:latin typeface="Courier New" panose="02070309020205020404" pitchFamily="49" charset="0"/>
+            </a:endParaRPr>
+          </a:p>
+          <a:p>
+            <a:pPr marL="533400" indent="-533400">
+              <a:buFontTx/>
+              <a:buNone/>
+            </a:pPr>
+            <a:r>
+              <a:rPr lang="en-US" altLang="en-US" sz="1800" dirty="0">
+                <a:latin typeface="Courier New" panose="02070309020205020404" pitchFamily="49" charset="0"/>
+              </a:rPr>
+              <a:t>// using the </a:t>
+            </a:r>
+            <a:r>
+              <a:rPr lang="en-US" altLang="en-US" sz="1800" dirty="0" err="1">
+                <a:latin typeface="Courier New" panose="02070309020205020404" pitchFamily="49" charset="0"/>
+              </a:rPr>
+              <a:t>MyMouseAdapter</a:t>
+            </a:r>
+            <a:endParaRPr lang="en-US" altLang="en-US" sz="1800" dirty="0">
+              <a:latin typeface="Courier New" panose="02070309020205020404" pitchFamily="49" charset="0"/>
+            </a:endParaRPr>
+          </a:p>
+          <a:p>
+            <a:pPr marL="533400" indent="-533400">
+              <a:buFontTx/>
+              <a:buNone/>
+            </a:pPr>
+            <a:r>
+              <a:rPr lang="en-US" altLang="en-US" sz="1800" dirty="0" err="1">
+                <a:latin typeface="Courier New" panose="02070309020205020404" pitchFamily="49" charset="0"/>
+              </a:rPr>
+              <a:t>MyPanel</a:t>
+            </a:r>
+            <a:r>
+              <a:rPr lang="en-US" altLang="en-US" sz="1800" dirty="0">
+                <a:latin typeface="Courier New" panose="02070309020205020404" pitchFamily="49" charset="0"/>
+              </a:rPr>
+              <a:t> panel = new </a:t>
+            </a:r>
+            <a:r>
+              <a:rPr lang="en-US" altLang="en-US" sz="1800" dirty="0" err="1">
+                <a:latin typeface="Courier New" panose="02070309020205020404" pitchFamily="49" charset="0"/>
+              </a:rPr>
+              <a:t>MyPanel</a:t>
+            </a:r>
+            <a:r>
+              <a:rPr lang="en-US" altLang="en-US" sz="1800" dirty="0">
+                <a:latin typeface="Courier New" panose="02070309020205020404" pitchFamily="49" charset="0"/>
+              </a:rPr>
+              <a:t>();</a:t>
+            </a:r>
+          </a:p>
+          <a:p>
+            <a:pPr marL="533400" indent="-533400">
+              <a:buFontTx/>
+              <a:buNone/>
+            </a:pPr>
+            <a:r>
+              <a:rPr lang="en-US" altLang="en-US" sz="1800" dirty="0" err="1">
+                <a:latin typeface="Courier New" panose="02070309020205020404" pitchFamily="49" charset="0"/>
+              </a:rPr>
+              <a:t>panel.</a:t>
+            </a:r>
+            <a:r>
+              <a:rPr lang="en-US" altLang="en-US" sz="1800" b="1" dirty="0" err="1">
+                <a:latin typeface="Courier New" panose="02070309020205020404" pitchFamily="49" charset="0"/>
+              </a:rPr>
+              <a:t>addMouseListener</a:t>
+            </a:r>
+            <a:r>
+              <a:rPr lang="en-US" altLang="en-US" sz="1800" dirty="0">
+                <a:latin typeface="Courier New" panose="02070309020205020404" pitchFamily="49" charset="0"/>
+              </a:rPr>
+              <a:t>(new </a:t>
+            </a:r>
+            <a:r>
+              <a:rPr lang="en-US" altLang="en-US" sz="1800" dirty="0" err="1">
+                <a:latin typeface="Courier New" panose="02070309020205020404" pitchFamily="49" charset="0"/>
+              </a:rPr>
+              <a:t>MyMouseAdapter</a:t>
+            </a:r>
+            <a:r>
+              <a:rPr lang="en-US" altLang="en-US" sz="1800" dirty="0">
+                <a:latin typeface="Courier New" panose="02070309020205020404" pitchFamily="49" charset="0"/>
+              </a:rPr>
+              <a:t>());</a:t>
+            </a:r>
+          </a:p>
+          <a:p>
+            <a:pPr marL="533400" indent="-533400">
+              <a:buFontTx/>
+              <a:buNone/>
+            </a:pPr>
+            <a:endParaRPr lang="en-US" altLang="en-US" dirty="0"/>
+          </a:p>
+        </p:txBody>
+      </p:sp>
     </p:spTree>
     <p:extLst>
       <p:ext uri="{BB962C8B-B14F-4D97-AF65-F5344CB8AC3E}">
-        <p14:creationId xmlns:p14="http://schemas.microsoft.com/office/powerpoint/2010/main" xmlns="" val="1364115844"/>
+        <p14:creationId xmlns="" xmlns:p14="http://schemas.microsoft.com/office/powerpoint/2010/main" val="831713103"/>
       </p:ext>
     </p:extLst>
   </p:cSld>
@@ -8969,14 +8520,8 @@
           <a:lstStyle/>
           <a:p>
             <a:r>
-              <a:rPr lang="en-US" altLang="en-US" dirty="0" err="1">
-                <a:latin typeface="Courier New" panose="02070309020205020404" pitchFamily="49" charset="0"/>
-              </a:rPr>
-              <a:t>MouseAdapter</a:t>
-            </a:r>
-            <a:r>
               <a:rPr lang="en-US" altLang="en-US" dirty="0"/>
-              <a:t> Usage</a:t>
+              <a:t>Adapter Pattern</a:t>
             </a:r>
             <a:endParaRPr lang="en-CA" dirty="0"/>
           </a:p>
@@ -9004,14 +8549,398 @@
           </a:bodyPr>
           <a:lstStyle/>
           <a:p>
-            <a:pPr marL="0" indent="0">
-              <a:buNone/>
+            <a:pPr marL="230188" marR="0" lvl="0" indent="-230188" algn="l" defTabSz="914400" rtl="0" eaLnBrk="0" fontAlgn="base" latinLnBrk="0" hangingPunct="0">
+              <a:lnSpc>
+                <a:spcPct val="90000"/>
+              </a:lnSpc>
+              <a:spcBef>
+                <a:spcPct val="20000"/>
+              </a:spcBef>
+              <a:spcAft>
+                <a:spcPct val="0"/>
+              </a:spcAft>
+              <a:buClrTx/>
+              <a:buSzTx/>
+              <a:buFontTx/>
+              <a:buChar char="•"/>
+              <a:tabLst>
+                <a:tab pos="1255713" algn="l"/>
+              </a:tabLst>
+              <a:defRPr/>
             </a:pPr>
             <a:r>
-              <a:rPr lang="en-US" altLang="en-US" dirty="0">
-                <a:ea typeface="ＭＳ Ｐゴシック" panose="020B0600070205080204" pitchFamily="34" charset="-128"/>
-              </a:rPr>
-              <a:t> </a:t>
+              <a:rPr kumimoji="0" lang="en-US" altLang="en-US" sz="2400" b="0" i="1" u="none" strike="noStrike" kern="0" cap="none" spc="0" normalizeH="0" baseline="0" noProof="0" dirty="0">
+                <a:ln>
+                  <a:noFill/>
+                </a:ln>
+                <a:solidFill>
+                  <a:srgbClr val="000000"/>
+                </a:solidFill>
+                <a:effectLst/>
+                <a:uLnTx/>
+                <a:uFillTx/>
+                <a:latin typeface="Times New Roman"/>
+                <a:ea typeface="ＭＳ Ｐゴシック" panose="020B0600070205080204" pitchFamily="34" charset="-128"/>
+                <a:cs typeface="+mn-cs"/>
+              </a:rPr>
+              <a:t>Adapter</a:t>
+            </a:r>
+            <a:r>
+              <a:rPr kumimoji="0" lang="en-US" altLang="en-US" sz="2400" b="0" i="0" u="none" strike="noStrike" kern="0" cap="none" spc="0" normalizeH="0" baseline="0" noProof="0" dirty="0">
+                <a:ln>
+                  <a:noFill/>
+                </a:ln>
+                <a:solidFill>
+                  <a:srgbClr val="000000"/>
+                </a:solidFill>
+                <a:effectLst/>
+                <a:uLnTx/>
+                <a:uFillTx/>
+                <a:latin typeface="Times New Roman"/>
+                <a:ea typeface="ＭＳ Ｐゴシック" panose="020B0600070205080204" pitchFamily="34" charset="-128"/>
+                <a:cs typeface="+mn-cs"/>
+              </a:rPr>
+              <a:t>: an object that molds a desired “interface” (method set, not necessarily a Java interface) to suit a required “interface”</a:t>
+            </a:r>
+            <a:br>
+              <a:rPr kumimoji="0" lang="en-US" altLang="en-US" sz="2400" b="0" i="0" u="none" strike="noStrike" kern="0" cap="none" spc="0" normalizeH="0" baseline="0" noProof="0" dirty="0">
+                <a:ln>
+                  <a:noFill/>
+                </a:ln>
+                <a:solidFill>
+                  <a:srgbClr val="000000"/>
+                </a:solidFill>
+                <a:effectLst/>
+                <a:uLnTx/>
+                <a:uFillTx/>
+                <a:latin typeface="Times New Roman"/>
+                <a:ea typeface="ＭＳ Ｐゴシック" panose="020B0600070205080204" pitchFamily="34" charset="-128"/>
+                <a:cs typeface="+mn-cs"/>
+              </a:rPr>
+            </a:br>
+            <a:endParaRPr kumimoji="0" lang="en-US" altLang="en-US" sz="2400" b="0" i="0" u="none" strike="noStrike" kern="0" cap="none" spc="0" normalizeH="0" baseline="0" noProof="0" dirty="0">
+              <a:ln>
+                <a:noFill/>
+              </a:ln>
+              <a:solidFill>
+                <a:srgbClr val="000000"/>
+              </a:solidFill>
+              <a:effectLst/>
+              <a:uLnTx/>
+              <a:uFillTx/>
+              <a:latin typeface="Times New Roman"/>
+              <a:ea typeface="ＭＳ Ｐゴシック" panose="020B0600070205080204" pitchFamily="34" charset="-128"/>
+              <a:cs typeface="+mn-cs"/>
+            </a:endParaRPr>
+          </a:p>
+          <a:p>
+            <a:pPr marL="230188" marR="0" lvl="0" indent="-230188" algn="l" defTabSz="914400" rtl="0" eaLnBrk="0" fontAlgn="base" latinLnBrk="0" hangingPunct="0">
+              <a:lnSpc>
+                <a:spcPct val="90000"/>
+              </a:lnSpc>
+              <a:spcBef>
+                <a:spcPct val="20000"/>
+              </a:spcBef>
+              <a:spcAft>
+                <a:spcPct val="0"/>
+              </a:spcAft>
+              <a:buClrTx/>
+              <a:buSzTx/>
+              <a:buFontTx/>
+              <a:buChar char="•"/>
+              <a:tabLst>
+                <a:tab pos="1255713" algn="l"/>
+              </a:tabLst>
+              <a:defRPr/>
+            </a:pPr>
+            <a:r>
+              <a:rPr kumimoji="0" lang="en-US" altLang="en-US" sz="2400" b="0" i="0" u="none" strike="noStrike" kern="0" cap="none" spc="0" normalizeH="0" baseline="0" noProof="0" dirty="0">
+                <a:ln>
+                  <a:noFill/>
+                </a:ln>
+                <a:solidFill>
+                  <a:srgbClr val="000000"/>
+                </a:solidFill>
+                <a:effectLst/>
+                <a:uLnTx/>
+                <a:uFillTx/>
+                <a:latin typeface="Times New Roman"/>
+                <a:ea typeface="ＭＳ Ｐゴシック" panose="020B0600070205080204" pitchFamily="34" charset="-128"/>
+                <a:cs typeface="+mn-cs"/>
+              </a:rPr>
+              <a:t>Advantages: reduces burden on programmer, allows coder to use interface that is more comfortable / convenient, can connect two interfaces that are otherwise incompatible</a:t>
+            </a:r>
+            <a:br>
+              <a:rPr kumimoji="0" lang="en-US" altLang="en-US" sz="2400" b="0" i="0" u="none" strike="noStrike" kern="0" cap="none" spc="0" normalizeH="0" baseline="0" noProof="0" dirty="0">
+                <a:ln>
+                  <a:noFill/>
+                </a:ln>
+                <a:solidFill>
+                  <a:srgbClr val="000000"/>
+                </a:solidFill>
+                <a:effectLst/>
+                <a:uLnTx/>
+                <a:uFillTx/>
+                <a:latin typeface="Times New Roman"/>
+                <a:ea typeface="ＭＳ Ｐゴシック" panose="020B0600070205080204" pitchFamily="34" charset="-128"/>
+                <a:cs typeface="+mn-cs"/>
+              </a:rPr>
+            </a:br>
+            <a:endParaRPr kumimoji="0" lang="en-US" altLang="en-US" sz="2400" b="0" i="0" u="none" strike="noStrike" kern="0" cap="none" spc="0" normalizeH="0" baseline="0" noProof="0" dirty="0">
+              <a:ln>
+                <a:noFill/>
+              </a:ln>
+              <a:solidFill>
+                <a:srgbClr val="000000"/>
+              </a:solidFill>
+              <a:effectLst/>
+              <a:uLnTx/>
+              <a:uFillTx/>
+              <a:latin typeface="Times New Roman"/>
+              <a:ea typeface="ＭＳ Ｐゴシック" panose="020B0600070205080204" pitchFamily="34" charset="-128"/>
+              <a:cs typeface="+mn-cs"/>
+            </a:endParaRPr>
+          </a:p>
+          <a:p>
+            <a:pPr marL="230188" marR="0" lvl="0" indent="-230188" algn="l" defTabSz="914400" rtl="0" eaLnBrk="0" fontAlgn="base" latinLnBrk="0" hangingPunct="0">
+              <a:lnSpc>
+                <a:spcPct val="90000"/>
+              </a:lnSpc>
+              <a:spcBef>
+                <a:spcPct val="20000"/>
+              </a:spcBef>
+              <a:spcAft>
+                <a:spcPct val="0"/>
+              </a:spcAft>
+              <a:buClrTx/>
+              <a:buSzTx/>
+              <a:buFontTx/>
+              <a:buChar char="•"/>
+              <a:tabLst>
+                <a:tab pos="1255713" algn="l"/>
+              </a:tabLst>
+              <a:defRPr/>
+            </a:pPr>
+            <a:r>
+              <a:rPr kumimoji="0" lang="en-US" altLang="en-US" sz="2400" b="0" i="0" u="none" strike="noStrike" kern="0" cap="none" spc="0" normalizeH="0" baseline="0" noProof="0" dirty="0">
+                <a:ln>
+                  <a:noFill/>
+                </a:ln>
+                <a:solidFill>
+                  <a:srgbClr val="000000"/>
+                </a:solidFill>
+                <a:effectLst/>
+                <a:uLnTx/>
+                <a:uFillTx/>
+                <a:latin typeface="Times New Roman"/>
+                <a:ea typeface="ＭＳ Ｐゴシック" panose="020B0600070205080204" pitchFamily="34" charset="-128"/>
+                <a:cs typeface="+mn-cs"/>
+              </a:rPr>
+              <a:t>Examples in Java: Event listening adapters (</a:t>
+            </a:r>
+            <a:r>
+              <a:rPr kumimoji="0" lang="en-US" altLang="en-US" sz="2400" b="0" i="0" u="none" strike="noStrike" kern="0" cap="none" spc="0" normalizeH="0" baseline="0" noProof="0" dirty="0" err="1">
+                <a:ln>
+                  <a:noFill/>
+                </a:ln>
+                <a:solidFill>
+                  <a:srgbClr val="000000"/>
+                </a:solidFill>
+                <a:effectLst/>
+                <a:uLnTx/>
+                <a:uFillTx/>
+                <a:latin typeface="Courier New" panose="02070309020205020404" pitchFamily="49" charset="0"/>
+                <a:ea typeface="ＭＳ Ｐゴシック" panose="020B0600070205080204" pitchFamily="34" charset="-128"/>
+                <a:cs typeface="+mn-cs"/>
+              </a:rPr>
+              <a:t>ComponentAdapter</a:t>
+            </a:r>
+            <a:r>
+              <a:rPr kumimoji="0" lang="en-US" altLang="en-US" sz="2400" b="0" i="0" u="none" strike="noStrike" kern="0" cap="none" spc="0" normalizeH="0" baseline="0" noProof="0" dirty="0">
+                <a:ln>
+                  <a:noFill/>
+                </a:ln>
+                <a:solidFill>
+                  <a:srgbClr val="000000"/>
+                </a:solidFill>
+                <a:effectLst/>
+                <a:uLnTx/>
+                <a:uFillTx/>
+                <a:latin typeface="Times New Roman"/>
+                <a:ea typeface="ＭＳ Ｐゴシック" panose="020B0600070205080204" pitchFamily="34" charset="-128"/>
+                <a:cs typeface="+mn-cs"/>
+              </a:rPr>
+              <a:t>, </a:t>
+            </a:r>
+            <a:r>
+              <a:rPr kumimoji="0" lang="en-US" altLang="en-US" sz="2400" b="0" i="0" u="none" strike="noStrike" kern="0" cap="none" spc="0" normalizeH="0" baseline="0" noProof="0" dirty="0" err="1">
+                <a:ln>
+                  <a:noFill/>
+                </a:ln>
+                <a:solidFill>
+                  <a:srgbClr val="000000"/>
+                </a:solidFill>
+                <a:effectLst/>
+                <a:uLnTx/>
+                <a:uFillTx/>
+                <a:latin typeface="Courier New" panose="02070309020205020404" pitchFamily="49" charset="0"/>
+                <a:ea typeface="ＭＳ Ｐゴシック" panose="020B0600070205080204" pitchFamily="34" charset="-128"/>
+                <a:cs typeface="+mn-cs"/>
+              </a:rPr>
+              <a:t>FocusAdapter</a:t>
+            </a:r>
+            <a:r>
+              <a:rPr kumimoji="0" lang="en-US" altLang="en-US" sz="2400" b="0" i="0" u="none" strike="noStrike" kern="0" cap="none" spc="0" normalizeH="0" baseline="0" noProof="0" dirty="0">
+                <a:ln>
+                  <a:noFill/>
+                </a:ln>
+                <a:solidFill>
+                  <a:srgbClr val="000000"/>
+                </a:solidFill>
+                <a:effectLst/>
+                <a:uLnTx/>
+                <a:uFillTx/>
+                <a:latin typeface="Times New Roman"/>
+                <a:ea typeface="ＭＳ Ｐゴシック" panose="020B0600070205080204" pitchFamily="34" charset="-128"/>
+                <a:cs typeface="+mn-cs"/>
+              </a:rPr>
+              <a:t>, </a:t>
+            </a:r>
+            <a:r>
+              <a:rPr kumimoji="0" lang="en-US" altLang="en-US" sz="2400" b="0" i="0" u="none" strike="noStrike" kern="0" cap="none" spc="0" normalizeH="0" baseline="0" noProof="0" dirty="0" err="1">
+                <a:ln>
+                  <a:noFill/>
+                </a:ln>
+                <a:solidFill>
+                  <a:srgbClr val="000000"/>
+                </a:solidFill>
+                <a:effectLst/>
+                <a:uLnTx/>
+                <a:uFillTx/>
+                <a:latin typeface="Courier New" panose="02070309020205020404" pitchFamily="49" charset="0"/>
+                <a:ea typeface="ＭＳ Ｐゴシック" panose="020B0600070205080204" pitchFamily="34" charset="-128"/>
+                <a:cs typeface="+mn-cs"/>
+              </a:rPr>
+              <a:t>KeyAdapter</a:t>
+            </a:r>
+            <a:r>
+              <a:rPr kumimoji="0" lang="en-US" altLang="en-US" sz="2400" b="0" i="0" u="none" strike="noStrike" kern="0" cap="none" spc="0" normalizeH="0" baseline="0" noProof="0" dirty="0">
+                <a:ln>
+                  <a:noFill/>
+                </a:ln>
+                <a:solidFill>
+                  <a:srgbClr val="000000"/>
+                </a:solidFill>
+                <a:effectLst/>
+                <a:uLnTx/>
+                <a:uFillTx/>
+                <a:latin typeface="Times New Roman"/>
+                <a:ea typeface="ＭＳ Ｐゴシック" panose="020B0600070205080204" pitchFamily="34" charset="-128"/>
+                <a:cs typeface="+mn-cs"/>
+              </a:rPr>
+              <a:t>, </a:t>
+            </a:r>
+            <a:r>
+              <a:rPr kumimoji="0" lang="en-US" altLang="en-US" sz="2400" b="0" i="0" u="none" strike="noStrike" kern="0" cap="none" spc="0" normalizeH="0" baseline="0" noProof="0" dirty="0" err="1">
+                <a:ln>
+                  <a:noFill/>
+                </a:ln>
+                <a:solidFill>
+                  <a:srgbClr val="000000"/>
+                </a:solidFill>
+                <a:effectLst/>
+                <a:uLnTx/>
+                <a:uFillTx/>
+                <a:latin typeface="Courier New" panose="02070309020205020404" pitchFamily="49" charset="0"/>
+                <a:ea typeface="ＭＳ Ｐゴシック" panose="020B0600070205080204" pitchFamily="34" charset="-128"/>
+                <a:cs typeface="+mn-cs"/>
+              </a:rPr>
+              <a:t>MouseAdapter</a:t>
+            </a:r>
+            <a:r>
+              <a:rPr kumimoji="0" lang="en-US" altLang="en-US" sz="2400" b="0" i="0" u="none" strike="noStrike" kern="0" cap="none" spc="0" normalizeH="0" baseline="0" noProof="0" dirty="0">
+                <a:ln>
+                  <a:noFill/>
+                </a:ln>
+                <a:solidFill>
+                  <a:srgbClr val="000000"/>
+                </a:solidFill>
+                <a:effectLst/>
+                <a:uLnTx/>
+                <a:uFillTx/>
+                <a:latin typeface="Times New Roman"/>
+                <a:ea typeface="ＭＳ Ｐゴシック" panose="020B0600070205080204" pitchFamily="34" charset="-128"/>
+                <a:cs typeface="+mn-cs"/>
+              </a:rPr>
+              <a:t>, </a:t>
+            </a:r>
+            <a:r>
+              <a:rPr kumimoji="0" lang="en-US" altLang="en-US" sz="2400" b="0" i="0" u="none" strike="noStrike" kern="0" cap="none" spc="0" normalizeH="0" baseline="0" noProof="0" dirty="0" err="1">
+                <a:ln>
+                  <a:noFill/>
+                </a:ln>
+                <a:solidFill>
+                  <a:srgbClr val="000000"/>
+                </a:solidFill>
+                <a:effectLst/>
+                <a:uLnTx/>
+                <a:uFillTx/>
+                <a:latin typeface="Courier New" panose="02070309020205020404" pitchFamily="49" charset="0"/>
+                <a:ea typeface="ＭＳ Ｐゴシック" panose="020B0600070205080204" pitchFamily="34" charset="-128"/>
+                <a:cs typeface="+mn-cs"/>
+              </a:rPr>
+              <a:t>MouseMotionAdapter</a:t>
+            </a:r>
+            <a:r>
+              <a:rPr kumimoji="0" lang="en-US" altLang="en-US" sz="2400" b="0" i="0" u="none" strike="noStrike" kern="0" cap="none" spc="0" normalizeH="0" baseline="0" noProof="0" dirty="0">
+                <a:ln>
+                  <a:noFill/>
+                </a:ln>
+                <a:solidFill>
+                  <a:srgbClr val="000000"/>
+                </a:solidFill>
+                <a:effectLst/>
+                <a:uLnTx/>
+                <a:uFillTx/>
+                <a:latin typeface="Times New Roman"/>
+                <a:ea typeface="ＭＳ Ｐゴシック" panose="020B0600070205080204" pitchFamily="34" charset="-128"/>
+                <a:cs typeface="+mn-cs"/>
+              </a:rPr>
+              <a:t>, </a:t>
+            </a:r>
+            <a:r>
+              <a:rPr kumimoji="0" lang="en-US" altLang="en-US" sz="2400" b="0" i="0" u="none" strike="noStrike" kern="0" cap="none" spc="0" normalizeH="0" baseline="0" noProof="0" dirty="0" err="1">
+                <a:ln>
+                  <a:noFill/>
+                </a:ln>
+                <a:solidFill>
+                  <a:srgbClr val="000000"/>
+                </a:solidFill>
+                <a:effectLst/>
+                <a:uLnTx/>
+                <a:uFillTx/>
+                <a:latin typeface="Courier New" panose="02070309020205020404" pitchFamily="49" charset="0"/>
+                <a:ea typeface="ＭＳ Ｐゴシック" panose="020B0600070205080204" pitchFamily="34" charset="-128"/>
+                <a:cs typeface="+mn-cs"/>
+              </a:rPr>
+              <a:t>WindowAdapter</a:t>
+            </a:r>
+            <a:r>
+              <a:rPr kumimoji="0" lang="en-US" altLang="en-US" sz="2400" b="0" i="0" u="none" strike="noStrike" kern="0" cap="none" spc="0" normalizeH="0" baseline="0" noProof="0" dirty="0">
+                <a:ln>
+                  <a:noFill/>
+                </a:ln>
+                <a:solidFill>
+                  <a:srgbClr val="000000"/>
+                </a:solidFill>
+                <a:effectLst/>
+                <a:uLnTx/>
+                <a:uFillTx/>
+                <a:latin typeface="Times New Roman"/>
+                <a:ea typeface="ＭＳ Ｐゴシック" panose="020B0600070205080204" pitchFamily="34" charset="-128"/>
+                <a:cs typeface="+mn-cs"/>
+              </a:rPr>
+              <a:t>, ...)</a:t>
             </a:r>
           </a:p>
         </p:txBody>
@@ -9065,432 +8994,10 @@
           </a:p>
         </p:txBody>
       </p:sp>
-      <p:sp>
-        <p:nvSpPr>
-          <p:cNvPr id="7" name="Rectangle 3">
-            <a:extLst>
-              <a:ext uri="{FF2B5EF4-FFF2-40B4-BE49-F238E27FC236}">
-                <a16:creationId xmlns:a16="http://schemas.microsoft.com/office/drawing/2014/main" xmlns="" id="{0C77301B-F3B9-4AF9-AFBB-7593E01CD54B}"/>
-              </a:ext>
-            </a:extLst>
-          </p:cNvPr>
-          <p:cNvSpPr txBox="1">
-            <a:spLocks noChangeArrowheads="1"/>
-          </p:cNvSpPr>
-          <p:nvPr/>
-        </p:nvSpPr>
-        <p:spPr>
-          <a:xfrm>
-            <a:off x="2209800" y="1346199"/>
-            <a:ext cx="7772400" cy="4343400"/>
-          </a:xfrm>
-          <a:prstGeom prst="rect">
-            <a:avLst/>
-          </a:prstGeom>
-        </p:spPr>
-        <p:txBody>
-          <a:bodyPr vert="horz" lIns="91440" tIns="45720" rIns="91440" bIns="45720" rtlCol="0">
-            <a:normAutofit/>
-          </a:bodyPr>
-          <a:lstStyle>
-            <a:lvl1pPr marL="228600" indent="-228600" algn="l" defTabSz="914400" rtl="0" eaLnBrk="1" latinLnBrk="0" hangingPunct="1">
-              <a:lnSpc>
-                <a:spcPct val="90000"/>
-              </a:lnSpc>
-              <a:spcBef>
-                <a:spcPts val="1000"/>
-              </a:spcBef>
-              <a:buFont typeface="Arial" panose="020B0604020202020204" pitchFamily="34" charset="0"/>
-              <a:buChar char="•"/>
-              <a:defRPr sz="2800" kern="1200">
-                <a:solidFill>
-                  <a:schemeClr val="tx1"/>
-                </a:solidFill>
-                <a:latin typeface="+mn-lt"/>
-                <a:ea typeface="+mn-ea"/>
-                <a:cs typeface="+mn-cs"/>
-              </a:defRPr>
-            </a:lvl1pPr>
-            <a:lvl2pPr marL="685800" indent="-228600" algn="l" defTabSz="914400" rtl="0" eaLnBrk="1" latinLnBrk="0" hangingPunct="1">
-              <a:lnSpc>
-                <a:spcPct val="90000"/>
-              </a:lnSpc>
-              <a:spcBef>
-                <a:spcPts val="500"/>
-              </a:spcBef>
-              <a:buFont typeface="Arial" panose="020B0604020202020204" pitchFamily="34" charset="0"/>
-              <a:buChar char="•"/>
-              <a:defRPr sz="2400" kern="1200">
-                <a:solidFill>
-                  <a:schemeClr val="tx1"/>
-                </a:solidFill>
-                <a:latin typeface="+mn-lt"/>
-                <a:ea typeface="+mn-ea"/>
-                <a:cs typeface="+mn-cs"/>
-              </a:defRPr>
-            </a:lvl2pPr>
-            <a:lvl3pPr marL="1143000" indent="-228600" algn="l" defTabSz="914400" rtl="0" eaLnBrk="1" latinLnBrk="0" hangingPunct="1">
-              <a:lnSpc>
-                <a:spcPct val="90000"/>
-              </a:lnSpc>
-              <a:spcBef>
-                <a:spcPts val="500"/>
-              </a:spcBef>
-              <a:buFont typeface="Arial" panose="020B0604020202020204" pitchFamily="34" charset="0"/>
-              <a:buChar char="•"/>
-              <a:defRPr sz="2000" kern="1200">
-                <a:solidFill>
-                  <a:schemeClr val="tx1"/>
-                </a:solidFill>
-                <a:latin typeface="+mn-lt"/>
-                <a:ea typeface="+mn-ea"/>
-                <a:cs typeface="+mn-cs"/>
-              </a:defRPr>
-            </a:lvl3pPr>
-            <a:lvl4pPr marL="1600200" indent="-228600" algn="l" defTabSz="914400" rtl="0" eaLnBrk="1" latinLnBrk="0" hangingPunct="1">
-              <a:lnSpc>
-                <a:spcPct val="90000"/>
-              </a:lnSpc>
-              <a:spcBef>
-                <a:spcPts val="500"/>
-              </a:spcBef>
-              <a:buFont typeface="Arial" panose="020B0604020202020204" pitchFamily="34" charset="0"/>
-              <a:buChar char="•"/>
-              <a:defRPr sz="1800" kern="1200">
-                <a:solidFill>
-                  <a:schemeClr val="tx1"/>
-                </a:solidFill>
-                <a:latin typeface="+mn-lt"/>
-                <a:ea typeface="+mn-ea"/>
-                <a:cs typeface="+mn-cs"/>
-              </a:defRPr>
-            </a:lvl4pPr>
-            <a:lvl5pPr marL="2057400" indent="-228600" algn="l" defTabSz="914400" rtl="0" eaLnBrk="1" latinLnBrk="0" hangingPunct="1">
-              <a:lnSpc>
-                <a:spcPct val="90000"/>
-              </a:lnSpc>
-              <a:spcBef>
-                <a:spcPts val="500"/>
-              </a:spcBef>
-              <a:buFont typeface="Arial" panose="020B0604020202020204" pitchFamily="34" charset="0"/>
-              <a:buChar char="•"/>
-              <a:defRPr sz="1800" kern="1200">
-                <a:solidFill>
-                  <a:schemeClr val="tx1"/>
-                </a:solidFill>
-                <a:latin typeface="+mn-lt"/>
-                <a:ea typeface="+mn-ea"/>
-                <a:cs typeface="+mn-cs"/>
-              </a:defRPr>
-            </a:lvl5pPr>
-            <a:lvl6pPr marL="2514600" indent="-228600" algn="l" defTabSz="914400" rtl="0" eaLnBrk="1" latinLnBrk="0" hangingPunct="1">
-              <a:lnSpc>
-                <a:spcPct val="90000"/>
-              </a:lnSpc>
-              <a:spcBef>
-                <a:spcPts val="500"/>
-              </a:spcBef>
-              <a:buFont typeface="Arial" panose="020B0604020202020204" pitchFamily="34" charset="0"/>
-              <a:buChar char="•"/>
-              <a:defRPr sz="1800" kern="1200">
-                <a:solidFill>
-                  <a:schemeClr val="tx1"/>
-                </a:solidFill>
-                <a:latin typeface="+mn-lt"/>
-                <a:ea typeface="+mn-ea"/>
-                <a:cs typeface="+mn-cs"/>
-              </a:defRPr>
-            </a:lvl6pPr>
-            <a:lvl7pPr marL="2971800" indent="-228600" algn="l" defTabSz="914400" rtl="0" eaLnBrk="1" latinLnBrk="0" hangingPunct="1">
-              <a:lnSpc>
-                <a:spcPct val="90000"/>
-              </a:lnSpc>
-              <a:spcBef>
-                <a:spcPts val="500"/>
-              </a:spcBef>
-              <a:buFont typeface="Arial" panose="020B0604020202020204" pitchFamily="34" charset="0"/>
-              <a:buChar char="•"/>
-              <a:defRPr sz="1800" kern="1200">
-                <a:solidFill>
-                  <a:schemeClr val="tx1"/>
-                </a:solidFill>
-                <a:latin typeface="+mn-lt"/>
-                <a:ea typeface="+mn-ea"/>
-                <a:cs typeface="+mn-cs"/>
-              </a:defRPr>
-            </a:lvl7pPr>
-            <a:lvl8pPr marL="3429000" indent="-228600" algn="l" defTabSz="914400" rtl="0" eaLnBrk="1" latinLnBrk="0" hangingPunct="1">
-              <a:lnSpc>
-                <a:spcPct val="90000"/>
-              </a:lnSpc>
-              <a:spcBef>
-                <a:spcPts val="500"/>
-              </a:spcBef>
-              <a:buFont typeface="Arial" panose="020B0604020202020204" pitchFamily="34" charset="0"/>
-              <a:buChar char="•"/>
-              <a:defRPr sz="1800" kern="1200">
-                <a:solidFill>
-                  <a:schemeClr val="tx1"/>
-                </a:solidFill>
-                <a:latin typeface="+mn-lt"/>
-                <a:ea typeface="+mn-ea"/>
-                <a:cs typeface="+mn-cs"/>
-              </a:defRPr>
-            </a:lvl8pPr>
-            <a:lvl9pPr marL="3886200" indent="-228600" algn="l" defTabSz="914400" rtl="0" eaLnBrk="1" latinLnBrk="0" hangingPunct="1">
-              <a:lnSpc>
-                <a:spcPct val="90000"/>
-              </a:lnSpc>
-              <a:spcBef>
-                <a:spcPts val="500"/>
-              </a:spcBef>
-              <a:buFont typeface="Arial" panose="020B0604020202020204" pitchFamily="34" charset="0"/>
-              <a:buChar char="•"/>
-              <a:defRPr sz="1800" kern="1200">
-                <a:solidFill>
-                  <a:schemeClr val="tx1"/>
-                </a:solidFill>
-                <a:latin typeface="+mn-lt"/>
-                <a:ea typeface="+mn-ea"/>
-                <a:cs typeface="+mn-cs"/>
-              </a:defRPr>
-            </a:lvl9pPr>
-          </a:lstStyle>
-          <a:p>
-            <a:pPr marL="533400" indent="-533400">
-              <a:buFontTx/>
-              <a:buNone/>
-            </a:pPr>
-            <a:r>
-              <a:rPr lang="en-US" altLang="en-US" sz="1800" dirty="0">
-                <a:latin typeface="Courier New" panose="02070309020205020404" pitchFamily="49" charset="0"/>
-              </a:rPr>
-              <a:t>public class </a:t>
-            </a:r>
-            <a:r>
-              <a:rPr lang="en-US" altLang="en-US" sz="1800" dirty="0" err="1">
-                <a:latin typeface="Courier New" panose="02070309020205020404" pitchFamily="49" charset="0"/>
-              </a:rPr>
-              <a:t>MyMouseAdapter</a:t>
-            </a:r>
-            <a:r>
-              <a:rPr lang="en-US" altLang="en-US" sz="1800" dirty="0">
-                <a:latin typeface="Courier New" panose="02070309020205020404" pitchFamily="49" charset="0"/>
-              </a:rPr>
-              <a:t> </a:t>
-            </a:r>
-            <a:r>
-              <a:rPr lang="en-US" altLang="en-US" sz="1800" b="1" dirty="0">
-                <a:latin typeface="Courier New" panose="02070309020205020404" pitchFamily="49" charset="0"/>
-              </a:rPr>
-              <a:t>extends </a:t>
-            </a:r>
-            <a:r>
-              <a:rPr lang="en-US" altLang="en-US" sz="1800" b="1" dirty="0" err="1">
-                <a:latin typeface="Courier New" panose="02070309020205020404" pitchFamily="49" charset="0"/>
-              </a:rPr>
-              <a:t>MouseAdapter</a:t>
-            </a:r>
-            <a:r>
-              <a:rPr lang="en-US" altLang="en-US" sz="1800" dirty="0">
-                <a:latin typeface="Courier New" panose="02070309020205020404" pitchFamily="49" charset="0"/>
-              </a:rPr>
-              <a:t> {</a:t>
-            </a:r>
-          </a:p>
-          <a:p>
-            <a:pPr marL="533400" indent="-533400">
-              <a:buFontTx/>
-              <a:buNone/>
-            </a:pPr>
-            <a:r>
-              <a:rPr lang="en-US" altLang="en-US" sz="1800" dirty="0">
-                <a:latin typeface="Courier New" panose="02070309020205020404" pitchFamily="49" charset="0"/>
-              </a:rPr>
-              <a:t>  public void </a:t>
-            </a:r>
-            <a:r>
-              <a:rPr lang="en-US" altLang="en-US" sz="1800" dirty="0" err="1">
-                <a:latin typeface="Courier New" panose="02070309020205020404" pitchFamily="49" charset="0"/>
-              </a:rPr>
-              <a:t>mousePressed</a:t>
-            </a:r>
-            <a:r>
-              <a:rPr lang="en-US" altLang="en-US" sz="1800" dirty="0">
-                <a:latin typeface="Courier New" panose="02070309020205020404" pitchFamily="49" charset="0"/>
-              </a:rPr>
-              <a:t>(</a:t>
-            </a:r>
-            <a:r>
-              <a:rPr lang="en-US" altLang="en-US" sz="1800" dirty="0" err="1">
-                <a:latin typeface="Courier New" panose="02070309020205020404" pitchFamily="49" charset="0"/>
-              </a:rPr>
-              <a:t>MouseEvent</a:t>
-            </a:r>
-            <a:r>
-              <a:rPr lang="en-US" altLang="en-US" sz="1800" dirty="0">
-                <a:latin typeface="Courier New" panose="02070309020205020404" pitchFamily="49" charset="0"/>
-              </a:rPr>
-              <a:t> event) {</a:t>
-            </a:r>
-          </a:p>
-          <a:p>
-            <a:pPr marL="533400" indent="-533400">
-              <a:buFontTx/>
-              <a:buNone/>
-            </a:pPr>
-            <a:r>
-              <a:rPr lang="en-US" altLang="en-US" sz="1800" dirty="0">
-                <a:latin typeface="Courier New" panose="02070309020205020404" pitchFamily="49" charset="0"/>
-              </a:rPr>
-              <a:t>    </a:t>
-            </a:r>
-            <a:r>
-              <a:rPr lang="en-US" altLang="en-US" sz="1800" dirty="0" err="1">
-                <a:latin typeface="Courier New" panose="02070309020205020404" pitchFamily="49" charset="0"/>
-              </a:rPr>
-              <a:t>System.out.println</a:t>
-            </a:r>
-            <a:r>
-              <a:rPr lang="en-US" altLang="en-US" sz="1800" dirty="0">
-                <a:latin typeface="Courier New" panose="02070309020205020404" pitchFamily="49" charset="0"/>
-              </a:rPr>
-              <a:t>(“User pressed mouse button!”);</a:t>
-            </a:r>
-          </a:p>
-          <a:p>
-            <a:pPr marL="533400" indent="-533400">
-              <a:buFontTx/>
-              <a:buNone/>
-            </a:pPr>
-            <a:r>
-              <a:rPr lang="en-US" altLang="en-US" sz="1800" dirty="0">
-                <a:latin typeface="Courier New" panose="02070309020205020404" pitchFamily="49" charset="0"/>
-              </a:rPr>
-              <a:t>  }</a:t>
-            </a:r>
-          </a:p>
-          <a:p>
-            <a:pPr marL="533400" indent="-533400">
-              <a:buFontTx/>
-              <a:buNone/>
-            </a:pPr>
-            <a:r>
-              <a:rPr lang="en-US" altLang="en-US" sz="1800" dirty="0">
-                <a:latin typeface="Courier New" panose="02070309020205020404" pitchFamily="49" charset="0"/>
-              </a:rPr>
-              <a:t>}</a:t>
-            </a:r>
-          </a:p>
-          <a:p>
-            <a:pPr marL="533400" indent="-533400">
-              <a:buFontTx/>
-              <a:buNone/>
-            </a:pPr>
-            <a:endParaRPr lang="en-US" altLang="en-US" sz="1800" dirty="0">
-              <a:latin typeface="Courier New" panose="02070309020205020404" pitchFamily="49" charset="0"/>
-            </a:endParaRPr>
-          </a:p>
-          <a:p>
-            <a:pPr marL="533400" indent="-533400">
-              <a:buFontTx/>
-              <a:buNone/>
-            </a:pPr>
-            <a:r>
-              <a:rPr lang="en-US" altLang="en-US" sz="1800" dirty="0">
-                <a:latin typeface="Courier New" panose="02070309020205020404" pitchFamily="49" charset="0"/>
-              </a:rPr>
-              <a:t>// using the </a:t>
-            </a:r>
-            <a:r>
-              <a:rPr lang="en-US" altLang="en-US" sz="1800" dirty="0" err="1">
-                <a:latin typeface="Courier New" panose="02070309020205020404" pitchFamily="49" charset="0"/>
-              </a:rPr>
-              <a:t>MyMouseAdapter</a:t>
-            </a:r>
-            <a:endParaRPr lang="en-US" altLang="en-US" sz="1800" dirty="0">
-              <a:latin typeface="Courier New" panose="02070309020205020404" pitchFamily="49" charset="0"/>
-            </a:endParaRPr>
-          </a:p>
-          <a:p>
-            <a:pPr marL="533400" indent="-533400">
-              <a:buFontTx/>
-              <a:buNone/>
-            </a:pPr>
-            <a:r>
-              <a:rPr lang="en-US" altLang="en-US" sz="1800" dirty="0" err="1">
-                <a:latin typeface="Courier New" panose="02070309020205020404" pitchFamily="49" charset="0"/>
-              </a:rPr>
-              <a:t>MyPanel</a:t>
-            </a:r>
-            <a:r>
-              <a:rPr lang="en-US" altLang="en-US" sz="1800" dirty="0">
-                <a:latin typeface="Courier New" panose="02070309020205020404" pitchFamily="49" charset="0"/>
-              </a:rPr>
-              <a:t> panel = new </a:t>
-            </a:r>
-            <a:r>
-              <a:rPr lang="en-US" altLang="en-US" sz="1800" dirty="0" err="1">
-                <a:latin typeface="Courier New" panose="02070309020205020404" pitchFamily="49" charset="0"/>
-              </a:rPr>
-              <a:t>MyPanel</a:t>
-            </a:r>
-            <a:r>
-              <a:rPr lang="en-US" altLang="en-US" sz="1800" dirty="0">
-                <a:latin typeface="Courier New" panose="02070309020205020404" pitchFamily="49" charset="0"/>
-              </a:rPr>
-              <a:t>();</a:t>
-            </a:r>
-          </a:p>
-          <a:p>
-            <a:pPr marL="533400" indent="-533400">
-              <a:buFontTx/>
-              <a:buNone/>
-            </a:pPr>
-            <a:r>
-              <a:rPr lang="en-US" altLang="en-US" sz="1800" dirty="0" err="1">
-                <a:latin typeface="Courier New" panose="02070309020205020404" pitchFamily="49" charset="0"/>
-              </a:rPr>
-              <a:t>panel.</a:t>
-            </a:r>
-            <a:r>
-              <a:rPr lang="en-US" altLang="en-US" sz="1800" b="1" dirty="0" err="1">
-                <a:latin typeface="Courier New" panose="02070309020205020404" pitchFamily="49" charset="0"/>
-              </a:rPr>
-              <a:t>addMouseListener</a:t>
-            </a:r>
-            <a:r>
-              <a:rPr lang="en-US" altLang="en-US" sz="1800" dirty="0">
-                <a:latin typeface="Courier New" panose="02070309020205020404" pitchFamily="49" charset="0"/>
-              </a:rPr>
-              <a:t>(new </a:t>
-            </a:r>
-            <a:r>
-              <a:rPr lang="en-US" altLang="en-US" sz="1800" dirty="0" err="1">
-                <a:latin typeface="Courier New" panose="02070309020205020404" pitchFamily="49" charset="0"/>
-              </a:rPr>
-              <a:t>MyMouseAdapter</a:t>
-            </a:r>
-            <a:r>
-              <a:rPr lang="en-US" altLang="en-US" sz="1800" dirty="0">
-                <a:latin typeface="Courier New" panose="02070309020205020404" pitchFamily="49" charset="0"/>
-              </a:rPr>
-              <a:t>());</a:t>
-            </a:r>
-          </a:p>
-          <a:p>
-            <a:pPr marL="533400" indent="-533400">
-              <a:buFontTx/>
-              <a:buNone/>
-            </a:pPr>
-            <a:endParaRPr lang="en-US" altLang="en-US" dirty="0"/>
-          </a:p>
-        </p:txBody>
-      </p:sp>
     </p:spTree>
     <p:extLst>
       <p:ext uri="{BB962C8B-B14F-4D97-AF65-F5344CB8AC3E}">
-        <p14:creationId xmlns:p14="http://schemas.microsoft.com/office/powerpoint/2010/main" xmlns="" val="831713103"/>
+        <p14:creationId xmlns="" xmlns:p14="http://schemas.microsoft.com/office/powerpoint/2010/main" val="3252093137"/>
       </p:ext>
     </p:extLst>
   </p:cSld>
@@ -9534,7 +9041,7 @@
           <a:p>
             <a:r>
               <a:rPr lang="en-US" altLang="en-US" dirty="0"/>
-              <a:t>Adapter Pattern</a:t>
+              <a:t>Mouse Events</a:t>
             </a:r>
             <a:endParaRPr lang="en-CA" dirty="0"/>
           </a:p>
@@ -9564,7 +9071,7 @@
           <a:p>
             <a:pPr marL="230188" marR="0" lvl="0" indent="-230188" algn="l" defTabSz="914400" rtl="0" eaLnBrk="0" fontAlgn="base" latinLnBrk="0" hangingPunct="0">
               <a:lnSpc>
-                <a:spcPct val="90000"/>
+                <a:spcPct val="100000"/>
               </a:lnSpc>
               <a:spcBef>
                 <a:spcPct val="20000"/>
@@ -9582,7 +9089,7 @@
               <a:defRPr/>
             </a:pPr>
             <a:r>
-              <a:rPr kumimoji="0" lang="en-US" altLang="en-US" sz="2400" b="0" i="1" u="none" strike="noStrike" kern="0" cap="none" spc="0" normalizeH="0" baseline="0" noProof="0" dirty="0">
+              <a:rPr kumimoji="0" lang="en-US" altLang="en-US" sz="2400" b="0" i="0" u="none" strike="noStrike" kern="0" cap="none" spc="0" normalizeH="0" baseline="0" noProof="0" dirty="0" err="1">
                 <a:ln>
                   <a:noFill/>
                 </a:ln>
@@ -9592,45 +9099,12 @@
                 <a:effectLst/>
                 <a:uLnTx/>
                 <a:uFillTx/>
-                <a:latin typeface="Times New Roman"/>
-                <a:ea typeface="ＭＳ Ｐゴシック" panose="020B0600070205080204" pitchFamily="34" charset="-128"/>
-                <a:cs typeface="+mn-cs"/>
-              </a:rPr>
-              <a:t>Adapter</a:t>
-            </a:r>
-            <a:r>
-              <a:rPr kumimoji="0" lang="en-US" altLang="en-US" sz="2400" b="0" i="0" u="none" strike="noStrike" kern="0" cap="none" spc="0" normalizeH="0" baseline="0" noProof="0" dirty="0">
-                <a:ln>
-                  <a:noFill/>
-                </a:ln>
-                <a:solidFill>
-                  <a:srgbClr val="000000"/>
-                </a:solidFill>
-                <a:effectLst/>
-                <a:uLnTx/>
-                <a:uFillTx/>
-                <a:latin typeface="Times New Roman"/>
-                <a:ea typeface="ＭＳ Ｐゴシック" panose="020B0600070205080204" pitchFamily="34" charset="-128"/>
-                <a:cs typeface="+mn-cs"/>
-              </a:rPr>
-              <a:t>: an object that molds a desired “interface” (method set, not necessarily a Java interface) to suit a required “interface”</a:t>
-            </a:r>
-            <a:br>
-              <a:rPr kumimoji="0" lang="en-US" altLang="en-US" sz="2400" b="0" i="0" u="none" strike="noStrike" kern="0" cap="none" spc="0" normalizeH="0" baseline="0" noProof="0" dirty="0">
-                <a:ln>
-                  <a:noFill/>
-                </a:ln>
-                <a:solidFill>
-                  <a:srgbClr val="000000"/>
-                </a:solidFill>
-                <a:effectLst/>
-                <a:uLnTx/>
-                <a:uFillTx/>
-                <a:latin typeface="Times New Roman"/>
-                <a:ea typeface="ＭＳ Ｐゴシック" panose="020B0600070205080204" pitchFamily="34" charset="-128"/>
-                <a:cs typeface="+mn-cs"/>
-              </a:rPr>
-            </a:br>
+                <a:latin typeface="Courier New" panose="02070309020205020404" pitchFamily="49" charset="0"/>
+                <a:ea typeface="ＭＳ Ｐゴシック" panose="020B0600070205080204" pitchFamily="34" charset="-128"/>
+                <a:cs typeface="+mn-cs"/>
+              </a:rPr>
+              <a:t>java.awt.event.InputEvent</a:t>
+            </a:r>
             <a:endParaRPr kumimoji="0" lang="en-US" altLang="en-US" sz="2400" b="0" i="0" u="none" strike="noStrike" kern="0" cap="none" spc="0" normalizeH="0" baseline="0" noProof="0" dirty="0">
               <a:ln>
                 <a:noFill/>
@@ -9641,15 +9115,240 @@
               <a:effectLst/>
               <a:uLnTx/>
               <a:uFillTx/>
-              <a:latin typeface="Times New Roman"/>
+              <a:latin typeface="Courier New" panose="02070309020205020404" pitchFamily="49" charset="0"/>
               <a:ea typeface="ＭＳ Ｐゴシック" panose="020B0600070205080204" pitchFamily="34" charset="-128"/>
               <a:cs typeface="+mn-cs"/>
             </a:endParaRPr>
           </a:p>
           <a:p>
-            <a:pPr marL="230188" marR="0" lvl="0" indent="-230188" algn="l" defTabSz="914400" rtl="0" eaLnBrk="0" fontAlgn="base" latinLnBrk="0" hangingPunct="0">
+            <a:pPr marL="576263" marR="0" lvl="1" indent="-231775" algn="l" defTabSz="914400" rtl="0" eaLnBrk="0" fontAlgn="base" latinLnBrk="0" hangingPunct="0">
               <a:lnSpc>
-                <a:spcPct val="90000"/>
+                <a:spcPct val="100000"/>
+              </a:lnSpc>
+              <a:spcBef>
+                <a:spcPct val="20000"/>
+              </a:spcBef>
+              <a:spcAft>
+                <a:spcPct val="0"/>
+              </a:spcAft>
+              <a:buClrTx/>
+              <a:buSzTx/>
+              <a:buFontTx/>
+              <a:buChar char="–"/>
+              <a:tabLst>
+                <a:tab pos="1255713" algn="l"/>
+              </a:tabLst>
+              <a:defRPr/>
+            </a:pPr>
+            <a:r>
+              <a:rPr kumimoji="0" lang="en-US" altLang="en-US" sz="2000" b="0" i="0" u="none" strike="noStrike" kern="0" cap="none" spc="0" normalizeH="0" baseline="0" noProof="0" dirty="0">
+                <a:ln>
+                  <a:noFill/>
+                </a:ln>
+                <a:solidFill>
+                  <a:srgbClr val="000000"/>
+                </a:solidFill>
+                <a:effectLst/>
+                <a:uLnTx/>
+                <a:uFillTx/>
+                <a:latin typeface="Courier New" panose="02070309020205020404" pitchFamily="49" charset="0"/>
+                <a:ea typeface="ＭＳ Ｐゴシック" panose="020B0600070205080204" pitchFamily="34" charset="-128"/>
+              </a:rPr>
+              <a:t>static int </a:t>
+            </a:r>
+            <a:r>
+              <a:rPr kumimoji="0" lang="en-US" altLang="en-US" sz="2000" b="1" i="0" u="none" strike="noStrike" kern="0" cap="none" spc="0" normalizeH="0" baseline="0" noProof="0" dirty="0">
+                <a:ln>
+                  <a:noFill/>
+                </a:ln>
+                <a:solidFill>
+                  <a:srgbClr val="000000"/>
+                </a:solidFill>
+                <a:effectLst/>
+                <a:uLnTx/>
+                <a:uFillTx/>
+                <a:latin typeface="Courier New" panose="02070309020205020404" pitchFamily="49" charset="0"/>
+                <a:ea typeface="ＭＳ Ｐゴシック" panose="020B0600070205080204" pitchFamily="34" charset="-128"/>
+              </a:rPr>
+              <a:t>BUTTON1_MASK</a:t>
+            </a:r>
+            <a:r>
+              <a:rPr kumimoji="0" lang="en-US" altLang="en-US" sz="2000" b="0" i="0" u="none" strike="noStrike" kern="0" cap="none" spc="0" normalizeH="0" baseline="0" noProof="0" dirty="0">
+                <a:ln>
+                  <a:noFill/>
+                </a:ln>
+                <a:solidFill>
+                  <a:srgbClr val="000000"/>
+                </a:solidFill>
+                <a:effectLst/>
+                <a:uLnTx/>
+                <a:uFillTx/>
+                <a:latin typeface="Courier New" panose="02070309020205020404" pitchFamily="49" charset="0"/>
+                <a:ea typeface="ＭＳ Ｐゴシック" panose="020B0600070205080204" pitchFamily="34" charset="-128"/>
+              </a:rPr>
+              <a:t>, </a:t>
+            </a:r>
+            <a:br>
+              <a:rPr kumimoji="0" lang="en-US" altLang="en-US" sz="2000" b="0" i="0" u="none" strike="noStrike" kern="0" cap="none" spc="0" normalizeH="0" baseline="0" noProof="0" dirty="0">
+                <a:ln>
+                  <a:noFill/>
+                </a:ln>
+                <a:solidFill>
+                  <a:srgbClr val="000000"/>
+                </a:solidFill>
+                <a:effectLst/>
+                <a:uLnTx/>
+                <a:uFillTx/>
+                <a:latin typeface="Courier New" panose="02070309020205020404" pitchFamily="49" charset="0"/>
+                <a:ea typeface="ＭＳ Ｐゴシック" panose="020B0600070205080204" pitchFamily="34" charset="-128"/>
+              </a:rPr>
+            </a:br>
+            <a:r>
+              <a:rPr kumimoji="0" lang="en-US" altLang="en-US" sz="2000" b="1" i="0" u="none" strike="noStrike" kern="0" cap="none" spc="0" normalizeH="0" baseline="0" noProof="0" dirty="0">
+                <a:ln>
+                  <a:noFill/>
+                </a:ln>
+                <a:solidFill>
+                  <a:srgbClr val="000000"/>
+                </a:solidFill>
+                <a:effectLst/>
+                <a:uLnTx/>
+                <a:uFillTx/>
+                <a:latin typeface="Courier New" panose="02070309020205020404" pitchFamily="49" charset="0"/>
+                <a:ea typeface="ＭＳ Ｐゴシック" panose="020B0600070205080204" pitchFamily="34" charset="-128"/>
+              </a:rPr>
+              <a:t>BUTTON2_MASK</a:t>
+            </a:r>
+            <a:r>
+              <a:rPr kumimoji="0" lang="en-US" altLang="en-US" sz="2000" b="0" i="0" u="none" strike="noStrike" kern="0" cap="none" spc="0" normalizeH="0" baseline="0" noProof="0" dirty="0">
+                <a:ln>
+                  <a:noFill/>
+                </a:ln>
+                <a:solidFill>
+                  <a:srgbClr val="000000"/>
+                </a:solidFill>
+                <a:effectLst/>
+                <a:uLnTx/>
+                <a:uFillTx/>
+                <a:latin typeface="Courier New" panose="02070309020205020404" pitchFamily="49" charset="0"/>
+                <a:ea typeface="ＭＳ Ｐゴシック" panose="020B0600070205080204" pitchFamily="34" charset="-128"/>
+              </a:rPr>
+              <a:t>, BUTTON3_MASK,</a:t>
+            </a:r>
+            <a:br>
+              <a:rPr kumimoji="0" lang="en-US" altLang="en-US" sz="2000" b="0" i="0" u="none" strike="noStrike" kern="0" cap="none" spc="0" normalizeH="0" baseline="0" noProof="0" dirty="0">
+                <a:ln>
+                  <a:noFill/>
+                </a:ln>
+                <a:solidFill>
+                  <a:srgbClr val="000000"/>
+                </a:solidFill>
+                <a:effectLst/>
+                <a:uLnTx/>
+                <a:uFillTx/>
+                <a:latin typeface="Courier New" panose="02070309020205020404" pitchFamily="49" charset="0"/>
+                <a:ea typeface="ＭＳ Ｐゴシック" panose="020B0600070205080204" pitchFamily="34" charset="-128"/>
+              </a:rPr>
+            </a:br>
+            <a:r>
+              <a:rPr kumimoji="0" lang="en-US" altLang="en-US" sz="2000" b="0" i="0" u="none" strike="noStrike" kern="0" cap="none" spc="0" normalizeH="0" baseline="0" noProof="0" dirty="0">
+                <a:ln>
+                  <a:noFill/>
+                </a:ln>
+                <a:solidFill>
+                  <a:srgbClr val="000000"/>
+                </a:solidFill>
+                <a:effectLst/>
+                <a:uLnTx/>
+                <a:uFillTx/>
+                <a:latin typeface="Courier New" panose="02070309020205020404" pitchFamily="49" charset="0"/>
+                <a:ea typeface="ＭＳ Ｐゴシック" panose="020B0600070205080204" pitchFamily="34" charset="-128"/>
+              </a:rPr>
+              <a:t>CTRL_MASK, ALT_MASK, SHIFT_MASK</a:t>
+            </a:r>
+            <a:br>
+              <a:rPr kumimoji="0" lang="en-US" altLang="en-US" sz="2000" b="0" i="0" u="none" strike="noStrike" kern="0" cap="none" spc="0" normalizeH="0" baseline="0" noProof="0" dirty="0">
+                <a:ln>
+                  <a:noFill/>
+                </a:ln>
+                <a:solidFill>
+                  <a:srgbClr val="000000"/>
+                </a:solidFill>
+                <a:effectLst/>
+                <a:uLnTx/>
+                <a:uFillTx/>
+                <a:latin typeface="Courier New" panose="02070309020205020404" pitchFamily="49" charset="0"/>
+                <a:ea typeface="ＭＳ Ｐゴシック" panose="020B0600070205080204" pitchFamily="34" charset="-128"/>
+              </a:rPr>
+            </a:br>
+            <a:endParaRPr kumimoji="0" lang="en-US" altLang="en-US" sz="2000" b="0" i="0" u="none" strike="noStrike" kern="0" cap="none" spc="0" normalizeH="0" baseline="0" noProof="0" dirty="0">
+              <a:ln>
+                <a:noFill/>
+              </a:ln>
+              <a:solidFill>
+                <a:srgbClr val="000000"/>
+              </a:solidFill>
+              <a:effectLst/>
+              <a:uLnTx/>
+              <a:uFillTx/>
+              <a:latin typeface="Courier New" panose="02070309020205020404" pitchFamily="49" charset="0"/>
+              <a:ea typeface="ＭＳ Ｐゴシック" panose="020B0600070205080204" pitchFamily="34" charset="-128"/>
+            </a:endParaRPr>
+          </a:p>
+          <a:p>
+            <a:pPr marL="576263" marR="0" lvl="1" indent="-231775" algn="l" defTabSz="914400" rtl="0" eaLnBrk="0" fontAlgn="base" latinLnBrk="0" hangingPunct="0">
+              <a:lnSpc>
+                <a:spcPct val="100000"/>
+              </a:lnSpc>
+              <a:spcBef>
+                <a:spcPct val="20000"/>
+              </a:spcBef>
+              <a:spcAft>
+                <a:spcPct val="0"/>
+              </a:spcAft>
+              <a:buClrTx/>
+              <a:buSzTx/>
+              <a:buFontTx/>
+              <a:buChar char="–"/>
+              <a:tabLst>
+                <a:tab pos="1255713" algn="l"/>
+              </a:tabLst>
+              <a:defRPr/>
+            </a:pPr>
+            <a:r>
+              <a:rPr kumimoji="0" lang="en-US" altLang="en-US" sz="2400" b="1" i="0" u="none" strike="noStrike" kern="0" cap="none" spc="0" normalizeH="0" baseline="0" noProof="0" dirty="0" err="1">
+                <a:ln>
+                  <a:noFill/>
+                </a:ln>
+                <a:solidFill>
+                  <a:srgbClr val="000000"/>
+                </a:solidFill>
+                <a:effectLst/>
+                <a:uLnTx/>
+                <a:uFillTx/>
+                <a:latin typeface="Courier New" panose="02070309020205020404" pitchFamily="49" charset="0"/>
+                <a:ea typeface="ＭＳ Ｐゴシック" panose="020B0600070205080204" pitchFamily="34" charset="-128"/>
+              </a:rPr>
+              <a:t>MouseEvent</a:t>
+            </a:r>
+            <a:endParaRPr kumimoji="0" lang="en-US" altLang="en-US" sz="2400" b="1" i="0" u="none" strike="noStrike" kern="0" cap="none" spc="0" normalizeH="0" baseline="0" noProof="0" dirty="0">
+              <a:ln>
+                <a:noFill/>
+              </a:ln>
+              <a:solidFill>
+                <a:srgbClr val="000000"/>
+              </a:solidFill>
+              <a:effectLst/>
+              <a:uLnTx/>
+              <a:uFillTx/>
+              <a:latin typeface="Courier New" panose="02070309020205020404" pitchFamily="49" charset="0"/>
+              <a:ea typeface="ＭＳ Ｐゴシック" panose="020B0600070205080204" pitchFamily="34" charset="-128"/>
+            </a:endParaRPr>
+          </a:p>
+          <a:p>
+            <a:pPr marL="911225" marR="0" lvl="2" indent="-220663" algn="l" defTabSz="914400" rtl="0" eaLnBrk="0" fontAlgn="base" latinLnBrk="0" hangingPunct="0">
+              <a:lnSpc>
+                <a:spcPct val="100000"/>
               </a:lnSpc>
               <a:spcBef>
                 <a:spcPct val="20000"/>
@@ -9667,7 +9366,7 @@
               <a:defRPr/>
             </a:pPr>
             <a:r>
-              <a:rPr kumimoji="0" lang="en-US" altLang="en-US" sz="2400" b="0" i="0" u="none" strike="noStrike" kern="0" cap="none" spc="0" normalizeH="0" baseline="0" noProof="0" dirty="0">
+              <a:rPr kumimoji="0" lang="en-US" altLang="en-US" sz="2000" b="0" i="0" u="none" strike="noStrike" kern="0" cap="none" spc="0" normalizeH="0" baseline="0" noProof="0" dirty="0">
                 <a:ln>
                   <a:noFill/>
                 </a:ln>
@@ -9677,14 +9376,13 @@
                 <a:effectLst/>
                 <a:uLnTx/>
                 <a:uFillTx/>
-                <a:latin typeface="Times New Roman"/>
-                <a:ea typeface="ＭＳ Ｐゴシック" panose="020B0600070205080204" pitchFamily="34" charset="-128"/>
-                <a:cs typeface="+mn-cs"/>
-              </a:rPr>
-              <a:t>Advantages: reduces burden on programmer, allows coder to use interface that is more comfortable / convenient, can connect two interfaces that are otherwise incompatible</a:t>
-            </a:r>
-            <a:br>
-              <a:rPr kumimoji="0" lang="en-US" altLang="en-US" sz="2400" b="0" i="0" u="none" strike="noStrike" kern="0" cap="none" spc="0" normalizeH="0" baseline="0" noProof="0" dirty="0">
+                <a:latin typeface="Courier New" panose="02070309020205020404" pitchFamily="49" charset="0"/>
+                <a:ea typeface="ＭＳ Ｐゴシック" panose="020B0600070205080204" pitchFamily="34" charset="-128"/>
+              </a:rPr>
+              <a:t>int </a:t>
+            </a:r>
+            <a:r>
+              <a:rPr kumimoji="0" lang="en-US" altLang="en-US" sz="2000" b="0" i="0" u="none" strike="noStrike" kern="0" cap="none" spc="0" normalizeH="0" baseline="0" noProof="0" dirty="0" err="1">
                 <a:ln>
                   <a:noFill/>
                 </a:ln>
@@ -9694,30 +9392,32 @@
                 <a:effectLst/>
                 <a:uLnTx/>
                 <a:uFillTx/>
-                <a:latin typeface="Times New Roman"/>
-                <a:ea typeface="ＭＳ Ｐゴシック" panose="020B0600070205080204" pitchFamily="34" charset="-128"/>
-                <a:cs typeface="+mn-cs"/>
-              </a:rPr>
-            </a:br>
-            <a:endParaRPr kumimoji="0" lang="en-US" altLang="en-US" sz="2400" b="0" i="0" u="none" strike="noStrike" kern="0" cap="none" spc="0" normalizeH="0" baseline="0" noProof="0" dirty="0">
-              <a:ln>
-                <a:noFill/>
-              </a:ln>
-              <a:solidFill>
-                <a:srgbClr val="000000"/>
-              </a:solidFill>
-              <a:effectLst/>
-              <a:uLnTx/>
-              <a:uFillTx/>
-              <a:latin typeface="Times New Roman"/>
-              <a:ea typeface="ＭＳ Ｐゴシック" panose="020B0600070205080204" pitchFamily="34" charset="-128"/>
-              <a:cs typeface="+mn-cs"/>
-            </a:endParaRPr>
-          </a:p>
-          <a:p>
-            <a:pPr marL="230188" marR="0" lvl="0" indent="-230188" algn="l" defTabSz="914400" rtl="0" eaLnBrk="0" fontAlgn="base" latinLnBrk="0" hangingPunct="0">
+                <a:latin typeface="Courier New" panose="02070309020205020404" pitchFamily="49" charset="0"/>
+                <a:ea typeface="ＭＳ Ｐゴシック" panose="020B0600070205080204" pitchFamily="34" charset="-128"/>
+              </a:rPr>
+              <a:t>getClickCount</a:t>
+            </a:r>
+            <a:r>
+              <a:rPr kumimoji="0" lang="en-US" altLang="en-US" sz="2000" b="0" i="0" u="none" strike="noStrike" kern="0" cap="none" spc="0" normalizeH="0" baseline="0" noProof="0" dirty="0">
+                <a:ln>
+                  <a:noFill/>
+                </a:ln>
+                <a:solidFill>
+                  <a:srgbClr val="000000"/>
+                </a:solidFill>
+                <a:effectLst/>
+                <a:uLnTx/>
+                <a:uFillTx/>
+                <a:latin typeface="Courier New" panose="02070309020205020404" pitchFamily="49" charset="0"/>
+                <a:ea typeface="ＭＳ Ｐゴシック" panose="020B0600070205080204" pitchFamily="34" charset="-128"/>
+              </a:rPr>
+              <a:t>()</a:t>
+            </a:r>
+          </a:p>
+          <a:p>
+            <a:pPr marL="911225" marR="0" lvl="2" indent="-220663" algn="l" defTabSz="914400" rtl="0" eaLnBrk="0" fontAlgn="base" latinLnBrk="0" hangingPunct="0">
               <a:lnSpc>
-                <a:spcPct val="90000"/>
+                <a:spcPct val="100000"/>
               </a:lnSpc>
               <a:spcBef>
                 <a:spcPct val="20000"/>
@@ -9735,7 +9435,7 @@
               <a:defRPr/>
             </a:pPr>
             <a:r>
-              <a:rPr kumimoji="0" lang="en-US" altLang="en-US" sz="2400" b="0" i="0" u="none" strike="noStrike" kern="0" cap="none" spc="0" normalizeH="0" baseline="0" noProof="0" dirty="0">
+              <a:rPr kumimoji="0" lang="en-US" altLang="en-US" sz="2000" b="0" i="0" u="none" strike="noStrike" kern="0" cap="none" spc="0" normalizeH="0" baseline="0" noProof="0" dirty="0">
                 <a:ln>
                   <a:noFill/>
                 </a:ln>
@@ -9745,14 +9445,13 @@
                 <a:effectLst/>
                 <a:uLnTx/>
                 <a:uFillTx/>
-                <a:latin typeface="Times New Roman"/>
-                <a:ea typeface="ＭＳ Ｐゴシック" panose="020B0600070205080204" pitchFamily="34" charset="-128"/>
-                <a:cs typeface="+mn-cs"/>
-              </a:rPr>
-              <a:t>Examples in Java: Event listening adapters (</a:t>
-            </a:r>
-            <a:r>
-              <a:rPr kumimoji="0" lang="en-US" altLang="en-US" sz="2400" b="0" i="0" u="none" strike="noStrike" kern="0" cap="none" spc="0" normalizeH="0" baseline="0" noProof="0" dirty="0" err="1">
+                <a:latin typeface="Courier New" panose="02070309020205020404" pitchFamily="49" charset="0"/>
+                <a:ea typeface="ＭＳ Ｐゴシック" panose="020B0600070205080204" pitchFamily="34" charset="-128"/>
+              </a:rPr>
+              <a:t>Point </a:t>
+            </a:r>
+            <a:r>
+              <a:rPr kumimoji="0" lang="en-US" altLang="en-US" sz="2000" b="1" i="0" u="none" strike="noStrike" kern="0" cap="none" spc="0" normalizeH="0" baseline="0" noProof="0" dirty="0" err="1">
                 <a:ln>
                   <a:noFill/>
                 </a:ln>
@@ -9764,12 +9463,11 @@
                 <a:uFillTx/>
                 <a:latin typeface="Courier New" panose="02070309020205020404" pitchFamily="49" charset="0"/>
                 <a:ea typeface="ＭＳ Ｐゴシック" panose="020B0600070205080204" pitchFamily="34" charset="-128"/>
-                <a:cs typeface="+mn-cs"/>
-              </a:rPr>
-              <a:t>ComponentAdapter</a:t>
-            </a:r>
-            <a:r>
-              <a:rPr kumimoji="0" lang="en-US" altLang="en-US" sz="2400" b="0" i="0" u="none" strike="noStrike" kern="0" cap="none" spc="0" normalizeH="0" baseline="0" noProof="0" dirty="0">
+              </a:rPr>
+              <a:t>getPoint</a:t>
+            </a:r>
+            <a:r>
+              <a:rPr kumimoji="0" lang="en-US" altLang="en-US" sz="2000" b="0" i="0" u="none" strike="noStrike" kern="0" cap="none" spc="0" normalizeH="0" baseline="0" noProof="0" dirty="0">
                 <a:ln>
                   <a:noFill/>
                 </a:ln>
@@ -9779,14 +9477,34 @@
                 <a:effectLst/>
                 <a:uLnTx/>
                 <a:uFillTx/>
-                <a:latin typeface="Times New Roman"/>
-                <a:ea typeface="ＭＳ Ｐゴシック" panose="020B0600070205080204" pitchFamily="34" charset="-128"/>
-                <a:cs typeface="+mn-cs"/>
-              </a:rPr>
-              <a:t>, </a:t>
-            </a:r>
-            <a:r>
-              <a:rPr kumimoji="0" lang="en-US" altLang="en-US" sz="2400" b="0" i="0" u="none" strike="noStrike" kern="0" cap="none" spc="0" normalizeH="0" baseline="0" noProof="0" dirty="0" err="1">
+                <a:latin typeface="Courier New" panose="02070309020205020404" pitchFamily="49" charset="0"/>
+                <a:ea typeface="ＭＳ Ｐゴシック" panose="020B0600070205080204" pitchFamily="34" charset="-128"/>
+              </a:rPr>
+              <a:t>()</a:t>
+            </a:r>
+          </a:p>
+          <a:p>
+            <a:pPr marL="911225" marR="0" lvl="2" indent="-220663" algn="l" defTabSz="914400" rtl="0" eaLnBrk="0" fontAlgn="base" latinLnBrk="0" hangingPunct="0">
+              <a:lnSpc>
+                <a:spcPct val="100000"/>
+              </a:lnSpc>
+              <a:spcBef>
+                <a:spcPct val="20000"/>
+              </a:spcBef>
+              <a:spcAft>
+                <a:spcPct val="0"/>
+              </a:spcAft>
+              <a:buClrTx/>
+              <a:buSzTx/>
+              <a:buFontTx/>
+              <a:buChar char="•"/>
+              <a:tabLst>
+                <a:tab pos="1255713" algn="l"/>
+              </a:tabLst>
+              <a:defRPr/>
+            </a:pPr>
+            <a:r>
+              <a:rPr kumimoji="0" lang="en-US" altLang="en-US" sz="2000" b="0" i="0" u="none" strike="noStrike" kern="0" cap="none" spc="0" normalizeH="0" baseline="0" noProof="0" dirty="0">
                 <a:ln>
                   <a:noFill/>
                 </a:ln>
@@ -9798,12 +9516,11 @@
                 <a:uFillTx/>
                 <a:latin typeface="Courier New" panose="02070309020205020404" pitchFamily="49" charset="0"/>
                 <a:ea typeface="ＭＳ Ｐゴシック" panose="020B0600070205080204" pitchFamily="34" charset="-128"/>
-                <a:cs typeface="+mn-cs"/>
-              </a:rPr>
-              <a:t>FocusAdapter</a:t>
-            </a:r>
-            <a:r>
-              <a:rPr kumimoji="0" lang="en-US" altLang="en-US" sz="2400" b="0" i="0" u="none" strike="noStrike" kern="0" cap="none" spc="0" normalizeH="0" baseline="0" noProof="0" dirty="0">
+              </a:rPr>
+              <a:t>int </a:t>
+            </a:r>
+            <a:r>
+              <a:rPr kumimoji="0" lang="en-US" altLang="en-US" sz="2000" b="1" i="0" u="none" strike="noStrike" kern="0" cap="none" spc="0" normalizeH="0" baseline="0" noProof="0" dirty="0" err="1">
                 <a:ln>
                   <a:noFill/>
                 </a:ln>
@@ -9813,14 +9530,13 @@
                 <a:effectLst/>
                 <a:uLnTx/>
                 <a:uFillTx/>
-                <a:latin typeface="Times New Roman"/>
-                <a:ea typeface="ＭＳ Ｐゴシック" panose="020B0600070205080204" pitchFamily="34" charset="-128"/>
-                <a:cs typeface="+mn-cs"/>
-              </a:rPr>
-              <a:t>, </a:t>
-            </a:r>
-            <a:r>
-              <a:rPr kumimoji="0" lang="en-US" altLang="en-US" sz="2400" b="0" i="0" u="none" strike="noStrike" kern="0" cap="none" spc="0" normalizeH="0" baseline="0" noProof="0" dirty="0" err="1">
+                <a:latin typeface="Courier New" panose="02070309020205020404" pitchFamily="49" charset="0"/>
+                <a:ea typeface="ＭＳ Ｐゴシック" panose="020B0600070205080204" pitchFamily="34" charset="-128"/>
+              </a:rPr>
+              <a:t>getX</a:t>
+            </a:r>
+            <a:r>
+              <a:rPr kumimoji="0" lang="en-US" altLang="en-US" sz="2000" b="0" i="0" u="none" strike="noStrike" kern="0" cap="none" spc="0" normalizeH="0" baseline="0" noProof="0" dirty="0">
                 <a:ln>
                   <a:noFill/>
                 </a:ln>
@@ -9832,12 +9548,11 @@
                 <a:uFillTx/>
                 <a:latin typeface="Courier New" panose="02070309020205020404" pitchFamily="49" charset="0"/>
                 <a:ea typeface="ＭＳ Ｐゴシック" panose="020B0600070205080204" pitchFamily="34" charset="-128"/>
-                <a:cs typeface="+mn-cs"/>
-              </a:rPr>
-              <a:t>KeyAdapter</a:t>
-            </a:r>
-            <a:r>
-              <a:rPr kumimoji="0" lang="en-US" altLang="en-US" sz="2400" b="0" i="0" u="none" strike="noStrike" kern="0" cap="none" spc="0" normalizeH="0" baseline="0" noProof="0" dirty="0">
+              </a:rPr>
+              <a:t>(), </a:t>
+            </a:r>
+            <a:r>
+              <a:rPr kumimoji="0" lang="en-US" altLang="en-US" sz="2000" b="1" i="0" u="none" strike="noStrike" kern="0" cap="none" spc="0" normalizeH="0" baseline="0" noProof="0" dirty="0" err="1">
                 <a:ln>
                   <a:noFill/>
                 </a:ln>
@@ -9847,14 +9562,13 @@
                 <a:effectLst/>
                 <a:uLnTx/>
                 <a:uFillTx/>
-                <a:latin typeface="Times New Roman"/>
-                <a:ea typeface="ＭＳ Ｐゴシック" panose="020B0600070205080204" pitchFamily="34" charset="-128"/>
-                <a:cs typeface="+mn-cs"/>
-              </a:rPr>
-              <a:t>, </a:t>
-            </a:r>
-            <a:r>
-              <a:rPr kumimoji="0" lang="en-US" altLang="en-US" sz="2400" b="0" i="0" u="none" strike="noStrike" kern="0" cap="none" spc="0" normalizeH="0" baseline="0" noProof="0" dirty="0" err="1">
+                <a:latin typeface="Courier New" panose="02070309020205020404" pitchFamily="49" charset="0"/>
+                <a:ea typeface="ＭＳ Ｐゴシック" panose="020B0600070205080204" pitchFamily="34" charset="-128"/>
+              </a:rPr>
+              <a:t>getY</a:t>
+            </a:r>
+            <a:r>
+              <a:rPr kumimoji="0" lang="en-US" altLang="en-US" sz="2000" b="0" i="0" u="none" strike="noStrike" kern="0" cap="none" spc="0" normalizeH="0" baseline="0" noProof="0" dirty="0">
                 <a:ln>
                   <a:noFill/>
                 </a:ln>
@@ -9866,12 +9580,32 @@
                 <a:uFillTx/>
                 <a:latin typeface="Courier New" panose="02070309020205020404" pitchFamily="49" charset="0"/>
                 <a:ea typeface="ＭＳ Ｐゴシック" panose="020B0600070205080204" pitchFamily="34" charset="-128"/>
-                <a:cs typeface="+mn-cs"/>
-              </a:rPr>
-              <a:t>MouseAdapter</a:t>
-            </a:r>
-            <a:r>
-              <a:rPr kumimoji="0" lang="en-US" altLang="en-US" sz="2400" b="0" i="0" u="none" strike="noStrike" kern="0" cap="none" spc="0" normalizeH="0" baseline="0" noProof="0" dirty="0">
+              </a:rPr>
+              <a:t>()</a:t>
+            </a:r>
+          </a:p>
+          <a:p>
+            <a:pPr marL="911225" marR="0" lvl="2" indent="-220663" algn="l" defTabSz="914400" rtl="0" eaLnBrk="0" fontAlgn="base" latinLnBrk="0" hangingPunct="0">
+              <a:lnSpc>
+                <a:spcPct val="100000"/>
+              </a:lnSpc>
+              <a:spcBef>
+                <a:spcPct val="20000"/>
+              </a:spcBef>
+              <a:spcAft>
+                <a:spcPct val="0"/>
+              </a:spcAft>
+              <a:buClrTx/>
+              <a:buSzTx/>
+              <a:buFontTx/>
+              <a:buChar char="•"/>
+              <a:tabLst>
+                <a:tab pos="1255713" algn="l"/>
+              </a:tabLst>
+              <a:defRPr/>
+            </a:pPr>
+            <a:r>
+              <a:rPr kumimoji="0" lang="en-US" altLang="en-US" sz="2000" b="0" i="0" u="none" strike="noStrike" kern="0" cap="none" spc="0" normalizeH="0" baseline="0" noProof="0" dirty="0">
                 <a:ln>
                   <a:noFill/>
                 </a:ln>
@@ -9881,14 +9615,13 @@
                 <a:effectLst/>
                 <a:uLnTx/>
                 <a:uFillTx/>
-                <a:latin typeface="Times New Roman"/>
-                <a:ea typeface="ＭＳ Ｐゴシック" panose="020B0600070205080204" pitchFamily="34" charset="-128"/>
-                <a:cs typeface="+mn-cs"/>
-              </a:rPr>
-              <a:t>, </a:t>
-            </a:r>
-            <a:r>
-              <a:rPr kumimoji="0" lang="en-US" altLang="en-US" sz="2400" b="0" i="0" u="none" strike="noStrike" kern="0" cap="none" spc="0" normalizeH="0" baseline="0" noProof="0" dirty="0" err="1">
+                <a:latin typeface="Courier New" panose="02070309020205020404" pitchFamily="49" charset="0"/>
+                <a:ea typeface="ＭＳ Ｐゴシック" panose="020B0600070205080204" pitchFamily="34" charset="-128"/>
+              </a:rPr>
+              <a:t>Object </a:t>
+            </a:r>
+            <a:r>
+              <a:rPr kumimoji="0" lang="en-US" altLang="en-US" sz="2000" b="1" i="0" u="none" strike="noStrike" kern="0" cap="none" spc="0" normalizeH="0" baseline="0" noProof="0" dirty="0" err="1">
                 <a:ln>
                   <a:noFill/>
                 </a:ln>
@@ -9900,12 +9633,11 @@
                 <a:uFillTx/>
                 <a:latin typeface="Courier New" panose="02070309020205020404" pitchFamily="49" charset="0"/>
                 <a:ea typeface="ＭＳ Ｐゴシック" panose="020B0600070205080204" pitchFamily="34" charset="-128"/>
-                <a:cs typeface="+mn-cs"/>
-              </a:rPr>
-              <a:t>MouseMotionAdapter</a:t>
-            </a:r>
-            <a:r>
-              <a:rPr kumimoji="0" lang="en-US" altLang="en-US" sz="2400" b="0" i="0" u="none" strike="noStrike" kern="0" cap="none" spc="0" normalizeH="0" baseline="0" noProof="0" dirty="0">
+              </a:rPr>
+              <a:t>getSource</a:t>
+            </a:r>
+            <a:r>
+              <a:rPr kumimoji="0" lang="en-US" altLang="en-US" sz="2000" b="0" i="0" u="none" strike="noStrike" kern="0" cap="none" spc="0" normalizeH="0" baseline="0" noProof="0" dirty="0">
                 <a:ln>
                   <a:noFill/>
                 </a:ln>
@@ -9915,14 +9647,34 @@
                 <a:effectLst/>
                 <a:uLnTx/>
                 <a:uFillTx/>
-                <a:latin typeface="Times New Roman"/>
-                <a:ea typeface="ＭＳ Ｐゴシック" panose="020B0600070205080204" pitchFamily="34" charset="-128"/>
-                <a:cs typeface="+mn-cs"/>
-              </a:rPr>
-              <a:t>, </a:t>
-            </a:r>
-            <a:r>
-              <a:rPr kumimoji="0" lang="en-US" altLang="en-US" sz="2400" b="0" i="0" u="none" strike="noStrike" kern="0" cap="none" spc="0" normalizeH="0" baseline="0" noProof="0" dirty="0" err="1">
+                <a:latin typeface="Courier New" panose="02070309020205020404" pitchFamily="49" charset="0"/>
+                <a:ea typeface="ＭＳ Ｐゴシック" panose="020B0600070205080204" pitchFamily="34" charset="-128"/>
+              </a:rPr>
+              <a:t>()</a:t>
+            </a:r>
+          </a:p>
+          <a:p>
+            <a:pPr marL="911225" marR="0" lvl="2" indent="-220663" algn="l" defTabSz="914400" rtl="0" eaLnBrk="0" fontAlgn="base" latinLnBrk="0" hangingPunct="0">
+              <a:lnSpc>
+                <a:spcPct val="100000"/>
+              </a:lnSpc>
+              <a:spcBef>
+                <a:spcPct val="20000"/>
+              </a:spcBef>
+              <a:spcAft>
+                <a:spcPct val="0"/>
+              </a:spcAft>
+              <a:buClrTx/>
+              <a:buSzTx/>
+              <a:buFontTx/>
+              <a:buChar char="•"/>
+              <a:tabLst>
+                <a:tab pos="1255713" algn="l"/>
+              </a:tabLst>
+              <a:defRPr/>
+            </a:pPr>
+            <a:r>
+              <a:rPr kumimoji="0" lang="en-US" altLang="en-US" sz="2000" b="0" i="0" u="none" strike="noStrike" kern="0" cap="none" spc="0" normalizeH="0" baseline="0" noProof="0" dirty="0">
                 <a:ln>
                   <a:noFill/>
                 </a:ln>
@@ -9934,12 +9686,11 @@
                 <a:uFillTx/>
                 <a:latin typeface="Courier New" panose="02070309020205020404" pitchFamily="49" charset="0"/>
                 <a:ea typeface="ＭＳ Ｐゴシック" panose="020B0600070205080204" pitchFamily="34" charset="-128"/>
-                <a:cs typeface="+mn-cs"/>
-              </a:rPr>
-              <a:t>WindowAdapter</a:t>
-            </a:r>
-            <a:r>
-              <a:rPr kumimoji="0" lang="en-US" altLang="en-US" sz="2400" b="0" i="0" u="none" strike="noStrike" kern="0" cap="none" spc="0" normalizeH="0" baseline="0" noProof="0" dirty="0">
+              </a:rPr>
+              <a:t>int </a:t>
+            </a:r>
+            <a:r>
+              <a:rPr kumimoji="0" lang="en-US" altLang="en-US" sz="2000" b="1" i="0" u="none" strike="noStrike" kern="0" cap="none" spc="0" normalizeH="0" baseline="0" noProof="0" dirty="0" err="1">
                 <a:ln>
                   <a:noFill/>
                 </a:ln>
@@ -9949,11 +9700,26 @@
                 <a:effectLst/>
                 <a:uLnTx/>
                 <a:uFillTx/>
-                <a:latin typeface="Times New Roman"/>
-                <a:ea typeface="ＭＳ Ｐゴシック" panose="020B0600070205080204" pitchFamily="34" charset="-128"/>
-                <a:cs typeface="+mn-cs"/>
-              </a:rPr>
-              <a:t>, ...)</a:t>
+                <a:latin typeface="Courier New" panose="02070309020205020404" pitchFamily="49" charset="0"/>
+                <a:ea typeface="ＭＳ Ｐゴシック" panose="020B0600070205080204" pitchFamily="34" charset="-128"/>
+              </a:rPr>
+              <a:t>getModifiers</a:t>
+            </a:r>
+            <a:r>
+              <a:rPr kumimoji="0" lang="en-US" altLang="en-US" sz="2000" b="0" i="0" u="none" strike="noStrike" kern="0" cap="none" spc="0" normalizeH="0" baseline="0" noProof="0" dirty="0">
+                <a:ln>
+                  <a:noFill/>
+                </a:ln>
+                <a:solidFill>
+                  <a:srgbClr val="000000"/>
+                </a:solidFill>
+                <a:effectLst/>
+                <a:uLnTx/>
+                <a:uFillTx/>
+                <a:latin typeface="Courier New" panose="02070309020205020404" pitchFamily="49" charset="0"/>
+                <a:ea typeface="ＭＳ Ｐゴシック" panose="020B0600070205080204" pitchFamily="34" charset="-128"/>
+              </a:rPr>
+              <a:t>()  // use masks with this</a:t>
             </a:r>
           </a:p>
         </p:txBody>
@@ -10010,7 +9776,7 @@
     </p:spTree>
     <p:extLst>
       <p:ext uri="{BB962C8B-B14F-4D97-AF65-F5344CB8AC3E}">
-        <p14:creationId xmlns:p14="http://schemas.microsoft.com/office/powerpoint/2010/main" xmlns="" val="3252093137"/>
+        <p14:creationId xmlns="" xmlns:p14="http://schemas.microsoft.com/office/powerpoint/2010/main" val="3830296394"/>
       </p:ext>
     </p:extLst>
   </p:cSld>
@@ -10309,7 +10075,7 @@
   <a:extraClrSchemeLst/>
   <a:extLst>
     <a:ext uri="{05A4C25C-085E-4340-85A3-A5531E510DB2}">
-      <thm15:themeFamily xmlns:thm15="http://schemas.microsoft.com/office/thememl/2012/main" xmlns="" name="eye_tracker_presentation" id="{00ED1D97-A04B-46A0-BB71-88655A6B057F}" vid="{F36189FA-3966-4852-951E-5734674D1C7B}"/>
+      <thm15:themeFamily xmlns="" xmlns:thm15="http://schemas.microsoft.com/office/thememl/2012/main" name="eye_tracker_presentation" id="{00ED1D97-A04B-46A0-BB71-88655A6B057F}" vid="{F36189FA-3966-4852-951E-5734674D1C7B}"/>
     </a:ext>
   </a:extLst>
 </a:theme>
@@ -10604,7 +10370,7 @@
   <a:extraClrSchemeLst/>
   <a:extLst>
     <a:ext uri="{05A4C25C-085E-4340-85A3-A5531E510DB2}">
-      <thm15:themeFamily xmlns:thm15="http://schemas.microsoft.com/office/thememl/2012/main" xmlns="" name="Office Theme" id="{62F939B6-93AF-4DB8-9C6B-D6C7DFDC589F}" vid="{4A3C46E8-61CC-4603-A589-7422A47A8E4A}"/>
+      <thm15:themeFamily xmlns="" xmlns:thm15="http://schemas.microsoft.com/office/thememl/2012/main" name="Office Theme" id="{62F939B6-93AF-4DB8-9C6B-D6C7DFDC589F}" vid="{4A3C46E8-61CC-4603-A589-7422A47A8E4A}"/>
     </a:ext>
   </a:extLst>
 </a:theme>
